--- a/1. Lectures/Introducción a la Optimización aplicada a Sistemas de Energía Eléctrica/Dia 1/2. Modelamiento & Optimización.pptx
+++ b/1. Lectures/Introducción a la Optimización aplicada a Sistemas de Energía Eléctrica/Dia 1/2. Modelamiento & Optimización.pptx
@@ -5,10 +5,10 @@
     <p:sldMasterId id="2147483732" r:id="rId1"/>
   </p:sldMasterIdLst>
   <p:notesMasterIdLst>
-    <p:notesMasterId r:id="rId8"/>
+    <p:notesMasterId r:id="rId10"/>
   </p:notesMasterIdLst>
   <p:handoutMasterIdLst>
-    <p:handoutMasterId r:id="rId9"/>
+    <p:handoutMasterId r:id="rId11"/>
   </p:handoutMasterIdLst>
   <p:sldIdLst>
     <p:sldId id="256" r:id="rId2"/>
@@ -16,7 +16,9 @@
     <p:sldId id="394" r:id="rId4"/>
     <p:sldId id="397" r:id="rId5"/>
     <p:sldId id="396" r:id="rId6"/>
-    <p:sldId id="395" r:id="rId7"/>
+    <p:sldId id="399" r:id="rId7"/>
+    <p:sldId id="395" r:id="rId8"/>
+    <p:sldId id="398" r:id="rId9"/>
   </p:sldIdLst>
   <p:sldSz cx="9144000" cy="6858000" type="screen4x3"/>
   <p:notesSz cx="6858000" cy="9144000"/>
@@ -125,7 +127,9 @@
             <p14:sldId id="394"/>
             <p14:sldId id="397"/>
             <p14:sldId id="396"/>
+            <p14:sldId id="399"/>
             <p14:sldId id="395"/>
+            <p14:sldId id="398"/>
           </p14:sldIdLst>
         </p14:section>
       </p14:sectionLst>
@@ -4152,7 +4156,7 @@
           </a:bodyPr>
           <a:lstStyle>
             <a:lvl1pPr algn="ctr" eaLnBrk="1" latinLnBrk="0" hangingPunct="1">
-              <a:defRPr kumimoji="0" sz="1050">
+              <a:defRPr kumimoji="0" sz="1400">
                 <a:solidFill>
                   <a:sysClr val="windowText" lastClr="000000"/>
                 </a:solidFill>
@@ -4324,6 +4328,36 @@
             <a:ext cx="704761" cy="576064"/>
           </a:xfrm>
           <a:prstGeom prst="ellipse">
+            <a:avLst/>
+          </a:prstGeom>
+        </p:spPr>
+      </p:pic>
+      <p:pic>
+        <p:nvPicPr>
+          <p:cNvPr id="3" name="Imagen 2"/>
+          <p:cNvPicPr>
+            <a:picLocks noChangeAspect="1"/>
+          </p:cNvPicPr>
+          <p:nvPr userDrawn="1"/>
+        </p:nvPicPr>
+        <p:blipFill>
+          <a:blip r:embed="rId15" cstate="print">
+            <a:extLst>
+              <a:ext uri="{28A0092B-C50C-407E-A947-70E740481C1C}">
+                <a14:useLocalDpi xmlns:a14="http://schemas.microsoft.com/office/drawing/2010/main" val="0"/>
+              </a:ext>
+            </a:extLst>
+          </a:blip>
+          <a:stretch>
+            <a:fillRect/>
+          </a:stretch>
+        </p:blipFill>
+        <p:spPr>
+          <a:xfrm>
+            <a:off x="8390077" y="6146157"/>
+            <a:ext cx="582303" cy="539229"/>
+          </a:xfrm>
+          <a:prstGeom prst="rect">
             <a:avLst/>
           </a:prstGeom>
         </p:spPr>
@@ -5873,11 +5907,7 @@
             </a:pPr>
             <a:r>
               <a:rPr lang="es-MX" sz="2000" dirty="0"/>
-              <a:t>¿Cuántas sillas y mesas construyo con el fin de obtener la máxima </a:t>
-            </a:r>
-            <a:r>
-              <a:rPr lang="es-MX" sz="2000"/>
-              <a:t>utilidad por semana?  </a:t>
+              <a:t>¿Cuántas sillas y mesas construyo con el fin de obtener la máxima utilidad por semana?  </a:t>
             </a:r>
             <a:endParaRPr lang="es-PE" sz="2000" dirty="0"/>
           </a:p>
@@ -5993,8 +6023,8 @@
           </a:p>
         </p:txBody>
       </p:sp>
-      <mc:AlternateContent xmlns:mc="http://schemas.openxmlformats.org/markup-compatibility/2006">
-        <mc:Choice xmlns:a14="http://schemas.microsoft.com/office/drawing/2010/main" Requires="a14">
+      <mc:AlternateContent xmlns:mc="http://schemas.openxmlformats.org/markup-compatibility/2006" xmlns:a14="http://schemas.microsoft.com/office/drawing/2010/main">
+        <mc:Choice Requires="a14">
           <p:sp>
             <p:nvSpPr>
               <p:cNvPr id="5" name="CuadroTexto 4"/>
@@ -6081,7 +6111,7 @@
             </p:txBody>
           </p:sp>
         </mc:Choice>
-        <mc:Fallback>
+        <mc:Fallback xmlns="">
           <p:sp>
             <p:nvSpPr>
               <p:cNvPr id="5" name="CuadroTexto 4"/>
@@ -7276,7 +7306,7 @@
           <a:p>
             <a:r>
               <a:rPr lang="es-PE" altLang="en-US" dirty="0"/>
-              <a:t>Modelamiento matemático</a:t>
+              <a:t>Modelamiento matemático: Definición</a:t>
             </a:r>
           </a:p>
         </p:txBody>
@@ -7289,8 +7319,8 @@
         </p:nvSpPr>
         <p:spPr>
           <a:xfrm>
-            <a:off x="602191" y="836712"/>
-            <a:ext cx="8002257" cy="2246769"/>
+            <a:off x="602191" y="620688"/>
+            <a:ext cx="8002257" cy="3724096"/>
           </a:xfrm>
           <a:prstGeom prst="rect">
             <a:avLst/>
@@ -7303,27 +7333,34 @@
           </a:bodyPr>
           <a:lstStyle/>
           <a:p>
-            <a:pPr marL="285750" indent="-285750">
+            <a:pPr marL="285750" indent="-285750" algn="just">
               <a:buFont typeface="Arial" panose="020B0604020202020204" pitchFamily="34" charset="0"/>
               <a:buChar char="•"/>
             </a:pPr>
             <a:r>
+              <a:rPr lang="es-MX" sz="2400" dirty="0"/>
+              <a:t>Definición: </a:t>
+            </a:r>
+          </a:p>
+          <a:p>
+            <a:pPr lvl="1" algn="just"/>
+            <a:r>
               <a:rPr lang="es-MX" sz="2000" dirty="0"/>
-              <a:t>Definición: Proceso de abstracción de la realidad hacia formas matemáticas para representar partes de ella.</a:t>
-            </a:r>
-          </a:p>
-          <a:p>
-            <a:pPr marL="285750" indent="-285750">
+              <a:t>Proceso de abstracción de la realidad hacia formas matemáticas para representar partes de ella (como ejemplo, se tiene: la planificación de la política económica de un país). Este proceso es llevado a cabo para facilitar la comprensión y/o estudio de las características de dicha realidad.</a:t>
+            </a:r>
+          </a:p>
+          <a:p>
+            <a:pPr marL="285750" indent="-285750" algn="just">
               <a:buFont typeface="Arial" panose="020B0604020202020204" pitchFamily="34" charset="0"/>
               <a:buChar char="•"/>
             </a:pPr>
             <a:r>
-              <a:rPr lang="es-MX" sz="2000" dirty="0"/>
+              <a:rPr lang="es-MX" sz="2400" dirty="0"/>
               <a:t>Entonces: </a:t>
             </a:r>
           </a:p>
           <a:p>
-            <a:pPr marL="742950" lvl="1" indent="-285750">
+            <a:pPr marL="742950" lvl="1" indent="-285750" algn="just">
               <a:buFont typeface="Arial" panose="020B0604020202020204" pitchFamily="34" charset="0"/>
               <a:buChar char="•"/>
             </a:pPr>
@@ -7333,7 +7370,7 @@
             </a:r>
           </a:p>
           <a:p>
-            <a:pPr marL="742950" lvl="1" indent="-285750">
+            <a:pPr marL="742950" lvl="1" indent="-285750" algn="just">
               <a:buFont typeface="Arial" panose="020B0604020202020204" pitchFamily="34" charset="0"/>
               <a:buChar char="•"/>
             </a:pPr>
@@ -7343,800 +7380,41 @@
             </a:r>
           </a:p>
           <a:p>
-            <a:pPr marL="285750" indent="-285750">
+            <a:pPr marL="742950" lvl="1" indent="-285750" algn="just">
               <a:buFont typeface="Arial" panose="020B0604020202020204" pitchFamily="34" charset="0"/>
               <a:buChar char="•"/>
             </a:pPr>
             <a:r>
               <a:rPr lang="es-MX" sz="2000" dirty="0"/>
-              <a:t>Modelador: desarrollo del modelo.</a:t>
-            </a:r>
-          </a:p>
-          <a:p>
-            <a:pPr marL="285750" indent="-285750">
+              <a:t>Puede necesitar un equipo interdisciplinario</a:t>
+            </a:r>
+          </a:p>
+          <a:p>
+            <a:pPr marL="285750" indent="-285750" algn="just">
               <a:buFont typeface="Arial" panose="020B0604020202020204" pitchFamily="34" charset="0"/>
               <a:buChar char="•"/>
             </a:pPr>
             <a:r>
-              <a:rPr lang="es-MX" sz="2000" dirty="0"/>
-              <a:t>Experto: conocimiento de la realidad del problema</a:t>
-            </a:r>
-          </a:p>
-        </p:txBody>
-      </p:sp>
-      <p:sp>
-        <p:nvSpPr>
-          <p:cNvPr id="7" name="Rectángulo redondeado 6"/>
-          <p:cNvSpPr/>
-          <p:nvPr/>
-        </p:nvSpPr>
-        <p:spPr>
-          <a:xfrm>
-            <a:off x="971600" y="3389095"/>
-            <a:ext cx="1440160" cy="720080"/>
-          </a:xfrm>
-          <a:prstGeom prst="roundRect">
-            <a:avLst/>
-          </a:prstGeom>
-          <a:ln>
-            <a:solidFill>
-              <a:schemeClr val="tx2"/>
-            </a:solidFill>
-          </a:ln>
-        </p:spPr>
-        <p:style>
-          <a:lnRef idx="2">
-            <a:schemeClr val="accent1">
-              <a:shade val="50000"/>
-            </a:schemeClr>
-          </a:lnRef>
-          <a:fillRef idx="1">
-            <a:schemeClr val="accent1"/>
-          </a:fillRef>
-          <a:effectRef idx="0">
-            <a:schemeClr val="accent1"/>
-          </a:effectRef>
-          <a:fontRef idx="minor">
-            <a:schemeClr val="lt1"/>
-          </a:fontRef>
-        </p:style>
-        <p:txBody>
-          <a:bodyPr rtlCol="0" anchor="ctr"/>
-          <a:lstStyle/>
-          <a:p>
-            <a:pPr algn="ctr"/>
-            <a:r>
-              <a:rPr lang="es-MX" dirty="0"/>
-              <a:t>Realidad</a:t>
-            </a:r>
-            <a:endParaRPr lang="es-PE" dirty="0"/>
-          </a:p>
-        </p:txBody>
-      </p:sp>
-      <p:sp>
-        <p:nvSpPr>
-          <p:cNvPr id="6" name="Rectángulo redondeado 5"/>
-          <p:cNvSpPr/>
-          <p:nvPr/>
-        </p:nvSpPr>
-        <p:spPr>
-          <a:xfrm>
-            <a:off x="3851920" y="3425099"/>
-            <a:ext cx="1368152" cy="648072"/>
-          </a:xfrm>
-          <a:prstGeom prst="roundRect">
-            <a:avLst/>
-          </a:prstGeom>
-          <a:solidFill>
-            <a:schemeClr val="accent1"/>
-          </a:solidFill>
-          <a:ln>
-            <a:solidFill>
-              <a:schemeClr val="tx2"/>
-            </a:solidFill>
-          </a:ln>
-        </p:spPr>
-        <p:style>
-          <a:lnRef idx="2">
-            <a:schemeClr val="accent3">
-              <a:shade val="50000"/>
-            </a:schemeClr>
-          </a:lnRef>
-          <a:fillRef idx="1">
-            <a:schemeClr val="accent3"/>
-          </a:fillRef>
-          <a:effectRef idx="0">
-            <a:schemeClr val="accent3"/>
-          </a:effectRef>
-          <a:fontRef idx="minor">
-            <a:schemeClr val="lt1"/>
-          </a:fontRef>
-        </p:style>
-        <p:txBody>
-          <a:bodyPr rtlCol="0" anchor="ctr"/>
-          <a:lstStyle/>
-          <a:p>
-            <a:pPr algn="ctr"/>
-            <a:r>
-              <a:rPr lang="es-MX" dirty="0"/>
-              <a:t>Realidad asumida</a:t>
-            </a:r>
-            <a:endParaRPr lang="es-PE" dirty="0"/>
-          </a:p>
-        </p:txBody>
-      </p:sp>
-      <p:sp>
-        <p:nvSpPr>
-          <p:cNvPr id="8" name="Rectángulo redondeado 7"/>
-          <p:cNvSpPr/>
-          <p:nvPr/>
-        </p:nvSpPr>
-        <p:spPr>
-          <a:xfrm>
-            <a:off x="6660232" y="3425099"/>
-            <a:ext cx="1368152" cy="648072"/>
-          </a:xfrm>
-          <a:prstGeom prst="roundRect">
-            <a:avLst/>
-          </a:prstGeom>
-          <a:solidFill>
-            <a:schemeClr val="accent2">
-              <a:lumMod val="75000"/>
-            </a:schemeClr>
-          </a:solidFill>
-          <a:ln>
-            <a:solidFill>
-              <a:schemeClr val="accent2">
-                <a:lumMod val="50000"/>
-              </a:schemeClr>
-            </a:solidFill>
-          </a:ln>
-        </p:spPr>
-        <p:style>
-          <a:lnRef idx="2">
-            <a:schemeClr val="accent3">
-              <a:shade val="50000"/>
-            </a:schemeClr>
-          </a:lnRef>
-          <a:fillRef idx="1">
-            <a:schemeClr val="accent3"/>
-          </a:fillRef>
-          <a:effectRef idx="0">
-            <a:schemeClr val="accent3"/>
-          </a:effectRef>
-          <a:fontRef idx="minor">
-            <a:schemeClr val="lt1"/>
-          </a:fontRef>
-        </p:style>
-        <p:txBody>
-          <a:bodyPr rtlCol="0" anchor="ctr"/>
-          <a:lstStyle/>
-          <a:p>
-            <a:pPr algn="ctr"/>
-            <a:r>
-              <a:rPr lang="es-MX" dirty="0"/>
-              <a:t>Modelo</a:t>
-            </a:r>
-            <a:endParaRPr lang="es-PE" dirty="0"/>
-          </a:p>
-        </p:txBody>
-      </p:sp>
-      <p:sp>
-        <p:nvSpPr>
-          <p:cNvPr id="9" name="Rectángulo redondeado 8"/>
-          <p:cNvSpPr/>
-          <p:nvPr/>
-        </p:nvSpPr>
-        <p:spPr>
-          <a:xfrm>
-            <a:off x="971600" y="5085184"/>
-            <a:ext cx="1440160" cy="720080"/>
-          </a:xfrm>
-          <a:prstGeom prst="roundRect">
-            <a:avLst/>
-          </a:prstGeom>
-          <a:solidFill>
-            <a:schemeClr val="bg2">
-              <a:lumMod val="50000"/>
-            </a:schemeClr>
-          </a:solidFill>
-          <a:ln>
-            <a:solidFill>
-              <a:schemeClr val="bg2">
-                <a:lumMod val="10000"/>
-              </a:schemeClr>
-            </a:solidFill>
-          </a:ln>
-        </p:spPr>
-        <p:style>
-          <a:lnRef idx="2">
-            <a:schemeClr val="accent1">
-              <a:shade val="50000"/>
-            </a:schemeClr>
-          </a:lnRef>
-          <a:fillRef idx="1">
-            <a:schemeClr val="accent1"/>
-          </a:fillRef>
-          <a:effectRef idx="0">
-            <a:schemeClr val="accent1"/>
-          </a:effectRef>
-          <a:fontRef idx="minor">
-            <a:schemeClr val="lt1"/>
-          </a:fontRef>
-        </p:style>
-        <p:txBody>
-          <a:bodyPr rtlCol="0" anchor="ctr"/>
-          <a:lstStyle/>
-          <a:p>
-            <a:pPr algn="ctr"/>
-            <a:r>
-              <a:rPr lang="es-MX" dirty="0"/>
-              <a:t>Solución</a:t>
-            </a:r>
-            <a:r>
-              <a:rPr lang="es-PE" dirty="0"/>
-              <a:t> al problema</a:t>
-            </a:r>
-          </a:p>
-        </p:txBody>
-      </p:sp>
-      <p:sp>
-        <p:nvSpPr>
-          <p:cNvPr id="10" name="Rectángulo redondeado 9"/>
-          <p:cNvSpPr/>
-          <p:nvPr/>
-        </p:nvSpPr>
-        <p:spPr>
-          <a:xfrm>
-            <a:off x="3851920" y="5121188"/>
-            <a:ext cx="1368152" cy="648072"/>
-          </a:xfrm>
-          <a:prstGeom prst="roundRect">
-            <a:avLst/>
-          </a:prstGeom>
-          <a:solidFill>
-            <a:schemeClr val="accent1"/>
-          </a:solidFill>
-          <a:ln>
-            <a:solidFill>
-              <a:schemeClr val="tx2"/>
-            </a:solidFill>
-          </a:ln>
-        </p:spPr>
-        <p:style>
-          <a:lnRef idx="2">
-            <a:schemeClr val="accent3">
-              <a:shade val="50000"/>
-            </a:schemeClr>
-          </a:lnRef>
-          <a:fillRef idx="1">
-            <a:schemeClr val="accent3"/>
-          </a:fillRef>
-          <a:effectRef idx="0">
-            <a:schemeClr val="accent3"/>
-          </a:effectRef>
-          <a:fontRef idx="minor">
-            <a:schemeClr val="lt1"/>
-          </a:fontRef>
-        </p:style>
-        <p:txBody>
-          <a:bodyPr rtlCol="0" anchor="ctr"/>
-          <a:lstStyle/>
-          <a:p>
-            <a:pPr algn="ctr"/>
-            <a:r>
-              <a:rPr lang="es-MX" dirty="0"/>
-              <a:t>Juicios y experiencias</a:t>
-            </a:r>
-            <a:endParaRPr lang="es-PE" dirty="0"/>
-          </a:p>
-        </p:txBody>
-      </p:sp>
-      <p:sp>
-        <p:nvSpPr>
-          <p:cNvPr id="11" name="Rectángulo redondeado 10"/>
-          <p:cNvSpPr/>
-          <p:nvPr/>
-        </p:nvSpPr>
-        <p:spPr>
-          <a:xfrm>
-            <a:off x="6660232" y="5121188"/>
-            <a:ext cx="1368152" cy="648072"/>
-          </a:xfrm>
-          <a:prstGeom prst="roundRect">
-            <a:avLst/>
-          </a:prstGeom>
-          <a:solidFill>
-            <a:schemeClr val="bg2">
-              <a:lumMod val="50000"/>
-            </a:schemeClr>
-          </a:solidFill>
-          <a:ln>
-            <a:solidFill>
-              <a:schemeClr val="bg2">
-                <a:lumMod val="10000"/>
-              </a:schemeClr>
-            </a:solidFill>
-          </a:ln>
-        </p:spPr>
-        <p:style>
-          <a:lnRef idx="2">
-            <a:schemeClr val="accent3">
-              <a:shade val="50000"/>
-            </a:schemeClr>
-          </a:lnRef>
-          <a:fillRef idx="1">
-            <a:schemeClr val="accent3"/>
-          </a:fillRef>
-          <a:effectRef idx="0">
-            <a:schemeClr val="accent3"/>
-          </a:effectRef>
-          <a:fontRef idx="minor">
-            <a:schemeClr val="lt1"/>
-          </a:fontRef>
-        </p:style>
-        <p:txBody>
-          <a:bodyPr rtlCol="0" anchor="ctr"/>
-          <a:lstStyle/>
-          <a:p>
-            <a:pPr algn="ctr"/>
-            <a:r>
-              <a:rPr lang="es-MX" dirty="0"/>
-              <a:t>Solución al Modelo</a:t>
-            </a:r>
-            <a:endParaRPr lang="es-PE" dirty="0"/>
-          </a:p>
-        </p:txBody>
-      </p:sp>
-      <p:cxnSp>
-        <p:nvCxnSpPr>
-          <p:cNvPr id="12" name="Conector recto de flecha 11"/>
-          <p:cNvCxnSpPr>
-            <a:stCxn id="7" idx="3"/>
-            <a:endCxn id="6" idx="1"/>
-          </p:cNvCxnSpPr>
-          <p:nvPr/>
-        </p:nvCxnSpPr>
-        <p:spPr>
-          <a:xfrm>
-            <a:off x="2411760" y="3749135"/>
-            <a:ext cx="1440160" cy="0"/>
-          </a:xfrm>
-          <a:prstGeom prst="straightConnector1">
-            <a:avLst/>
-          </a:prstGeom>
-          <a:ln w="28575">
-            <a:tailEnd type="triangle"/>
-          </a:ln>
-        </p:spPr>
-        <p:style>
-          <a:lnRef idx="1">
-            <a:schemeClr val="dk1"/>
-          </a:lnRef>
-          <a:fillRef idx="0">
-            <a:schemeClr val="dk1"/>
-          </a:fillRef>
-          <a:effectRef idx="0">
-            <a:schemeClr val="dk1"/>
-          </a:effectRef>
-          <a:fontRef idx="minor">
-            <a:schemeClr val="tx1"/>
-          </a:fontRef>
-        </p:style>
-      </p:cxnSp>
-      <p:cxnSp>
-        <p:nvCxnSpPr>
-          <p:cNvPr id="14" name="Conector recto de flecha 13"/>
-          <p:cNvCxnSpPr>
-            <a:stCxn id="6" idx="3"/>
-            <a:endCxn id="8" idx="1"/>
-          </p:cNvCxnSpPr>
-          <p:nvPr/>
-        </p:nvCxnSpPr>
-        <p:spPr>
-          <a:xfrm>
-            <a:off x="5220072" y="3749135"/>
-            <a:ext cx="1440160" cy="0"/>
-          </a:xfrm>
-          <a:prstGeom prst="straightConnector1">
-            <a:avLst/>
-          </a:prstGeom>
-          <a:ln w="28575">
-            <a:tailEnd type="triangle"/>
-          </a:ln>
-        </p:spPr>
-        <p:style>
-          <a:lnRef idx="1">
-            <a:schemeClr val="dk1"/>
-          </a:lnRef>
-          <a:fillRef idx="0">
-            <a:schemeClr val="dk1"/>
-          </a:fillRef>
-          <a:effectRef idx="0">
-            <a:schemeClr val="dk1"/>
-          </a:effectRef>
-          <a:fontRef idx="minor">
-            <a:schemeClr val="tx1"/>
-          </a:fontRef>
-        </p:style>
-      </p:cxnSp>
-      <p:sp>
-        <p:nvSpPr>
-          <p:cNvPr id="15" name="CuadroTexto 14"/>
-          <p:cNvSpPr txBox="1"/>
-          <p:nvPr/>
-        </p:nvSpPr>
-        <p:spPr>
-          <a:xfrm>
-            <a:off x="2729742" y="3487525"/>
-            <a:ext cx="804195" cy="523220"/>
-          </a:xfrm>
-          <a:prstGeom prst="rect">
-            <a:avLst/>
-          </a:prstGeom>
-          <a:noFill/>
-        </p:spPr>
-        <p:txBody>
-          <a:bodyPr wrap="none" rtlCol="0">
-            <a:spAutoFit/>
-          </a:bodyPr>
-          <a:lstStyle/>
-          <a:p>
-            <a:pPr algn="ctr"/>
-            <a:r>
-              <a:rPr lang="es-PE" sz="1400" dirty="0"/>
-              <a:t>Variables </a:t>
-            </a:r>
-          </a:p>
-          <a:p>
-            <a:pPr algn="ctr"/>
-            <a:r>
-              <a:rPr lang="es-PE" sz="1400" dirty="0"/>
-              <a:t>relevante</a:t>
-            </a:r>
-          </a:p>
-        </p:txBody>
-      </p:sp>
-      <p:sp>
-        <p:nvSpPr>
-          <p:cNvPr id="16" name="CuadroTexto 15"/>
-          <p:cNvSpPr txBox="1"/>
-          <p:nvPr/>
-        </p:nvSpPr>
-        <p:spPr>
-          <a:xfrm>
-            <a:off x="5482334" y="3487525"/>
-            <a:ext cx="915635" cy="523220"/>
-          </a:xfrm>
-          <a:prstGeom prst="rect">
-            <a:avLst/>
-          </a:prstGeom>
-          <a:noFill/>
-        </p:spPr>
-        <p:txBody>
-          <a:bodyPr wrap="none" rtlCol="0">
-            <a:spAutoFit/>
-          </a:bodyPr>
-          <a:lstStyle/>
-          <a:p>
-            <a:pPr algn="ctr"/>
-            <a:r>
-              <a:rPr lang="es-PE" sz="1400" dirty="0"/>
-              <a:t>Relaciones </a:t>
-            </a:r>
-          </a:p>
-          <a:p>
-            <a:pPr algn="ctr"/>
-            <a:r>
-              <a:rPr lang="es-PE" sz="1400" dirty="0"/>
-              <a:t>relevante</a:t>
-            </a:r>
-          </a:p>
-        </p:txBody>
-      </p:sp>
-      <p:cxnSp>
-        <p:nvCxnSpPr>
-          <p:cNvPr id="18" name="Conector recto de flecha 17"/>
-          <p:cNvCxnSpPr>
-            <a:stCxn id="8" idx="2"/>
-            <a:endCxn id="11" idx="0"/>
-          </p:cNvCxnSpPr>
-          <p:nvPr/>
-        </p:nvCxnSpPr>
-        <p:spPr>
-          <a:xfrm>
-            <a:off x="7344308" y="4073171"/>
-            <a:ext cx="0" cy="1048017"/>
-          </a:xfrm>
-          <a:prstGeom prst="straightConnector1">
-            <a:avLst/>
-          </a:prstGeom>
-          <a:ln w="28575">
-            <a:tailEnd type="triangle"/>
-          </a:ln>
-        </p:spPr>
-        <p:style>
-          <a:lnRef idx="1">
-            <a:schemeClr val="dk1"/>
-          </a:lnRef>
-          <a:fillRef idx="0">
-            <a:schemeClr val="dk1"/>
-          </a:fillRef>
-          <a:effectRef idx="0">
-            <a:schemeClr val="dk1"/>
-          </a:effectRef>
-          <a:fontRef idx="minor">
-            <a:schemeClr val="tx1"/>
-          </a:fontRef>
-        </p:style>
-      </p:cxnSp>
-      <p:cxnSp>
-        <p:nvCxnSpPr>
-          <p:cNvPr id="20" name="Conector recto de flecha 19"/>
-          <p:cNvCxnSpPr>
-            <a:stCxn id="11" idx="1"/>
-            <a:endCxn id="10" idx="3"/>
-          </p:cNvCxnSpPr>
-          <p:nvPr/>
-        </p:nvCxnSpPr>
-        <p:spPr>
-          <a:xfrm flipH="1">
-            <a:off x="5220072" y="5445224"/>
-            <a:ext cx="1440160" cy="0"/>
-          </a:xfrm>
-          <a:prstGeom prst="straightConnector1">
-            <a:avLst/>
-          </a:prstGeom>
-          <a:ln w="28575">
-            <a:tailEnd type="triangle"/>
-          </a:ln>
-        </p:spPr>
-        <p:style>
-          <a:lnRef idx="1">
-            <a:schemeClr val="dk1"/>
-          </a:lnRef>
-          <a:fillRef idx="0">
-            <a:schemeClr val="dk1"/>
-          </a:fillRef>
-          <a:effectRef idx="0">
-            <a:schemeClr val="dk1"/>
-          </a:effectRef>
-          <a:fontRef idx="minor">
-            <a:schemeClr val="tx1"/>
-          </a:fontRef>
-        </p:style>
-      </p:cxnSp>
-      <p:cxnSp>
-        <p:nvCxnSpPr>
-          <p:cNvPr id="22" name="Conector recto de flecha 21"/>
-          <p:cNvCxnSpPr>
-            <a:stCxn id="10" idx="1"/>
-            <a:endCxn id="9" idx="3"/>
-          </p:cNvCxnSpPr>
-          <p:nvPr/>
-        </p:nvCxnSpPr>
-        <p:spPr>
-          <a:xfrm flipH="1">
-            <a:off x="2411760" y="5445224"/>
-            <a:ext cx="1440160" cy="0"/>
-          </a:xfrm>
-          <a:prstGeom prst="straightConnector1">
-            <a:avLst/>
-          </a:prstGeom>
-          <a:ln w="28575">
-            <a:tailEnd type="triangle"/>
-          </a:ln>
-        </p:spPr>
-        <p:style>
-          <a:lnRef idx="1">
-            <a:schemeClr val="dk1"/>
-          </a:lnRef>
-          <a:fillRef idx="0">
-            <a:schemeClr val="dk1"/>
-          </a:fillRef>
-          <a:effectRef idx="0">
-            <a:schemeClr val="dk1"/>
-          </a:effectRef>
-          <a:fontRef idx="minor">
-            <a:schemeClr val="tx1"/>
-          </a:fontRef>
-        </p:style>
-      </p:cxnSp>
-      <p:cxnSp>
-        <p:nvCxnSpPr>
-          <p:cNvPr id="24" name="Conector recto de flecha 23"/>
-          <p:cNvCxnSpPr>
-            <a:stCxn id="9" idx="0"/>
-            <a:endCxn id="7" idx="2"/>
-          </p:cNvCxnSpPr>
-          <p:nvPr/>
-        </p:nvCxnSpPr>
-        <p:spPr>
-          <a:xfrm flipV="1">
-            <a:off x="1691680" y="4109175"/>
-            <a:ext cx="0" cy="976009"/>
-          </a:xfrm>
-          <a:prstGeom prst="straightConnector1">
-            <a:avLst/>
-          </a:prstGeom>
-          <a:ln w="28575">
-            <a:tailEnd type="triangle"/>
-          </a:ln>
-        </p:spPr>
-        <p:style>
-          <a:lnRef idx="1">
-            <a:schemeClr val="dk1"/>
-          </a:lnRef>
-          <a:fillRef idx="0">
-            <a:schemeClr val="dk1"/>
-          </a:fillRef>
-          <a:effectRef idx="0">
-            <a:schemeClr val="dk1"/>
-          </a:effectRef>
-          <a:fontRef idx="minor">
-            <a:schemeClr val="tx1"/>
-          </a:fontRef>
-        </p:style>
-      </p:cxnSp>
-      <p:cxnSp>
-        <p:nvCxnSpPr>
-          <p:cNvPr id="26" name="Conector recto de flecha 25"/>
-          <p:cNvCxnSpPr>
-            <a:stCxn id="10" idx="0"/>
-            <a:endCxn id="6" idx="2"/>
-          </p:cNvCxnSpPr>
-          <p:nvPr/>
-        </p:nvCxnSpPr>
-        <p:spPr>
-          <a:xfrm flipV="1">
-            <a:off x="4535996" y="4073171"/>
-            <a:ext cx="0" cy="1048017"/>
-          </a:xfrm>
-          <a:prstGeom prst="straightConnector1">
-            <a:avLst/>
-          </a:prstGeom>
-          <a:ln w="28575">
-            <a:tailEnd type="triangle"/>
-          </a:ln>
-        </p:spPr>
-        <p:style>
-          <a:lnRef idx="1">
-            <a:schemeClr val="dk1"/>
-          </a:lnRef>
-          <a:fillRef idx="0">
-            <a:schemeClr val="dk1"/>
-          </a:fillRef>
-          <a:effectRef idx="0">
-            <a:schemeClr val="dk1"/>
-          </a:effectRef>
-          <a:fontRef idx="minor">
-            <a:schemeClr val="tx1"/>
-          </a:fontRef>
-        </p:style>
-      </p:cxnSp>
-      <p:sp>
-        <p:nvSpPr>
-          <p:cNvPr id="28" name="CuadroTexto 27"/>
-          <p:cNvSpPr txBox="1"/>
-          <p:nvPr/>
-        </p:nvSpPr>
-        <p:spPr>
-          <a:xfrm rot="5400000">
-            <a:off x="7153249" y="4366347"/>
-            <a:ext cx="814647" cy="461665"/>
-          </a:xfrm>
-          <a:prstGeom prst="rect">
-            <a:avLst/>
-          </a:prstGeom>
-          <a:noFill/>
-        </p:spPr>
-        <p:txBody>
-          <a:bodyPr wrap="none" rtlCol="0">
-            <a:spAutoFit/>
-          </a:bodyPr>
-          <a:lstStyle/>
-          <a:p>
-            <a:pPr algn="ctr"/>
-            <a:r>
-              <a:rPr lang="es-PE" sz="1200" dirty="0"/>
-              <a:t>Método</a:t>
-            </a:r>
-          </a:p>
-          <a:p>
-            <a:pPr algn="ctr"/>
-            <a:r>
-              <a:rPr lang="es-PE" sz="1200" dirty="0"/>
-              <a:t>de solución</a:t>
-            </a:r>
-          </a:p>
-        </p:txBody>
-      </p:sp>
-      <p:sp>
-        <p:nvSpPr>
-          <p:cNvPr id="29" name="CuadroTexto 28"/>
-          <p:cNvSpPr txBox="1"/>
-          <p:nvPr/>
-        </p:nvSpPr>
-        <p:spPr>
-          <a:xfrm>
-            <a:off x="5384426" y="5183614"/>
-            <a:ext cx="1111458" cy="307777"/>
-          </a:xfrm>
-          <a:prstGeom prst="rect">
-            <a:avLst/>
-          </a:prstGeom>
-          <a:noFill/>
-        </p:spPr>
-        <p:txBody>
-          <a:bodyPr wrap="none" rtlCol="0">
-            <a:spAutoFit/>
-          </a:bodyPr>
-          <a:lstStyle/>
-          <a:p>
-            <a:pPr algn="ctr"/>
-            <a:r>
-              <a:rPr lang="es-PE" sz="1400" dirty="0"/>
-              <a:t>Interpretación</a:t>
-            </a:r>
-          </a:p>
-        </p:txBody>
-      </p:sp>
-      <p:sp>
-        <p:nvSpPr>
-          <p:cNvPr id="30" name="CuadroTexto 29"/>
-          <p:cNvSpPr txBox="1"/>
-          <p:nvPr/>
-        </p:nvSpPr>
-        <p:spPr>
-          <a:xfrm>
-            <a:off x="2693257" y="5183614"/>
-            <a:ext cx="877164" cy="307777"/>
-          </a:xfrm>
-          <a:prstGeom prst="rect">
-            <a:avLst/>
-          </a:prstGeom>
-          <a:noFill/>
-        </p:spPr>
-        <p:txBody>
-          <a:bodyPr wrap="none" rtlCol="0">
-            <a:spAutoFit/>
-          </a:bodyPr>
-          <a:lstStyle/>
-          <a:p>
-            <a:pPr algn="ctr"/>
-            <a:r>
-              <a:rPr lang="es-PE" sz="1400" dirty="0"/>
-              <a:t>Decisiones</a:t>
-            </a:r>
-          </a:p>
-        </p:txBody>
-      </p:sp>
-      <p:sp>
-        <p:nvSpPr>
-          <p:cNvPr id="31" name="CuadroTexto 30"/>
-          <p:cNvSpPr txBox="1"/>
-          <p:nvPr/>
-        </p:nvSpPr>
-        <p:spPr>
-          <a:xfrm rot="5400000">
-            <a:off x="1287402" y="4458681"/>
-            <a:ext cx="1085554" cy="276999"/>
-          </a:xfrm>
-          <a:prstGeom prst="rect">
-            <a:avLst/>
-          </a:prstGeom>
-          <a:noFill/>
-        </p:spPr>
-        <p:txBody>
-          <a:bodyPr wrap="none" rtlCol="0">
-            <a:spAutoFit/>
-          </a:bodyPr>
-          <a:lstStyle/>
-          <a:p>
-            <a:pPr algn="ctr"/>
-            <a:r>
-              <a:rPr lang="es-PE" sz="1200" dirty="0"/>
-              <a:t>Implementación</a:t>
+              <a:rPr lang="es-MX" sz="2400" b="1" dirty="0"/>
+              <a:t>Modelador: </a:t>
+            </a:r>
+            <a:r>
+              <a:rPr lang="es-MX" sz="2400" dirty="0"/>
+              <a:t>desarrollo del modelo.</a:t>
+            </a:r>
+          </a:p>
+          <a:p>
+            <a:pPr marL="285750" indent="-285750" algn="just">
+              <a:buFont typeface="Arial" panose="020B0604020202020204" pitchFamily="34" charset="0"/>
+              <a:buChar char="•"/>
+            </a:pPr>
+            <a:r>
+              <a:rPr lang="es-MX" sz="2400" b="1" dirty="0"/>
+              <a:t>Experto:</a:t>
+            </a:r>
+            <a:r>
+              <a:rPr lang="es-MX" sz="2400" dirty="0"/>
+              <a:t> conocimiento de la realidad del problema</a:t>
             </a:r>
           </a:p>
         </p:txBody>
@@ -8246,7 +7524,7 @@
           <a:p>
             <a:r>
               <a:rPr lang="es-PE" altLang="en-US" dirty="0"/>
-              <a:t>Modelo vs Realidad</a:t>
+              <a:t>Modelamiento matemático: Riesgos</a:t>
             </a:r>
           </a:p>
         </p:txBody>
@@ -8260,7 +7538,80 @@
         <p:spPr>
           <a:xfrm>
             <a:off x="602191" y="836712"/>
-            <a:ext cx="8002257" cy="2862322"/>
+            <a:ext cx="8002257" cy="1938992"/>
+          </a:xfrm>
+          <a:prstGeom prst="rect">
+            <a:avLst/>
+          </a:prstGeom>
+          <a:noFill/>
+        </p:spPr>
+        <p:txBody>
+          <a:bodyPr wrap="square" rtlCol="0">
+            <a:spAutoFit/>
+          </a:bodyPr>
+          <a:lstStyle/>
+          <a:p>
+            <a:pPr marL="285750" indent="-285750" algn="just">
+              <a:buFont typeface="Arial" panose="020B0604020202020204" pitchFamily="34" charset="0"/>
+              <a:buChar char="•"/>
+            </a:pPr>
+            <a:r>
+              <a:rPr lang="es-MX" sz="2000" dirty="0"/>
+              <a:t>Equilibrio entre una representación detallada y capacidad de obtener una solución</a:t>
+            </a:r>
+          </a:p>
+          <a:p>
+            <a:pPr marL="285750" indent="-285750" algn="just">
+              <a:buFont typeface="Arial" panose="020B0604020202020204" pitchFamily="34" charset="0"/>
+              <a:buChar char="•"/>
+            </a:pPr>
+            <a:r>
+              <a:rPr lang="es-MX" sz="2000" b="1" dirty="0"/>
+              <a:t>Modelamiento exhaustivo:</a:t>
+            </a:r>
+          </a:p>
+          <a:p>
+            <a:pPr marL="742950" lvl="1" indent="-285750" algn="just">
+              <a:buFont typeface="Arial" panose="020B0604020202020204" pitchFamily="34" charset="0"/>
+              <a:buChar char="•"/>
+            </a:pPr>
+            <a:r>
+              <a:rPr lang="es-MX" sz="2000" dirty="0"/>
+              <a:t>Es casi real, puede ser irresoluble.</a:t>
+            </a:r>
+          </a:p>
+          <a:p>
+            <a:pPr marL="285750" indent="-285750" algn="just">
+              <a:buFont typeface="Arial" panose="020B0604020202020204" pitchFamily="34" charset="0"/>
+              <a:buChar char="•"/>
+            </a:pPr>
+            <a:r>
+              <a:rPr lang="es-MX" sz="2000" b="1" dirty="0"/>
+              <a:t>Modelamiento simple:</a:t>
+            </a:r>
+          </a:p>
+          <a:p>
+            <a:pPr marL="742950" lvl="1" indent="-285750" algn="just">
+              <a:buFont typeface="Arial" panose="020B0604020202020204" pitchFamily="34" charset="0"/>
+              <a:buChar char="•"/>
+            </a:pPr>
+            <a:r>
+              <a:rPr lang="es-MX" sz="2000" dirty="0"/>
+              <a:t>Rudimentario, muchos métodos por el que se puede ser resuelto. Sin embargo, es posible obtener una solución que no se adecue a la realidad</a:t>
+            </a:r>
+          </a:p>
+        </p:txBody>
+      </p:sp>
+      <p:sp>
+        <p:nvSpPr>
+          <p:cNvPr id="6" name="CuadroTexto 5"/>
+          <p:cNvSpPr txBox="1"/>
+          <p:nvPr/>
+        </p:nvSpPr>
+        <p:spPr>
+          <a:xfrm>
+            <a:off x="602190" y="2966656"/>
+            <a:ext cx="8002257" cy="1938992"/>
           </a:xfrm>
           <a:prstGeom prst="rect">
             <a:avLst/>
@@ -8299,15 +7650,17 @@
             </a:pPr>
             <a:r>
               <a:rPr lang="es-PE" sz="2000" dirty="0"/>
-              <a:t>Falta de experiencia </a:t>
-            </a:r>
-            <a:r>
-              <a:rPr lang="es-PE" sz="2000"/>
-              <a:t>y capacitación del </a:t>
-            </a:r>
+              <a:t>Falta de experiencia y capacitación del modelador</a:t>
+            </a:r>
+          </a:p>
+          <a:p>
+            <a:pPr marL="285750" indent="-285750">
+              <a:buFont typeface="Arial" panose="020B0604020202020204" pitchFamily="34" charset="0"/>
+              <a:buChar char="•"/>
+            </a:pPr>
             <a:r>
               <a:rPr lang="es-PE" sz="2000" dirty="0"/>
-              <a:t>modelador</a:t>
+              <a:t>El concepto de modelo adecuado varía con el tiempo, debido a que los modelos complejos de hoy pueden ser modelos adecuado en el futuro.</a:t>
             </a:r>
           </a:p>
           <a:p>
@@ -8317,6 +7670,177 @@
             </a:pPr>
             <a:endParaRPr lang="es-MX" sz="2000" dirty="0"/>
           </a:p>
+        </p:txBody>
+      </p:sp>
+      <p:sp>
+        <p:nvSpPr>
+          <p:cNvPr id="7" name="CuadroTexto 6"/>
+          <p:cNvSpPr txBox="1"/>
+          <p:nvPr/>
+        </p:nvSpPr>
+        <p:spPr>
+          <a:xfrm>
+            <a:off x="611560" y="5149641"/>
+            <a:ext cx="7992888" cy="1015663"/>
+          </a:xfrm>
+          <a:prstGeom prst="rect">
+            <a:avLst/>
+          </a:prstGeom>
+          <a:noFill/>
+        </p:spPr>
+        <p:txBody>
+          <a:bodyPr wrap="square" rtlCol="0">
+            <a:spAutoFit/>
+          </a:bodyPr>
+          <a:lstStyle/>
+          <a:p>
+            <a:pPr algn="ctr"/>
+            <a:r>
+              <a:rPr lang="es-MX" sz="2000" dirty="0">
+                <a:latin typeface="Lucida Calligraphy" panose="03010101010101010101" pitchFamily="66" charset="0"/>
+              </a:rPr>
+              <a:t>La relación entre el modelo y la método de solución es relativo y depende de la tecnología de la época.</a:t>
+            </a:r>
+          </a:p>
+          <a:p>
+            <a:pPr algn="ctr"/>
+            <a:endParaRPr lang="es-PE" sz="2000" dirty="0">
+              <a:latin typeface="Lucida Calligraphy" panose="03010101010101010101" pitchFamily="66" charset="0"/>
+            </a:endParaRPr>
+          </a:p>
+        </p:txBody>
+      </p:sp>
+    </p:spTree>
+    <p:extLst>
+      <p:ext uri="{BB962C8B-B14F-4D97-AF65-F5344CB8AC3E}">
+        <p14:creationId xmlns:p14="http://schemas.microsoft.com/office/powerpoint/2010/main" val="2641132465"/>
+      </p:ext>
+    </p:extLst>
+  </p:cSld>
+  <p:clrMapOvr>
+    <a:masterClrMapping/>
+  </p:clrMapOvr>
+  <p:transition spd="slow">
+    <p:fade/>
+  </p:transition>
+</p:sld>
+</file>
+
+<file path=ppt/slides/slide7.xml><?xml version="1.0" encoding="utf-8"?>
+<p:sld xmlns:a="http://schemas.openxmlformats.org/drawingml/2006/main" xmlns:r="http://schemas.openxmlformats.org/officeDocument/2006/relationships" xmlns:p="http://schemas.openxmlformats.org/presentationml/2006/main">
+  <p:cSld>
+    <p:spTree>
+      <p:nvGrpSpPr>
+        <p:cNvPr id="1" name=""/>
+        <p:cNvGrpSpPr/>
+        <p:nvPr/>
+      </p:nvGrpSpPr>
+      <p:grpSpPr>
+        <a:xfrm>
+          <a:off x="0" y="0"/>
+          <a:ext cx="0" cy="0"/>
+          <a:chOff x="0" y="0"/>
+          <a:chExt cx="0" cy="0"/>
+        </a:xfrm>
+      </p:grpSpPr>
+      <p:sp>
+        <p:nvSpPr>
+          <p:cNvPr id="2" name="Marcador de número de diapositiva 1"/>
+          <p:cNvSpPr>
+            <a:spLocks noGrp="1"/>
+          </p:cNvSpPr>
+          <p:nvPr>
+            <p:ph type="sldNum" sz="quarter" idx="12"/>
+          </p:nvPr>
+        </p:nvSpPr>
+        <p:spPr/>
+        <p:txBody>
+          <a:bodyPr/>
+          <a:lstStyle/>
+          <a:p>
+            <a:fld id="{64BD7E74-CBD2-4D88-9109-2EA8081AE675}" type="slidenum">
+              <a:rPr lang="es-ES" smtClean="0"/>
+              <a:pPr/>
+              <a:t>7</a:t>
+            </a:fld>
+            <a:endParaRPr lang="es-ES"/>
+          </a:p>
+        </p:txBody>
+      </p:sp>
+      <p:sp>
+        <p:nvSpPr>
+          <p:cNvPr id="3" name="4 Título"/>
+          <p:cNvSpPr txBox="1">
+            <a:spLocks/>
+          </p:cNvSpPr>
+          <p:nvPr/>
+        </p:nvSpPr>
+        <p:spPr>
+          <a:xfrm>
+            <a:off x="611560" y="188640"/>
+            <a:ext cx="8784976" cy="457120"/>
+          </a:xfrm>
+          <a:prstGeom prst="rect">
+            <a:avLst/>
+          </a:prstGeom>
+        </p:spPr>
+        <p:txBody>
+          <a:bodyPr bIns="91440" anchor="b" anchorCtr="0">
+            <a:noAutofit/>
+          </a:bodyPr>
+          <a:lstStyle>
+            <a:lvl1pPr>
+              <a:spcBef>
+                <a:spcPct val="0"/>
+              </a:spcBef>
+              <a:buNone/>
+              <a:defRPr kumimoji="0" sz="2400">
+                <a:ln w="0"/>
+                <a:solidFill>
+                  <a:schemeClr val="tx2"/>
+                </a:solidFill>
+                <a:effectLst>
+                  <a:outerShdw blurRad="38100" dist="19050" dir="2700000" algn="tl" rotWithShape="0">
+                    <a:schemeClr val="dk1">
+                      <a:alpha val="40000"/>
+                    </a:schemeClr>
+                  </a:outerShdw>
+                </a:effectLst>
+                <a:latin typeface="+mj-lt"/>
+                <a:ea typeface="+mj-ea"/>
+                <a:cs typeface="+mj-cs"/>
+              </a:defRPr>
+            </a:lvl1pPr>
+          </a:lstStyle>
+          <a:p>
+            <a:r>
+              <a:rPr lang="es-PE" altLang="en-US" dirty="0"/>
+              <a:t>Modelo vs Realidad &amp; Clasificación</a:t>
+            </a:r>
+          </a:p>
+        </p:txBody>
+      </p:sp>
+      <p:sp>
+        <p:nvSpPr>
+          <p:cNvPr id="5" name="CuadroTexto 4"/>
+          <p:cNvSpPr txBox="1"/>
+          <p:nvPr/>
+        </p:nvSpPr>
+        <p:spPr>
+          <a:xfrm>
+            <a:off x="602191" y="836712"/>
+            <a:ext cx="8002257" cy="1938992"/>
+          </a:xfrm>
+          <a:prstGeom prst="rect">
+            <a:avLst/>
+          </a:prstGeom>
+          <a:noFill/>
+        </p:spPr>
+        <p:txBody>
+          <a:bodyPr wrap="square" rtlCol="0">
+            <a:spAutoFit/>
+          </a:bodyPr>
+          <a:lstStyle/>
           <a:p>
             <a:pPr marL="285750" indent="-285750">
               <a:buFont typeface="Arial" panose="020B0604020202020204" pitchFamily="34" charset="0"/>
@@ -8324,6 +7848,371 @@
             </a:pPr>
             <a:r>
               <a:rPr lang="es-MX" sz="2000" dirty="0"/>
+              <a:t>Menos datos y más hipótesis para obtención rápida de resultados.</a:t>
+            </a:r>
+          </a:p>
+          <a:p>
+            <a:pPr marL="285750" indent="-285750">
+              <a:buFont typeface="Arial" panose="020B0604020202020204" pitchFamily="34" charset="0"/>
+              <a:buChar char="•"/>
+            </a:pPr>
+            <a:r>
+              <a:rPr lang="es-MX" sz="2000" dirty="0"/>
+              <a:t>Definición defectuosa del problema</a:t>
+            </a:r>
+          </a:p>
+          <a:p>
+            <a:pPr marL="285750" indent="-285750">
+              <a:buFont typeface="Arial" panose="020B0604020202020204" pitchFamily="34" charset="0"/>
+              <a:buChar char="•"/>
+            </a:pPr>
+            <a:r>
+              <a:rPr lang="es-PE" sz="2000" dirty="0"/>
+              <a:t>Falta de experiencia y capacitación del modelador</a:t>
+            </a:r>
+          </a:p>
+          <a:p>
+            <a:pPr marL="285750" indent="-285750">
+              <a:buFont typeface="Arial" panose="020B0604020202020204" pitchFamily="34" charset="0"/>
+              <a:buChar char="•"/>
+            </a:pPr>
+            <a:r>
+              <a:rPr lang="es-PE" sz="2000" dirty="0"/>
+              <a:t>El concepto de modelo adecuado varía con el tiempo, debido a que los modelos complejos de hoy pueden ser modelos adecuado en el futuro.</a:t>
+            </a:r>
+          </a:p>
+          <a:p>
+            <a:pPr marL="285750" indent="-285750">
+              <a:buFont typeface="Arial" panose="020B0604020202020204" pitchFamily="34" charset="0"/>
+              <a:buChar char="•"/>
+            </a:pPr>
+            <a:endParaRPr lang="es-MX" sz="2000" dirty="0"/>
+          </a:p>
+        </p:txBody>
+      </p:sp>
+      <p:sp>
+        <p:nvSpPr>
+          <p:cNvPr id="4" name="CuadroTexto 3"/>
+          <p:cNvSpPr txBox="1"/>
+          <p:nvPr/>
+        </p:nvSpPr>
+        <p:spPr>
+          <a:xfrm>
+            <a:off x="611560" y="2701369"/>
+            <a:ext cx="7992888" cy="1015663"/>
+          </a:xfrm>
+          <a:prstGeom prst="rect">
+            <a:avLst/>
+          </a:prstGeom>
+          <a:noFill/>
+        </p:spPr>
+        <p:txBody>
+          <a:bodyPr wrap="square" rtlCol="0">
+            <a:spAutoFit/>
+          </a:bodyPr>
+          <a:lstStyle/>
+          <a:p>
+            <a:pPr algn="ctr"/>
+            <a:r>
+              <a:rPr lang="es-MX" sz="2000" dirty="0">
+                <a:latin typeface="Lucida Calligraphy" panose="03010101010101010101" pitchFamily="66" charset="0"/>
+              </a:rPr>
+              <a:t>La relación entre el modelo y la método de solución es relativo y depende de la tecnología de la época.</a:t>
+            </a:r>
+          </a:p>
+          <a:p>
+            <a:pPr algn="ctr"/>
+            <a:endParaRPr lang="es-PE" sz="2000" dirty="0">
+              <a:latin typeface="Lucida Calligraphy" panose="03010101010101010101" pitchFamily="66" charset="0"/>
+            </a:endParaRPr>
+          </a:p>
+        </p:txBody>
+      </p:sp>
+      <p:sp>
+        <p:nvSpPr>
+          <p:cNvPr id="8" name="Rectángulo redondeado 7"/>
+          <p:cNvSpPr/>
+          <p:nvPr/>
+        </p:nvSpPr>
+        <p:spPr>
+          <a:xfrm>
+            <a:off x="5508104" y="3789040"/>
+            <a:ext cx="2592288" cy="1997330"/>
+          </a:xfrm>
+          <a:prstGeom prst="roundRect">
+            <a:avLst/>
+          </a:prstGeom>
+        </p:spPr>
+        <p:style>
+          <a:lnRef idx="1">
+            <a:schemeClr val="dk1"/>
+          </a:lnRef>
+          <a:fillRef idx="2">
+            <a:schemeClr val="dk1"/>
+          </a:fillRef>
+          <a:effectRef idx="1">
+            <a:schemeClr val="dk1"/>
+          </a:effectRef>
+          <a:fontRef idx="minor">
+            <a:schemeClr val="dk1"/>
+          </a:fontRef>
+        </p:style>
+        <p:txBody>
+          <a:bodyPr rtlCol="0" anchor="ctr"/>
+          <a:lstStyle/>
+          <a:p>
+            <a:r>
+              <a:rPr lang="es-PE" sz="2000" dirty="0"/>
+              <a:t>Según la características del tiempo:</a:t>
+            </a:r>
+          </a:p>
+          <a:p>
+            <a:pPr marL="342900" indent="-342900">
+              <a:buFont typeface="Arial" panose="020B0604020202020204" pitchFamily="34" charset="0"/>
+              <a:buChar char="•"/>
+            </a:pPr>
+            <a:r>
+              <a:rPr lang="es-PE" sz="2000" dirty="0"/>
+              <a:t>Estático</a:t>
+            </a:r>
+          </a:p>
+          <a:p>
+            <a:pPr marL="342900" indent="-342900">
+              <a:buFont typeface="Arial" panose="020B0604020202020204" pitchFamily="34" charset="0"/>
+              <a:buChar char="•"/>
+            </a:pPr>
+            <a:r>
+              <a:rPr lang="es-PE" sz="2000" dirty="0"/>
+              <a:t>Dinámico</a:t>
+            </a:r>
+          </a:p>
+          <a:p>
+            <a:pPr marL="342900" indent="-342900">
+              <a:buFont typeface="Arial" panose="020B0604020202020204" pitchFamily="34" charset="0"/>
+              <a:buChar char="•"/>
+            </a:pPr>
+            <a:endParaRPr lang="es-PE" sz="2000" dirty="0"/>
+          </a:p>
+        </p:txBody>
+      </p:sp>
+      <p:sp>
+        <p:nvSpPr>
+          <p:cNvPr id="9" name="Rectángulo redondeado 8"/>
+          <p:cNvSpPr/>
+          <p:nvPr/>
+        </p:nvSpPr>
+        <p:spPr>
+          <a:xfrm>
+            <a:off x="1191951" y="3789040"/>
+            <a:ext cx="2659969" cy="1997330"/>
+          </a:xfrm>
+          <a:prstGeom prst="roundRect">
+            <a:avLst/>
+          </a:prstGeom>
+        </p:spPr>
+        <p:style>
+          <a:lnRef idx="1">
+            <a:schemeClr val="dk1"/>
+          </a:lnRef>
+          <a:fillRef idx="2">
+            <a:schemeClr val="dk1"/>
+          </a:fillRef>
+          <a:effectRef idx="1">
+            <a:schemeClr val="dk1"/>
+          </a:effectRef>
+          <a:fontRef idx="minor">
+            <a:schemeClr val="dk1"/>
+          </a:fontRef>
+        </p:style>
+        <p:txBody>
+          <a:bodyPr rtlCol="0" anchor="ctr"/>
+          <a:lstStyle/>
+          <a:p>
+            <a:r>
+              <a:rPr lang="es-PE" sz="2000" dirty="0"/>
+              <a:t>Según la disposición de información:</a:t>
+            </a:r>
+          </a:p>
+          <a:p>
+            <a:pPr marL="285750" indent="-285750">
+              <a:buFont typeface="Arial" panose="020B0604020202020204" pitchFamily="34" charset="0"/>
+              <a:buChar char="•"/>
+            </a:pPr>
+            <a:r>
+              <a:rPr lang="es-PE" sz="2000" dirty="0"/>
+              <a:t>Determinístico</a:t>
+            </a:r>
+          </a:p>
+          <a:p>
+            <a:pPr marL="285750" indent="-285750">
+              <a:buFont typeface="Arial" panose="020B0604020202020204" pitchFamily="34" charset="0"/>
+              <a:buChar char="•"/>
+            </a:pPr>
+            <a:r>
+              <a:rPr lang="es-PE" sz="2000" dirty="0"/>
+              <a:t>Estocástico</a:t>
+            </a:r>
+          </a:p>
+          <a:p>
+            <a:pPr marL="285750" indent="-285750">
+              <a:buFont typeface="Arial" panose="020B0604020202020204" pitchFamily="34" charset="0"/>
+              <a:buChar char="•"/>
+            </a:pPr>
+            <a:r>
+              <a:rPr lang="es-PE" sz="2000" dirty="0"/>
+              <a:t>Puramente incierto</a:t>
+            </a:r>
+          </a:p>
+        </p:txBody>
+      </p:sp>
+    </p:spTree>
+    <p:extLst>
+      <p:ext uri="{BB962C8B-B14F-4D97-AF65-F5344CB8AC3E}">
+        <p14:creationId xmlns:p14="http://schemas.microsoft.com/office/powerpoint/2010/main" val="147473549"/>
+      </p:ext>
+    </p:extLst>
+  </p:cSld>
+  <p:clrMapOvr>
+    <a:masterClrMapping/>
+  </p:clrMapOvr>
+  <p:transition spd="slow">
+    <p:fade/>
+  </p:transition>
+</p:sld>
+</file>
+
+<file path=ppt/slides/slide8.xml><?xml version="1.0" encoding="utf-8"?>
+<p:sld xmlns:a="http://schemas.openxmlformats.org/drawingml/2006/main" xmlns:r="http://schemas.openxmlformats.org/officeDocument/2006/relationships" xmlns:p="http://schemas.openxmlformats.org/presentationml/2006/main">
+  <p:cSld>
+    <p:spTree>
+      <p:nvGrpSpPr>
+        <p:cNvPr id="1" name=""/>
+        <p:cNvGrpSpPr/>
+        <p:nvPr/>
+      </p:nvGrpSpPr>
+      <p:grpSpPr>
+        <a:xfrm>
+          <a:off x="0" y="0"/>
+          <a:ext cx="0" cy="0"/>
+          <a:chOff x="0" y="0"/>
+          <a:chExt cx="0" cy="0"/>
+        </a:xfrm>
+      </p:grpSpPr>
+      <p:sp>
+        <p:nvSpPr>
+          <p:cNvPr id="2" name="Marcador de número de diapositiva 1"/>
+          <p:cNvSpPr>
+            <a:spLocks noGrp="1"/>
+          </p:cNvSpPr>
+          <p:nvPr>
+            <p:ph type="sldNum" sz="quarter" idx="12"/>
+          </p:nvPr>
+        </p:nvSpPr>
+        <p:spPr/>
+        <p:txBody>
+          <a:bodyPr/>
+          <a:lstStyle/>
+          <a:p>
+            <a:fld id="{64BD7E74-CBD2-4D88-9109-2EA8081AE675}" type="slidenum">
+              <a:rPr lang="es-ES" smtClean="0"/>
+              <a:pPr/>
+              <a:t>8</a:t>
+            </a:fld>
+            <a:endParaRPr lang="es-ES"/>
+          </a:p>
+        </p:txBody>
+      </p:sp>
+      <p:sp>
+        <p:nvSpPr>
+          <p:cNvPr id="3" name="4 Título"/>
+          <p:cNvSpPr txBox="1">
+            <a:spLocks/>
+          </p:cNvSpPr>
+          <p:nvPr/>
+        </p:nvSpPr>
+        <p:spPr>
+          <a:xfrm>
+            <a:off x="611560" y="188640"/>
+            <a:ext cx="8784976" cy="457120"/>
+          </a:xfrm>
+          <a:prstGeom prst="rect">
+            <a:avLst/>
+          </a:prstGeom>
+        </p:spPr>
+        <p:txBody>
+          <a:bodyPr bIns="91440" anchor="b" anchorCtr="0">
+            <a:noAutofit/>
+          </a:bodyPr>
+          <a:lstStyle>
+            <a:lvl1pPr>
+              <a:spcBef>
+                <a:spcPct val="0"/>
+              </a:spcBef>
+              <a:buNone/>
+              <a:defRPr kumimoji="0" sz="2400">
+                <a:ln w="0"/>
+                <a:solidFill>
+                  <a:schemeClr val="tx2"/>
+                </a:solidFill>
+                <a:effectLst>
+                  <a:outerShdw blurRad="38100" dist="19050" dir="2700000" algn="tl" rotWithShape="0">
+                    <a:schemeClr val="dk1">
+                      <a:alpha val="40000"/>
+                    </a:schemeClr>
+                  </a:outerShdw>
+                </a:effectLst>
+                <a:latin typeface="+mj-lt"/>
+                <a:ea typeface="+mj-ea"/>
+                <a:cs typeface="+mj-cs"/>
+              </a:defRPr>
+            </a:lvl1pPr>
+          </a:lstStyle>
+          <a:p>
+            <a:r>
+              <a:rPr lang="es-PE" altLang="en-US" dirty="0"/>
+              <a:t>Modelamiento matemático</a:t>
+            </a:r>
+          </a:p>
+        </p:txBody>
+      </p:sp>
+      <p:sp>
+        <p:nvSpPr>
+          <p:cNvPr id="5" name="CuadroTexto 4"/>
+          <p:cNvSpPr txBox="1"/>
+          <p:nvPr/>
+        </p:nvSpPr>
+        <p:spPr>
+          <a:xfrm>
+            <a:off x="602191" y="836712"/>
+            <a:ext cx="8002257" cy="2246769"/>
+          </a:xfrm>
+          <a:prstGeom prst="rect">
+            <a:avLst/>
+          </a:prstGeom>
+          <a:noFill/>
+        </p:spPr>
+        <p:txBody>
+          <a:bodyPr wrap="square" rtlCol="0">
+            <a:spAutoFit/>
+          </a:bodyPr>
+          <a:lstStyle/>
+          <a:p>
+            <a:pPr marL="285750" indent="-285750">
+              <a:buFont typeface="Arial" panose="020B0604020202020204" pitchFamily="34" charset="0"/>
+              <a:buChar char="•"/>
+            </a:pPr>
+            <a:r>
+              <a:rPr lang="es-MX" sz="2000" dirty="0"/>
+              <a:t>Definición: Proceso de abstracción de la realidad hacia formas matemáticas para representar partes de ella.</a:t>
+            </a:r>
+          </a:p>
+          <a:p>
+            <a:pPr marL="285750" indent="-285750">
+              <a:buFont typeface="Arial" panose="020B0604020202020204" pitchFamily="34" charset="0"/>
+              <a:buChar char="•"/>
+            </a:pPr>
+            <a:r>
+              <a:rPr lang="es-MX" sz="2000" dirty="0"/>
               <a:t>Entonces: </a:t>
             </a:r>
           </a:p>
@@ -8371,56 +8260,23 @@
       </p:sp>
       <p:sp>
         <p:nvSpPr>
-          <p:cNvPr id="4" name="CuadroTexto 3"/>
-          <p:cNvSpPr txBox="1"/>
-          <p:nvPr/>
-        </p:nvSpPr>
-        <p:spPr>
-          <a:xfrm>
-            <a:off x="611560" y="5517232"/>
-            <a:ext cx="7992888" cy="1015663"/>
-          </a:xfrm>
-          <a:prstGeom prst="rect">
-            <a:avLst/>
-          </a:prstGeom>
-          <a:noFill/>
-        </p:spPr>
-        <p:txBody>
-          <a:bodyPr wrap="square" rtlCol="0">
-            <a:spAutoFit/>
-          </a:bodyPr>
-          <a:lstStyle/>
-          <a:p>
-            <a:pPr algn="ctr"/>
-            <a:r>
-              <a:rPr lang="es-MX" sz="2000" dirty="0">
-                <a:latin typeface="Lucida Calligraphy" panose="03010101010101010101" pitchFamily="66" charset="0"/>
-              </a:rPr>
-              <a:t>La relación entre el modelo y la método de solución es relativo y depende de la tecnología de la época.</a:t>
-            </a:r>
-          </a:p>
-          <a:p>
-            <a:pPr algn="ctr"/>
-            <a:endParaRPr lang="es-PE" sz="2000" dirty="0">
-              <a:latin typeface="Lucida Calligraphy" panose="03010101010101010101" pitchFamily="66" charset="0"/>
-            </a:endParaRPr>
-          </a:p>
-        </p:txBody>
-      </p:sp>
-      <p:sp>
-        <p:nvSpPr>
-          <p:cNvPr id="7" name="Nube 6"/>
+          <p:cNvPr id="7" name="Rectángulo redondeado 6"/>
           <p:cNvSpPr/>
           <p:nvPr/>
         </p:nvSpPr>
         <p:spPr>
           <a:xfrm>
-            <a:off x="1187624" y="3212976"/>
+            <a:off x="971600" y="3389095"/>
             <a:ext cx="1440160" cy="720080"/>
           </a:xfrm>
-          <a:prstGeom prst="cloud">
-            <a:avLst/>
-          </a:prstGeom>
+          <a:prstGeom prst="roundRect">
+            <a:avLst/>
+          </a:prstGeom>
+          <a:ln>
+            <a:solidFill>
+              <a:schemeClr val="tx2"/>
+            </a:solidFill>
+          </a:ln>
         </p:spPr>
         <p:style>
           <a:lnRef idx="2">
@@ -8451,10 +8307,738 @@
           </a:p>
         </p:txBody>
       </p:sp>
+      <p:sp>
+        <p:nvSpPr>
+          <p:cNvPr id="6" name="Rectángulo redondeado 5"/>
+          <p:cNvSpPr/>
+          <p:nvPr/>
+        </p:nvSpPr>
+        <p:spPr>
+          <a:xfrm>
+            <a:off x="3851920" y="3425099"/>
+            <a:ext cx="1368152" cy="648072"/>
+          </a:xfrm>
+          <a:prstGeom prst="roundRect">
+            <a:avLst/>
+          </a:prstGeom>
+          <a:solidFill>
+            <a:schemeClr val="accent1"/>
+          </a:solidFill>
+          <a:ln>
+            <a:solidFill>
+              <a:schemeClr val="tx2"/>
+            </a:solidFill>
+          </a:ln>
+        </p:spPr>
+        <p:style>
+          <a:lnRef idx="2">
+            <a:schemeClr val="accent3">
+              <a:shade val="50000"/>
+            </a:schemeClr>
+          </a:lnRef>
+          <a:fillRef idx="1">
+            <a:schemeClr val="accent3"/>
+          </a:fillRef>
+          <a:effectRef idx="0">
+            <a:schemeClr val="accent3"/>
+          </a:effectRef>
+          <a:fontRef idx="minor">
+            <a:schemeClr val="lt1"/>
+          </a:fontRef>
+        </p:style>
+        <p:txBody>
+          <a:bodyPr rtlCol="0" anchor="ctr"/>
+          <a:lstStyle/>
+          <a:p>
+            <a:pPr algn="ctr"/>
+            <a:r>
+              <a:rPr lang="es-MX" dirty="0"/>
+              <a:t>Realidad asumida</a:t>
+            </a:r>
+            <a:endParaRPr lang="es-PE" dirty="0"/>
+          </a:p>
+        </p:txBody>
+      </p:sp>
+      <p:sp>
+        <p:nvSpPr>
+          <p:cNvPr id="8" name="Rectángulo redondeado 7"/>
+          <p:cNvSpPr/>
+          <p:nvPr/>
+        </p:nvSpPr>
+        <p:spPr>
+          <a:xfrm>
+            <a:off x="6660232" y="3425099"/>
+            <a:ext cx="1368152" cy="648072"/>
+          </a:xfrm>
+          <a:prstGeom prst="roundRect">
+            <a:avLst/>
+          </a:prstGeom>
+          <a:solidFill>
+            <a:schemeClr val="accent2">
+              <a:lumMod val="75000"/>
+            </a:schemeClr>
+          </a:solidFill>
+          <a:ln>
+            <a:solidFill>
+              <a:schemeClr val="accent2">
+                <a:lumMod val="50000"/>
+              </a:schemeClr>
+            </a:solidFill>
+          </a:ln>
+        </p:spPr>
+        <p:style>
+          <a:lnRef idx="2">
+            <a:schemeClr val="accent3">
+              <a:shade val="50000"/>
+            </a:schemeClr>
+          </a:lnRef>
+          <a:fillRef idx="1">
+            <a:schemeClr val="accent3"/>
+          </a:fillRef>
+          <a:effectRef idx="0">
+            <a:schemeClr val="accent3"/>
+          </a:effectRef>
+          <a:fontRef idx="minor">
+            <a:schemeClr val="lt1"/>
+          </a:fontRef>
+        </p:style>
+        <p:txBody>
+          <a:bodyPr rtlCol="0" anchor="ctr"/>
+          <a:lstStyle/>
+          <a:p>
+            <a:pPr algn="ctr"/>
+            <a:r>
+              <a:rPr lang="es-MX" dirty="0"/>
+              <a:t>Modelo</a:t>
+            </a:r>
+            <a:endParaRPr lang="es-PE" dirty="0"/>
+          </a:p>
+        </p:txBody>
+      </p:sp>
+      <p:sp>
+        <p:nvSpPr>
+          <p:cNvPr id="9" name="Rectángulo redondeado 8"/>
+          <p:cNvSpPr/>
+          <p:nvPr/>
+        </p:nvSpPr>
+        <p:spPr>
+          <a:xfrm>
+            <a:off x="971600" y="5085184"/>
+            <a:ext cx="1440160" cy="720080"/>
+          </a:xfrm>
+          <a:prstGeom prst="roundRect">
+            <a:avLst/>
+          </a:prstGeom>
+          <a:solidFill>
+            <a:schemeClr val="bg2">
+              <a:lumMod val="50000"/>
+            </a:schemeClr>
+          </a:solidFill>
+          <a:ln>
+            <a:solidFill>
+              <a:schemeClr val="bg2">
+                <a:lumMod val="10000"/>
+              </a:schemeClr>
+            </a:solidFill>
+          </a:ln>
+        </p:spPr>
+        <p:style>
+          <a:lnRef idx="2">
+            <a:schemeClr val="accent1">
+              <a:shade val="50000"/>
+            </a:schemeClr>
+          </a:lnRef>
+          <a:fillRef idx="1">
+            <a:schemeClr val="accent1"/>
+          </a:fillRef>
+          <a:effectRef idx="0">
+            <a:schemeClr val="accent1"/>
+          </a:effectRef>
+          <a:fontRef idx="minor">
+            <a:schemeClr val="lt1"/>
+          </a:fontRef>
+        </p:style>
+        <p:txBody>
+          <a:bodyPr rtlCol="0" anchor="ctr"/>
+          <a:lstStyle/>
+          <a:p>
+            <a:pPr algn="ctr"/>
+            <a:r>
+              <a:rPr lang="es-MX" dirty="0"/>
+              <a:t>Solución</a:t>
+            </a:r>
+            <a:r>
+              <a:rPr lang="es-PE" dirty="0"/>
+              <a:t> al problema</a:t>
+            </a:r>
+          </a:p>
+        </p:txBody>
+      </p:sp>
+      <p:sp>
+        <p:nvSpPr>
+          <p:cNvPr id="10" name="Rectángulo redondeado 9"/>
+          <p:cNvSpPr/>
+          <p:nvPr/>
+        </p:nvSpPr>
+        <p:spPr>
+          <a:xfrm>
+            <a:off x="3851920" y="5121188"/>
+            <a:ext cx="1368152" cy="648072"/>
+          </a:xfrm>
+          <a:prstGeom prst="roundRect">
+            <a:avLst/>
+          </a:prstGeom>
+          <a:solidFill>
+            <a:schemeClr val="accent1"/>
+          </a:solidFill>
+          <a:ln>
+            <a:solidFill>
+              <a:schemeClr val="tx2"/>
+            </a:solidFill>
+          </a:ln>
+        </p:spPr>
+        <p:style>
+          <a:lnRef idx="2">
+            <a:schemeClr val="accent3">
+              <a:shade val="50000"/>
+            </a:schemeClr>
+          </a:lnRef>
+          <a:fillRef idx="1">
+            <a:schemeClr val="accent3"/>
+          </a:fillRef>
+          <a:effectRef idx="0">
+            <a:schemeClr val="accent3"/>
+          </a:effectRef>
+          <a:fontRef idx="minor">
+            <a:schemeClr val="lt1"/>
+          </a:fontRef>
+        </p:style>
+        <p:txBody>
+          <a:bodyPr rtlCol="0" anchor="ctr"/>
+          <a:lstStyle/>
+          <a:p>
+            <a:pPr algn="ctr"/>
+            <a:r>
+              <a:rPr lang="es-MX" dirty="0"/>
+              <a:t>Juicios y experiencias</a:t>
+            </a:r>
+            <a:endParaRPr lang="es-PE" dirty="0"/>
+          </a:p>
+        </p:txBody>
+      </p:sp>
+      <p:sp>
+        <p:nvSpPr>
+          <p:cNvPr id="11" name="Rectángulo redondeado 10"/>
+          <p:cNvSpPr/>
+          <p:nvPr/>
+        </p:nvSpPr>
+        <p:spPr>
+          <a:xfrm>
+            <a:off x="6660232" y="5121188"/>
+            <a:ext cx="1368152" cy="648072"/>
+          </a:xfrm>
+          <a:prstGeom prst="roundRect">
+            <a:avLst/>
+          </a:prstGeom>
+          <a:solidFill>
+            <a:schemeClr val="bg2">
+              <a:lumMod val="50000"/>
+            </a:schemeClr>
+          </a:solidFill>
+          <a:ln>
+            <a:solidFill>
+              <a:schemeClr val="bg2">
+                <a:lumMod val="10000"/>
+              </a:schemeClr>
+            </a:solidFill>
+          </a:ln>
+        </p:spPr>
+        <p:style>
+          <a:lnRef idx="2">
+            <a:schemeClr val="accent3">
+              <a:shade val="50000"/>
+            </a:schemeClr>
+          </a:lnRef>
+          <a:fillRef idx="1">
+            <a:schemeClr val="accent3"/>
+          </a:fillRef>
+          <a:effectRef idx="0">
+            <a:schemeClr val="accent3"/>
+          </a:effectRef>
+          <a:fontRef idx="minor">
+            <a:schemeClr val="lt1"/>
+          </a:fontRef>
+        </p:style>
+        <p:txBody>
+          <a:bodyPr rtlCol="0" anchor="ctr"/>
+          <a:lstStyle/>
+          <a:p>
+            <a:pPr algn="ctr"/>
+            <a:r>
+              <a:rPr lang="es-MX" dirty="0"/>
+              <a:t>Solución al Modelo</a:t>
+            </a:r>
+            <a:endParaRPr lang="es-PE" dirty="0"/>
+          </a:p>
+        </p:txBody>
+      </p:sp>
+      <p:cxnSp>
+        <p:nvCxnSpPr>
+          <p:cNvPr id="12" name="Conector recto de flecha 11"/>
+          <p:cNvCxnSpPr>
+            <a:stCxn id="7" idx="3"/>
+            <a:endCxn id="6" idx="1"/>
+          </p:cNvCxnSpPr>
+          <p:nvPr/>
+        </p:nvCxnSpPr>
+        <p:spPr>
+          <a:xfrm>
+            <a:off x="2411760" y="3749135"/>
+            <a:ext cx="1440160" cy="0"/>
+          </a:xfrm>
+          <a:prstGeom prst="straightConnector1">
+            <a:avLst/>
+          </a:prstGeom>
+          <a:ln w="28575">
+            <a:tailEnd type="triangle"/>
+          </a:ln>
+        </p:spPr>
+        <p:style>
+          <a:lnRef idx="1">
+            <a:schemeClr val="dk1"/>
+          </a:lnRef>
+          <a:fillRef idx="0">
+            <a:schemeClr val="dk1"/>
+          </a:fillRef>
+          <a:effectRef idx="0">
+            <a:schemeClr val="dk1"/>
+          </a:effectRef>
+          <a:fontRef idx="minor">
+            <a:schemeClr val="tx1"/>
+          </a:fontRef>
+        </p:style>
+      </p:cxnSp>
+      <p:cxnSp>
+        <p:nvCxnSpPr>
+          <p:cNvPr id="14" name="Conector recto de flecha 13"/>
+          <p:cNvCxnSpPr>
+            <a:stCxn id="6" idx="3"/>
+            <a:endCxn id="8" idx="1"/>
+          </p:cNvCxnSpPr>
+          <p:nvPr/>
+        </p:nvCxnSpPr>
+        <p:spPr>
+          <a:xfrm>
+            <a:off x="5220072" y="3749135"/>
+            <a:ext cx="1440160" cy="0"/>
+          </a:xfrm>
+          <a:prstGeom prst="straightConnector1">
+            <a:avLst/>
+          </a:prstGeom>
+          <a:ln w="28575">
+            <a:tailEnd type="triangle"/>
+          </a:ln>
+        </p:spPr>
+        <p:style>
+          <a:lnRef idx="1">
+            <a:schemeClr val="dk1"/>
+          </a:lnRef>
+          <a:fillRef idx="0">
+            <a:schemeClr val="dk1"/>
+          </a:fillRef>
+          <a:effectRef idx="0">
+            <a:schemeClr val="dk1"/>
+          </a:effectRef>
+          <a:fontRef idx="minor">
+            <a:schemeClr val="tx1"/>
+          </a:fontRef>
+        </p:style>
+      </p:cxnSp>
+      <p:sp>
+        <p:nvSpPr>
+          <p:cNvPr id="15" name="CuadroTexto 14"/>
+          <p:cNvSpPr txBox="1"/>
+          <p:nvPr/>
+        </p:nvSpPr>
+        <p:spPr>
+          <a:xfrm>
+            <a:off x="2729742" y="3487525"/>
+            <a:ext cx="804195" cy="523220"/>
+          </a:xfrm>
+          <a:prstGeom prst="rect">
+            <a:avLst/>
+          </a:prstGeom>
+          <a:noFill/>
+        </p:spPr>
+        <p:txBody>
+          <a:bodyPr wrap="none" rtlCol="0">
+            <a:spAutoFit/>
+          </a:bodyPr>
+          <a:lstStyle/>
+          <a:p>
+            <a:pPr algn="ctr"/>
+            <a:r>
+              <a:rPr lang="es-PE" sz="1400" dirty="0"/>
+              <a:t>Variables </a:t>
+            </a:r>
+          </a:p>
+          <a:p>
+            <a:pPr algn="ctr"/>
+            <a:r>
+              <a:rPr lang="es-PE" sz="1400" dirty="0"/>
+              <a:t>relevante</a:t>
+            </a:r>
+          </a:p>
+        </p:txBody>
+      </p:sp>
+      <p:sp>
+        <p:nvSpPr>
+          <p:cNvPr id="16" name="CuadroTexto 15"/>
+          <p:cNvSpPr txBox="1"/>
+          <p:nvPr/>
+        </p:nvSpPr>
+        <p:spPr>
+          <a:xfrm>
+            <a:off x="5482334" y="3487525"/>
+            <a:ext cx="915635" cy="523220"/>
+          </a:xfrm>
+          <a:prstGeom prst="rect">
+            <a:avLst/>
+          </a:prstGeom>
+          <a:noFill/>
+        </p:spPr>
+        <p:txBody>
+          <a:bodyPr wrap="none" rtlCol="0">
+            <a:spAutoFit/>
+          </a:bodyPr>
+          <a:lstStyle/>
+          <a:p>
+            <a:pPr algn="ctr"/>
+            <a:r>
+              <a:rPr lang="es-PE" sz="1400" dirty="0"/>
+              <a:t>Relaciones </a:t>
+            </a:r>
+          </a:p>
+          <a:p>
+            <a:pPr algn="ctr"/>
+            <a:r>
+              <a:rPr lang="es-PE" sz="1400" dirty="0"/>
+              <a:t>relevante</a:t>
+            </a:r>
+          </a:p>
+        </p:txBody>
+      </p:sp>
+      <p:cxnSp>
+        <p:nvCxnSpPr>
+          <p:cNvPr id="18" name="Conector recto de flecha 17"/>
+          <p:cNvCxnSpPr>
+            <a:stCxn id="8" idx="2"/>
+            <a:endCxn id="11" idx="0"/>
+          </p:cNvCxnSpPr>
+          <p:nvPr/>
+        </p:nvCxnSpPr>
+        <p:spPr>
+          <a:xfrm>
+            <a:off x="7344308" y="4073171"/>
+            <a:ext cx="0" cy="1048017"/>
+          </a:xfrm>
+          <a:prstGeom prst="straightConnector1">
+            <a:avLst/>
+          </a:prstGeom>
+          <a:ln w="28575">
+            <a:tailEnd type="triangle"/>
+          </a:ln>
+        </p:spPr>
+        <p:style>
+          <a:lnRef idx="1">
+            <a:schemeClr val="dk1"/>
+          </a:lnRef>
+          <a:fillRef idx="0">
+            <a:schemeClr val="dk1"/>
+          </a:fillRef>
+          <a:effectRef idx="0">
+            <a:schemeClr val="dk1"/>
+          </a:effectRef>
+          <a:fontRef idx="minor">
+            <a:schemeClr val="tx1"/>
+          </a:fontRef>
+        </p:style>
+      </p:cxnSp>
+      <p:cxnSp>
+        <p:nvCxnSpPr>
+          <p:cNvPr id="20" name="Conector recto de flecha 19"/>
+          <p:cNvCxnSpPr>
+            <a:stCxn id="11" idx="1"/>
+            <a:endCxn id="10" idx="3"/>
+          </p:cNvCxnSpPr>
+          <p:nvPr/>
+        </p:nvCxnSpPr>
+        <p:spPr>
+          <a:xfrm flipH="1">
+            <a:off x="5220072" y="5445224"/>
+            <a:ext cx="1440160" cy="0"/>
+          </a:xfrm>
+          <a:prstGeom prst="straightConnector1">
+            <a:avLst/>
+          </a:prstGeom>
+          <a:ln w="28575">
+            <a:tailEnd type="triangle"/>
+          </a:ln>
+        </p:spPr>
+        <p:style>
+          <a:lnRef idx="1">
+            <a:schemeClr val="dk1"/>
+          </a:lnRef>
+          <a:fillRef idx="0">
+            <a:schemeClr val="dk1"/>
+          </a:fillRef>
+          <a:effectRef idx="0">
+            <a:schemeClr val="dk1"/>
+          </a:effectRef>
+          <a:fontRef idx="minor">
+            <a:schemeClr val="tx1"/>
+          </a:fontRef>
+        </p:style>
+      </p:cxnSp>
+      <p:cxnSp>
+        <p:nvCxnSpPr>
+          <p:cNvPr id="22" name="Conector recto de flecha 21"/>
+          <p:cNvCxnSpPr>
+            <a:stCxn id="10" idx="1"/>
+            <a:endCxn id="9" idx="3"/>
+          </p:cNvCxnSpPr>
+          <p:nvPr/>
+        </p:nvCxnSpPr>
+        <p:spPr>
+          <a:xfrm flipH="1">
+            <a:off x="2411760" y="5445224"/>
+            <a:ext cx="1440160" cy="0"/>
+          </a:xfrm>
+          <a:prstGeom prst="straightConnector1">
+            <a:avLst/>
+          </a:prstGeom>
+          <a:ln w="28575">
+            <a:tailEnd type="triangle"/>
+          </a:ln>
+        </p:spPr>
+        <p:style>
+          <a:lnRef idx="1">
+            <a:schemeClr val="dk1"/>
+          </a:lnRef>
+          <a:fillRef idx="0">
+            <a:schemeClr val="dk1"/>
+          </a:fillRef>
+          <a:effectRef idx="0">
+            <a:schemeClr val="dk1"/>
+          </a:effectRef>
+          <a:fontRef idx="minor">
+            <a:schemeClr val="tx1"/>
+          </a:fontRef>
+        </p:style>
+      </p:cxnSp>
+      <p:cxnSp>
+        <p:nvCxnSpPr>
+          <p:cNvPr id="24" name="Conector recto de flecha 23"/>
+          <p:cNvCxnSpPr>
+            <a:stCxn id="9" idx="0"/>
+            <a:endCxn id="7" idx="2"/>
+          </p:cNvCxnSpPr>
+          <p:nvPr/>
+        </p:nvCxnSpPr>
+        <p:spPr>
+          <a:xfrm flipV="1">
+            <a:off x="1691680" y="4109175"/>
+            <a:ext cx="0" cy="976009"/>
+          </a:xfrm>
+          <a:prstGeom prst="straightConnector1">
+            <a:avLst/>
+          </a:prstGeom>
+          <a:ln w="28575">
+            <a:tailEnd type="triangle"/>
+          </a:ln>
+        </p:spPr>
+        <p:style>
+          <a:lnRef idx="1">
+            <a:schemeClr val="dk1"/>
+          </a:lnRef>
+          <a:fillRef idx="0">
+            <a:schemeClr val="dk1"/>
+          </a:fillRef>
+          <a:effectRef idx="0">
+            <a:schemeClr val="dk1"/>
+          </a:effectRef>
+          <a:fontRef idx="minor">
+            <a:schemeClr val="tx1"/>
+          </a:fontRef>
+        </p:style>
+      </p:cxnSp>
+      <p:cxnSp>
+        <p:nvCxnSpPr>
+          <p:cNvPr id="26" name="Conector recto de flecha 25"/>
+          <p:cNvCxnSpPr>
+            <a:stCxn id="10" idx="0"/>
+            <a:endCxn id="6" idx="2"/>
+          </p:cNvCxnSpPr>
+          <p:nvPr/>
+        </p:nvCxnSpPr>
+        <p:spPr>
+          <a:xfrm flipV="1">
+            <a:off x="4535996" y="4073171"/>
+            <a:ext cx="0" cy="1048017"/>
+          </a:xfrm>
+          <a:prstGeom prst="straightConnector1">
+            <a:avLst/>
+          </a:prstGeom>
+          <a:ln w="28575">
+            <a:tailEnd type="triangle"/>
+          </a:ln>
+        </p:spPr>
+        <p:style>
+          <a:lnRef idx="1">
+            <a:schemeClr val="dk1"/>
+          </a:lnRef>
+          <a:fillRef idx="0">
+            <a:schemeClr val="dk1"/>
+          </a:fillRef>
+          <a:effectRef idx="0">
+            <a:schemeClr val="dk1"/>
+          </a:effectRef>
+          <a:fontRef idx="minor">
+            <a:schemeClr val="tx1"/>
+          </a:fontRef>
+        </p:style>
+      </p:cxnSp>
+      <p:sp>
+        <p:nvSpPr>
+          <p:cNvPr id="28" name="CuadroTexto 27"/>
+          <p:cNvSpPr txBox="1"/>
+          <p:nvPr/>
+        </p:nvSpPr>
+        <p:spPr>
+          <a:xfrm rot="5400000">
+            <a:off x="7153249" y="4366347"/>
+            <a:ext cx="814647" cy="461665"/>
+          </a:xfrm>
+          <a:prstGeom prst="rect">
+            <a:avLst/>
+          </a:prstGeom>
+          <a:noFill/>
+        </p:spPr>
+        <p:txBody>
+          <a:bodyPr wrap="none" rtlCol="0">
+            <a:spAutoFit/>
+          </a:bodyPr>
+          <a:lstStyle/>
+          <a:p>
+            <a:pPr algn="ctr"/>
+            <a:r>
+              <a:rPr lang="es-PE" sz="1200" dirty="0"/>
+              <a:t>Método</a:t>
+            </a:r>
+          </a:p>
+          <a:p>
+            <a:pPr algn="ctr"/>
+            <a:r>
+              <a:rPr lang="es-PE" sz="1200" dirty="0"/>
+              <a:t>de solución</a:t>
+            </a:r>
+          </a:p>
+        </p:txBody>
+      </p:sp>
+      <p:sp>
+        <p:nvSpPr>
+          <p:cNvPr id="29" name="CuadroTexto 28"/>
+          <p:cNvSpPr txBox="1"/>
+          <p:nvPr/>
+        </p:nvSpPr>
+        <p:spPr>
+          <a:xfrm>
+            <a:off x="5384426" y="5183614"/>
+            <a:ext cx="1111458" cy="307777"/>
+          </a:xfrm>
+          <a:prstGeom prst="rect">
+            <a:avLst/>
+          </a:prstGeom>
+          <a:noFill/>
+        </p:spPr>
+        <p:txBody>
+          <a:bodyPr wrap="none" rtlCol="0">
+            <a:spAutoFit/>
+          </a:bodyPr>
+          <a:lstStyle/>
+          <a:p>
+            <a:pPr algn="ctr"/>
+            <a:r>
+              <a:rPr lang="es-PE" sz="1400" dirty="0"/>
+              <a:t>Interpretación</a:t>
+            </a:r>
+          </a:p>
+        </p:txBody>
+      </p:sp>
+      <p:sp>
+        <p:nvSpPr>
+          <p:cNvPr id="30" name="CuadroTexto 29"/>
+          <p:cNvSpPr txBox="1"/>
+          <p:nvPr/>
+        </p:nvSpPr>
+        <p:spPr>
+          <a:xfrm>
+            <a:off x="2693257" y="5183614"/>
+            <a:ext cx="877164" cy="307777"/>
+          </a:xfrm>
+          <a:prstGeom prst="rect">
+            <a:avLst/>
+          </a:prstGeom>
+          <a:noFill/>
+        </p:spPr>
+        <p:txBody>
+          <a:bodyPr wrap="none" rtlCol="0">
+            <a:spAutoFit/>
+          </a:bodyPr>
+          <a:lstStyle/>
+          <a:p>
+            <a:pPr algn="ctr"/>
+            <a:r>
+              <a:rPr lang="es-PE" sz="1400" dirty="0"/>
+              <a:t>Decisiones</a:t>
+            </a:r>
+          </a:p>
+        </p:txBody>
+      </p:sp>
+      <p:sp>
+        <p:nvSpPr>
+          <p:cNvPr id="31" name="CuadroTexto 30"/>
+          <p:cNvSpPr txBox="1"/>
+          <p:nvPr/>
+        </p:nvSpPr>
+        <p:spPr>
+          <a:xfrm rot="5400000">
+            <a:off x="1287402" y="4458681"/>
+            <a:ext cx="1085554" cy="276999"/>
+          </a:xfrm>
+          <a:prstGeom prst="rect">
+            <a:avLst/>
+          </a:prstGeom>
+          <a:noFill/>
+        </p:spPr>
+        <p:txBody>
+          <a:bodyPr wrap="none" rtlCol="0">
+            <a:spAutoFit/>
+          </a:bodyPr>
+          <a:lstStyle/>
+          <a:p>
+            <a:pPr algn="ctr"/>
+            <a:r>
+              <a:rPr lang="es-PE" sz="1200" dirty="0"/>
+              <a:t>Implementación</a:t>
+            </a:r>
+          </a:p>
+        </p:txBody>
+      </p:sp>
     </p:spTree>
     <p:extLst>
       <p:ext uri="{BB962C8B-B14F-4D97-AF65-F5344CB8AC3E}">
-        <p14:creationId xmlns:p14="http://schemas.microsoft.com/office/powerpoint/2010/main" val="147473549"/>
+        <p14:creationId xmlns:p14="http://schemas.microsoft.com/office/powerpoint/2010/main" val="1200918865"/>
       </p:ext>
     </p:extLst>
   </p:cSld>

--- a/1. Lectures/Introducción a la Optimización aplicada a Sistemas de Energía Eléctrica/Dia 1/2. Modelamiento & Optimización.pptx
+++ b/1. Lectures/Introducción a la Optimización aplicada a Sistemas de Energía Eléctrica/Dia 1/2. Modelamiento & Optimización.pptx
@@ -5,10 +5,10 @@
     <p:sldMasterId id="2147483732" r:id="rId1"/>
   </p:sldMasterIdLst>
   <p:notesMasterIdLst>
-    <p:notesMasterId r:id="rId10"/>
+    <p:notesMasterId r:id="rId16"/>
   </p:notesMasterIdLst>
   <p:handoutMasterIdLst>
-    <p:handoutMasterId r:id="rId11"/>
+    <p:handoutMasterId r:id="rId17"/>
   </p:handoutMasterIdLst>
   <p:sldIdLst>
     <p:sldId id="256" r:id="rId2"/>
@@ -18,7 +18,13 @@
     <p:sldId id="396" r:id="rId6"/>
     <p:sldId id="399" r:id="rId7"/>
     <p:sldId id="395" r:id="rId8"/>
-    <p:sldId id="398" r:id="rId9"/>
+    <p:sldId id="400" r:id="rId9"/>
+    <p:sldId id="401" r:id="rId10"/>
+    <p:sldId id="402" r:id="rId11"/>
+    <p:sldId id="403" r:id="rId12"/>
+    <p:sldId id="404" r:id="rId13"/>
+    <p:sldId id="405" r:id="rId14"/>
+    <p:sldId id="406" r:id="rId15"/>
   </p:sldIdLst>
   <p:sldSz cx="9144000" cy="6858000" type="screen4x3"/>
   <p:notesSz cx="6858000" cy="9144000"/>
@@ -129,7 +135,13 @@
             <p14:sldId id="396"/>
             <p14:sldId id="399"/>
             <p14:sldId id="395"/>
-            <p14:sldId id="398"/>
+            <p14:sldId id="400"/>
+            <p14:sldId id="401"/>
+            <p14:sldId id="402"/>
+            <p14:sldId id="403"/>
+            <p14:sldId id="404"/>
+            <p14:sldId id="405"/>
+            <p14:sldId id="406"/>
           </p14:sldIdLst>
         </p14:section>
       </p14:sectionLst>
@@ -5244,6 +5256,2006 @@
 </p:sld>
 </file>
 
+<file path=ppt/slides/slide10.xml><?xml version="1.0" encoding="utf-8"?>
+<p:sld xmlns:a="http://schemas.openxmlformats.org/drawingml/2006/main" xmlns:r="http://schemas.openxmlformats.org/officeDocument/2006/relationships" xmlns:p="http://schemas.openxmlformats.org/presentationml/2006/main">
+  <p:cSld>
+    <p:spTree>
+      <p:nvGrpSpPr>
+        <p:cNvPr id="1" name=""/>
+        <p:cNvGrpSpPr/>
+        <p:nvPr/>
+      </p:nvGrpSpPr>
+      <p:grpSpPr>
+        <a:xfrm>
+          <a:off x="0" y="0"/>
+          <a:ext cx="0" cy="0"/>
+          <a:chOff x="0" y="0"/>
+          <a:chExt cx="0" cy="0"/>
+        </a:xfrm>
+      </p:grpSpPr>
+      <p:sp>
+        <p:nvSpPr>
+          <p:cNvPr id="2" name="Marcador de número de diapositiva 1"/>
+          <p:cNvSpPr>
+            <a:spLocks noGrp="1"/>
+          </p:cNvSpPr>
+          <p:nvPr>
+            <p:ph type="sldNum" sz="quarter" idx="12"/>
+          </p:nvPr>
+        </p:nvSpPr>
+        <p:spPr/>
+        <p:txBody>
+          <a:bodyPr/>
+          <a:lstStyle/>
+          <a:p>
+            <a:fld id="{64BD7E74-CBD2-4D88-9109-2EA8081AE675}" type="slidenum">
+              <a:rPr lang="es-ES" smtClean="0"/>
+              <a:pPr/>
+              <a:t>10</a:t>
+            </a:fld>
+            <a:endParaRPr lang="es-ES"/>
+          </a:p>
+        </p:txBody>
+      </p:sp>
+      <p:sp>
+        <p:nvSpPr>
+          <p:cNvPr id="3" name="4 Título"/>
+          <p:cNvSpPr txBox="1">
+            <a:spLocks/>
+          </p:cNvSpPr>
+          <p:nvPr/>
+        </p:nvSpPr>
+        <p:spPr>
+          <a:xfrm>
+            <a:off x="611560" y="188640"/>
+            <a:ext cx="8784976" cy="457120"/>
+          </a:xfrm>
+          <a:prstGeom prst="rect">
+            <a:avLst/>
+          </a:prstGeom>
+        </p:spPr>
+        <p:txBody>
+          <a:bodyPr bIns="91440" anchor="b" anchorCtr="0">
+            <a:noAutofit/>
+          </a:bodyPr>
+          <a:lstStyle>
+            <a:lvl1pPr>
+              <a:spcBef>
+                <a:spcPct val="0"/>
+              </a:spcBef>
+              <a:buNone/>
+              <a:defRPr kumimoji="0" sz="2400">
+                <a:ln w="0"/>
+                <a:solidFill>
+                  <a:schemeClr val="tx2"/>
+                </a:solidFill>
+                <a:effectLst>
+                  <a:outerShdw blurRad="38100" dist="19050" dir="2700000" algn="tl" rotWithShape="0">
+                    <a:schemeClr val="dk1">
+                      <a:alpha val="40000"/>
+                    </a:schemeClr>
+                  </a:outerShdw>
+                </a:effectLst>
+                <a:latin typeface="+mj-lt"/>
+                <a:ea typeface="+mj-ea"/>
+                <a:cs typeface="+mj-cs"/>
+              </a:defRPr>
+            </a:lvl1pPr>
+          </a:lstStyle>
+          <a:p>
+            <a:r>
+              <a:rPr lang="es-PE" altLang="en-US" dirty="0"/>
+              <a:t>Implementación del Modelo</a:t>
+            </a:r>
+          </a:p>
+        </p:txBody>
+      </p:sp>
+      <p:sp>
+        <p:nvSpPr>
+          <p:cNvPr id="5" name="CuadroTexto 4"/>
+          <p:cNvSpPr txBox="1"/>
+          <p:nvPr/>
+        </p:nvSpPr>
+        <p:spPr>
+          <a:xfrm>
+            <a:off x="600771" y="876776"/>
+            <a:ext cx="8002257" cy="2677656"/>
+          </a:xfrm>
+          <a:prstGeom prst="rect">
+            <a:avLst/>
+          </a:prstGeom>
+          <a:noFill/>
+        </p:spPr>
+        <p:txBody>
+          <a:bodyPr wrap="square" rtlCol="0">
+            <a:spAutoFit/>
+          </a:bodyPr>
+          <a:lstStyle/>
+          <a:p>
+            <a:pPr marL="285750" indent="-285750" algn="just">
+              <a:buFont typeface="Arial" panose="020B0604020202020204" pitchFamily="34" charset="0"/>
+              <a:buChar char="•"/>
+            </a:pPr>
+            <a:r>
+              <a:rPr lang="es-PE" sz="2400" dirty="0"/>
+              <a:t>El espíritu del modelo es la </a:t>
+            </a:r>
+            <a:r>
+              <a:rPr lang="es-PE" sz="2400" b="1" dirty="0"/>
+              <a:t>precisión</a:t>
+            </a:r>
+            <a:r>
+              <a:rPr lang="es-PE" sz="2400" dirty="0"/>
+              <a:t> y </a:t>
+            </a:r>
+            <a:r>
+              <a:rPr lang="es-PE" sz="2400" b="1" dirty="0"/>
+              <a:t>elegancia</a:t>
+            </a:r>
+          </a:p>
+          <a:p>
+            <a:pPr marL="285750" indent="-285750" algn="just">
+              <a:buFont typeface="Arial" panose="020B0604020202020204" pitchFamily="34" charset="0"/>
+              <a:buChar char="•"/>
+            </a:pPr>
+            <a:r>
+              <a:rPr lang="es-PE" sz="2400" dirty="0"/>
+              <a:t>Análisis de la estructura del modelo</a:t>
+            </a:r>
+          </a:p>
+          <a:p>
+            <a:pPr marL="742950" lvl="1" indent="-285750" algn="just">
+              <a:buFont typeface="Arial" panose="020B0604020202020204" pitchFamily="34" charset="0"/>
+              <a:buChar char="•"/>
+            </a:pPr>
+            <a:r>
+              <a:rPr lang="es-PE" sz="2400" dirty="0"/>
+              <a:t>La implementación se debe adecuar a las expectativas, necesidades y recursos del cliente (por ejemplo, tiempo real, a gran escala, </a:t>
+            </a:r>
+            <a:r>
+              <a:rPr lang="es-PE" sz="2400" dirty="0" err="1"/>
+              <a:t>etc</a:t>
+            </a:r>
+            <a:r>
+              <a:rPr lang="es-PE" sz="2400" dirty="0"/>
+              <a:t>)</a:t>
+            </a:r>
+          </a:p>
+          <a:p>
+            <a:pPr marL="285750" indent="-285750" algn="just">
+              <a:buFont typeface="Arial" panose="020B0604020202020204" pitchFamily="34" charset="0"/>
+              <a:buChar char="•"/>
+            </a:pPr>
+            <a:r>
+              <a:rPr lang="es-PE" sz="2400" dirty="0"/>
+              <a:t>Por ejemplo, un problema de programación lineal se puede clasificar según su tamaño:</a:t>
+            </a:r>
+          </a:p>
+        </p:txBody>
+      </p:sp>
+      <p:graphicFrame>
+        <p:nvGraphicFramePr>
+          <p:cNvPr id="4" name="Tabla 3"/>
+          <p:cNvGraphicFramePr>
+            <a:graphicFrameLocks noGrp="1"/>
+          </p:cNvGraphicFramePr>
+          <p:nvPr>
+            <p:extLst>
+              <p:ext uri="{D42A27DB-BD31-4B8C-83A1-F6EECF244321}">
+                <p14:modId xmlns:p14="http://schemas.microsoft.com/office/powerpoint/2010/main" val="3194164103"/>
+              </p:ext>
+            </p:extLst>
+          </p:nvPr>
+        </p:nvGraphicFramePr>
+        <p:xfrm>
+          <a:off x="1835696" y="3785448"/>
+          <a:ext cx="5907024" cy="1854200"/>
+        </p:xfrm>
+        <a:graphic>
+          <a:graphicData uri="http://schemas.openxmlformats.org/drawingml/2006/table">
+            <a:tbl>
+              <a:tblPr firstRow="1" bandRow="1">
+                <a:tableStyleId>{5940675A-B579-460E-94D1-54222C63F5DA}</a:tableStyleId>
+              </a:tblPr>
+              <a:tblGrid>
+                <a:gridCol w="2737402">
+                  <a:extLst>
+                    <a:ext uri="{9D8B030D-6E8A-4147-A177-3AD203B41FA5}">
+                      <a16:colId xmlns:a16="http://schemas.microsoft.com/office/drawing/2014/main" val="1351932006"/>
+                    </a:ext>
+                  </a:extLst>
+                </a:gridCol>
+                <a:gridCol w="1656848">
+                  <a:extLst>
+                    <a:ext uri="{9D8B030D-6E8A-4147-A177-3AD203B41FA5}">
+                      <a16:colId xmlns:a16="http://schemas.microsoft.com/office/drawing/2014/main" val="2951592562"/>
+                    </a:ext>
+                  </a:extLst>
+                </a:gridCol>
+                <a:gridCol w="1512774">
+                  <a:extLst>
+                    <a:ext uri="{9D8B030D-6E8A-4147-A177-3AD203B41FA5}">
+                      <a16:colId xmlns:a16="http://schemas.microsoft.com/office/drawing/2014/main" val="1807607267"/>
+                    </a:ext>
+                  </a:extLst>
+                </a:gridCol>
+              </a:tblGrid>
+              <a:tr h="370840">
+                <a:tc>
+                  <a:txBody>
+                    <a:bodyPr/>
+                    <a:lstStyle/>
+                    <a:p>
+                      <a:endParaRPr lang="es-PE" dirty="0"/>
+                    </a:p>
+                  </a:txBody>
+                  <a:tcPr>
+                    <a:lnL w="12700" cmpd="sng">
+                      <a:noFill/>
+                    </a:lnL>
+                    <a:lnR w="12700" cap="flat" cmpd="sng" algn="ctr">
+                      <a:solidFill>
+                        <a:schemeClr val="tx1"/>
+                      </a:solidFill>
+                      <a:prstDash val="solid"/>
+                      <a:round/>
+                      <a:headEnd type="none" w="med" len="med"/>
+                      <a:tailEnd type="none" w="med" len="med"/>
+                    </a:lnR>
+                    <a:lnT w="12700" cmpd="sng">
+                      <a:noFill/>
+                    </a:lnT>
+                    <a:lnB w="12700" cap="flat" cmpd="sng" algn="ctr">
+                      <a:solidFill>
+                        <a:schemeClr val="tx1"/>
+                      </a:solidFill>
+                      <a:prstDash val="solid"/>
+                      <a:round/>
+                      <a:headEnd type="none" w="med" len="med"/>
+                      <a:tailEnd type="none" w="med" len="med"/>
+                    </a:lnB>
+                    <a:lnTlToBr w="12700" cmpd="sng">
+                      <a:noFill/>
+                      <a:prstDash val="solid"/>
+                    </a:lnTlToBr>
+                    <a:lnBlToTr w="12700" cmpd="sng">
+                      <a:noFill/>
+                      <a:prstDash val="solid"/>
+                    </a:lnBlToTr>
+                  </a:tcPr>
+                </a:tc>
+                <a:tc>
+                  <a:txBody>
+                    <a:bodyPr/>
+                    <a:lstStyle/>
+                    <a:p>
+                      <a:r>
+                        <a:rPr lang="es-PE" b="1" dirty="0"/>
+                        <a:t>Restricciones</a:t>
+                      </a:r>
+                    </a:p>
+                  </a:txBody>
+                  <a:tcPr>
+                    <a:lnL w="12700" cap="flat" cmpd="sng" algn="ctr">
+                      <a:solidFill>
+                        <a:schemeClr val="tx1"/>
+                      </a:solidFill>
+                      <a:prstDash val="solid"/>
+                      <a:round/>
+                      <a:headEnd type="none" w="med" len="med"/>
+                      <a:tailEnd type="none" w="med" len="med"/>
+                    </a:lnL>
+                    <a:lnR w="12700" cap="flat" cmpd="sng" algn="ctr">
+                      <a:solidFill>
+                        <a:schemeClr val="tx1"/>
+                      </a:solidFill>
+                      <a:prstDash val="solid"/>
+                      <a:round/>
+                      <a:headEnd type="none" w="med" len="med"/>
+                      <a:tailEnd type="none" w="med" len="med"/>
+                    </a:lnR>
+                    <a:lnT w="12700" cap="flat" cmpd="sng" algn="ctr">
+                      <a:solidFill>
+                        <a:schemeClr val="tx1"/>
+                      </a:solidFill>
+                      <a:prstDash val="solid"/>
+                      <a:round/>
+                      <a:headEnd type="none" w="med" len="med"/>
+                      <a:tailEnd type="none" w="med" len="med"/>
+                    </a:lnT>
+                    <a:lnB w="12700" cap="flat" cmpd="sng" algn="ctr">
+                      <a:solidFill>
+                        <a:schemeClr val="tx1"/>
+                      </a:solidFill>
+                      <a:prstDash val="solid"/>
+                      <a:round/>
+                      <a:headEnd type="none" w="med" len="med"/>
+                      <a:tailEnd type="none" w="med" len="med"/>
+                    </a:lnB>
+                    <a:lnTlToBr w="12700" cmpd="sng">
+                      <a:noFill/>
+                      <a:prstDash val="solid"/>
+                    </a:lnTlToBr>
+                    <a:lnBlToTr w="12700" cmpd="sng">
+                      <a:noFill/>
+                      <a:prstDash val="solid"/>
+                    </a:lnBlToTr>
+                  </a:tcPr>
+                </a:tc>
+                <a:tc>
+                  <a:txBody>
+                    <a:bodyPr/>
+                    <a:lstStyle/>
+                    <a:p>
+                      <a:r>
+                        <a:rPr lang="es-PE" b="1" dirty="0"/>
+                        <a:t>Variables</a:t>
+                      </a:r>
+                    </a:p>
+                  </a:txBody>
+                  <a:tcPr>
+                    <a:lnL w="12700" cap="flat" cmpd="sng" algn="ctr">
+                      <a:solidFill>
+                        <a:schemeClr val="tx1"/>
+                      </a:solidFill>
+                      <a:prstDash val="solid"/>
+                      <a:round/>
+                      <a:headEnd type="none" w="med" len="med"/>
+                      <a:tailEnd type="none" w="med" len="med"/>
+                    </a:lnL>
+                    <a:lnR w="12700" cap="flat" cmpd="sng" algn="ctr">
+                      <a:solidFill>
+                        <a:schemeClr val="tx1"/>
+                      </a:solidFill>
+                      <a:prstDash val="solid"/>
+                      <a:round/>
+                      <a:headEnd type="none" w="med" len="med"/>
+                      <a:tailEnd type="none" w="med" len="med"/>
+                    </a:lnR>
+                    <a:lnT w="12700" cap="flat" cmpd="sng" algn="ctr">
+                      <a:solidFill>
+                        <a:schemeClr val="tx1"/>
+                      </a:solidFill>
+                      <a:prstDash val="solid"/>
+                      <a:round/>
+                      <a:headEnd type="none" w="med" len="med"/>
+                      <a:tailEnd type="none" w="med" len="med"/>
+                    </a:lnT>
+                    <a:lnB w="12700" cap="flat" cmpd="sng" algn="ctr">
+                      <a:solidFill>
+                        <a:schemeClr val="tx1"/>
+                      </a:solidFill>
+                      <a:prstDash val="solid"/>
+                      <a:round/>
+                      <a:headEnd type="none" w="med" len="med"/>
+                      <a:tailEnd type="none" w="med" len="med"/>
+                    </a:lnB>
+                    <a:lnTlToBr w="12700" cmpd="sng">
+                      <a:noFill/>
+                      <a:prstDash val="solid"/>
+                    </a:lnTlToBr>
+                    <a:lnBlToTr w="12700" cmpd="sng">
+                      <a:noFill/>
+                      <a:prstDash val="solid"/>
+                    </a:lnBlToTr>
+                  </a:tcPr>
+                </a:tc>
+                <a:extLst>
+                  <a:ext uri="{0D108BD9-81ED-4DB2-BD59-A6C34878D82A}">
+                    <a16:rowId xmlns:a16="http://schemas.microsoft.com/office/drawing/2014/main" val="3526294016"/>
+                  </a:ext>
+                </a:extLst>
+              </a:tr>
+              <a:tr h="370840">
+                <a:tc>
+                  <a:txBody>
+                    <a:bodyPr/>
+                    <a:lstStyle/>
+                    <a:p>
+                      <a:r>
+                        <a:rPr lang="es-PE" b="1" dirty="0"/>
+                        <a:t>Ejemplo demostrativo</a:t>
+                      </a:r>
+                    </a:p>
+                  </a:txBody>
+                  <a:tcPr>
+                    <a:lnL w="12700" cap="flat" cmpd="sng" algn="ctr">
+                      <a:solidFill>
+                        <a:schemeClr val="tx1"/>
+                      </a:solidFill>
+                      <a:prstDash val="solid"/>
+                      <a:round/>
+                      <a:headEnd type="none" w="med" len="med"/>
+                      <a:tailEnd type="none" w="med" len="med"/>
+                    </a:lnL>
+                    <a:lnR w="12700" cap="flat" cmpd="sng" algn="ctr">
+                      <a:solidFill>
+                        <a:schemeClr val="tx1"/>
+                      </a:solidFill>
+                      <a:prstDash val="solid"/>
+                      <a:round/>
+                      <a:headEnd type="none" w="med" len="med"/>
+                      <a:tailEnd type="none" w="med" len="med"/>
+                    </a:lnR>
+                    <a:lnT w="12700" cap="flat" cmpd="sng" algn="ctr">
+                      <a:solidFill>
+                        <a:schemeClr val="tx1"/>
+                      </a:solidFill>
+                      <a:prstDash val="solid"/>
+                      <a:round/>
+                      <a:headEnd type="none" w="med" len="med"/>
+                      <a:tailEnd type="none" w="med" len="med"/>
+                    </a:lnT>
+                    <a:lnB w="12700" cap="flat" cmpd="sng" algn="ctr">
+                      <a:solidFill>
+                        <a:schemeClr val="tx1"/>
+                      </a:solidFill>
+                      <a:prstDash val="solid"/>
+                      <a:round/>
+                      <a:headEnd type="none" w="med" len="med"/>
+                      <a:tailEnd type="none" w="med" len="med"/>
+                    </a:lnB>
+                    <a:lnTlToBr w="12700" cmpd="sng">
+                      <a:noFill/>
+                      <a:prstDash val="solid"/>
+                    </a:lnTlToBr>
+                    <a:lnBlToTr w="12700" cmpd="sng">
+                      <a:noFill/>
+                      <a:prstDash val="solid"/>
+                    </a:lnBlToTr>
+                  </a:tcPr>
+                </a:tc>
+                <a:tc>
+                  <a:txBody>
+                    <a:bodyPr/>
+                    <a:lstStyle/>
+                    <a:p>
+                      <a:r>
+                        <a:rPr lang="es-PE" dirty="0"/>
+                        <a:t>100</a:t>
+                      </a:r>
+                    </a:p>
+                  </a:txBody>
+                  <a:tcPr>
+                    <a:lnL w="12700" cap="flat" cmpd="sng" algn="ctr">
+                      <a:solidFill>
+                        <a:schemeClr val="tx1"/>
+                      </a:solidFill>
+                      <a:prstDash val="solid"/>
+                      <a:round/>
+                      <a:headEnd type="none" w="med" len="med"/>
+                      <a:tailEnd type="none" w="med" len="med"/>
+                    </a:lnL>
+                    <a:lnR w="12700" cap="flat" cmpd="sng" algn="ctr">
+                      <a:solidFill>
+                        <a:schemeClr val="tx1"/>
+                      </a:solidFill>
+                      <a:prstDash val="solid"/>
+                      <a:round/>
+                      <a:headEnd type="none" w="med" len="med"/>
+                      <a:tailEnd type="none" w="med" len="med"/>
+                    </a:lnR>
+                    <a:lnT w="12700" cap="flat" cmpd="sng" algn="ctr">
+                      <a:solidFill>
+                        <a:schemeClr val="tx1"/>
+                      </a:solidFill>
+                      <a:prstDash val="solid"/>
+                      <a:round/>
+                      <a:headEnd type="none" w="med" len="med"/>
+                      <a:tailEnd type="none" w="med" len="med"/>
+                    </a:lnT>
+                    <a:lnB w="12700" cap="flat" cmpd="sng" algn="ctr">
+                      <a:solidFill>
+                        <a:schemeClr val="tx1"/>
+                      </a:solidFill>
+                      <a:prstDash val="solid"/>
+                      <a:round/>
+                      <a:headEnd type="none" w="med" len="med"/>
+                      <a:tailEnd type="none" w="med" len="med"/>
+                    </a:lnB>
+                    <a:lnTlToBr w="12700" cmpd="sng">
+                      <a:noFill/>
+                      <a:prstDash val="solid"/>
+                    </a:lnTlToBr>
+                    <a:lnBlToTr w="12700" cmpd="sng">
+                      <a:noFill/>
+                      <a:prstDash val="solid"/>
+                    </a:lnBlToTr>
+                  </a:tcPr>
+                </a:tc>
+                <a:tc>
+                  <a:txBody>
+                    <a:bodyPr/>
+                    <a:lstStyle/>
+                    <a:p>
+                      <a:r>
+                        <a:rPr lang="es-PE" dirty="0"/>
+                        <a:t>100</a:t>
+                      </a:r>
+                    </a:p>
+                  </a:txBody>
+                  <a:tcPr>
+                    <a:lnL w="12700" cap="flat" cmpd="sng" algn="ctr">
+                      <a:solidFill>
+                        <a:schemeClr val="tx1"/>
+                      </a:solidFill>
+                      <a:prstDash val="solid"/>
+                      <a:round/>
+                      <a:headEnd type="none" w="med" len="med"/>
+                      <a:tailEnd type="none" w="med" len="med"/>
+                    </a:lnL>
+                    <a:lnR w="12700" cap="flat" cmpd="sng" algn="ctr">
+                      <a:solidFill>
+                        <a:schemeClr val="tx1"/>
+                      </a:solidFill>
+                      <a:prstDash val="solid"/>
+                      <a:round/>
+                      <a:headEnd type="none" w="med" len="med"/>
+                      <a:tailEnd type="none" w="med" len="med"/>
+                    </a:lnR>
+                    <a:lnT w="12700" cap="flat" cmpd="sng" algn="ctr">
+                      <a:solidFill>
+                        <a:schemeClr val="tx1"/>
+                      </a:solidFill>
+                      <a:prstDash val="solid"/>
+                      <a:round/>
+                      <a:headEnd type="none" w="med" len="med"/>
+                      <a:tailEnd type="none" w="med" len="med"/>
+                    </a:lnT>
+                    <a:lnB w="12700" cap="flat" cmpd="sng" algn="ctr">
+                      <a:solidFill>
+                        <a:schemeClr val="tx1"/>
+                      </a:solidFill>
+                      <a:prstDash val="solid"/>
+                      <a:round/>
+                      <a:headEnd type="none" w="med" len="med"/>
+                      <a:tailEnd type="none" w="med" len="med"/>
+                    </a:lnB>
+                    <a:lnTlToBr w="12700" cmpd="sng">
+                      <a:noFill/>
+                      <a:prstDash val="solid"/>
+                    </a:lnTlToBr>
+                    <a:lnBlToTr w="12700" cmpd="sng">
+                      <a:noFill/>
+                      <a:prstDash val="solid"/>
+                    </a:lnBlToTr>
+                  </a:tcPr>
+                </a:tc>
+                <a:extLst>
+                  <a:ext uri="{0D108BD9-81ED-4DB2-BD59-A6C34878D82A}">
+                    <a16:rowId xmlns:a16="http://schemas.microsoft.com/office/drawing/2014/main" val="4285415278"/>
+                  </a:ext>
+                </a:extLst>
+              </a:tr>
+              <a:tr h="370840">
+                <a:tc>
+                  <a:txBody>
+                    <a:bodyPr/>
+                    <a:lstStyle/>
+                    <a:p>
+                      <a:r>
+                        <a:rPr lang="es-PE" b="1" dirty="0"/>
+                        <a:t>Tamaño</a:t>
+                      </a:r>
+                      <a:r>
+                        <a:rPr lang="es-PE" b="1" baseline="0" dirty="0"/>
+                        <a:t> medio</a:t>
+                      </a:r>
+                      <a:endParaRPr lang="es-PE" b="1" dirty="0"/>
+                    </a:p>
+                  </a:txBody>
+                  <a:tcPr>
+                    <a:lnL w="12700" cap="flat" cmpd="sng" algn="ctr">
+                      <a:solidFill>
+                        <a:schemeClr val="tx1"/>
+                      </a:solidFill>
+                      <a:prstDash val="solid"/>
+                      <a:round/>
+                      <a:headEnd type="none" w="med" len="med"/>
+                      <a:tailEnd type="none" w="med" len="med"/>
+                    </a:lnL>
+                    <a:lnR w="12700" cap="flat" cmpd="sng" algn="ctr">
+                      <a:solidFill>
+                        <a:schemeClr val="tx1"/>
+                      </a:solidFill>
+                      <a:prstDash val="solid"/>
+                      <a:round/>
+                      <a:headEnd type="none" w="med" len="med"/>
+                      <a:tailEnd type="none" w="med" len="med"/>
+                    </a:lnR>
+                    <a:lnT w="12700" cap="flat" cmpd="sng" algn="ctr">
+                      <a:solidFill>
+                        <a:schemeClr val="tx1"/>
+                      </a:solidFill>
+                      <a:prstDash val="solid"/>
+                      <a:round/>
+                      <a:headEnd type="none" w="med" len="med"/>
+                      <a:tailEnd type="none" w="med" len="med"/>
+                    </a:lnT>
+                    <a:lnB w="12700" cap="flat" cmpd="sng" algn="ctr">
+                      <a:solidFill>
+                        <a:schemeClr val="tx1"/>
+                      </a:solidFill>
+                      <a:prstDash val="solid"/>
+                      <a:round/>
+                      <a:headEnd type="none" w="med" len="med"/>
+                      <a:tailEnd type="none" w="med" len="med"/>
+                    </a:lnB>
+                    <a:lnTlToBr w="12700" cmpd="sng">
+                      <a:noFill/>
+                      <a:prstDash val="solid"/>
+                    </a:lnTlToBr>
+                    <a:lnBlToTr w="12700" cmpd="sng">
+                      <a:noFill/>
+                      <a:prstDash val="solid"/>
+                    </a:lnBlToTr>
+                  </a:tcPr>
+                </a:tc>
+                <a:tc>
+                  <a:txBody>
+                    <a:bodyPr/>
+                    <a:lstStyle/>
+                    <a:p>
+                      <a:r>
+                        <a:rPr lang="es-PE" dirty="0"/>
+                        <a:t>10000</a:t>
+                      </a:r>
+                    </a:p>
+                  </a:txBody>
+                  <a:tcPr>
+                    <a:lnL w="12700" cap="flat" cmpd="sng" algn="ctr">
+                      <a:solidFill>
+                        <a:schemeClr val="tx1"/>
+                      </a:solidFill>
+                      <a:prstDash val="solid"/>
+                      <a:round/>
+                      <a:headEnd type="none" w="med" len="med"/>
+                      <a:tailEnd type="none" w="med" len="med"/>
+                    </a:lnL>
+                    <a:lnR w="12700" cap="flat" cmpd="sng" algn="ctr">
+                      <a:solidFill>
+                        <a:schemeClr val="tx1"/>
+                      </a:solidFill>
+                      <a:prstDash val="solid"/>
+                      <a:round/>
+                      <a:headEnd type="none" w="med" len="med"/>
+                      <a:tailEnd type="none" w="med" len="med"/>
+                    </a:lnR>
+                    <a:lnT w="12700" cap="flat" cmpd="sng" algn="ctr">
+                      <a:solidFill>
+                        <a:schemeClr val="tx1"/>
+                      </a:solidFill>
+                      <a:prstDash val="solid"/>
+                      <a:round/>
+                      <a:headEnd type="none" w="med" len="med"/>
+                      <a:tailEnd type="none" w="med" len="med"/>
+                    </a:lnT>
+                    <a:lnB w="12700" cap="flat" cmpd="sng" algn="ctr">
+                      <a:solidFill>
+                        <a:schemeClr val="tx1"/>
+                      </a:solidFill>
+                      <a:prstDash val="solid"/>
+                      <a:round/>
+                      <a:headEnd type="none" w="med" len="med"/>
+                      <a:tailEnd type="none" w="med" len="med"/>
+                    </a:lnB>
+                    <a:lnTlToBr w="12700" cmpd="sng">
+                      <a:noFill/>
+                      <a:prstDash val="solid"/>
+                    </a:lnTlToBr>
+                    <a:lnBlToTr w="12700" cmpd="sng">
+                      <a:noFill/>
+                      <a:prstDash val="solid"/>
+                    </a:lnBlToTr>
+                  </a:tcPr>
+                </a:tc>
+                <a:tc>
+                  <a:txBody>
+                    <a:bodyPr/>
+                    <a:lstStyle/>
+                    <a:p>
+                      <a:r>
+                        <a:rPr lang="es-PE" dirty="0"/>
+                        <a:t>10000</a:t>
+                      </a:r>
+                    </a:p>
+                  </a:txBody>
+                  <a:tcPr>
+                    <a:lnL w="12700" cap="flat" cmpd="sng" algn="ctr">
+                      <a:solidFill>
+                        <a:schemeClr val="tx1"/>
+                      </a:solidFill>
+                      <a:prstDash val="solid"/>
+                      <a:round/>
+                      <a:headEnd type="none" w="med" len="med"/>
+                      <a:tailEnd type="none" w="med" len="med"/>
+                    </a:lnL>
+                    <a:lnR w="12700" cap="flat" cmpd="sng" algn="ctr">
+                      <a:solidFill>
+                        <a:schemeClr val="tx1"/>
+                      </a:solidFill>
+                      <a:prstDash val="solid"/>
+                      <a:round/>
+                      <a:headEnd type="none" w="med" len="med"/>
+                      <a:tailEnd type="none" w="med" len="med"/>
+                    </a:lnR>
+                    <a:lnT w="12700" cap="flat" cmpd="sng" algn="ctr">
+                      <a:solidFill>
+                        <a:schemeClr val="tx1"/>
+                      </a:solidFill>
+                      <a:prstDash val="solid"/>
+                      <a:round/>
+                      <a:headEnd type="none" w="med" len="med"/>
+                      <a:tailEnd type="none" w="med" len="med"/>
+                    </a:lnT>
+                    <a:lnB w="12700" cap="flat" cmpd="sng" algn="ctr">
+                      <a:solidFill>
+                        <a:schemeClr val="tx1"/>
+                      </a:solidFill>
+                      <a:prstDash val="solid"/>
+                      <a:round/>
+                      <a:headEnd type="none" w="med" len="med"/>
+                      <a:tailEnd type="none" w="med" len="med"/>
+                    </a:lnB>
+                    <a:lnTlToBr w="12700" cmpd="sng">
+                      <a:noFill/>
+                      <a:prstDash val="solid"/>
+                    </a:lnTlToBr>
+                    <a:lnBlToTr w="12700" cmpd="sng">
+                      <a:noFill/>
+                      <a:prstDash val="solid"/>
+                    </a:lnBlToTr>
+                  </a:tcPr>
+                </a:tc>
+                <a:extLst>
+                  <a:ext uri="{0D108BD9-81ED-4DB2-BD59-A6C34878D82A}">
+                    <a16:rowId xmlns:a16="http://schemas.microsoft.com/office/drawing/2014/main" val="1426751040"/>
+                  </a:ext>
+                </a:extLst>
+              </a:tr>
+              <a:tr h="370840">
+                <a:tc>
+                  <a:txBody>
+                    <a:bodyPr/>
+                    <a:lstStyle/>
+                    <a:p>
+                      <a:r>
+                        <a:rPr lang="es-PE" b="1" dirty="0"/>
+                        <a:t>Tamaño</a:t>
+                      </a:r>
+                      <a:r>
+                        <a:rPr lang="es-PE" b="1" baseline="0" dirty="0"/>
+                        <a:t> grande</a:t>
+                      </a:r>
+                      <a:endParaRPr lang="es-PE" b="1" dirty="0"/>
+                    </a:p>
+                  </a:txBody>
+                  <a:tcPr>
+                    <a:lnL w="12700" cap="flat" cmpd="sng" algn="ctr">
+                      <a:solidFill>
+                        <a:schemeClr val="tx1"/>
+                      </a:solidFill>
+                      <a:prstDash val="solid"/>
+                      <a:round/>
+                      <a:headEnd type="none" w="med" len="med"/>
+                      <a:tailEnd type="none" w="med" len="med"/>
+                    </a:lnL>
+                    <a:lnR w="12700" cap="flat" cmpd="sng" algn="ctr">
+                      <a:solidFill>
+                        <a:schemeClr val="tx1"/>
+                      </a:solidFill>
+                      <a:prstDash val="solid"/>
+                      <a:round/>
+                      <a:headEnd type="none" w="med" len="med"/>
+                      <a:tailEnd type="none" w="med" len="med"/>
+                    </a:lnR>
+                    <a:lnT w="12700" cap="flat" cmpd="sng" algn="ctr">
+                      <a:solidFill>
+                        <a:schemeClr val="tx1"/>
+                      </a:solidFill>
+                      <a:prstDash val="solid"/>
+                      <a:round/>
+                      <a:headEnd type="none" w="med" len="med"/>
+                      <a:tailEnd type="none" w="med" len="med"/>
+                    </a:lnT>
+                    <a:lnB w="12700" cap="flat" cmpd="sng" algn="ctr">
+                      <a:solidFill>
+                        <a:schemeClr val="tx1"/>
+                      </a:solidFill>
+                      <a:prstDash val="solid"/>
+                      <a:round/>
+                      <a:headEnd type="none" w="med" len="med"/>
+                      <a:tailEnd type="none" w="med" len="med"/>
+                    </a:lnB>
+                    <a:lnTlToBr w="12700" cmpd="sng">
+                      <a:noFill/>
+                      <a:prstDash val="solid"/>
+                    </a:lnTlToBr>
+                    <a:lnBlToTr w="12700" cmpd="sng">
+                      <a:noFill/>
+                      <a:prstDash val="solid"/>
+                    </a:lnBlToTr>
+                  </a:tcPr>
+                </a:tc>
+                <a:tc>
+                  <a:txBody>
+                    <a:bodyPr/>
+                    <a:lstStyle/>
+                    <a:p>
+                      <a:r>
+                        <a:rPr lang="es-PE" dirty="0"/>
+                        <a:t>500000</a:t>
+                      </a:r>
+                    </a:p>
+                  </a:txBody>
+                  <a:tcPr>
+                    <a:lnL w="12700" cap="flat" cmpd="sng" algn="ctr">
+                      <a:solidFill>
+                        <a:schemeClr val="tx1"/>
+                      </a:solidFill>
+                      <a:prstDash val="solid"/>
+                      <a:round/>
+                      <a:headEnd type="none" w="med" len="med"/>
+                      <a:tailEnd type="none" w="med" len="med"/>
+                    </a:lnL>
+                    <a:lnR w="12700" cap="flat" cmpd="sng" algn="ctr">
+                      <a:solidFill>
+                        <a:schemeClr val="tx1"/>
+                      </a:solidFill>
+                      <a:prstDash val="solid"/>
+                      <a:round/>
+                      <a:headEnd type="none" w="med" len="med"/>
+                      <a:tailEnd type="none" w="med" len="med"/>
+                    </a:lnR>
+                    <a:lnT w="12700" cap="flat" cmpd="sng" algn="ctr">
+                      <a:solidFill>
+                        <a:schemeClr val="tx1"/>
+                      </a:solidFill>
+                      <a:prstDash val="solid"/>
+                      <a:round/>
+                      <a:headEnd type="none" w="med" len="med"/>
+                      <a:tailEnd type="none" w="med" len="med"/>
+                    </a:lnT>
+                    <a:lnB w="12700" cap="flat" cmpd="sng" algn="ctr">
+                      <a:solidFill>
+                        <a:schemeClr val="tx1"/>
+                      </a:solidFill>
+                      <a:prstDash val="solid"/>
+                      <a:round/>
+                      <a:headEnd type="none" w="med" len="med"/>
+                      <a:tailEnd type="none" w="med" len="med"/>
+                    </a:lnB>
+                    <a:lnTlToBr w="12700" cmpd="sng">
+                      <a:noFill/>
+                      <a:prstDash val="solid"/>
+                    </a:lnTlToBr>
+                    <a:lnBlToTr w="12700" cmpd="sng">
+                      <a:noFill/>
+                      <a:prstDash val="solid"/>
+                    </a:lnBlToTr>
+                  </a:tcPr>
+                </a:tc>
+                <a:tc>
+                  <a:txBody>
+                    <a:bodyPr/>
+                    <a:lstStyle/>
+                    <a:p>
+                      <a:r>
+                        <a:rPr lang="es-PE" dirty="0"/>
+                        <a:t>500000</a:t>
+                      </a:r>
+                    </a:p>
+                  </a:txBody>
+                  <a:tcPr>
+                    <a:lnL w="12700" cap="flat" cmpd="sng" algn="ctr">
+                      <a:solidFill>
+                        <a:schemeClr val="tx1"/>
+                      </a:solidFill>
+                      <a:prstDash val="solid"/>
+                      <a:round/>
+                      <a:headEnd type="none" w="med" len="med"/>
+                      <a:tailEnd type="none" w="med" len="med"/>
+                    </a:lnL>
+                    <a:lnR w="12700" cap="flat" cmpd="sng" algn="ctr">
+                      <a:solidFill>
+                        <a:schemeClr val="tx1"/>
+                      </a:solidFill>
+                      <a:prstDash val="solid"/>
+                      <a:round/>
+                      <a:headEnd type="none" w="med" len="med"/>
+                      <a:tailEnd type="none" w="med" len="med"/>
+                    </a:lnR>
+                    <a:lnT w="12700" cap="flat" cmpd="sng" algn="ctr">
+                      <a:solidFill>
+                        <a:schemeClr val="tx1"/>
+                      </a:solidFill>
+                      <a:prstDash val="solid"/>
+                      <a:round/>
+                      <a:headEnd type="none" w="med" len="med"/>
+                      <a:tailEnd type="none" w="med" len="med"/>
+                    </a:lnT>
+                    <a:lnB w="12700" cap="flat" cmpd="sng" algn="ctr">
+                      <a:solidFill>
+                        <a:schemeClr val="tx1"/>
+                      </a:solidFill>
+                      <a:prstDash val="solid"/>
+                      <a:round/>
+                      <a:headEnd type="none" w="med" len="med"/>
+                      <a:tailEnd type="none" w="med" len="med"/>
+                    </a:lnB>
+                    <a:lnTlToBr w="12700" cmpd="sng">
+                      <a:noFill/>
+                      <a:prstDash val="solid"/>
+                    </a:lnTlToBr>
+                    <a:lnBlToTr w="12700" cmpd="sng">
+                      <a:noFill/>
+                      <a:prstDash val="solid"/>
+                    </a:lnBlToTr>
+                  </a:tcPr>
+                </a:tc>
+                <a:extLst>
+                  <a:ext uri="{0D108BD9-81ED-4DB2-BD59-A6C34878D82A}">
+                    <a16:rowId xmlns:a16="http://schemas.microsoft.com/office/drawing/2014/main" val="2635974578"/>
+                  </a:ext>
+                </a:extLst>
+              </a:tr>
+              <a:tr h="370840">
+                <a:tc>
+                  <a:txBody>
+                    <a:bodyPr/>
+                    <a:lstStyle/>
+                    <a:p>
+                      <a:r>
+                        <a:rPr lang="es-PE" b="1" dirty="0"/>
+                        <a:t>Tamaño</a:t>
+                      </a:r>
+                      <a:r>
+                        <a:rPr lang="es-PE" b="1" baseline="0" dirty="0"/>
+                        <a:t> a gran escala</a:t>
+                      </a:r>
+                      <a:endParaRPr lang="es-PE" b="1" dirty="0"/>
+                    </a:p>
+                  </a:txBody>
+                  <a:tcPr>
+                    <a:lnL w="12700" cap="flat" cmpd="sng" algn="ctr">
+                      <a:solidFill>
+                        <a:schemeClr val="tx1"/>
+                      </a:solidFill>
+                      <a:prstDash val="solid"/>
+                      <a:round/>
+                      <a:headEnd type="none" w="med" len="med"/>
+                      <a:tailEnd type="none" w="med" len="med"/>
+                    </a:lnL>
+                    <a:lnR w="12700" cap="flat" cmpd="sng" algn="ctr">
+                      <a:solidFill>
+                        <a:schemeClr val="tx1"/>
+                      </a:solidFill>
+                      <a:prstDash val="solid"/>
+                      <a:round/>
+                      <a:headEnd type="none" w="med" len="med"/>
+                      <a:tailEnd type="none" w="med" len="med"/>
+                    </a:lnR>
+                    <a:lnT w="12700" cap="flat" cmpd="sng" algn="ctr">
+                      <a:solidFill>
+                        <a:schemeClr val="tx1"/>
+                      </a:solidFill>
+                      <a:prstDash val="solid"/>
+                      <a:round/>
+                      <a:headEnd type="none" w="med" len="med"/>
+                      <a:tailEnd type="none" w="med" len="med"/>
+                    </a:lnT>
+                    <a:lnB w="12700" cap="flat" cmpd="sng" algn="ctr">
+                      <a:solidFill>
+                        <a:schemeClr val="tx1"/>
+                      </a:solidFill>
+                      <a:prstDash val="solid"/>
+                      <a:round/>
+                      <a:headEnd type="none" w="med" len="med"/>
+                      <a:tailEnd type="none" w="med" len="med"/>
+                    </a:lnB>
+                    <a:lnTlToBr w="12700" cmpd="sng">
+                      <a:noFill/>
+                      <a:prstDash val="solid"/>
+                    </a:lnTlToBr>
+                    <a:lnBlToTr w="12700" cmpd="sng">
+                      <a:noFill/>
+                      <a:prstDash val="solid"/>
+                    </a:lnBlToTr>
+                  </a:tcPr>
+                </a:tc>
+                <a:tc>
+                  <a:txBody>
+                    <a:bodyPr/>
+                    <a:lstStyle/>
+                    <a:p>
+                      <a:r>
+                        <a:rPr lang="en-US" dirty="0"/>
+                        <a:t>&gt;500000</a:t>
+                      </a:r>
+                      <a:endParaRPr lang="es-PE" dirty="0"/>
+                    </a:p>
+                  </a:txBody>
+                  <a:tcPr>
+                    <a:lnL w="12700" cap="flat" cmpd="sng" algn="ctr">
+                      <a:solidFill>
+                        <a:schemeClr val="tx1"/>
+                      </a:solidFill>
+                      <a:prstDash val="solid"/>
+                      <a:round/>
+                      <a:headEnd type="none" w="med" len="med"/>
+                      <a:tailEnd type="none" w="med" len="med"/>
+                    </a:lnL>
+                    <a:lnR w="12700" cap="flat" cmpd="sng" algn="ctr">
+                      <a:solidFill>
+                        <a:schemeClr val="tx1"/>
+                      </a:solidFill>
+                      <a:prstDash val="solid"/>
+                      <a:round/>
+                      <a:headEnd type="none" w="med" len="med"/>
+                      <a:tailEnd type="none" w="med" len="med"/>
+                    </a:lnR>
+                    <a:lnT w="12700" cap="flat" cmpd="sng" algn="ctr">
+                      <a:solidFill>
+                        <a:schemeClr val="tx1"/>
+                      </a:solidFill>
+                      <a:prstDash val="solid"/>
+                      <a:round/>
+                      <a:headEnd type="none" w="med" len="med"/>
+                      <a:tailEnd type="none" w="med" len="med"/>
+                    </a:lnT>
+                    <a:lnB w="12700" cap="flat" cmpd="sng" algn="ctr">
+                      <a:solidFill>
+                        <a:schemeClr val="tx1"/>
+                      </a:solidFill>
+                      <a:prstDash val="solid"/>
+                      <a:round/>
+                      <a:headEnd type="none" w="med" len="med"/>
+                      <a:tailEnd type="none" w="med" len="med"/>
+                    </a:lnB>
+                    <a:lnTlToBr w="12700" cmpd="sng">
+                      <a:noFill/>
+                      <a:prstDash val="solid"/>
+                    </a:lnTlToBr>
+                    <a:lnBlToTr w="12700" cmpd="sng">
+                      <a:noFill/>
+                      <a:prstDash val="solid"/>
+                    </a:lnBlToTr>
+                  </a:tcPr>
+                </a:tc>
+                <a:tc>
+                  <a:txBody>
+                    <a:bodyPr/>
+                    <a:lstStyle/>
+                    <a:p>
+                      <a:r>
+                        <a:rPr lang="en-US" dirty="0"/>
+                        <a:t>&gt;500000</a:t>
+                      </a:r>
+                      <a:endParaRPr lang="es-PE" dirty="0"/>
+                    </a:p>
+                  </a:txBody>
+                  <a:tcPr>
+                    <a:lnL w="12700" cap="flat" cmpd="sng" algn="ctr">
+                      <a:solidFill>
+                        <a:schemeClr val="tx1"/>
+                      </a:solidFill>
+                      <a:prstDash val="solid"/>
+                      <a:round/>
+                      <a:headEnd type="none" w="med" len="med"/>
+                      <a:tailEnd type="none" w="med" len="med"/>
+                    </a:lnL>
+                    <a:lnR w="12700" cap="flat" cmpd="sng" algn="ctr">
+                      <a:solidFill>
+                        <a:schemeClr val="tx1"/>
+                      </a:solidFill>
+                      <a:prstDash val="solid"/>
+                      <a:round/>
+                      <a:headEnd type="none" w="med" len="med"/>
+                      <a:tailEnd type="none" w="med" len="med"/>
+                    </a:lnR>
+                    <a:lnT w="12700" cap="flat" cmpd="sng" algn="ctr">
+                      <a:solidFill>
+                        <a:schemeClr val="tx1"/>
+                      </a:solidFill>
+                      <a:prstDash val="solid"/>
+                      <a:round/>
+                      <a:headEnd type="none" w="med" len="med"/>
+                      <a:tailEnd type="none" w="med" len="med"/>
+                    </a:lnT>
+                    <a:lnB w="12700" cap="flat" cmpd="sng" algn="ctr">
+                      <a:solidFill>
+                        <a:schemeClr val="tx1"/>
+                      </a:solidFill>
+                      <a:prstDash val="solid"/>
+                      <a:round/>
+                      <a:headEnd type="none" w="med" len="med"/>
+                      <a:tailEnd type="none" w="med" len="med"/>
+                    </a:lnB>
+                    <a:lnTlToBr w="12700" cmpd="sng">
+                      <a:noFill/>
+                      <a:prstDash val="solid"/>
+                    </a:lnTlToBr>
+                    <a:lnBlToTr w="12700" cmpd="sng">
+                      <a:noFill/>
+                      <a:prstDash val="solid"/>
+                    </a:lnBlToTr>
+                  </a:tcPr>
+                </a:tc>
+                <a:extLst>
+                  <a:ext uri="{0D108BD9-81ED-4DB2-BD59-A6C34878D82A}">
+                    <a16:rowId xmlns:a16="http://schemas.microsoft.com/office/drawing/2014/main" val="245337205"/>
+                  </a:ext>
+                </a:extLst>
+              </a:tr>
+            </a:tbl>
+          </a:graphicData>
+        </a:graphic>
+      </p:graphicFrame>
+    </p:spTree>
+    <p:extLst>
+      <p:ext uri="{BB962C8B-B14F-4D97-AF65-F5344CB8AC3E}">
+        <p14:creationId xmlns:p14="http://schemas.microsoft.com/office/powerpoint/2010/main" val="3749362066"/>
+      </p:ext>
+    </p:extLst>
+  </p:cSld>
+  <p:clrMapOvr>
+    <a:masterClrMapping/>
+  </p:clrMapOvr>
+  <p:transition spd="slow">
+    <p:fade/>
+  </p:transition>
+</p:sld>
+</file>
+
+<file path=ppt/slides/slide11.xml><?xml version="1.0" encoding="utf-8"?>
+<p:sld xmlns:a="http://schemas.openxmlformats.org/drawingml/2006/main" xmlns:r="http://schemas.openxmlformats.org/officeDocument/2006/relationships" xmlns:p="http://schemas.openxmlformats.org/presentationml/2006/main">
+  <p:cSld>
+    <p:spTree>
+      <p:nvGrpSpPr>
+        <p:cNvPr id="1" name=""/>
+        <p:cNvGrpSpPr/>
+        <p:nvPr/>
+      </p:nvGrpSpPr>
+      <p:grpSpPr>
+        <a:xfrm>
+          <a:off x="0" y="0"/>
+          <a:ext cx="0" cy="0"/>
+          <a:chOff x="0" y="0"/>
+          <a:chExt cx="0" cy="0"/>
+        </a:xfrm>
+      </p:grpSpPr>
+      <p:sp>
+        <p:nvSpPr>
+          <p:cNvPr id="2" name="Marcador de número de diapositiva 1"/>
+          <p:cNvSpPr>
+            <a:spLocks noGrp="1"/>
+          </p:cNvSpPr>
+          <p:nvPr>
+            <p:ph type="sldNum" sz="quarter" idx="12"/>
+          </p:nvPr>
+        </p:nvSpPr>
+        <p:spPr/>
+        <p:txBody>
+          <a:bodyPr/>
+          <a:lstStyle/>
+          <a:p>
+            <a:fld id="{64BD7E74-CBD2-4D88-9109-2EA8081AE675}" type="slidenum">
+              <a:rPr lang="es-ES" smtClean="0"/>
+              <a:pPr/>
+              <a:t>11</a:t>
+            </a:fld>
+            <a:endParaRPr lang="es-ES"/>
+          </a:p>
+        </p:txBody>
+      </p:sp>
+      <p:sp>
+        <p:nvSpPr>
+          <p:cNvPr id="3" name="4 Título"/>
+          <p:cNvSpPr txBox="1">
+            <a:spLocks/>
+          </p:cNvSpPr>
+          <p:nvPr/>
+        </p:nvSpPr>
+        <p:spPr>
+          <a:xfrm>
+            <a:off x="611560" y="188640"/>
+            <a:ext cx="8784976" cy="457120"/>
+          </a:xfrm>
+          <a:prstGeom prst="rect">
+            <a:avLst/>
+          </a:prstGeom>
+        </p:spPr>
+        <p:txBody>
+          <a:bodyPr bIns="91440" anchor="b" anchorCtr="0">
+            <a:noAutofit/>
+          </a:bodyPr>
+          <a:lstStyle>
+            <a:lvl1pPr>
+              <a:spcBef>
+                <a:spcPct val="0"/>
+              </a:spcBef>
+              <a:buNone/>
+              <a:defRPr kumimoji="0" sz="2400">
+                <a:ln w="0"/>
+                <a:solidFill>
+                  <a:schemeClr val="tx2"/>
+                </a:solidFill>
+                <a:effectLst>
+                  <a:outerShdw blurRad="38100" dist="19050" dir="2700000" algn="tl" rotWithShape="0">
+                    <a:schemeClr val="dk1">
+                      <a:alpha val="40000"/>
+                    </a:schemeClr>
+                  </a:outerShdw>
+                </a:effectLst>
+                <a:latin typeface="+mj-lt"/>
+                <a:ea typeface="+mj-ea"/>
+                <a:cs typeface="+mj-cs"/>
+              </a:defRPr>
+            </a:lvl1pPr>
+          </a:lstStyle>
+          <a:p>
+            <a:r>
+              <a:rPr lang="es-PE" altLang="en-US" dirty="0"/>
+              <a:t>Solución</a:t>
+            </a:r>
+          </a:p>
+        </p:txBody>
+      </p:sp>
+      <p:sp>
+        <p:nvSpPr>
+          <p:cNvPr id="5" name="CuadroTexto 4"/>
+          <p:cNvSpPr txBox="1"/>
+          <p:nvPr/>
+        </p:nvSpPr>
+        <p:spPr>
+          <a:xfrm>
+            <a:off x="600771" y="876776"/>
+            <a:ext cx="8002257" cy="4154984"/>
+          </a:xfrm>
+          <a:prstGeom prst="rect">
+            <a:avLst/>
+          </a:prstGeom>
+          <a:noFill/>
+        </p:spPr>
+        <p:txBody>
+          <a:bodyPr wrap="square" rtlCol="0">
+            <a:spAutoFit/>
+          </a:bodyPr>
+          <a:lstStyle/>
+          <a:p>
+            <a:pPr marL="285750" indent="-285750" algn="just">
+              <a:buFont typeface="Arial" panose="020B0604020202020204" pitchFamily="34" charset="0"/>
+              <a:buChar char="•"/>
+            </a:pPr>
+            <a:r>
+              <a:rPr lang="es-PE" sz="2400" dirty="0"/>
+              <a:t>Se necesita de un método de solución, el cual se traduce en un algoritmo</a:t>
+            </a:r>
+          </a:p>
+          <a:p>
+            <a:pPr marL="285750" indent="-285750" algn="just">
+              <a:buFont typeface="Arial" panose="020B0604020202020204" pitchFamily="34" charset="0"/>
+              <a:buChar char="•"/>
+            </a:pPr>
+            <a:r>
+              <a:rPr lang="es-PE" sz="2400" dirty="0"/>
+              <a:t>Existen diferentes métodos de solución (por ejemplo, para programación lineal normalmente se emplea el método simplex o método de puntos interiores)</a:t>
+            </a:r>
+          </a:p>
+          <a:p>
+            <a:pPr marL="285750" indent="-285750" algn="just">
+              <a:buFont typeface="Arial" panose="020B0604020202020204" pitchFamily="34" charset="0"/>
+              <a:buChar char="•"/>
+            </a:pPr>
+            <a:r>
+              <a:rPr lang="es-PE" sz="2400" dirty="0"/>
+              <a:t>Existen </a:t>
+            </a:r>
+            <a:r>
+              <a:rPr lang="es-PE" sz="2400" b="1" dirty="0"/>
+              <a:t>diferentes versiones</a:t>
+            </a:r>
+            <a:r>
+              <a:rPr lang="es-PE" sz="2400" dirty="0"/>
+              <a:t> de un mismo método de solución o del algoritmo desarrollado que puede incluir heurística y/o meta-heurística, como ejemplo.</a:t>
+            </a:r>
+          </a:p>
+          <a:p>
+            <a:pPr marL="285750" indent="-285750" algn="just">
+              <a:buFont typeface="Arial" panose="020B0604020202020204" pitchFamily="34" charset="0"/>
+              <a:buChar char="•"/>
+            </a:pPr>
+            <a:endParaRPr lang="es-PE" sz="2400" dirty="0"/>
+          </a:p>
+          <a:p>
+            <a:pPr marL="285750" indent="-285750" algn="just">
+              <a:buFont typeface="Arial" panose="020B0604020202020204" pitchFamily="34" charset="0"/>
+              <a:buChar char="•"/>
+            </a:pPr>
+            <a:r>
+              <a:rPr lang="es-PE" sz="2400" dirty="0"/>
+              <a:t>Se puede obtener una </a:t>
+            </a:r>
+            <a:r>
+              <a:rPr lang="es-PE" sz="2400" b="1" dirty="0"/>
+              <a:t>solución óptima</a:t>
+            </a:r>
+            <a:r>
+              <a:rPr lang="es-PE" sz="2400" dirty="0"/>
+              <a:t>, </a:t>
+            </a:r>
+            <a:r>
+              <a:rPr lang="es-PE" sz="2400" b="1" dirty="0"/>
+              <a:t>cuasi-óptima</a:t>
+            </a:r>
+            <a:r>
+              <a:rPr lang="es-PE" sz="2400" dirty="0"/>
+              <a:t> o por lo menos, </a:t>
+            </a:r>
+            <a:r>
+              <a:rPr lang="es-PE" sz="2400" b="1" dirty="0"/>
+              <a:t>factible</a:t>
+            </a:r>
+            <a:r>
+              <a:rPr lang="es-PE" sz="2400" dirty="0"/>
+              <a:t> para el problema de optimización planteado.</a:t>
+            </a:r>
+          </a:p>
+        </p:txBody>
+      </p:sp>
+    </p:spTree>
+    <p:extLst>
+      <p:ext uri="{BB962C8B-B14F-4D97-AF65-F5344CB8AC3E}">
+        <p14:creationId xmlns:p14="http://schemas.microsoft.com/office/powerpoint/2010/main" val="2873913601"/>
+      </p:ext>
+    </p:extLst>
+  </p:cSld>
+  <p:clrMapOvr>
+    <a:masterClrMapping/>
+  </p:clrMapOvr>
+  <p:transition spd="slow">
+    <p:fade/>
+  </p:transition>
+</p:sld>
+</file>
+
+<file path=ppt/slides/slide12.xml><?xml version="1.0" encoding="utf-8"?>
+<p:sld xmlns:a="http://schemas.openxmlformats.org/drawingml/2006/main" xmlns:r="http://schemas.openxmlformats.org/officeDocument/2006/relationships" xmlns:p="http://schemas.openxmlformats.org/presentationml/2006/main">
+  <p:cSld>
+    <p:spTree>
+      <p:nvGrpSpPr>
+        <p:cNvPr id="1" name=""/>
+        <p:cNvGrpSpPr/>
+        <p:nvPr/>
+      </p:nvGrpSpPr>
+      <p:grpSpPr>
+        <a:xfrm>
+          <a:off x="0" y="0"/>
+          <a:ext cx="0" cy="0"/>
+          <a:chOff x="0" y="0"/>
+          <a:chExt cx="0" cy="0"/>
+        </a:xfrm>
+      </p:grpSpPr>
+      <p:sp>
+        <p:nvSpPr>
+          <p:cNvPr id="2" name="Marcador de número de diapositiva 1"/>
+          <p:cNvSpPr>
+            <a:spLocks noGrp="1"/>
+          </p:cNvSpPr>
+          <p:nvPr>
+            <p:ph type="sldNum" sz="quarter" idx="12"/>
+          </p:nvPr>
+        </p:nvSpPr>
+        <p:spPr/>
+        <p:txBody>
+          <a:bodyPr/>
+          <a:lstStyle/>
+          <a:p>
+            <a:fld id="{64BD7E74-CBD2-4D88-9109-2EA8081AE675}" type="slidenum">
+              <a:rPr lang="es-ES" smtClean="0"/>
+              <a:pPr/>
+              <a:t>12</a:t>
+            </a:fld>
+            <a:endParaRPr lang="es-ES"/>
+          </a:p>
+        </p:txBody>
+      </p:sp>
+      <p:sp>
+        <p:nvSpPr>
+          <p:cNvPr id="3" name="4 Título"/>
+          <p:cNvSpPr txBox="1">
+            <a:spLocks/>
+          </p:cNvSpPr>
+          <p:nvPr/>
+        </p:nvSpPr>
+        <p:spPr>
+          <a:xfrm>
+            <a:off x="611560" y="188640"/>
+            <a:ext cx="8784976" cy="457120"/>
+          </a:xfrm>
+          <a:prstGeom prst="rect">
+            <a:avLst/>
+          </a:prstGeom>
+        </p:spPr>
+        <p:txBody>
+          <a:bodyPr bIns="91440" anchor="b" anchorCtr="0">
+            <a:noAutofit/>
+          </a:bodyPr>
+          <a:lstStyle>
+            <a:lvl1pPr>
+              <a:spcBef>
+                <a:spcPct val="0"/>
+              </a:spcBef>
+              <a:buNone/>
+              <a:defRPr kumimoji="0" sz="2400">
+                <a:ln w="0"/>
+                <a:solidFill>
+                  <a:schemeClr val="tx2"/>
+                </a:solidFill>
+                <a:effectLst>
+                  <a:outerShdw blurRad="38100" dist="19050" dir="2700000" algn="tl" rotWithShape="0">
+                    <a:schemeClr val="dk1">
+                      <a:alpha val="40000"/>
+                    </a:schemeClr>
+                  </a:outerShdw>
+                </a:effectLst>
+                <a:latin typeface="+mj-lt"/>
+                <a:ea typeface="+mj-ea"/>
+                <a:cs typeface="+mj-cs"/>
+              </a:defRPr>
+            </a:lvl1pPr>
+          </a:lstStyle>
+          <a:p>
+            <a:r>
+              <a:rPr lang="es-PE" altLang="en-US" dirty="0"/>
+              <a:t>Validación de la solución</a:t>
+            </a:r>
+          </a:p>
+        </p:txBody>
+      </p:sp>
+      <p:sp>
+        <p:nvSpPr>
+          <p:cNvPr id="5" name="CuadroTexto 4"/>
+          <p:cNvSpPr txBox="1"/>
+          <p:nvPr/>
+        </p:nvSpPr>
+        <p:spPr>
+          <a:xfrm>
+            <a:off x="600771" y="876776"/>
+            <a:ext cx="8002257" cy="6370975"/>
+          </a:xfrm>
+          <a:prstGeom prst="rect">
+            <a:avLst/>
+          </a:prstGeom>
+          <a:noFill/>
+        </p:spPr>
+        <p:txBody>
+          <a:bodyPr wrap="square" rtlCol="0">
+            <a:spAutoFit/>
+          </a:bodyPr>
+          <a:lstStyle/>
+          <a:p>
+            <a:pPr marL="285750" indent="-285750" algn="just">
+              <a:buFont typeface="Arial" panose="020B0604020202020204" pitchFamily="34" charset="0"/>
+              <a:buChar char="•"/>
+            </a:pPr>
+            <a:r>
+              <a:rPr lang="es-PE" sz="2400" dirty="0"/>
+              <a:t>Primero, verificar la </a:t>
+            </a:r>
+            <a:r>
+              <a:rPr lang="es-PE" sz="2400" b="1" dirty="0"/>
+              <a:t>codificación</a:t>
+            </a:r>
+            <a:r>
+              <a:rPr lang="es-PE" sz="2400" dirty="0"/>
+              <a:t> del modelo matemático. Eliminar errores en la codificación.</a:t>
+            </a:r>
+          </a:p>
+          <a:p>
+            <a:pPr marL="285750" indent="-285750" algn="just">
+              <a:buFont typeface="Arial" panose="020B0604020202020204" pitchFamily="34" charset="0"/>
+              <a:buChar char="•"/>
+            </a:pPr>
+            <a:r>
+              <a:rPr lang="es-PE" sz="2400" dirty="0"/>
+              <a:t>Comprobar las </a:t>
+            </a:r>
+            <a:r>
+              <a:rPr lang="es-PE" sz="2400" b="1" dirty="0"/>
+              <a:t>linealizaciones</a:t>
+            </a:r>
+            <a:r>
+              <a:rPr lang="es-PE" sz="2400" dirty="0"/>
+              <a:t>, </a:t>
+            </a:r>
+            <a:r>
+              <a:rPr lang="es-PE" sz="2400" b="1" dirty="0"/>
+              <a:t>aproximaciones</a:t>
+            </a:r>
+            <a:r>
+              <a:rPr lang="es-PE" sz="2400" dirty="0"/>
+              <a:t> o </a:t>
+            </a:r>
+            <a:r>
+              <a:rPr lang="es-PE" sz="2400" b="1" dirty="0"/>
+              <a:t>simplificaciones</a:t>
+            </a:r>
+            <a:r>
+              <a:rPr lang="es-PE" sz="2400" dirty="0"/>
+              <a:t> adoptadas mediante la representación de los resultados (comparación de la solución obtenida con una solución real conocida).</a:t>
+            </a:r>
+          </a:p>
+          <a:p>
+            <a:pPr marL="285750" indent="-285750" algn="just">
+              <a:buFont typeface="Arial" panose="020B0604020202020204" pitchFamily="34" charset="0"/>
+              <a:buChar char="•"/>
+            </a:pPr>
+            <a:r>
+              <a:rPr lang="es-PE" sz="2400" dirty="0"/>
+              <a:t>Análisis de sensibilidad de los </a:t>
+            </a:r>
+            <a:r>
+              <a:rPr lang="es-PE" sz="2400" b="1" dirty="0"/>
+              <a:t>datos de entrada </a:t>
+            </a:r>
+            <a:r>
+              <a:rPr lang="es-PE" sz="2400" dirty="0"/>
+              <a:t>(parámetros)</a:t>
+            </a:r>
+          </a:p>
+          <a:p>
+            <a:pPr marL="285750" indent="-285750" algn="just">
+              <a:buFont typeface="Arial" panose="020B0604020202020204" pitchFamily="34" charset="0"/>
+              <a:buChar char="•"/>
+            </a:pPr>
+            <a:r>
+              <a:rPr lang="es-PE" sz="2400" dirty="0"/>
+              <a:t>Modificar el modelo con nuevas necesidades</a:t>
+            </a:r>
+          </a:p>
+          <a:p>
+            <a:pPr marL="285750" indent="-285750" algn="just">
+              <a:buFont typeface="Arial" panose="020B0604020202020204" pitchFamily="34" charset="0"/>
+              <a:buChar char="•"/>
+            </a:pPr>
+            <a:endParaRPr lang="es-PE" sz="2400" dirty="0"/>
+          </a:p>
+          <a:p>
+            <a:pPr marL="285750" indent="-285750" algn="just">
+              <a:buFont typeface="Arial" panose="020B0604020202020204" pitchFamily="34" charset="0"/>
+              <a:buChar char="•"/>
+            </a:pPr>
+            <a:r>
+              <a:rPr lang="es-PE" sz="2400" dirty="0"/>
+              <a:t>Identificación de otras soluciones y determinar la </a:t>
+            </a:r>
+            <a:r>
+              <a:rPr lang="es-PE" sz="2400" b="1" dirty="0"/>
+              <a:t>robustez</a:t>
+            </a:r>
+            <a:r>
+              <a:rPr lang="es-PE" sz="2400" dirty="0"/>
+              <a:t> de la solución a través de sensibilidades. (como ejemplo, se puede adoptar salida de líneas si es un problema de planificación de la expansión de la transmisión de energía eléctrica o de salida de operación de algún generador de energía eléctrica)</a:t>
+            </a:r>
+          </a:p>
+          <a:p>
+            <a:pPr marL="285750" indent="-285750" algn="just">
+              <a:buFont typeface="Arial" panose="020B0604020202020204" pitchFamily="34" charset="0"/>
+              <a:buChar char="•"/>
+            </a:pPr>
+            <a:endParaRPr lang="es-PE" sz="2400" dirty="0"/>
+          </a:p>
+          <a:p>
+            <a:pPr marL="285750" indent="-285750" algn="just">
+              <a:buFont typeface="Arial" panose="020B0604020202020204" pitchFamily="34" charset="0"/>
+              <a:buChar char="•"/>
+            </a:pPr>
+            <a:endParaRPr lang="es-PE" sz="2400" dirty="0"/>
+          </a:p>
+          <a:p>
+            <a:pPr marL="285750" indent="-285750" algn="just">
+              <a:buFont typeface="Arial" panose="020B0604020202020204" pitchFamily="34" charset="0"/>
+              <a:buChar char="•"/>
+            </a:pPr>
+            <a:endParaRPr lang="es-PE" sz="2400" dirty="0"/>
+          </a:p>
+        </p:txBody>
+      </p:sp>
+    </p:spTree>
+    <p:extLst>
+      <p:ext uri="{BB962C8B-B14F-4D97-AF65-F5344CB8AC3E}">
+        <p14:creationId xmlns:p14="http://schemas.microsoft.com/office/powerpoint/2010/main" val="3339238756"/>
+      </p:ext>
+    </p:extLst>
+  </p:cSld>
+  <p:clrMapOvr>
+    <a:masterClrMapping/>
+  </p:clrMapOvr>
+  <p:transition spd="slow">
+    <p:fade/>
+  </p:transition>
+</p:sld>
+</file>
+
+<file path=ppt/slides/slide13.xml><?xml version="1.0" encoding="utf-8"?>
+<p:sld xmlns:a="http://schemas.openxmlformats.org/drawingml/2006/main" xmlns:r="http://schemas.openxmlformats.org/officeDocument/2006/relationships" xmlns:p="http://schemas.openxmlformats.org/presentationml/2006/main">
+  <p:cSld>
+    <p:spTree>
+      <p:nvGrpSpPr>
+        <p:cNvPr id="1" name=""/>
+        <p:cNvGrpSpPr/>
+        <p:nvPr/>
+      </p:nvGrpSpPr>
+      <p:grpSpPr>
+        <a:xfrm>
+          <a:off x="0" y="0"/>
+          <a:ext cx="0" cy="0"/>
+          <a:chOff x="0" y="0"/>
+          <a:chExt cx="0" cy="0"/>
+        </a:xfrm>
+      </p:grpSpPr>
+      <p:sp>
+        <p:nvSpPr>
+          <p:cNvPr id="2" name="Marcador de número de diapositiva 1"/>
+          <p:cNvSpPr>
+            <a:spLocks noGrp="1"/>
+          </p:cNvSpPr>
+          <p:nvPr>
+            <p:ph type="sldNum" sz="quarter" idx="12"/>
+          </p:nvPr>
+        </p:nvSpPr>
+        <p:spPr/>
+        <p:txBody>
+          <a:bodyPr/>
+          <a:lstStyle/>
+          <a:p>
+            <a:fld id="{64BD7E74-CBD2-4D88-9109-2EA8081AE675}" type="slidenum">
+              <a:rPr lang="es-ES" smtClean="0"/>
+              <a:pPr/>
+              <a:t>13</a:t>
+            </a:fld>
+            <a:endParaRPr lang="es-ES"/>
+          </a:p>
+        </p:txBody>
+      </p:sp>
+      <p:sp>
+        <p:nvSpPr>
+          <p:cNvPr id="3" name="4 Título"/>
+          <p:cNvSpPr txBox="1">
+            <a:spLocks/>
+          </p:cNvSpPr>
+          <p:nvPr/>
+        </p:nvSpPr>
+        <p:spPr>
+          <a:xfrm>
+            <a:off x="611560" y="188640"/>
+            <a:ext cx="8784976" cy="457120"/>
+          </a:xfrm>
+          <a:prstGeom prst="rect">
+            <a:avLst/>
+          </a:prstGeom>
+        </p:spPr>
+        <p:txBody>
+          <a:bodyPr bIns="91440" anchor="b" anchorCtr="0">
+            <a:noAutofit/>
+          </a:bodyPr>
+          <a:lstStyle>
+            <a:lvl1pPr>
+              <a:spcBef>
+                <a:spcPct val="0"/>
+              </a:spcBef>
+              <a:buNone/>
+              <a:defRPr kumimoji="0" sz="2400">
+                <a:ln w="0"/>
+                <a:solidFill>
+                  <a:schemeClr val="tx2"/>
+                </a:solidFill>
+                <a:effectLst>
+                  <a:outerShdw blurRad="38100" dist="19050" dir="2700000" algn="tl" rotWithShape="0">
+                    <a:schemeClr val="dk1">
+                      <a:alpha val="40000"/>
+                    </a:schemeClr>
+                  </a:outerShdw>
+                </a:effectLst>
+                <a:latin typeface="+mj-lt"/>
+                <a:ea typeface="+mj-ea"/>
+                <a:cs typeface="+mj-cs"/>
+              </a:defRPr>
+            </a:lvl1pPr>
+          </a:lstStyle>
+          <a:p>
+            <a:r>
+              <a:rPr lang="es-PE" altLang="en-US" dirty="0"/>
+              <a:t>Standard</a:t>
+            </a:r>
+          </a:p>
+        </p:txBody>
+      </p:sp>
+      <p:sp>
+        <p:nvSpPr>
+          <p:cNvPr id="5" name="CuadroTexto 4"/>
+          <p:cNvSpPr txBox="1"/>
+          <p:nvPr/>
+        </p:nvSpPr>
+        <p:spPr>
+          <a:xfrm>
+            <a:off x="600771" y="876776"/>
+            <a:ext cx="8002257" cy="4154984"/>
+          </a:xfrm>
+          <a:prstGeom prst="rect">
+            <a:avLst/>
+          </a:prstGeom>
+          <a:noFill/>
+        </p:spPr>
+        <p:txBody>
+          <a:bodyPr wrap="square" rtlCol="0">
+            <a:spAutoFit/>
+          </a:bodyPr>
+          <a:lstStyle/>
+          <a:p>
+            <a:pPr marL="285750" indent="-285750" algn="just">
+              <a:buFont typeface="Arial" panose="020B0604020202020204" pitchFamily="34" charset="0"/>
+              <a:buChar char="•"/>
+            </a:pPr>
+            <a:r>
+              <a:rPr lang="es-PE" sz="2400" dirty="0"/>
+              <a:t>Etapa cumbre, donde un modelo alcanza el </a:t>
+            </a:r>
+            <a:r>
+              <a:rPr lang="es-PE" sz="2400" b="1" dirty="0"/>
+              <a:t>éxito</a:t>
+            </a:r>
+            <a:r>
+              <a:rPr lang="es-PE" sz="2400" dirty="0"/>
+              <a:t>.</a:t>
+            </a:r>
+          </a:p>
+          <a:p>
+            <a:pPr marL="285750" indent="-285750" algn="just">
+              <a:buFont typeface="Arial" panose="020B0604020202020204" pitchFamily="34" charset="0"/>
+              <a:buChar char="•"/>
+            </a:pPr>
+            <a:endParaRPr lang="es-PE" sz="2400" dirty="0"/>
+          </a:p>
+          <a:p>
+            <a:pPr marL="285750" indent="-285750" algn="just">
+              <a:buFont typeface="Arial" panose="020B0604020202020204" pitchFamily="34" charset="0"/>
+              <a:buChar char="•"/>
+            </a:pPr>
+            <a:r>
+              <a:rPr lang="es-PE" sz="2400" dirty="0"/>
+              <a:t>En esta etapa se realiza la documentación sobre el modelo de forma </a:t>
+            </a:r>
+            <a:r>
+              <a:rPr lang="es-PE" sz="2400" b="1" dirty="0"/>
+              <a:t>clara</a:t>
+            </a:r>
+            <a:r>
+              <a:rPr lang="es-PE" sz="2400" dirty="0"/>
+              <a:t>, </a:t>
+            </a:r>
+            <a:r>
+              <a:rPr lang="es-PE" sz="2400" b="1" dirty="0"/>
+              <a:t>precisa</a:t>
+            </a:r>
+            <a:r>
+              <a:rPr lang="es-PE" sz="2400" dirty="0"/>
+              <a:t> y </a:t>
+            </a:r>
+            <a:r>
+              <a:rPr lang="es-PE" sz="2400" b="1" dirty="0"/>
+              <a:t>completa</a:t>
+            </a:r>
+            <a:r>
+              <a:rPr lang="es-PE" sz="2400" dirty="0"/>
+              <a:t>.</a:t>
+            </a:r>
+          </a:p>
+          <a:p>
+            <a:pPr marL="285750" indent="-285750" algn="just">
+              <a:buFont typeface="Arial" panose="020B0604020202020204" pitchFamily="34" charset="0"/>
+              <a:buChar char="•"/>
+            </a:pPr>
+            <a:r>
+              <a:rPr lang="es-PE" sz="2400" dirty="0"/>
+              <a:t>Puede incluir un </a:t>
+            </a:r>
+            <a:r>
+              <a:rPr lang="es-PE" sz="2400" b="1" dirty="0"/>
+              <a:t>manual de usuario</a:t>
+            </a:r>
+            <a:r>
+              <a:rPr lang="es-PE" sz="2400" dirty="0"/>
+              <a:t> con especificaciones técnicas funcionales, parte del fundamento matemático e informático.</a:t>
+            </a:r>
+          </a:p>
+          <a:p>
+            <a:pPr marL="285750" indent="-285750" algn="just">
+              <a:buFont typeface="Arial" panose="020B0604020202020204" pitchFamily="34" charset="0"/>
+              <a:buChar char="•"/>
+            </a:pPr>
+            <a:endParaRPr lang="es-PE" sz="2400" dirty="0"/>
+          </a:p>
+          <a:p>
+            <a:pPr marL="285750" indent="-285750" algn="just">
+              <a:buFont typeface="Arial" panose="020B0604020202020204" pitchFamily="34" charset="0"/>
+              <a:buChar char="•"/>
+            </a:pPr>
+            <a:r>
+              <a:rPr lang="es-PE" sz="2400" dirty="0"/>
+              <a:t>Esto sirve, para posible capacitaciones, curso o entrenamientos a usuarios del respectivo modelo.</a:t>
+            </a:r>
+          </a:p>
+          <a:p>
+            <a:pPr marL="285750" indent="-285750" algn="just">
+              <a:buFont typeface="Arial" panose="020B0604020202020204" pitchFamily="34" charset="0"/>
+              <a:buChar char="•"/>
+            </a:pPr>
+            <a:endParaRPr lang="es-PE" sz="2400" dirty="0"/>
+          </a:p>
+          <a:p>
+            <a:pPr marL="285750" indent="-285750" algn="just">
+              <a:buFont typeface="Arial" panose="020B0604020202020204" pitchFamily="34" charset="0"/>
+              <a:buChar char="•"/>
+            </a:pPr>
+            <a:endParaRPr lang="es-PE" sz="2400" dirty="0"/>
+          </a:p>
+        </p:txBody>
+      </p:sp>
+    </p:spTree>
+    <p:extLst>
+      <p:ext uri="{BB962C8B-B14F-4D97-AF65-F5344CB8AC3E}">
+        <p14:creationId xmlns:p14="http://schemas.microsoft.com/office/powerpoint/2010/main" val="1180031279"/>
+      </p:ext>
+    </p:extLst>
+  </p:cSld>
+  <p:clrMapOvr>
+    <a:masterClrMapping/>
+  </p:clrMapOvr>
+  <p:transition spd="slow">
+    <p:fade/>
+  </p:transition>
+</p:sld>
+</file>
+
+<file path=ppt/slides/slide14.xml><?xml version="1.0" encoding="utf-8"?>
+<p:sld xmlns:a="http://schemas.openxmlformats.org/drawingml/2006/main" xmlns:r="http://schemas.openxmlformats.org/officeDocument/2006/relationships" xmlns:p="http://schemas.openxmlformats.org/presentationml/2006/main">
+  <p:cSld>
+    <p:spTree>
+      <p:nvGrpSpPr>
+        <p:cNvPr id="1" name=""/>
+        <p:cNvGrpSpPr/>
+        <p:nvPr/>
+      </p:nvGrpSpPr>
+      <p:grpSpPr>
+        <a:xfrm>
+          <a:off x="0" y="0"/>
+          <a:ext cx="0" cy="0"/>
+          <a:chOff x="0" y="0"/>
+          <a:chExt cx="0" cy="0"/>
+        </a:xfrm>
+      </p:grpSpPr>
+      <p:sp>
+        <p:nvSpPr>
+          <p:cNvPr id="2" name="Marcador de número de diapositiva 1"/>
+          <p:cNvSpPr>
+            <a:spLocks noGrp="1"/>
+          </p:cNvSpPr>
+          <p:nvPr>
+            <p:ph type="sldNum" sz="quarter" idx="12"/>
+          </p:nvPr>
+        </p:nvSpPr>
+        <p:spPr/>
+        <p:txBody>
+          <a:bodyPr/>
+          <a:lstStyle/>
+          <a:p>
+            <a:fld id="{64BD7E74-CBD2-4D88-9109-2EA8081AE675}" type="slidenum">
+              <a:rPr lang="es-ES" smtClean="0"/>
+              <a:pPr/>
+              <a:t>14</a:t>
+            </a:fld>
+            <a:endParaRPr lang="es-ES"/>
+          </a:p>
+        </p:txBody>
+      </p:sp>
+      <p:sp>
+        <p:nvSpPr>
+          <p:cNvPr id="3" name="4 Título"/>
+          <p:cNvSpPr txBox="1">
+            <a:spLocks/>
+          </p:cNvSpPr>
+          <p:nvPr/>
+        </p:nvSpPr>
+        <p:spPr>
+          <a:xfrm>
+            <a:off x="611560" y="188640"/>
+            <a:ext cx="8784976" cy="457120"/>
+          </a:xfrm>
+          <a:prstGeom prst="rect">
+            <a:avLst/>
+          </a:prstGeom>
+        </p:spPr>
+        <p:txBody>
+          <a:bodyPr bIns="91440" anchor="b" anchorCtr="0">
+            <a:noAutofit/>
+          </a:bodyPr>
+          <a:lstStyle>
+            <a:lvl1pPr>
+              <a:spcBef>
+                <a:spcPct val="0"/>
+              </a:spcBef>
+              <a:buNone/>
+              <a:defRPr kumimoji="0" sz="2400">
+                <a:ln w="0"/>
+                <a:solidFill>
+                  <a:schemeClr val="tx2"/>
+                </a:solidFill>
+                <a:effectLst>
+                  <a:outerShdw blurRad="38100" dist="19050" dir="2700000" algn="tl" rotWithShape="0">
+                    <a:schemeClr val="dk1">
+                      <a:alpha val="40000"/>
+                    </a:schemeClr>
+                  </a:outerShdw>
+                </a:effectLst>
+                <a:latin typeface="+mj-lt"/>
+                <a:ea typeface="+mj-ea"/>
+                <a:cs typeface="+mj-cs"/>
+              </a:defRPr>
+            </a:lvl1pPr>
+          </a:lstStyle>
+          <a:p>
+            <a:r>
+              <a:rPr lang="es-PE" altLang="en-US" dirty="0"/>
+              <a:t>Optimización???</a:t>
+            </a:r>
+          </a:p>
+        </p:txBody>
+      </p:sp>
+      <p:pic>
+        <p:nvPicPr>
+          <p:cNvPr id="6" name="Imagen 5"/>
+          <p:cNvPicPr/>
+          <p:nvPr/>
+        </p:nvPicPr>
+        <p:blipFill rotWithShape="1">
+          <a:blip r:embed="rId2" cstate="print">
+            <a:extLst>
+              <a:ext uri="{28A0092B-C50C-407E-A947-70E740481C1C}">
+                <a14:useLocalDpi xmlns:a14="http://schemas.microsoft.com/office/drawing/2010/main" val="0"/>
+              </a:ext>
+            </a:extLst>
+          </a:blip>
+          <a:srcRect r="64701"/>
+          <a:stretch/>
+        </p:blipFill>
+        <p:spPr>
+          <a:xfrm>
+            <a:off x="3203848" y="1916832"/>
+            <a:ext cx="2592288" cy="2376264"/>
+          </a:xfrm>
+          <a:prstGeom prst="rect">
+            <a:avLst/>
+          </a:prstGeom>
+        </p:spPr>
+      </p:pic>
+    </p:spTree>
+    <p:extLst>
+      <p:ext uri="{BB962C8B-B14F-4D97-AF65-F5344CB8AC3E}">
+        <p14:creationId xmlns:p14="http://schemas.microsoft.com/office/powerpoint/2010/main" val="1969310829"/>
+      </p:ext>
+    </p:extLst>
+  </p:cSld>
+  <p:clrMapOvr>
+    <a:masterClrMapping/>
+  </p:clrMapOvr>
+  <p:transition spd="slow">
+    <p:fade/>
+  </p:transition>
+</p:sld>
+</file>
+
 <file path=ppt/slides/slide2.xml><?xml version="1.0" encoding="utf-8"?>
 <p:sld xmlns:a="http://schemas.openxmlformats.org/drawingml/2006/main" xmlns:r="http://schemas.openxmlformats.org/officeDocument/2006/relationships" xmlns:p="http://schemas.openxmlformats.org/presentationml/2006/main">
   <p:cSld>
@@ -7815,116 +9827,8 @@
           <a:p>
             <a:r>
               <a:rPr lang="es-PE" altLang="en-US" dirty="0"/>
-              <a:t>Modelo vs Realidad &amp; Clasificación</a:t>
-            </a:r>
-          </a:p>
-        </p:txBody>
-      </p:sp>
-      <p:sp>
-        <p:nvSpPr>
-          <p:cNvPr id="5" name="CuadroTexto 4"/>
-          <p:cNvSpPr txBox="1"/>
-          <p:nvPr/>
-        </p:nvSpPr>
-        <p:spPr>
-          <a:xfrm>
-            <a:off x="602191" y="836712"/>
-            <a:ext cx="8002257" cy="1938992"/>
-          </a:xfrm>
-          <a:prstGeom prst="rect">
-            <a:avLst/>
-          </a:prstGeom>
-          <a:noFill/>
-        </p:spPr>
-        <p:txBody>
-          <a:bodyPr wrap="square" rtlCol="0">
-            <a:spAutoFit/>
-          </a:bodyPr>
-          <a:lstStyle/>
-          <a:p>
-            <a:pPr marL="285750" indent="-285750">
-              <a:buFont typeface="Arial" panose="020B0604020202020204" pitchFamily="34" charset="0"/>
-              <a:buChar char="•"/>
-            </a:pPr>
-            <a:r>
-              <a:rPr lang="es-MX" sz="2000" dirty="0"/>
-              <a:t>Menos datos y más hipótesis para obtención rápida de resultados.</a:t>
-            </a:r>
-          </a:p>
-          <a:p>
-            <a:pPr marL="285750" indent="-285750">
-              <a:buFont typeface="Arial" panose="020B0604020202020204" pitchFamily="34" charset="0"/>
-              <a:buChar char="•"/>
-            </a:pPr>
-            <a:r>
-              <a:rPr lang="es-MX" sz="2000" dirty="0"/>
-              <a:t>Definición defectuosa del problema</a:t>
-            </a:r>
-          </a:p>
-          <a:p>
-            <a:pPr marL="285750" indent="-285750">
-              <a:buFont typeface="Arial" panose="020B0604020202020204" pitchFamily="34" charset="0"/>
-              <a:buChar char="•"/>
-            </a:pPr>
-            <a:r>
-              <a:rPr lang="es-PE" sz="2000" dirty="0"/>
-              <a:t>Falta de experiencia y capacitación del modelador</a:t>
-            </a:r>
-          </a:p>
-          <a:p>
-            <a:pPr marL="285750" indent="-285750">
-              <a:buFont typeface="Arial" panose="020B0604020202020204" pitchFamily="34" charset="0"/>
-              <a:buChar char="•"/>
-            </a:pPr>
-            <a:r>
-              <a:rPr lang="es-PE" sz="2000" dirty="0"/>
-              <a:t>El concepto de modelo adecuado varía con el tiempo, debido a que los modelos complejos de hoy pueden ser modelos adecuado en el futuro.</a:t>
-            </a:r>
-          </a:p>
-          <a:p>
-            <a:pPr marL="285750" indent="-285750">
-              <a:buFont typeface="Arial" panose="020B0604020202020204" pitchFamily="34" charset="0"/>
-              <a:buChar char="•"/>
-            </a:pPr>
-            <a:endParaRPr lang="es-MX" sz="2000" dirty="0"/>
-          </a:p>
-        </p:txBody>
-      </p:sp>
-      <p:sp>
-        <p:nvSpPr>
-          <p:cNvPr id="4" name="CuadroTexto 3"/>
-          <p:cNvSpPr txBox="1"/>
-          <p:nvPr/>
-        </p:nvSpPr>
-        <p:spPr>
-          <a:xfrm>
-            <a:off x="611560" y="2701369"/>
-            <a:ext cx="7992888" cy="1015663"/>
-          </a:xfrm>
-          <a:prstGeom prst="rect">
-            <a:avLst/>
-          </a:prstGeom>
-          <a:noFill/>
-        </p:spPr>
-        <p:txBody>
-          <a:bodyPr wrap="square" rtlCol="0">
-            <a:spAutoFit/>
-          </a:bodyPr>
-          <a:lstStyle/>
-          <a:p>
-            <a:pPr algn="ctr"/>
-            <a:r>
-              <a:rPr lang="es-MX" sz="2000" dirty="0">
-                <a:latin typeface="Lucida Calligraphy" panose="03010101010101010101" pitchFamily="66" charset="0"/>
-              </a:rPr>
-              <a:t>La relación entre el modelo y la método de solución es relativo y depende de la tecnología de la época.</a:t>
-            </a:r>
-          </a:p>
-          <a:p>
-            <a:pPr algn="ctr"/>
-            <a:endParaRPr lang="es-PE" sz="2000" dirty="0">
-              <a:latin typeface="Lucida Calligraphy" panose="03010101010101010101" pitchFamily="66" charset="0"/>
-            </a:endParaRPr>
+              <a:t>Modelamiento matemático: Clasificación &amp; Etapas</a:t>
+            </a:r>
           </a:p>
         </p:txBody>
       </p:sp>
@@ -7936,8 +9840,8 @@
         </p:nvSpPr>
         <p:spPr>
           <a:xfrm>
-            <a:off x="5508104" y="3789040"/>
-            <a:ext cx="2592288" cy="1997330"/>
+            <a:off x="4539209" y="656428"/>
+            <a:ext cx="2304288" cy="1514461"/>
           </a:xfrm>
           <a:prstGeom prst="roundRect">
             <a:avLst/>
@@ -7962,36 +9866,24 @@
           <a:lstStyle/>
           <a:p>
             <a:r>
-              <a:rPr lang="es-PE" sz="2000" dirty="0"/>
+              <a:rPr lang="es-PE" dirty="0"/>
               <a:t>Según la características del tiempo:</a:t>
             </a:r>
           </a:p>
           <a:p>
-            <a:pPr marL="342900" indent="-342900">
-              <a:buFont typeface="Arial" panose="020B0604020202020204" pitchFamily="34" charset="0"/>
-              <a:buChar char="•"/>
-            </a:pPr>
-            <a:r>
-              <a:rPr lang="es-PE" sz="2000" dirty="0"/>
+            <a:r>
+              <a:rPr lang="es-PE" dirty="0"/>
               <a:t>Estático</a:t>
             </a:r>
           </a:p>
           <a:p>
-            <a:pPr marL="342900" indent="-342900">
-              <a:buFont typeface="Arial" panose="020B0604020202020204" pitchFamily="34" charset="0"/>
-              <a:buChar char="•"/>
-            </a:pPr>
-            <a:r>
-              <a:rPr lang="es-PE" sz="2000" dirty="0"/>
+            <a:r>
+              <a:rPr lang="es-PE" dirty="0"/>
               <a:t>Dinámico</a:t>
             </a:r>
           </a:p>
           <a:p>
-            <a:pPr marL="342900" indent="-342900">
-              <a:buFont typeface="Arial" panose="020B0604020202020204" pitchFamily="34" charset="0"/>
-              <a:buChar char="•"/>
-            </a:pPr>
-            <a:endParaRPr lang="es-PE" sz="2000" dirty="0"/>
+            <a:endParaRPr lang="es-PE" dirty="0"/>
           </a:p>
         </p:txBody>
       </p:sp>
@@ -8003,8 +9895,8 @@
         </p:nvSpPr>
         <p:spPr>
           <a:xfrm>
-            <a:off x="1191951" y="3789040"/>
-            <a:ext cx="2659969" cy="1997330"/>
+            <a:off x="2179157" y="656428"/>
+            <a:ext cx="2299929" cy="1514461"/>
           </a:xfrm>
           <a:prstGeom prst="roundRect">
             <a:avLst/>
@@ -8029,7 +9921,7 @@
           <a:lstStyle/>
           <a:p>
             <a:r>
-              <a:rPr lang="es-PE" sz="2000" dirty="0"/>
+              <a:rPr lang="es-PE" dirty="0"/>
               <a:t>Según la disposición de información:</a:t>
             </a:r>
           </a:p>
@@ -8039,7 +9931,7 @@
               <a:buChar char="•"/>
             </a:pPr>
             <a:r>
-              <a:rPr lang="es-PE" sz="2000" dirty="0"/>
+              <a:rPr lang="es-PE" dirty="0"/>
               <a:t>Determinístico</a:t>
             </a:r>
           </a:p>
@@ -8049,7 +9941,7 @@
               <a:buChar char="•"/>
             </a:pPr>
             <a:r>
-              <a:rPr lang="es-PE" sz="2000" dirty="0"/>
+              <a:rPr lang="es-PE" dirty="0"/>
               <a:t>Estocástico</a:t>
             </a:r>
           </a:p>
@@ -8059,8 +9951,706 @@
               <a:buChar char="•"/>
             </a:pPr>
             <a:r>
-              <a:rPr lang="es-PE" sz="2000" dirty="0"/>
+              <a:rPr lang="es-PE" dirty="0"/>
               <a:t>Puramente incierto</a:t>
+            </a:r>
+          </a:p>
+        </p:txBody>
+      </p:sp>
+      <p:sp>
+        <p:nvSpPr>
+          <p:cNvPr id="10" name="Rectángulo redondeado 9"/>
+          <p:cNvSpPr/>
+          <p:nvPr/>
+        </p:nvSpPr>
+        <p:spPr>
+          <a:xfrm>
+            <a:off x="973143" y="2931295"/>
+            <a:ext cx="1645920" cy="822960"/>
+          </a:xfrm>
+          <a:prstGeom prst="roundRect">
+            <a:avLst/>
+          </a:prstGeom>
+          <a:ln>
+            <a:solidFill>
+              <a:schemeClr val="tx2"/>
+            </a:solidFill>
+          </a:ln>
+        </p:spPr>
+        <p:style>
+          <a:lnRef idx="2">
+            <a:schemeClr val="accent1">
+              <a:shade val="50000"/>
+            </a:schemeClr>
+          </a:lnRef>
+          <a:fillRef idx="1">
+            <a:schemeClr val="accent1"/>
+          </a:fillRef>
+          <a:effectRef idx="0">
+            <a:schemeClr val="accent1"/>
+          </a:effectRef>
+          <a:fontRef idx="minor">
+            <a:schemeClr val="lt1"/>
+          </a:fontRef>
+        </p:style>
+        <p:txBody>
+          <a:bodyPr rtlCol="0" anchor="ctr"/>
+          <a:lstStyle/>
+          <a:p>
+            <a:pPr algn="ctr"/>
+            <a:r>
+              <a:rPr lang="es-MX" dirty="0"/>
+              <a:t>Problema: Identificación &amp; Delimitación</a:t>
+            </a:r>
+            <a:endParaRPr lang="es-PE" dirty="0"/>
+          </a:p>
+        </p:txBody>
+      </p:sp>
+      <p:sp>
+        <p:nvSpPr>
+          <p:cNvPr id="11" name="Rectángulo redondeado 10"/>
+          <p:cNvSpPr/>
+          <p:nvPr/>
+        </p:nvSpPr>
+        <p:spPr>
+          <a:xfrm>
+            <a:off x="3687566" y="2931295"/>
+            <a:ext cx="1645920" cy="822960"/>
+          </a:xfrm>
+          <a:prstGeom prst="roundRect">
+            <a:avLst/>
+          </a:prstGeom>
+          <a:solidFill>
+            <a:schemeClr val="accent3"/>
+          </a:solidFill>
+          <a:ln>
+            <a:solidFill>
+              <a:schemeClr val="accent3">
+                <a:lumMod val="50000"/>
+              </a:schemeClr>
+            </a:solidFill>
+          </a:ln>
+        </p:spPr>
+        <p:style>
+          <a:lnRef idx="2">
+            <a:schemeClr val="accent3">
+              <a:shade val="50000"/>
+            </a:schemeClr>
+          </a:lnRef>
+          <a:fillRef idx="1">
+            <a:schemeClr val="accent3"/>
+          </a:fillRef>
+          <a:effectRef idx="0">
+            <a:schemeClr val="accent3"/>
+          </a:effectRef>
+          <a:fontRef idx="minor">
+            <a:schemeClr val="lt1"/>
+          </a:fontRef>
+        </p:style>
+        <p:txBody>
+          <a:bodyPr rtlCol="0" anchor="ctr"/>
+          <a:lstStyle/>
+          <a:p>
+            <a:pPr algn="ctr"/>
+            <a:r>
+              <a:rPr lang="es-MX" dirty="0"/>
+              <a:t>Solución</a:t>
+            </a:r>
+            <a:endParaRPr lang="es-PE" dirty="0"/>
+          </a:p>
+        </p:txBody>
+      </p:sp>
+      <p:sp>
+        <p:nvSpPr>
+          <p:cNvPr id="12" name="Rectángulo redondeado 11"/>
+          <p:cNvSpPr/>
+          <p:nvPr/>
+        </p:nvSpPr>
+        <p:spPr>
+          <a:xfrm>
+            <a:off x="6660232" y="2931295"/>
+            <a:ext cx="1645920" cy="822960"/>
+          </a:xfrm>
+          <a:prstGeom prst="roundRect">
+            <a:avLst/>
+          </a:prstGeom>
+          <a:solidFill>
+            <a:schemeClr val="accent2">
+              <a:lumMod val="75000"/>
+            </a:schemeClr>
+          </a:solidFill>
+          <a:ln>
+            <a:solidFill>
+              <a:schemeClr val="accent2">
+                <a:lumMod val="50000"/>
+              </a:schemeClr>
+            </a:solidFill>
+          </a:ln>
+        </p:spPr>
+        <p:style>
+          <a:lnRef idx="2">
+            <a:schemeClr val="accent3">
+              <a:shade val="50000"/>
+            </a:schemeClr>
+          </a:lnRef>
+          <a:fillRef idx="1">
+            <a:schemeClr val="accent3"/>
+          </a:fillRef>
+          <a:effectRef idx="0">
+            <a:schemeClr val="accent3"/>
+          </a:effectRef>
+          <a:fontRef idx="minor">
+            <a:schemeClr val="lt1"/>
+          </a:fontRef>
+        </p:style>
+        <p:txBody>
+          <a:bodyPr rtlCol="0" anchor="ctr"/>
+          <a:lstStyle/>
+          <a:p>
+            <a:pPr algn="ctr"/>
+            <a:r>
+              <a:rPr lang="es-MX" dirty="0"/>
+              <a:t>Validación</a:t>
+            </a:r>
+            <a:endParaRPr lang="es-PE" dirty="0"/>
+          </a:p>
+        </p:txBody>
+      </p:sp>
+      <p:sp>
+        <p:nvSpPr>
+          <p:cNvPr id="13" name="Rectángulo redondeado 12"/>
+          <p:cNvSpPr/>
+          <p:nvPr/>
+        </p:nvSpPr>
+        <p:spPr>
+          <a:xfrm>
+            <a:off x="966947" y="4509120"/>
+            <a:ext cx="1645920" cy="822960"/>
+          </a:xfrm>
+          <a:prstGeom prst="roundRect">
+            <a:avLst/>
+          </a:prstGeom>
+          <a:ln/>
+        </p:spPr>
+        <p:style>
+          <a:lnRef idx="2">
+            <a:schemeClr val="dk1"/>
+          </a:lnRef>
+          <a:fillRef idx="1">
+            <a:schemeClr val="lt1"/>
+          </a:fillRef>
+          <a:effectRef idx="0">
+            <a:schemeClr val="dk1"/>
+          </a:effectRef>
+          <a:fontRef idx="minor">
+            <a:schemeClr val="dk1"/>
+          </a:fontRef>
+        </p:style>
+        <p:txBody>
+          <a:bodyPr rtlCol="0" anchor="ctr"/>
+          <a:lstStyle/>
+          <a:p>
+            <a:pPr algn="ctr"/>
+            <a:r>
+              <a:rPr lang="es-PE" dirty="0"/>
+              <a:t>Definición del Modelo</a:t>
+            </a:r>
+          </a:p>
+        </p:txBody>
+      </p:sp>
+      <p:sp>
+        <p:nvSpPr>
+          <p:cNvPr id="14" name="Rectángulo redondeado 13"/>
+          <p:cNvSpPr/>
+          <p:nvPr/>
+        </p:nvSpPr>
+        <p:spPr>
+          <a:xfrm>
+            <a:off x="3687566" y="4509120"/>
+            <a:ext cx="1645920" cy="822960"/>
+          </a:xfrm>
+          <a:prstGeom prst="roundRect">
+            <a:avLst/>
+          </a:prstGeom>
+          <a:ln/>
+        </p:spPr>
+        <p:style>
+          <a:lnRef idx="2">
+            <a:schemeClr val="dk1"/>
+          </a:lnRef>
+          <a:fillRef idx="1">
+            <a:schemeClr val="lt1"/>
+          </a:fillRef>
+          <a:effectRef idx="0">
+            <a:schemeClr val="dk1"/>
+          </a:effectRef>
+          <a:fontRef idx="minor">
+            <a:schemeClr val="dk1"/>
+          </a:fontRef>
+        </p:style>
+        <p:txBody>
+          <a:bodyPr rtlCol="0" anchor="ctr"/>
+          <a:lstStyle/>
+          <a:p>
+            <a:pPr algn="ctr"/>
+            <a:r>
+              <a:rPr lang="es-MX" dirty="0"/>
+              <a:t>Implementación del Modelo</a:t>
+            </a:r>
+            <a:endParaRPr lang="es-PE" dirty="0"/>
+          </a:p>
+        </p:txBody>
+      </p:sp>
+      <p:sp>
+        <p:nvSpPr>
+          <p:cNvPr id="15" name="Rectángulo redondeado 14"/>
+          <p:cNvSpPr/>
+          <p:nvPr/>
+        </p:nvSpPr>
+        <p:spPr>
+          <a:xfrm>
+            <a:off x="6660232" y="4509120"/>
+            <a:ext cx="1645920" cy="822960"/>
+          </a:xfrm>
+          <a:prstGeom prst="roundRect">
+            <a:avLst/>
+          </a:prstGeom>
+          <a:solidFill>
+            <a:schemeClr val="tx1"/>
+          </a:solidFill>
+          <a:ln>
+            <a:solidFill>
+              <a:schemeClr val="tx1">
+                <a:lumMod val="95000"/>
+                <a:lumOff val="5000"/>
+              </a:schemeClr>
+            </a:solidFill>
+          </a:ln>
+        </p:spPr>
+        <p:style>
+          <a:lnRef idx="2">
+            <a:schemeClr val="accent3">
+              <a:shade val="50000"/>
+            </a:schemeClr>
+          </a:lnRef>
+          <a:fillRef idx="1">
+            <a:schemeClr val="accent3"/>
+          </a:fillRef>
+          <a:effectRef idx="0">
+            <a:schemeClr val="accent3"/>
+          </a:effectRef>
+          <a:fontRef idx="minor">
+            <a:schemeClr val="lt1"/>
+          </a:fontRef>
+        </p:style>
+        <p:txBody>
+          <a:bodyPr rtlCol="0" anchor="ctr"/>
+          <a:lstStyle/>
+          <a:p>
+            <a:pPr algn="ctr"/>
+            <a:r>
+              <a:rPr lang="es-MX" dirty="0"/>
+              <a:t>Standard</a:t>
+            </a:r>
+            <a:endParaRPr lang="es-PE" dirty="0"/>
+          </a:p>
+        </p:txBody>
+      </p:sp>
+      <p:cxnSp>
+        <p:nvCxnSpPr>
+          <p:cNvPr id="17" name="Conector recto de flecha 16"/>
+          <p:cNvCxnSpPr>
+            <a:stCxn id="11" idx="3"/>
+            <a:endCxn id="12" idx="1"/>
+          </p:cNvCxnSpPr>
+          <p:nvPr/>
+        </p:nvCxnSpPr>
+        <p:spPr>
+          <a:xfrm>
+            <a:off x="5333486" y="3342775"/>
+            <a:ext cx="1326746" cy="0"/>
+          </a:xfrm>
+          <a:prstGeom prst="straightConnector1">
+            <a:avLst/>
+          </a:prstGeom>
+          <a:ln w="28575">
+            <a:tailEnd type="triangle"/>
+          </a:ln>
+        </p:spPr>
+        <p:style>
+          <a:lnRef idx="1">
+            <a:schemeClr val="dk1"/>
+          </a:lnRef>
+          <a:fillRef idx="0">
+            <a:schemeClr val="dk1"/>
+          </a:fillRef>
+          <a:effectRef idx="0">
+            <a:schemeClr val="dk1"/>
+          </a:effectRef>
+          <a:fontRef idx="minor">
+            <a:schemeClr val="tx1"/>
+          </a:fontRef>
+        </p:style>
+      </p:cxnSp>
+      <p:cxnSp>
+        <p:nvCxnSpPr>
+          <p:cNvPr id="20" name="Conector recto de flecha 19"/>
+          <p:cNvCxnSpPr>
+            <a:stCxn id="12" idx="2"/>
+            <a:endCxn id="15" idx="0"/>
+          </p:cNvCxnSpPr>
+          <p:nvPr/>
+        </p:nvCxnSpPr>
+        <p:spPr>
+          <a:xfrm>
+            <a:off x="7483192" y="3754255"/>
+            <a:ext cx="0" cy="754865"/>
+          </a:xfrm>
+          <a:prstGeom prst="straightConnector1">
+            <a:avLst/>
+          </a:prstGeom>
+          <a:ln w="28575">
+            <a:tailEnd type="triangle"/>
+          </a:ln>
+        </p:spPr>
+        <p:style>
+          <a:lnRef idx="1">
+            <a:schemeClr val="dk1"/>
+          </a:lnRef>
+          <a:fillRef idx="0">
+            <a:schemeClr val="dk1"/>
+          </a:fillRef>
+          <a:effectRef idx="0">
+            <a:schemeClr val="dk1"/>
+          </a:effectRef>
+          <a:fontRef idx="minor">
+            <a:schemeClr val="tx1"/>
+          </a:fontRef>
+        </p:style>
+      </p:cxnSp>
+      <p:cxnSp>
+        <p:nvCxnSpPr>
+          <p:cNvPr id="24" name="Conector recto de flecha 23"/>
+          <p:cNvCxnSpPr>
+            <a:stCxn id="14" idx="0"/>
+            <a:endCxn id="11" idx="2"/>
+          </p:cNvCxnSpPr>
+          <p:nvPr/>
+        </p:nvCxnSpPr>
+        <p:spPr>
+          <a:xfrm flipV="1">
+            <a:off x="4510526" y="3754255"/>
+            <a:ext cx="0" cy="754865"/>
+          </a:xfrm>
+          <a:prstGeom prst="straightConnector1">
+            <a:avLst/>
+          </a:prstGeom>
+          <a:ln w="28575">
+            <a:tailEnd type="triangle"/>
+          </a:ln>
+        </p:spPr>
+        <p:style>
+          <a:lnRef idx="1">
+            <a:schemeClr val="dk1"/>
+          </a:lnRef>
+          <a:fillRef idx="0">
+            <a:schemeClr val="dk1"/>
+          </a:fillRef>
+          <a:effectRef idx="0">
+            <a:schemeClr val="dk1"/>
+          </a:effectRef>
+          <a:fontRef idx="minor">
+            <a:schemeClr val="tx1"/>
+          </a:fontRef>
+        </p:style>
+      </p:cxnSp>
+      <p:cxnSp>
+        <p:nvCxnSpPr>
+          <p:cNvPr id="32" name="Conector angular 31"/>
+          <p:cNvCxnSpPr>
+            <a:stCxn id="12" idx="0"/>
+            <a:endCxn id="11" idx="0"/>
+          </p:cNvCxnSpPr>
+          <p:nvPr/>
+        </p:nvCxnSpPr>
+        <p:spPr>
+          <a:xfrm rot="16200000" flipV="1">
+            <a:off x="5996859" y="1444962"/>
+            <a:ext cx="12700" cy="2972666"/>
+          </a:xfrm>
+          <a:prstGeom prst="bentConnector3">
+            <a:avLst>
+              <a:gd name="adj1" fmla="val 1800000"/>
+            </a:avLst>
+          </a:prstGeom>
+          <a:ln w="28575">
+            <a:prstDash val="sysDash"/>
+            <a:tailEnd type="triangle"/>
+          </a:ln>
+        </p:spPr>
+        <p:style>
+          <a:lnRef idx="1">
+            <a:schemeClr val="dk1"/>
+          </a:lnRef>
+          <a:fillRef idx="0">
+            <a:schemeClr val="dk1"/>
+          </a:fillRef>
+          <a:effectRef idx="0">
+            <a:schemeClr val="dk1"/>
+          </a:effectRef>
+          <a:fontRef idx="minor">
+            <a:schemeClr val="tx1"/>
+          </a:fontRef>
+        </p:style>
+      </p:cxnSp>
+      <p:cxnSp>
+        <p:nvCxnSpPr>
+          <p:cNvPr id="51" name="Conector angular 50"/>
+          <p:cNvCxnSpPr>
+            <a:stCxn id="11" idx="3"/>
+            <a:endCxn id="14" idx="3"/>
+          </p:cNvCxnSpPr>
+          <p:nvPr/>
+        </p:nvCxnSpPr>
+        <p:spPr>
+          <a:xfrm>
+            <a:off x="5333486" y="3342775"/>
+            <a:ext cx="12700" cy="1577825"/>
+          </a:xfrm>
+          <a:prstGeom prst="bentConnector3">
+            <a:avLst>
+              <a:gd name="adj1" fmla="val 1800000"/>
+            </a:avLst>
+          </a:prstGeom>
+          <a:ln w="28575">
+            <a:prstDash val="sysDash"/>
+            <a:tailEnd type="triangle"/>
+          </a:ln>
+        </p:spPr>
+        <p:style>
+          <a:lnRef idx="1">
+            <a:schemeClr val="dk1"/>
+          </a:lnRef>
+          <a:fillRef idx="0">
+            <a:schemeClr val="dk1"/>
+          </a:fillRef>
+          <a:effectRef idx="0">
+            <a:schemeClr val="dk1"/>
+          </a:effectRef>
+          <a:fontRef idx="minor">
+            <a:schemeClr val="tx1"/>
+          </a:fontRef>
+        </p:style>
+      </p:cxnSp>
+      <p:cxnSp>
+        <p:nvCxnSpPr>
+          <p:cNvPr id="53" name="Conector recto de flecha 52"/>
+          <p:cNvCxnSpPr>
+            <a:stCxn id="13" idx="3"/>
+            <a:endCxn id="14" idx="1"/>
+          </p:cNvCxnSpPr>
+          <p:nvPr/>
+        </p:nvCxnSpPr>
+        <p:spPr>
+          <a:xfrm>
+            <a:off x="2612867" y="4920600"/>
+            <a:ext cx="1074699" cy="0"/>
+          </a:xfrm>
+          <a:prstGeom prst="straightConnector1">
+            <a:avLst/>
+          </a:prstGeom>
+          <a:ln w="28575">
+            <a:tailEnd type="triangle"/>
+          </a:ln>
+        </p:spPr>
+        <p:style>
+          <a:lnRef idx="1">
+            <a:schemeClr val="dk1"/>
+          </a:lnRef>
+          <a:fillRef idx="0">
+            <a:schemeClr val="dk1"/>
+          </a:fillRef>
+          <a:effectRef idx="0">
+            <a:schemeClr val="dk1"/>
+          </a:effectRef>
+          <a:fontRef idx="minor">
+            <a:schemeClr val="tx1"/>
+          </a:fontRef>
+        </p:style>
+      </p:cxnSp>
+      <p:cxnSp>
+        <p:nvCxnSpPr>
+          <p:cNvPr id="55" name="Conector angular 54"/>
+          <p:cNvCxnSpPr>
+            <a:stCxn id="14" idx="2"/>
+            <a:endCxn id="13" idx="2"/>
+          </p:cNvCxnSpPr>
+          <p:nvPr/>
+        </p:nvCxnSpPr>
+        <p:spPr>
+          <a:xfrm rot="5400000">
+            <a:off x="3150217" y="3971771"/>
+            <a:ext cx="12700" cy="2720619"/>
+          </a:xfrm>
+          <a:prstGeom prst="bentConnector3">
+            <a:avLst>
+              <a:gd name="adj1" fmla="val 1800000"/>
+            </a:avLst>
+          </a:prstGeom>
+          <a:ln w="28575">
+            <a:prstDash val="sysDash"/>
+            <a:tailEnd type="triangle"/>
+          </a:ln>
+        </p:spPr>
+        <p:style>
+          <a:lnRef idx="1">
+            <a:schemeClr val="dk1"/>
+          </a:lnRef>
+          <a:fillRef idx="0">
+            <a:schemeClr val="dk1"/>
+          </a:fillRef>
+          <a:effectRef idx="0">
+            <a:schemeClr val="dk1"/>
+          </a:effectRef>
+          <a:fontRef idx="minor">
+            <a:schemeClr val="tx1"/>
+          </a:fontRef>
+        </p:style>
+      </p:cxnSp>
+      <p:cxnSp>
+        <p:nvCxnSpPr>
+          <p:cNvPr id="57" name="Conector recto de flecha 56"/>
+          <p:cNvCxnSpPr>
+            <a:stCxn id="10" idx="2"/>
+            <a:endCxn id="13" idx="0"/>
+          </p:cNvCxnSpPr>
+          <p:nvPr/>
+        </p:nvCxnSpPr>
+        <p:spPr>
+          <a:xfrm flipH="1">
+            <a:off x="1789907" y="3754255"/>
+            <a:ext cx="6196" cy="754865"/>
+          </a:xfrm>
+          <a:prstGeom prst="straightConnector1">
+            <a:avLst/>
+          </a:prstGeom>
+          <a:ln w="28575">
+            <a:tailEnd type="triangle"/>
+          </a:ln>
+        </p:spPr>
+        <p:style>
+          <a:lnRef idx="1">
+            <a:schemeClr val="dk1"/>
+          </a:lnRef>
+          <a:fillRef idx="0">
+            <a:schemeClr val="dk1"/>
+          </a:fillRef>
+          <a:effectRef idx="0">
+            <a:schemeClr val="dk1"/>
+          </a:effectRef>
+          <a:fontRef idx="minor">
+            <a:schemeClr val="tx1"/>
+          </a:fontRef>
+        </p:style>
+      </p:cxnSp>
+      <p:cxnSp>
+        <p:nvCxnSpPr>
+          <p:cNvPr id="59" name="Conector angular 58"/>
+          <p:cNvCxnSpPr>
+            <a:stCxn id="13" idx="1"/>
+            <a:endCxn id="10" idx="1"/>
+          </p:cNvCxnSpPr>
+          <p:nvPr/>
+        </p:nvCxnSpPr>
+        <p:spPr>
+          <a:xfrm rot="10800000" flipH="1">
+            <a:off x="966947" y="3342776"/>
+            <a:ext cx="6196" cy="1577825"/>
+          </a:xfrm>
+          <a:prstGeom prst="bentConnector3">
+            <a:avLst>
+              <a:gd name="adj1" fmla="val -3689477"/>
+            </a:avLst>
+          </a:prstGeom>
+          <a:ln w="28575">
+            <a:prstDash val="sysDash"/>
+            <a:tailEnd type="triangle"/>
+          </a:ln>
+        </p:spPr>
+        <p:style>
+          <a:lnRef idx="1">
+            <a:schemeClr val="dk1"/>
+          </a:lnRef>
+          <a:fillRef idx="0">
+            <a:schemeClr val="dk1"/>
+          </a:fillRef>
+          <a:effectRef idx="0">
+            <a:schemeClr val="dk1"/>
+          </a:effectRef>
+          <a:fontRef idx="minor">
+            <a:schemeClr val="tx1"/>
+          </a:fontRef>
+        </p:style>
+      </p:cxnSp>
+      <p:cxnSp>
+        <p:nvCxnSpPr>
+          <p:cNvPr id="63" name="Conector recto de flecha 62"/>
+          <p:cNvCxnSpPr/>
+          <p:nvPr/>
+        </p:nvCxnSpPr>
+        <p:spPr>
+          <a:xfrm>
+            <a:off x="6228184" y="5877272"/>
+            <a:ext cx="864096" cy="0"/>
+          </a:xfrm>
+          <a:prstGeom prst="straightConnector1">
+            <a:avLst/>
+          </a:prstGeom>
+          <a:ln w="38100">
+            <a:prstDash val="sysDash"/>
+            <a:tailEnd type="triangle"/>
+          </a:ln>
+        </p:spPr>
+        <p:style>
+          <a:lnRef idx="1">
+            <a:schemeClr val="dk1"/>
+          </a:lnRef>
+          <a:fillRef idx="0">
+            <a:schemeClr val="dk1"/>
+          </a:fillRef>
+          <a:effectRef idx="0">
+            <a:schemeClr val="dk1"/>
+          </a:effectRef>
+          <a:fontRef idx="minor">
+            <a:schemeClr val="tx1"/>
+          </a:fontRef>
+        </p:style>
+      </p:cxnSp>
+      <p:sp>
+        <p:nvSpPr>
+          <p:cNvPr id="65" name="CuadroTexto 64"/>
+          <p:cNvSpPr txBox="1"/>
+          <p:nvPr/>
+        </p:nvSpPr>
+        <p:spPr>
+          <a:xfrm>
+            <a:off x="5138093" y="5670458"/>
+            <a:ext cx="1106521" cy="369332"/>
+          </a:xfrm>
+          <a:prstGeom prst="rect">
+            <a:avLst/>
+          </a:prstGeom>
+          <a:noFill/>
+        </p:spPr>
+        <p:txBody>
+          <a:bodyPr wrap="none" rtlCol="0">
+            <a:spAutoFit/>
+          </a:bodyPr>
+          <a:lstStyle/>
+          <a:p>
+            <a:r>
+              <a:rPr lang="es-PE" dirty="0"/>
+              <a:t>Validación:</a:t>
             </a:r>
           </a:p>
         </p:txBody>
@@ -8170,7 +10760,7 @@
           <a:p>
             <a:r>
               <a:rPr lang="es-PE" altLang="en-US" dirty="0"/>
-              <a:t>Modelamiento matemático</a:t>
+              <a:t>Problema: Identificación &amp; delimitación</a:t>
             </a:r>
           </a:p>
         </p:txBody>
@@ -8183,8 +10773,8 @@
         </p:nvSpPr>
         <p:spPr>
           <a:xfrm>
-            <a:off x="602191" y="836712"/>
-            <a:ext cx="8002257" cy="2246769"/>
+            <a:off x="600771" y="876776"/>
+            <a:ext cx="8002257" cy="3416320"/>
           </a:xfrm>
           <a:prstGeom prst="rect">
             <a:avLst/>
@@ -8197,473 +10787,227 @@
           </a:bodyPr>
           <a:lstStyle/>
           <a:p>
-            <a:pPr marL="285750" indent="-285750">
+            <a:pPr marL="285750" indent="-285750" algn="just">
               <a:buFont typeface="Arial" panose="020B0604020202020204" pitchFamily="34" charset="0"/>
               <a:buChar char="•"/>
             </a:pPr>
             <a:r>
-              <a:rPr lang="es-MX" sz="2000" dirty="0"/>
-              <a:t>Definición: Proceso de abstracción de la realidad hacia formas matemáticas para representar partes de ella.</a:t>
-            </a:r>
-          </a:p>
-          <a:p>
-            <a:pPr marL="285750" indent="-285750">
+              <a:rPr lang="es-PE" sz="2400" dirty="0"/>
+              <a:t>Recolección de </a:t>
+            </a:r>
+            <a:r>
+              <a:rPr lang="es-PE" sz="2400" b="1" dirty="0"/>
+              <a:t>información</a:t>
+            </a:r>
+            <a:r>
+              <a:rPr lang="es-PE" sz="2400" dirty="0"/>
+              <a:t> del problema</a:t>
+            </a:r>
+          </a:p>
+          <a:p>
+            <a:pPr marL="285750" indent="-285750" algn="just">
               <a:buFont typeface="Arial" panose="020B0604020202020204" pitchFamily="34" charset="0"/>
               <a:buChar char="•"/>
             </a:pPr>
             <a:r>
-              <a:rPr lang="es-MX" sz="2000" dirty="0"/>
-              <a:t>Entonces: </a:t>
-            </a:r>
-          </a:p>
-          <a:p>
-            <a:pPr marL="742950" lvl="1" indent="-285750">
+              <a:rPr lang="es-PE" sz="2400" dirty="0"/>
+              <a:t>Primero, la realización de un </a:t>
+            </a:r>
+            <a:r>
+              <a:rPr lang="es-PE" sz="2400" b="1" dirty="0"/>
+              <a:t>boceto</a:t>
+            </a:r>
+            <a:r>
+              <a:rPr lang="es-PE" sz="2400" dirty="0"/>
+              <a:t> del problema</a:t>
+            </a:r>
+          </a:p>
+          <a:p>
+            <a:pPr marL="285750" indent="-285750" algn="just">
               <a:buFont typeface="Arial" panose="020B0604020202020204" pitchFamily="34" charset="0"/>
               <a:buChar char="•"/>
             </a:pPr>
             <a:r>
-              <a:rPr lang="es-MX" sz="2000" dirty="0"/>
-              <a:t>Representación simplificada de una realidad</a:t>
-            </a:r>
-          </a:p>
-          <a:p>
-            <a:pPr marL="742950" lvl="1" indent="-285750">
+              <a:rPr lang="es-PE" sz="2400" dirty="0"/>
+              <a:t>Luego, se realiza una </a:t>
+            </a:r>
+            <a:r>
+              <a:rPr lang="es-PE" sz="2400" b="1" dirty="0"/>
+              <a:t>interpretación</a:t>
+            </a:r>
+            <a:r>
+              <a:rPr lang="es-PE" sz="2400" dirty="0"/>
+              <a:t> de la información a términos precisos para identificar las características del problema</a:t>
+            </a:r>
+          </a:p>
+          <a:p>
+            <a:pPr marL="285750" indent="-285750" algn="just">
               <a:buFont typeface="Arial" panose="020B0604020202020204" pitchFamily="34" charset="0"/>
               <a:buChar char="•"/>
             </a:pPr>
             <a:r>
-              <a:rPr lang="es-MX" sz="2000" dirty="0"/>
-              <a:t>Herramienta ayuda para la toma de decisiones</a:t>
-            </a:r>
-          </a:p>
-          <a:p>
-            <a:pPr marL="285750" indent="-285750">
+              <a:rPr lang="es-PE" sz="2400" dirty="0"/>
+              <a:t>La </a:t>
+            </a:r>
+            <a:r>
+              <a:rPr lang="es-PE" sz="2400" b="1" dirty="0"/>
+              <a:t>calidad de la información </a:t>
+            </a:r>
+            <a:r>
+              <a:rPr lang="es-PE" sz="2400" dirty="0"/>
+              <a:t>es vital, pueden ser un problema</a:t>
+            </a:r>
+          </a:p>
+          <a:p>
+            <a:pPr marL="742950" lvl="1" indent="-285750" algn="just">
               <a:buFont typeface="Arial" panose="020B0604020202020204" pitchFamily="34" charset="0"/>
               <a:buChar char="•"/>
             </a:pPr>
             <a:r>
-              <a:rPr lang="es-MX" sz="2000" dirty="0"/>
-              <a:t>Modelador: desarrollo del modelo.</a:t>
-            </a:r>
-          </a:p>
-          <a:p>
-            <a:pPr marL="285750" indent="-285750">
+              <a:rPr lang="es-PE" sz="2400" dirty="0"/>
+              <a:t>Podemos tener el mejor modelo pero no va a servir si no tenemos información de calidad (refinados)</a:t>
+            </a:r>
+          </a:p>
+          <a:p>
+            <a:pPr marL="285750" indent="-285750" algn="just">
               <a:buFont typeface="Arial" panose="020B0604020202020204" pitchFamily="34" charset="0"/>
               <a:buChar char="•"/>
             </a:pPr>
             <a:r>
-              <a:rPr lang="es-MX" sz="2000" dirty="0"/>
-              <a:t>Experto: conocimiento de la realidad del problema</a:t>
-            </a:r>
-          </a:p>
-        </p:txBody>
-      </p:sp>
-      <p:sp>
-        <p:nvSpPr>
-          <p:cNvPr id="7" name="Rectángulo redondeado 6"/>
-          <p:cNvSpPr/>
+              <a:rPr lang="es-PE" sz="2400" dirty="0"/>
+              <a:t>Establecer el </a:t>
+            </a:r>
+            <a:r>
+              <a:rPr lang="es-PE" sz="2400" b="1" dirty="0"/>
+              <a:t>nivel de representación</a:t>
+            </a:r>
+            <a:r>
+              <a:rPr lang="es-PE" sz="2400" dirty="0"/>
+              <a:t> del modelo acorde a los recursos computacionales disponibles</a:t>
+            </a:r>
+          </a:p>
+        </p:txBody>
+      </p:sp>
+    </p:spTree>
+    <p:extLst>
+      <p:ext uri="{BB962C8B-B14F-4D97-AF65-F5344CB8AC3E}">
+        <p14:creationId xmlns:p14="http://schemas.microsoft.com/office/powerpoint/2010/main" val="3710440595"/>
+      </p:ext>
+    </p:extLst>
+  </p:cSld>
+  <p:clrMapOvr>
+    <a:masterClrMapping/>
+  </p:clrMapOvr>
+  <p:transition spd="slow">
+    <p:fade/>
+  </p:transition>
+</p:sld>
+</file>
+
+<file path=ppt/slides/slide9.xml><?xml version="1.0" encoding="utf-8"?>
+<p:sld xmlns:a="http://schemas.openxmlformats.org/drawingml/2006/main" xmlns:r="http://schemas.openxmlformats.org/officeDocument/2006/relationships" xmlns:p="http://schemas.openxmlformats.org/presentationml/2006/main">
+  <p:cSld>
+    <p:spTree>
+      <p:nvGrpSpPr>
+        <p:cNvPr id="1" name=""/>
+        <p:cNvGrpSpPr/>
+        <p:nvPr/>
+      </p:nvGrpSpPr>
+      <p:grpSpPr>
+        <a:xfrm>
+          <a:off x="0" y="0"/>
+          <a:ext cx="0" cy="0"/>
+          <a:chOff x="0" y="0"/>
+          <a:chExt cx="0" cy="0"/>
+        </a:xfrm>
+      </p:grpSpPr>
+      <p:sp>
+        <p:nvSpPr>
+          <p:cNvPr id="2" name="Marcador de número de diapositiva 1"/>
+          <p:cNvSpPr>
+            <a:spLocks noGrp="1"/>
+          </p:cNvSpPr>
+          <p:nvPr>
+            <p:ph type="sldNum" sz="quarter" idx="12"/>
+          </p:nvPr>
+        </p:nvSpPr>
+        <p:spPr/>
+        <p:txBody>
+          <a:bodyPr/>
+          <a:lstStyle/>
+          <a:p>
+            <a:fld id="{64BD7E74-CBD2-4D88-9109-2EA8081AE675}" type="slidenum">
+              <a:rPr lang="es-ES" smtClean="0"/>
+              <a:pPr/>
+              <a:t>9</a:t>
+            </a:fld>
+            <a:endParaRPr lang="es-ES"/>
+          </a:p>
+        </p:txBody>
+      </p:sp>
+      <p:sp>
+        <p:nvSpPr>
+          <p:cNvPr id="3" name="4 Título"/>
+          <p:cNvSpPr txBox="1">
+            <a:spLocks/>
+          </p:cNvSpPr>
           <p:nvPr/>
         </p:nvSpPr>
         <p:spPr>
           <a:xfrm>
-            <a:off x="971600" y="3389095"/>
-            <a:ext cx="1440160" cy="720080"/>
-          </a:xfrm>
-          <a:prstGeom prst="roundRect">
+            <a:off x="611560" y="188640"/>
+            <a:ext cx="8784976" cy="457120"/>
+          </a:xfrm>
+          <a:prstGeom prst="rect">
             <a:avLst/>
           </a:prstGeom>
-          <a:ln>
-            <a:solidFill>
-              <a:schemeClr val="tx2"/>
-            </a:solidFill>
-          </a:ln>
-        </p:spPr>
-        <p:style>
-          <a:lnRef idx="2">
-            <a:schemeClr val="accent1">
-              <a:shade val="50000"/>
-            </a:schemeClr>
-          </a:lnRef>
-          <a:fillRef idx="1">
-            <a:schemeClr val="accent1"/>
-          </a:fillRef>
-          <a:effectRef idx="0">
-            <a:schemeClr val="accent1"/>
-          </a:effectRef>
-          <a:fontRef idx="minor">
-            <a:schemeClr val="lt1"/>
-          </a:fontRef>
-        </p:style>
-        <p:txBody>
-          <a:bodyPr rtlCol="0" anchor="ctr"/>
-          <a:lstStyle/>
-          <a:p>
-            <a:pPr algn="ctr"/>
-            <a:r>
-              <a:rPr lang="es-MX" dirty="0"/>
-              <a:t>Realidad</a:t>
-            </a:r>
-            <a:endParaRPr lang="es-PE" dirty="0"/>
-          </a:p>
-        </p:txBody>
-      </p:sp>
-      <p:sp>
-        <p:nvSpPr>
-          <p:cNvPr id="6" name="Rectángulo redondeado 5"/>
-          <p:cNvSpPr/>
-          <p:nvPr/>
-        </p:nvSpPr>
-        <p:spPr>
-          <a:xfrm>
-            <a:off x="3851920" y="3425099"/>
-            <a:ext cx="1368152" cy="648072"/>
-          </a:xfrm>
-          <a:prstGeom prst="roundRect">
-            <a:avLst/>
-          </a:prstGeom>
-          <a:solidFill>
-            <a:schemeClr val="accent1"/>
-          </a:solidFill>
-          <a:ln>
-            <a:solidFill>
-              <a:schemeClr val="tx2"/>
-            </a:solidFill>
-          </a:ln>
-        </p:spPr>
-        <p:style>
-          <a:lnRef idx="2">
-            <a:schemeClr val="accent3">
-              <a:shade val="50000"/>
-            </a:schemeClr>
-          </a:lnRef>
-          <a:fillRef idx="1">
-            <a:schemeClr val="accent3"/>
-          </a:fillRef>
-          <a:effectRef idx="0">
-            <a:schemeClr val="accent3"/>
-          </a:effectRef>
-          <a:fontRef idx="minor">
-            <a:schemeClr val="lt1"/>
-          </a:fontRef>
-        </p:style>
-        <p:txBody>
-          <a:bodyPr rtlCol="0" anchor="ctr"/>
-          <a:lstStyle/>
-          <a:p>
-            <a:pPr algn="ctr"/>
-            <a:r>
-              <a:rPr lang="es-MX" dirty="0"/>
-              <a:t>Realidad asumida</a:t>
-            </a:r>
-            <a:endParaRPr lang="es-PE" dirty="0"/>
-          </a:p>
-        </p:txBody>
-      </p:sp>
-      <p:sp>
-        <p:nvSpPr>
-          <p:cNvPr id="8" name="Rectángulo redondeado 7"/>
-          <p:cNvSpPr/>
-          <p:nvPr/>
-        </p:nvSpPr>
-        <p:spPr>
-          <a:xfrm>
-            <a:off x="6660232" y="3425099"/>
-            <a:ext cx="1368152" cy="648072"/>
-          </a:xfrm>
-          <a:prstGeom prst="roundRect">
-            <a:avLst/>
-          </a:prstGeom>
-          <a:solidFill>
-            <a:schemeClr val="accent2">
-              <a:lumMod val="75000"/>
-            </a:schemeClr>
-          </a:solidFill>
-          <a:ln>
-            <a:solidFill>
-              <a:schemeClr val="accent2">
-                <a:lumMod val="50000"/>
-              </a:schemeClr>
-            </a:solidFill>
-          </a:ln>
-        </p:spPr>
-        <p:style>
-          <a:lnRef idx="2">
-            <a:schemeClr val="accent3">
-              <a:shade val="50000"/>
-            </a:schemeClr>
-          </a:lnRef>
-          <a:fillRef idx="1">
-            <a:schemeClr val="accent3"/>
-          </a:fillRef>
-          <a:effectRef idx="0">
-            <a:schemeClr val="accent3"/>
-          </a:effectRef>
-          <a:fontRef idx="minor">
-            <a:schemeClr val="lt1"/>
-          </a:fontRef>
-        </p:style>
-        <p:txBody>
-          <a:bodyPr rtlCol="0" anchor="ctr"/>
-          <a:lstStyle/>
-          <a:p>
-            <a:pPr algn="ctr"/>
-            <a:r>
-              <a:rPr lang="es-MX" dirty="0"/>
-              <a:t>Modelo</a:t>
-            </a:r>
-            <a:endParaRPr lang="es-PE" dirty="0"/>
-          </a:p>
-        </p:txBody>
-      </p:sp>
-      <p:sp>
-        <p:nvSpPr>
-          <p:cNvPr id="9" name="Rectángulo redondeado 8"/>
-          <p:cNvSpPr/>
-          <p:nvPr/>
-        </p:nvSpPr>
-        <p:spPr>
-          <a:xfrm>
-            <a:off x="971600" y="5085184"/>
-            <a:ext cx="1440160" cy="720080"/>
-          </a:xfrm>
-          <a:prstGeom prst="roundRect">
-            <a:avLst/>
-          </a:prstGeom>
-          <a:solidFill>
-            <a:schemeClr val="bg2">
-              <a:lumMod val="50000"/>
-            </a:schemeClr>
-          </a:solidFill>
-          <a:ln>
-            <a:solidFill>
-              <a:schemeClr val="bg2">
-                <a:lumMod val="10000"/>
-              </a:schemeClr>
-            </a:solidFill>
-          </a:ln>
-        </p:spPr>
-        <p:style>
-          <a:lnRef idx="2">
-            <a:schemeClr val="accent1">
-              <a:shade val="50000"/>
-            </a:schemeClr>
-          </a:lnRef>
-          <a:fillRef idx="1">
-            <a:schemeClr val="accent1"/>
-          </a:fillRef>
-          <a:effectRef idx="0">
-            <a:schemeClr val="accent1"/>
-          </a:effectRef>
-          <a:fontRef idx="minor">
-            <a:schemeClr val="lt1"/>
-          </a:fontRef>
-        </p:style>
-        <p:txBody>
-          <a:bodyPr rtlCol="0" anchor="ctr"/>
-          <a:lstStyle/>
-          <a:p>
-            <a:pPr algn="ctr"/>
-            <a:r>
-              <a:rPr lang="es-MX" dirty="0"/>
-              <a:t>Solución</a:t>
-            </a:r>
-            <a:r>
-              <a:rPr lang="es-PE" dirty="0"/>
-              <a:t> al problema</a:t>
-            </a:r>
-          </a:p>
-        </p:txBody>
-      </p:sp>
-      <p:sp>
-        <p:nvSpPr>
-          <p:cNvPr id="10" name="Rectángulo redondeado 9"/>
-          <p:cNvSpPr/>
-          <p:nvPr/>
-        </p:nvSpPr>
-        <p:spPr>
-          <a:xfrm>
-            <a:off x="3851920" y="5121188"/>
-            <a:ext cx="1368152" cy="648072"/>
-          </a:xfrm>
-          <a:prstGeom prst="roundRect">
-            <a:avLst/>
-          </a:prstGeom>
-          <a:solidFill>
-            <a:schemeClr val="accent1"/>
-          </a:solidFill>
-          <a:ln>
-            <a:solidFill>
-              <a:schemeClr val="tx2"/>
-            </a:solidFill>
-          </a:ln>
-        </p:spPr>
-        <p:style>
-          <a:lnRef idx="2">
-            <a:schemeClr val="accent3">
-              <a:shade val="50000"/>
-            </a:schemeClr>
-          </a:lnRef>
-          <a:fillRef idx="1">
-            <a:schemeClr val="accent3"/>
-          </a:fillRef>
-          <a:effectRef idx="0">
-            <a:schemeClr val="accent3"/>
-          </a:effectRef>
-          <a:fontRef idx="minor">
-            <a:schemeClr val="lt1"/>
-          </a:fontRef>
-        </p:style>
-        <p:txBody>
-          <a:bodyPr rtlCol="0" anchor="ctr"/>
-          <a:lstStyle/>
-          <a:p>
-            <a:pPr algn="ctr"/>
-            <a:r>
-              <a:rPr lang="es-MX" dirty="0"/>
-              <a:t>Juicios y experiencias</a:t>
-            </a:r>
-            <a:endParaRPr lang="es-PE" dirty="0"/>
-          </a:p>
-        </p:txBody>
-      </p:sp>
-      <p:sp>
-        <p:nvSpPr>
-          <p:cNvPr id="11" name="Rectángulo redondeado 10"/>
-          <p:cNvSpPr/>
-          <p:nvPr/>
-        </p:nvSpPr>
-        <p:spPr>
-          <a:xfrm>
-            <a:off x="6660232" y="5121188"/>
-            <a:ext cx="1368152" cy="648072"/>
-          </a:xfrm>
-          <a:prstGeom prst="roundRect">
-            <a:avLst/>
-          </a:prstGeom>
-          <a:solidFill>
-            <a:schemeClr val="bg2">
-              <a:lumMod val="50000"/>
-            </a:schemeClr>
-          </a:solidFill>
-          <a:ln>
-            <a:solidFill>
-              <a:schemeClr val="bg2">
-                <a:lumMod val="10000"/>
-              </a:schemeClr>
-            </a:solidFill>
-          </a:ln>
-        </p:spPr>
-        <p:style>
-          <a:lnRef idx="2">
-            <a:schemeClr val="accent3">
-              <a:shade val="50000"/>
-            </a:schemeClr>
-          </a:lnRef>
-          <a:fillRef idx="1">
-            <a:schemeClr val="accent3"/>
-          </a:fillRef>
-          <a:effectRef idx="0">
-            <a:schemeClr val="accent3"/>
-          </a:effectRef>
-          <a:fontRef idx="minor">
-            <a:schemeClr val="lt1"/>
-          </a:fontRef>
-        </p:style>
-        <p:txBody>
-          <a:bodyPr rtlCol="0" anchor="ctr"/>
-          <a:lstStyle/>
-          <a:p>
-            <a:pPr algn="ctr"/>
-            <a:r>
-              <a:rPr lang="es-MX" dirty="0"/>
-              <a:t>Solución al Modelo</a:t>
-            </a:r>
-            <a:endParaRPr lang="es-PE" dirty="0"/>
-          </a:p>
-        </p:txBody>
-      </p:sp>
-      <p:cxnSp>
-        <p:nvCxnSpPr>
-          <p:cNvPr id="12" name="Conector recto de flecha 11"/>
-          <p:cNvCxnSpPr>
-            <a:stCxn id="7" idx="3"/>
-            <a:endCxn id="6" idx="1"/>
-          </p:cNvCxnSpPr>
-          <p:nvPr/>
-        </p:nvCxnSpPr>
-        <p:spPr>
-          <a:xfrm>
-            <a:off x="2411760" y="3749135"/>
-            <a:ext cx="1440160" cy="0"/>
-          </a:xfrm>
-          <a:prstGeom prst="straightConnector1">
-            <a:avLst/>
-          </a:prstGeom>
-          <a:ln w="28575">
-            <a:tailEnd type="triangle"/>
-          </a:ln>
-        </p:spPr>
-        <p:style>
-          <a:lnRef idx="1">
-            <a:schemeClr val="dk1"/>
-          </a:lnRef>
-          <a:fillRef idx="0">
-            <a:schemeClr val="dk1"/>
-          </a:fillRef>
-          <a:effectRef idx="0">
-            <a:schemeClr val="dk1"/>
-          </a:effectRef>
-          <a:fontRef idx="minor">
-            <a:schemeClr val="tx1"/>
-          </a:fontRef>
-        </p:style>
-      </p:cxnSp>
-      <p:cxnSp>
-        <p:nvCxnSpPr>
-          <p:cNvPr id="14" name="Conector recto de flecha 13"/>
-          <p:cNvCxnSpPr>
-            <a:stCxn id="6" idx="3"/>
-            <a:endCxn id="8" idx="1"/>
-          </p:cNvCxnSpPr>
-          <p:nvPr/>
-        </p:nvCxnSpPr>
-        <p:spPr>
-          <a:xfrm>
-            <a:off x="5220072" y="3749135"/>
-            <a:ext cx="1440160" cy="0"/>
-          </a:xfrm>
-          <a:prstGeom prst="straightConnector1">
-            <a:avLst/>
-          </a:prstGeom>
-          <a:ln w="28575">
-            <a:tailEnd type="triangle"/>
-          </a:ln>
-        </p:spPr>
-        <p:style>
-          <a:lnRef idx="1">
-            <a:schemeClr val="dk1"/>
-          </a:lnRef>
-          <a:fillRef idx="0">
-            <a:schemeClr val="dk1"/>
-          </a:fillRef>
-          <a:effectRef idx="0">
-            <a:schemeClr val="dk1"/>
-          </a:effectRef>
-          <a:fontRef idx="minor">
-            <a:schemeClr val="tx1"/>
-          </a:fontRef>
-        </p:style>
-      </p:cxnSp>
-      <p:sp>
-        <p:nvSpPr>
-          <p:cNvPr id="15" name="CuadroTexto 14"/>
+        </p:spPr>
+        <p:txBody>
+          <a:bodyPr bIns="91440" anchor="b" anchorCtr="0">
+            <a:noAutofit/>
+          </a:bodyPr>
+          <a:lstStyle>
+            <a:lvl1pPr>
+              <a:spcBef>
+                <a:spcPct val="0"/>
+              </a:spcBef>
+              <a:buNone/>
+              <a:defRPr kumimoji="0" sz="2400">
+                <a:ln w="0"/>
+                <a:solidFill>
+                  <a:schemeClr val="tx2"/>
+                </a:solidFill>
+                <a:effectLst>
+                  <a:outerShdw blurRad="38100" dist="19050" dir="2700000" algn="tl" rotWithShape="0">
+                    <a:schemeClr val="dk1">
+                      <a:alpha val="40000"/>
+                    </a:schemeClr>
+                  </a:outerShdw>
+                </a:effectLst>
+                <a:latin typeface="+mj-lt"/>
+                <a:ea typeface="+mj-ea"/>
+                <a:cs typeface="+mj-cs"/>
+              </a:defRPr>
+            </a:lvl1pPr>
+          </a:lstStyle>
+          <a:p>
+            <a:r>
+              <a:rPr lang="es-PE" altLang="en-US" dirty="0"/>
+              <a:t>Definición del Modelo</a:t>
+            </a:r>
+          </a:p>
+        </p:txBody>
+      </p:sp>
+      <p:sp>
+        <p:nvSpPr>
+          <p:cNvPr id="5" name="CuadroTexto 4"/>
           <p:cNvSpPr txBox="1"/>
           <p:nvPr/>
         </p:nvSpPr>
         <p:spPr>
           <a:xfrm>
-            <a:off x="2729742" y="3487525"/>
-            <a:ext cx="804195" cy="523220"/>
+            <a:off x="600771" y="876776"/>
+            <a:ext cx="8002257" cy="4893647"/>
           </a:xfrm>
           <a:prstGeom prst="rect">
             <a:avLst/>
@@ -8671,366 +11015,136 @@
           <a:noFill/>
         </p:spPr>
         <p:txBody>
-          <a:bodyPr wrap="none" rtlCol="0">
+          <a:bodyPr wrap="square" rtlCol="0">
             <a:spAutoFit/>
           </a:bodyPr>
           <a:lstStyle/>
           <a:p>
-            <a:pPr algn="ctr"/>
-            <a:r>
-              <a:rPr lang="es-PE" sz="1400" dirty="0"/>
-              <a:t>Variables </a:t>
-            </a:r>
-          </a:p>
-          <a:p>
-            <a:pPr algn="ctr"/>
-            <a:r>
-              <a:rPr lang="es-PE" sz="1400" dirty="0"/>
-              <a:t>relevante</a:t>
-            </a:r>
-          </a:p>
-        </p:txBody>
-      </p:sp>
-      <p:sp>
-        <p:nvSpPr>
-          <p:cNvPr id="16" name="CuadroTexto 15"/>
-          <p:cNvSpPr txBox="1"/>
-          <p:nvPr/>
-        </p:nvSpPr>
-        <p:spPr>
-          <a:xfrm>
-            <a:off x="5482334" y="3487525"/>
-            <a:ext cx="915635" cy="523220"/>
-          </a:xfrm>
-          <a:prstGeom prst="rect">
-            <a:avLst/>
-          </a:prstGeom>
-          <a:noFill/>
-        </p:spPr>
-        <p:txBody>
-          <a:bodyPr wrap="none" rtlCol="0">
-            <a:spAutoFit/>
-          </a:bodyPr>
-          <a:lstStyle/>
-          <a:p>
-            <a:pPr algn="ctr"/>
-            <a:r>
-              <a:rPr lang="es-PE" sz="1400" dirty="0"/>
-              <a:t>Relaciones </a:t>
-            </a:r>
-          </a:p>
-          <a:p>
-            <a:pPr algn="ctr"/>
-            <a:r>
-              <a:rPr lang="es-PE" sz="1400" dirty="0"/>
-              <a:t>relevante</a:t>
-            </a:r>
-          </a:p>
-        </p:txBody>
-      </p:sp>
-      <p:cxnSp>
-        <p:nvCxnSpPr>
-          <p:cNvPr id="18" name="Conector recto de flecha 17"/>
-          <p:cNvCxnSpPr>
-            <a:stCxn id="8" idx="2"/>
-            <a:endCxn id="11" idx="0"/>
-          </p:cNvCxnSpPr>
-          <p:nvPr/>
-        </p:nvCxnSpPr>
-        <p:spPr>
-          <a:xfrm>
-            <a:off x="7344308" y="4073171"/>
-            <a:ext cx="0" cy="1048017"/>
-          </a:xfrm>
-          <a:prstGeom prst="straightConnector1">
-            <a:avLst/>
-          </a:prstGeom>
-          <a:ln w="28575">
-            <a:tailEnd type="triangle"/>
-          </a:ln>
-        </p:spPr>
-        <p:style>
-          <a:lnRef idx="1">
-            <a:schemeClr val="dk1"/>
-          </a:lnRef>
-          <a:fillRef idx="0">
-            <a:schemeClr val="dk1"/>
-          </a:fillRef>
-          <a:effectRef idx="0">
-            <a:schemeClr val="dk1"/>
-          </a:effectRef>
-          <a:fontRef idx="minor">
-            <a:schemeClr val="tx1"/>
-          </a:fontRef>
-        </p:style>
-      </p:cxnSp>
-      <p:cxnSp>
-        <p:nvCxnSpPr>
-          <p:cNvPr id="20" name="Conector recto de flecha 19"/>
-          <p:cNvCxnSpPr>
-            <a:stCxn id="11" idx="1"/>
-            <a:endCxn id="10" idx="3"/>
-          </p:cNvCxnSpPr>
-          <p:nvPr/>
-        </p:nvCxnSpPr>
-        <p:spPr>
-          <a:xfrm flipH="1">
-            <a:off x="5220072" y="5445224"/>
-            <a:ext cx="1440160" cy="0"/>
-          </a:xfrm>
-          <a:prstGeom prst="straightConnector1">
-            <a:avLst/>
-          </a:prstGeom>
-          <a:ln w="28575">
-            <a:tailEnd type="triangle"/>
-          </a:ln>
-        </p:spPr>
-        <p:style>
-          <a:lnRef idx="1">
-            <a:schemeClr val="dk1"/>
-          </a:lnRef>
-          <a:fillRef idx="0">
-            <a:schemeClr val="dk1"/>
-          </a:fillRef>
-          <a:effectRef idx="0">
-            <a:schemeClr val="dk1"/>
-          </a:effectRef>
-          <a:fontRef idx="minor">
-            <a:schemeClr val="tx1"/>
-          </a:fontRef>
-        </p:style>
-      </p:cxnSp>
-      <p:cxnSp>
-        <p:nvCxnSpPr>
-          <p:cNvPr id="22" name="Conector recto de flecha 21"/>
-          <p:cNvCxnSpPr>
-            <a:stCxn id="10" idx="1"/>
-            <a:endCxn id="9" idx="3"/>
-          </p:cNvCxnSpPr>
-          <p:nvPr/>
-        </p:nvCxnSpPr>
-        <p:spPr>
-          <a:xfrm flipH="1">
-            <a:off x="2411760" y="5445224"/>
-            <a:ext cx="1440160" cy="0"/>
-          </a:xfrm>
-          <a:prstGeom prst="straightConnector1">
-            <a:avLst/>
-          </a:prstGeom>
-          <a:ln w="28575">
-            <a:tailEnd type="triangle"/>
-          </a:ln>
-        </p:spPr>
-        <p:style>
-          <a:lnRef idx="1">
-            <a:schemeClr val="dk1"/>
-          </a:lnRef>
-          <a:fillRef idx="0">
-            <a:schemeClr val="dk1"/>
-          </a:fillRef>
-          <a:effectRef idx="0">
-            <a:schemeClr val="dk1"/>
-          </a:effectRef>
-          <a:fontRef idx="minor">
-            <a:schemeClr val="tx1"/>
-          </a:fontRef>
-        </p:style>
-      </p:cxnSp>
-      <p:cxnSp>
-        <p:nvCxnSpPr>
-          <p:cNvPr id="24" name="Conector recto de flecha 23"/>
-          <p:cNvCxnSpPr>
-            <a:stCxn id="9" idx="0"/>
-            <a:endCxn id="7" idx="2"/>
-          </p:cNvCxnSpPr>
-          <p:nvPr/>
-        </p:nvCxnSpPr>
-        <p:spPr>
-          <a:xfrm flipV="1">
-            <a:off x="1691680" y="4109175"/>
-            <a:ext cx="0" cy="976009"/>
-          </a:xfrm>
-          <a:prstGeom prst="straightConnector1">
-            <a:avLst/>
-          </a:prstGeom>
-          <a:ln w="28575">
-            <a:tailEnd type="triangle"/>
-          </a:ln>
-        </p:spPr>
-        <p:style>
-          <a:lnRef idx="1">
-            <a:schemeClr val="dk1"/>
-          </a:lnRef>
-          <a:fillRef idx="0">
-            <a:schemeClr val="dk1"/>
-          </a:fillRef>
-          <a:effectRef idx="0">
-            <a:schemeClr val="dk1"/>
-          </a:effectRef>
-          <a:fontRef idx="minor">
-            <a:schemeClr val="tx1"/>
-          </a:fontRef>
-        </p:style>
-      </p:cxnSp>
-      <p:cxnSp>
-        <p:nvCxnSpPr>
-          <p:cNvPr id="26" name="Conector recto de flecha 25"/>
-          <p:cNvCxnSpPr>
-            <a:stCxn id="10" idx="0"/>
-            <a:endCxn id="6" idx="2"/>
-          </p:cNvCxnSpPr>
-          <p:nvPr/>
-        </p:nvCxnSpPr>
-        <p:spPr>
-          <a:xfrm flipV="1">
-            <a:off x="4535996" y="4073171"/>
-            <a:ext cx="0" cy="1048017"/>
-          </a:xfrm>
-          <a:prstGeom prst="straightConnector1">
-            <a:avLst/>
-          </a:prstGeom>
-          <a:ln w="28575">
-            <a:tailEnd type="triangle"/>
-          </a:ln>
-        </p:spPr>
-        <p:style>
-          <a:lnRef idx="1">
-            <a:schemeClr val="dk1"/>
-          </a:lnRef>
-          <a:fillRef idx="0">
-            <a:schemeClr val="dk1"/>
-          </a:fillRef>
-          <a:effectRef idx="0">
-            <a:schemeClr val="dk1"/>
-          </a:effectRef>
-          <a:fontRef idx="minor">
-            <a:schemeClr val="tx1"/>
-          </a:fontRef>
-        </p:style>
-      </p:cxnSp>
-      <p:sp>
-        <p:nvSpPr>
-          <p:cNvPr id="28" name="CuadroTexto 27"/>
-          <p:cNvSpPr txBox="1"/>
-          <p:nvPr/>
-        </p:nvSpPr>
-        <p:spPr>
-          <a:xfrm rot="5400000">
-            <a:off x="7153249" y="4366347"/>
-            <a:ext cx="814647" cy="461665"/>
-          </a:xfrm>
-          <a:prstGeom prst="rect">
-            <a:avLst/>
-          </a:prstGeom>
-          <a:noFill/>
-        </p:spPr>
-        <p:txBody>
-          <a:bodyPr wrap="none" rtlCol="0">
-            <a:spAutoFit/>
-          </a:bodyPr>
-          <a:lstStyle/>
-          <a:p>
-            <a:pPr algn="ctr"/>
-            <a:r>
-              <a:rPr lang="es-PE" sz="1200" dirty="0"/>
-              <a:t>Método</a:t>
-            </a:r>
-          </a:p>
-          <a:p>
-            <a:pPr algn="ctr"/>
-            <a:r>
-              <a:rPr lang="es-PE" sz="1200" dirty="0"/>
-              <a:t>de solución</a:t>
-            </a:r>
-          </a:p>
-        </p:txBody>
-      </p:sp>
-      <p:sp>
-        <p:nvSpPr>
-          <p:cNvPr id="29" name="CuadroTexto 28"/>
-          <p:cNvSpPr txBox="1"/>
-          <p:nvPr/>
-        </p:nvSpPr>
-        <p:spPr>
-          <a:xfrm>
-            <a:off x="5384426" y="5183614"/>
-            <a:ext cx="1111458" cy="307777"/>
-          </a:xfrm>
-          <a:prstGeom prst="rect">
-            <a:avLst/>
-          </a:prstGeom>
-          <a:noFill/>
-        </p:spPr>
-        <p:txBody>
-          <a:bodyPr wrap="none" rtlCol="0">
-            <a:spAutoFit/>
-          </a:bodyPr>
-          <a:lstStyle/>
-          <a:p>
-            <a:pPr algn="ctr"/>
-            <a:r>
-              <a:rPr lang="es-PE" sz="1400" dirty="0"/>
-              <a:t>Interpretación</a:t>
-            </a:r>
-          </a:p>
-        </p:txBody>
-      </p:sp>
-      <p:sp>
-        <p:nvSpPr>
-          <p:cNvPr id="30" name="CuadroTexto 29"/>
-          <p:cNvSpPr txBox="1"/>
-          <p:nvPr/>
-        </p:nvSpPr>
-        <p:spPr>
-          <a:xfrm>
-            <a:off x="2693257" y="5183614"/>
-            <a:ext cx="877164" cy="307777"/>
-          </a:xfrm>
-          <a:prstGeom prst="rect">
-            <a:avLst/>
-          </a:prstGeom>
-          <a:noFill/>
-        </p:spPr>
-        <p:txBody>
-          <a:bodyPr wrap="none" rtlCol="0">
-            <a:spAutoFit/>
-          </a:bodyPr>
-          <a:lstStyle/>
-          <a:p>
-            <a:pPr algn="ctr"/>
-            <a:r>
-              <a:rPr lang="es-PE" sz="1400" dirty="0"/>
-              <a:t>Decisiones</a:t>
-            </a:r>
-          </a:p>
-        </p:txBody>
-      </p:sp>
-      <p:sp>
-        <p:nvSpPr>
-          <p:cNvPr id="31" name="CuadroTexto 30"/>
-          <p:cNvSpPr txBox="1"/>
-          <p:nvPr/>
-        </p:nvSpPr>
-        <p:spPr>
-          <a:xfrm rot="5400000">
-            <a:off x="1287402" y="4458681"/>
-            <a:ext cx="1085554" cy="276999"/>
-          </a:xfrm>
-          <a:prstGeom prst="rect">
-            <a:avLst/>
-          </a:prstGeom>
-          <a:noFill/>
-        </p:spPr>
-        <p:txBody>
-          <a:bodyPr wrap="none" rtlCol="0">
-            <a:spAutoFit/>
-          </a:bodyPr>
-          <a:lstStyle/>
-          <a:p>
-            <a:pPr algn="ctr"/>
-            <a:r>
-              <a:rPr lang="es-PE" sz="1200" dirty="0"/>
-              <a:t>Implementación</a:t>
+            <a:pPr marL="285750" indent="-285750" algn="just">
+              <a:buFont typeface="Arial" panose="020B0604020202020204" pitchFamily="34" charset="0"/>
+              <a:buChar char="•"/>
+            </a:pPr>
+            <a:r>
+              <a:rPr lang="es-PE" sz="2400" dirty="0"/>
+              <a:t>Definición de:</a:t>
+            </a:r>
+          </a:p>
+          <a:p>
+            <a:pPr marL="742950" lvl="1" indent="-285750" algn="just">
+              <a:buFont typeface="Arial" panose="020B0604020202020204" pitchFamily="34" charset="0"/>
+              <a:buChar char="•"/>
+            </a:pPr>
+            <a:r>
+              <a:rPr lang="es-PE" sz="2400" dirty="0"/>
+              <a:t>Función objetivo</a:t>
+            </a:r>
+          </a:p>
+          <a:p>
+            <a:pPr marL="742950" lvl="1" indent="-285750" algn="just">
+              <a:buFont typeface="Arial" panose="020B0604020202020204" pitchFamily="34" charset="0"/>
+              <a:buChar char="•"/>
+            </a:pPr>
+            <a:r>
+              <a:rPr lang="es-PE" sz="2400" dirty="0"/>
+              <a:t>Variables</a:t>
+            </a:r>
+          </a:p>
+          <a:p>
+            <a:pPr marL="742950" lvl="1" indent="-285750" algn="just">
+              <a:buFont typeface="Arial" panose="020B0604020202020204" pitchFamily="34" charset="0"/>
+              <a:buChar char="•"/>
+            </a:pPr>
+            <a:r>
+              <a:rPr lang="es-PE" sz="2400" dirty="0"/>
+              <a:t>Restricciones</a:t>
+            </a:r>
+          </a:p>
+          <a:p>
+            <a:pPr marL="742950" lvl="1" indent="-285750" algn="just">
+              <a:buFont typeface="Arial" panose="020B0604020202020204" pitchFamily="34" charset="0"/>
+              <a:buChar char="•"/>
+            </a:pPr>
+            <a:r>
+              <a:rPr lang="es-PE" sz="2400" dirty="0"/>
+              <a:t>Parámetros</a:t>
+            </a:r>
+          </a:p>
+          <a:p>
+            <a:pPr marL="285750" indent="-285750" algn="just">
+              <a:buFont typeface="Arial" panose="020B0604020202020204" pitchFamily="34" charset="0"/>
+              <a:buChar char="•"/>
+            </a:pPr>
+            <a:r>
+              <a:rPr lang="es-PE" sz="2400" dirty="0"/>
+              <a:t>Es importante tener en cuenta la </a:t>
+            </a:r>
+            <a:r>
+              <a:rPr lang="es-PE" sz="2400" b="1" dirty="0"/>
+              <a:t>delimitación del problema</a:t>
+            </a:r>
+            <a:r>
+              <a:rPr lang="es-PE" sz="2400" dirty="0"/>
+              <a:t> en orden de mantener la complejidad del problema</a:t>
+            </a:r>
+          </a:p>
+          <a:p>
+            <a:pPr marL="285750" indent="-285750" algn="just">
+              <a:buFont typeface="Arial" panose="020B0604020202020204" pitchFamily="34" charset="0"/>
+              <a:buChar char="•"/>
+            </a:pPr>
+            <a:r>
+              <a:rPr lang="es-PE" sz="2400" dirty="0"/>
+              <a:t>Identificación del tipo de problema de optimización:</a:t>
+            </a:r>
+          </a:p>
+          <a:p>
+            <a:pPr marL="742950" lvl="1" indent="-285750" algn="just">
+              <a:buFont typeface="Arial" panose="020B0604020202020204" pitchFamily="34" charset="0"/>
+              <a:buChar char="•"/>
+            </a:pPr>
+            <a:r>
+              <a:rPr lang="es-PE" sz="2400" dirty="0"/>
+              <a:t>Programación lineal</a:t>
+            </a:r>
+          </a:p>
+          <a:p>
+            <a:pPr marL="742950" lvl="1" indent="-285750" algn="just">
+              <a:buFont typeface="Arial" panose="020B0604020202020204" pitchFamily="34" charset="0"/>
+              <a:buChar char="•"/>
+            </a:pPr>
+            <a:r>
+              <a:rPr lang="es-PE" sz="2400" dirty="0"/>
+              <a:t>Programación no lineal</a:t>
+            </a:r>
+          </a:p>
+          <a:p>
+            <a:pPr marL="742950" lvl="1" indent="-285750" algn="just">
+              <a:buFont typeface="Arial" panose="020B0604020202020204" pitchFamily="34" charset="0"/>
+              <a:buChar char="•"/>
+            </a:pPr>
+            <a:r>
+              <a:rPr lang="es-PE" sz="2400" dirty="0"/>
+              <a:t>Programación cuadrática con restricciones cuadráticas</a:t>
+            </a:r>
+          </a:p>
+          <a:p>
+            <a:pPr marL="742950" lvl="1" indent="-285750" algn="just">
+              <a:buFont typeface="Arial" panose="020B0604020202020204" pitchFamily="34" charset="0"/>
+              <a:buChar char="•"/>
+            </a:pPr>
+            <a:r>
+              <a:rPr lang="es-PE" sz="2400" dirty="0"/>
+              <a:t>Programación cónica de segundo orden</a:t>
+            </a:r>
+          </a:p>
+          <a:p>
+            <a:pPr marL="742950" lvl="1" indent="-285750" algn="just">
+              <a:buFont typeface="Arial" panose="020B0604020202020204" pitchFamily="34" charset="0"/>
+              <a:buChar char="•"/>
+            </a:pPr>
+            <a:r>
+              <a:rPr lang="es-PE" sz="2400" dirty="0"/>
+              <a:t>Programación semidefinida</a:t>
             </a:r>
           </a:p>
         </p:txBody>
@@ -9038,7 +11152,7 @@
     </p:spTree>
     <p:extLst>
       <p:ext uri="{BB962C8B-B14F-4D97-AF65-F5344CB8AC3E}">
-        <p14:creationId xmlns:p14="http://schemas.microsoft.com/office/powerpoint/2010/main" val="1200918865"/>
+        <p14:creationId xmlns:p14="http://schemas.microsoft.com/office/powerpoint/2010/main" val="3917937643"/>
       </p:ext>
     </p:extLst>
   </p:cSld>

--- a/1. Lectures/Introducción a la Optimización aplicada a Sistemas de Energía Eléctrica/Dia 1/2. Modelamiento & Optimización.pptx
+++ b/1. Lectures/Introducción a la Optimización aplicada a Sistemas de Energía Eléctrica/Dia 1/2. Modelamiento & Optimización.pptx
@@ -5,10 +5,10 @@
     <p:sldMasterId id="2147483732" r:id="rId1"/>
   </p:sldMasterIdLst>
   <p:notesMasterIdLst>
-    <p:notesMasterId r:id="rId10"/>
+    <p:notesMasterId r:id="rId21"/>
   </p:notesMasterIdLst>
   <p:handoutMasterIdLst>
-    <p:handoutMasterId r:id="rId11"/>
+    <p:handoutMasterId r:id="rId22"/>
   </p:handoutMasterIdLst>
   <p:sldIdLst>
     <p:sldId id="256" r:id="rId2"/>
@@ -19,6 +19,17 @@
     <p:sldId id="399" r:id="rId7"/>
     <p:sldId id="395" r:id="rId8"/>
     <p:sldId id="398" r:id="rId9"/>
+    <p:sldId id="400" r:id="rId10"/>
+    <p:sldId id="401" r:id="rId11"/>
+    <p:sldId id="402" r:id="rId12"/>
+    <p:sldId id="403" r:id="rId13"/>
+    <p:sldId id="405" r:id="rId14"/>
+    <p:sldId id="406" r:id="rId15"/>
+    <p:sldId id="410" r:id="rId16"/>
+    <p:sldId id="407" r:id="rId17"/>
+    <p:sldId id="408" r:id="rId18"/>
+    <p:sldId id="409" r:id="rId19"/>
+    <p:sldId id="411" r:id="rId20"/>
   </p:sldIdLst>
   <p:sldSz cx="9144000" cy="6858000" type="screen4x3"/>
   <p:notesSz cx="6858000" cy="9144000"/>
@@ -130,6 +141,17 @@
             <p14:sldId id="399"/>
             <p14:sldId id="395"/>
             <p14:sldId id="398"/>
+            <p14:sldId id="400"/>
+            <p14:sldId id="401"/>
+            <p14:sldId id="402"/>
+            <p14:sldId id="403"/>
+            <p14:sldId id="405"/>
+            <p14:sldId id="406"/>
+            <p14:sldId id="410"/>
+            <p14:sldId id="407"/>
+            <p14:sldId id="408"/>
+            <p14:sldId id="409"/>
+            <p14:sldId id="411"/>
           </p14:sldIdLst>
         </p14:section>
       </p14:sectionLst>
@@ -305,7 +327,7 @@
             <a:fld id="{27A565BD-2940-4473-877F-C1308FF5E531}" type="slidenum">
               <a:rPr lang="es-ES" smtClean="0"/>
               <a:pPr/>
-              <a:t>‹Nº›</a:t>
+              <a:t>‹#›</a:t>
             </a:fld>
             <a:endParaRPr lang="es-ES"/>
           </a:p>
@@ -568,7 +590,7 @@
             <a:fld id="{8AD6E850-6E96-4E89-86F1-2DE46BB95531}" type="slidenum">
               <a:rPr lang="es-ES" smtClean="0"/>
               <a:pPr/>
-              <a:t>‹Nº›</a:t>
+              <a:t>‹#›</a:t>
             </a:fld>
             <a:endParaRPr lang="es-ES"/>
           </a:p>
@@ -990,7 +1012,7 @@
             <a:fld id="{64BD7E74-CBD2-4D88-9109-2EA8081AE675}" type="slidenum">
               <a:rPr lang="es-ES" smtClean="0"/>
               <a:pPr/>
-              <a:t>‹Nº›</a:t>
+              <a:t>‹#›</a:t>
             </a:fld>
             <a:endParaRPr lang="es-ES"/>
           </a:p>
@@ -1420,7 +1442,7 @@
             <a:fld id="{64BD7E74-CBD2-4D88-9109-2EA8081AE675}" type="slidenum">
               <a:rPr lang="es-ES" smtClean="0"/>
               <a:pPr/>
-              <a:t>‹Nº›</a:t>
+              <a:t>‹#›</a:t>
             </a:fld>
             <a:endParaRPr lang="es-ES"/>
           </a:p>
@@ -1611,7 +1633,7 @@
             <a:fld id="{64BD7E74-CBD2-4D88-9109-2EA8081AE675}" type="slidenum">
               <a:rPr lang="es-ES" smtClean="0"/>
               <a:pPr/>
-              <a:t>‹Nº›</a:t>
+              <a:t>‹#›</a:t>
             </a:fld>
             <a:endParaRPr lang="es-ES"/>
           </a:p>
@@ -1749,7 +1771,7 @@
             <a:fld id="{64BD7E74-CBD2-4D88-9109-2EA8081AE675}" type="slidenum">
               <a:rPr lang="es-ES" smtClean="0"/>
               <a:pPr/>
-              <a:t>‹Nº›</a:t>
+              <a:t>‹#›</a:t>
             </a:fld>
             <a:endParaRPr lang="es-ES"/>
           </a:p>
@@ -2270,7 +2292,7 @@
             <a:fld id="{64BD7E74-CBD2-4D88-9109-2EA8081AE675}" type="slidenum">
               <a:rPr lang="es-ES" smtClean="0"/>
               <a:pPr/>
-              <a:t>‹Nº›</a:t>
+              <a:t>‹#›</a:t>
             </a:fld>
             <a:endParaRPr lang="es-ES"/>
           </a:p>
@@ -2399,7 +2421,7 @@
             <a:fld id="{64BD7E74-CBD2-4D88-9109-2EA8081AE675}" type="slidenum">
               <a:rPr lang="es-ES" smtClean="0"/>
               <a:pPr/>
-              <a:t>‹Nº›</a:t>
+              <a:t>‹#›</a:t>
             </a:fld>
             <a:endParaRPr lang="es-ES"/>
           </a:p>
@@ -2777,7 +2799,7 @@
             <a:fld id="{64BD7E74-CBD2-4D88-9109-2EA8081AE675}" type="slidenum">
               <a:rPr lang="es-ES" smtClean="0"/>
               <a:pPr/>
-              <a:t>‹Nº›</a:t>
+              <a:t>‹#›</a:t>
             </a:fld>
             <a:endParaRPr lang="es-ES"/>
           </a:p>
@@ -3030,7 +3052,7 @@
             <a:fld id="{64BD7E74-CBD2-4D88-9109-2EA8081AE675}" type="slidenum">
               <a:rPr lang="es-ES" smtClean="0"/>
               <a:pPr/>
-              <a:t>‹Nº›</a:t>
+              <a:t>‹#›</a:t>
             </a:fld>
             <a:endParaRPr lang="es-ES"/>
           </a:p>
@@ -3166,7 +3188,7 @@
             <a:fld id="{64BD7E74-CBD2-4D88-9109-2EA8081AE675}" type="slidenum">
               <a:rPr lang="es-ES" smtClean="0"/>
               <a:pPr/>
-              <a:t>‹Nº›</a:t>
+              <a:t>‹#›</a:t>
             </a:fld>
             <a:endParaRPr lang="es-ES"/>
           </a:p>
@@ -3449,7 +3471,7 @@
             <a:fld id="{64BD7E74-CBD2-4D88-9109-2EA8081AE675}" type="slidenum">
               <a:rPr lang="es-ES" smtClean="0"/>
               <a:pPr/>
-              <a:t>‹Nº›</a:t>
+              <a:t>‹#›</a:t>
             </a:fld>
             <a:endParaRPr lang="es-ES"/>
           </a:p>
@@ -3698,7 +3720,7 @@
             <a:fld id="{64BD7E74-CBD2-4D88-9109-2EA8081AE675}" type="slidenum">
               <a:rPr lang="es-ES" smtClean="0"/>
               <a:pPr/>
-              <a:t>‹Nº›</a:t>
+              <a:t>‹#›</a:t>
             </a:fld>
             <a:endParaRPr lang="es-ES"/>
           </a:p>
@@ -4170,7 +4192,7 @@
             <a:fld id="{64BD7E74-CBD2-4D88-9109-2EA8081AE675}" type="slidenum">
               <a:rPr lang="es-ES" smtClean="0"/>
               <a:pPr/>
-              <a:t>‹Nº›</a:t>
+              <a:t>‹#›</a:t>
             </a:fld>
             <a:endParaRPr lang="es-ES" dirty="0"/>
           </a:p>
@@ -4711,7 +4733,7 @@
                 </a:solidFill>
                 <a:latin typeface="Bookman Old Style" panose="02050604050505020204" pitchFamily="18" charset="0"/>
               </a:rPr>
-              <a:t>Modelamiento e Optimización</a:t>
+              <a:t>Modelamiento y Optimización</a:t>
             </a:r>
             <a:endParaRPr lang="es-PE" sz="2400" cap="small" dirty="0">
               <a:solidFill>
@@ -5241,6 +5263,2407 @@
       <p:transition/>
     </mc:Fallback>
   </mc:AlternateContent>
+</p:sld>
+</file>
+
+<file path=ppt/slides/slide10.xml><?xml version="1.0" encoding="utf-8"?>
+<p:sld xmlns:a="http://schemas.openxmlformats.org/drawingml/2006/main" xmlns:r="http://schemas.openxmlformats.org/officeDocument/2006/relationships" xmlns:p="http://schemas.openxmlformats.org/presentationml/2006/main">
+  <p:cSld>
+    <p:spTree>
+      <p:nvGrpSpPr>
+        <p:cNvPr id="1" name=""/>
+        <p:cNvGrpSpPr/>
+        <p:nvPr/>
+      </p:nvGrpSpPr>
+      <p:grpSpPr>
+        <a:xfrm>
+          <a:off x="0" y="0"/>
+          <a:ext cx="0" cy="0"/>
+          <a:chOff x="0" y="0"/>
+          <a:chExt cx="0" cy="0"/>
+        </a:xfrm>
+      </p:grpSpPr>
+      <p:sp>
+        <p:nvSpPr>
+          <p:cNvPr id="2" name="Marcador de número de diapositiva 1"/>
+          <p:cNvSpPr>
+            <a:spLocks noGrp="1"/>
+          </p:cNvSpPr>
+          <p:nvPr>
+            <p:ph type="sldNum" sz="quarter" idx="12"/>
+          </p:nvPr>
+        </p:nvSpPr>
+        <p:spPr/>
+        <p:txBody>
+          <a:bodyPr/>
+          <a:lstStyle/>
+          <a:p>
+            <a:fld id="{64BD7E74-CBD2-4D88-9109-2EA8081AE675}" type="slidenum">
+              <a:rPr lang="es-ES" smtClean="0"/>
+              <a:pPr/>
+              <a:t>10</a:t>
+            </a:fld>
+            <a:endParaRPr lang="es-ES"/>
+          </a:p>
+        </p:txBody>
+      </p:sp>
+      <p:sp>
+        <p:nvSpPr>
+          <p:cNvPr id="3" name="4 Título"/>
+          <p:cNvSpPr txBox="1">
+            <a:spLocks/>
+          </p:cNvSpPr>
+          <p:nvPr/>
+        </p:nvSpPr>
+        <p:spPr>
+          <a:xfrm>
+            <a:off x="611560" y="188640"/>
+            <a:ext cx="8784976" cy="457120"/>
+          </a:xfrm>
+          <a:prstGeom prst="rect">
+            <a:avLst/>
+          </a:prstGeom>
+        </p:spPr>
+        <p:txBody>
+          <a:bodyPr bIns="91440" anchor="b" anchorCtr="0">
+            <a:noAutofit/>
+          </a:bodyPr>
+          <a:lstStyle>
+            <a:lvl1pPr>
+              <a:spcBef>
+                <a:spcPct val="0"/>
+              </a:spcBef>
+              <a:buNone/>
+              <a:defRPr kumimoji="0" sz="2400">
+                <a:ln w="0"/>
+                <a:solidFill>
+                  <a:schemeClr val="tx2"/>
+                </a:solidFill>
+                <a:effectLst>
+                  <a:outerShdw blurRad="38100" dist="19050" dir="2700000" algn="tl" rotWithShape="0">
+                    <a:schemeClr val="dk1">
+                      <a:alpha val="40000"/>
+                    </a:schemeClr>
+                  </a:outerShdw>
+                </a:effectLst>
+                <a:latin typeface="+mj-lt"/>
+                <a:ea typeface="+mj-ea"/>
+                <a:cs typeface="+mj-cs"/>
+              </a:defRPr>
+            </a:lvl1pPr>
+          </a:lstStyle>
+          <a:p>
+            <a:r>
+              <a:rPr lang="es-PE" altLang="en-US" dirty="0"/>
+              <a:t>Componentes de un problema de optimización</a:t>
+            </a:r>
+          </a:p>
+        </p:txBody>
+      </p:sp>
+      <p:sp>
+        <p:nvSpPr>
+          <p:cNvPr id="5" name="CuadroTexto 4"/>
+          <p:cNvSpPr txBox="1"/>
+          <p:nvPr/>
+        </p:nvSpPr>
+        <p:spPr>
+          <a:xfrm>
+            <a:off x="602191" y="836712"/>
+            <a:ext cx="8002257" cy="2246769"/>
+          </a:xfrm>
+          <a:prstGeom prst="rect">
+            <a:avLst/>
+          </a:prstGeom>
+          <a:noFill/>
+        </p:spPr>
+        <p:txBody>
+          <a:bodyPr wrap="square" rtlCol="0">
+            <a:spAutoFit/>
+          </a:bodyPr>
+          <a:lstStyle/>
+          <a:p>
+            <a:pPr marL="285750" indent="-285750">
+              <a:buFont typeface="Arial" panose="020B0604020202020204" pitchFamily="34" charset="0"/>
+              <a:buChar char="•"/>
+            </a:pPr>
+            <a:r>
+              <a:rPr lang="es-MX" sz="2000" dirty="0"/>
+              <a:t>Definición: Proceso de abstracción de la realidad hacia formas matemáticas para representar partes de ella.</a:t>
+            </a:r>
+          </a:p>
+          <a:p>
+            <a:pPr marL="285750" indent="-285750">
+              <a:buFont typeface="Arial" panose="020B0604020202020204" pitchFamily="34" charset="0"/>
+              <a:buChar char="•"/>
+            </a:pPr>
+            <a:r>
+              <a:rPr lang="es-MX" sz="2000" dirty="0"/>
+              <a:t>Entonces: </a:t>
+            </a:r>
+          </a:p>
+          <a:p>
+            <a:pPr marL="742950" lvl="1" indent="-285750">
+              <a:buFont typeface="Arial" panose="020B0604020202020204" pitchFamily="34" charset="0"/>
+              <a:buChar char="•"/>
+            </a:pPr>
+            <a:r>
+              <a:rPr lang="es-MX" sz="2000" dirty="0"/>
+              <a:t>Representación simplificada de una realidad</a:t>
+            </a:r>
+          </a:p>
+          <a:p>
+            <a:pPr marL="742950" lvl="1" indent="-285750">
+              <a:buFont typeface="Arial" panose="020B0604020202020204" pitchFamily="34" charset="0"/>
+              <a:buChar char="•"/>
+            </a:pPr>
+            <a:r>
+              <a:rPr lang="es-MX" sz="2000" dirty="0"/>
+              <a:t>Herramienta ayuda para la toma de decisiones</a:t>
+            </a:r>
+          </a:p>
+          <a:p>
+            <a:pPr marL="285750" indent="-285750">
+              <a:buFont typeface="Arial" panose="020B0604020202020204" pitchFamily="34" charset="0"/>
+              <a:buChar char="•"/>
+            </a:pPr>
+            <a:r>
+              <a:rPr lang="es-MX" sz="2000" dirty="0"/>
+              <a:t>Modelador: desarrollo del modelo.</a:t>
+            </a:r>
+          </a:p>
+          <a:p>
+            <a:pPr marL="285750" indent="-285750">
+              <a:buFont typeface="Arial" panose="020B0604020202020204" pitchFamily="34" charset="0"/>
+              <a:buChar char="•"/>
+            </a:pPr>
+            <a:r>
+              <a:rPr lang="es-MX" sz="2000" dirty="0"/>
+              <a:t>Experto: conocimiento de la realidad del problema</a:t>
+            </a:r>
+          </a:p>
+        </p:txBody>
+      </p:sp>
+    </p:spTree>
+    <p:extLst>
+      <p:ext uri="{BB962C8B-B14F-4D97-AF65-F5344CB8AC3E}">
+        <p14:creationId xmlns:p14="http://schemas.microsoft.com/office/powerpoint/2010/main" val="3646703861"/>
+      </p:ext>
+    </p:extLst>
+  </p:cSld>
+  <p:clrMapOvr>
+    <a:masterClrMapping/>
+  </p:clrMapOvr>
+  <p:transition spd="slow">
+    <p:fade/>
+  </p:transition>
+</p:sld>
+</file>
+
+<file path=ppt/slides/slide11.xml><?xml version="1.0" encoding="utf-8"?>
+<p:sld xmlns:a="http://schemas.openxmlformats.org/drawingml/2006/main" xmlns:r="http://schemas.openxmlformats.org/officeDocument/2006/relationships" xmlns:p="http://schemas.openxmlformats.org/presentationml/2006/main">
+  <p:cSld>
+    <p:spTree>
+      <p:nvGrpSpPr>
+        <p:cNvPr id="1" name=""/>
+        <p:cNvGrpSpPr/>
+        <p:nvPr/>
+      </p:nvGrpSpPr>
+      <p:grpSpPr>
+        <a:xfrm>
+          <a:off x="0" y="0"/>
+          <a:ext cx="0" cy="0"/>
+          <a:chOff x="0" y="0"/>
+          <a:chExt cx="0" cy="0"/>
+        </a:xfrm>
+      </p:grpSpPr>
+      <p:sp>
+        <p:nvSpPr>
+          <p:cNvPr id="2" name="Marcador de número de diapositiva 1"/>
+          <p:cNvSpPr>
+            <a:spLocks noGrp="1"/>
+          </p:cNvSpPr>
+          <p:nvPr>
+            <p:ph type="sldNum" sz="quarter" idx="12"/>
+          </p:nvPr>
+        </p:nvSpPr>
+        <p:spPr/>
+        <p:txBody>
+          <a:bodyPr/>
+          <a:lstStyle/>
+          <a:p>
+            <a:fld id="{64BD7E74-CBD2-4D88-9109-2EA8081AE675}" type="slidenum">
+              <a:rPr lang="es-ES" smtClean="0"/>
+              <a:pPr/>
+              <a:t>11</a:t>
+            </a:fld>
+            <a:endParaRPr lang="es-ES"/>
+          </a:p>
+        </p:txBody>
+      </p:sp>
+      <p:sp>
+        <p:nvSpPr>
+          <p:cNvPr id="3" name="4 Título"/>
+          <p:cNvSpPr txBox="1">
+            <a:spLocks/>
+          </p:cNvSpPr>
+          <p:nvPr/>
+        </p:nvSpPr>
+        <p:spPr>
+          <a:xfrm>
+            <a:off x="611560" y="188640"/>
+            <a:ext cx="8784976" cy="457120"/>
+          </a:xfrm>
+          <a:prstGeom prst="rect">
+            <a:avLst/>
+          </a:prstGeom>
+        </p:spPr>
+        <p:txBody>
+          <a:bodyPr bIns="91440" anchor="b" anchorCtr="0">
+            <a:noAutofit/>
+          </a:bodyPr>
+          <a:lstStyle>
+            <a:lvl1pPr>
+              <a:spcBef>
+                <a:spcPct val="0"/>
+              </a:spcBef>
+              <a:buNone/>
+              <a:defRPr kumimoji="0" sz="2400">
+                <a:ln w="0"/>
+                <a:solidFill>
+                  <a:schemeClr val="tx2"/>
+                </a:solidFill>
+                <a:effectLst>
+                  <a:outerShdw blurRad="38100" dist="19050" dir="2700000" algn="tl" rotWithShape="0">
+                    <a:schemeClr val="dk1">
+                      <a:alpha val="40000"/>
+                    </a:schemeClr>
+                  </a:outerShdw>
+                </a:effectLst>
+                <a:latin typeface="+mj-lt"/>
+                <a:ea typeface="+mj-ea"/>
+                <a:cs typeface="+mj-cs"/>
+              </a:defRPr>
+            </a:lvl1pPr>
+          </a:lstStyle>
+          <a:p>
+            <a:r>
+              <a:rPr lang="es-PE" altLang="en-US" dirty="0"/>
+              <a:t>Forma general de un problema de optimización</a:t>
+            </a:r>
+          </a:p>
+        </p:txBody>
+      </p:sp>
+      <p:sp>
+        <p:nvSpPr>
+          <p:cNvPr id="5" name="CuadroTexto 4"/>
+          <p:cNvSpPr txBox="1"/>
+          <p:nvPr/>
+        </p:nvSpPr>
+        <p:spPr>
+          <a:xfrm>
+            <a:off x="602191" y="836712"/>
+            <a:ext cx="8002257" cy="2246769"/>
+          </a:xfrm>
+          <a:prstGeom prst="rect">
+            <a:avLst/>
+          </a:prstGeom>
+          <a:noFill/>
+        </p:spPr>
+        <p:txBody>
+          <a:bodyPr wrap="square" rtlCol="0">
+            <a:spAutoFit/>
+          </a:bodyPr>
+          <a:lstStyle/>
+          <a:p>
+            <a:pPr marL="285750" indent="-285750">
+              <a:buFont typeface="Arial" panose="020B0604020202020204" pitchFamily="34" charset="0"/>
+              <a:buChar char="•"/>
+            </a:pPr>
+            <a:r>
+              <a:rPr lang="es-MX" sz="2000" dirty="0"/>
+              <a:t>Definición: Proceso de abstracción de la realidad hacia formas matemáticas para representar partes de ella.</a:t>
+            </a:r>
+          </a:p>
+          <a:p>
+            <a:pPr marL="285750" indent="-285750">
+              <a:buFont typeface="Arial" panose="020B0604020202020204" pitchFamily="34" charset="0"/>
+              <a:buChar char="•"/>
+            </a:pPr>
+            <a:r>
+              <a:rPr lang="es-MX" sz="2000" dirty="0"/>
+              <a:t>Entonces: </a:t>
+            </a:r>
+          </a:p>
+          <a:p>
+            <a:pPr marL="742950" lvl="1" indent="-285750">
+              <a:buFont typeface="Arial" panose="020B0604020202020204" pitchFamily="34" charset="0"/>
+              <a:buChar char="•"/>
+            </a:pPr>
+            <a:r>
+              <a:rPr lang="es-MX" sz="2000" dirty="0"/>
+              <a:t>Representación simplificada de una realidad</a:t>
+            </a:r>
+          </a:p>
+          <a:p>
+            <a:pPr marL="742950" lvl="1" indent="-285750">
+              <a:buFont typeface="Arial" panose="020B0604020202020204" pitchFamily="34" charset="0"/>
+              <a:buChar char="•"/>
+            </a:pPr>
+            <a:r>
+              <a:rPr lang="es-MX" sz="2000" dirty="0"/>
+              <a:t>Herramienta ayuda para la toma de decisiones</a:t>
+            </a:r>
+          </a:p>
+          <a:p>
+            <a:pPr marL="285750" indent="-285750">
+              <a:buFont typeface="Arial" panose="020B0604020202020204" pitchFamily="34" charset="0"/>
+              <a:buChar char="•"/>
+            </a:pPr>
+            <a:r>
+              <a:rPr lang="es-MX" sz="2000" dirty="0"/>
+              <a:t>Modelador: desarrollo del modelo.</a:t>
+            </a:r>
+          </a:p>
+          <a:p>
+            <a:pPr marL="285750" indent="-285750">
+              <a:buFont typeface="Arial" panose="020B0604020202020204" pitchFamily="34" charset="0"/>
+              <a:buChar char="•"/>
+            </a:pPr>
+            <a:r>
+              <a:rPr lang="es-MX" sz="2000" dirty="0"/>
+              <a:t>Experto: conocimiento de la realidad del problema</a:t>
+            </a:r>
+          </a:p>
+        </p:txBody>
+      </p:sp>
+    </p:spTree>
+    <p:extLst>
+      <p:ext uri="{BB962C8B-B14F-4D97-AF65-F5344CB8AC3E}">
+        <p14:creationId xmlns:p14="http://schemas.microsoft.com/office/powerpoint/2010/main" val="139083124"/>
+      </p:ext>
+    </p:extLst>
+  </p:cSld>
+  <p:clrMapOvr>
+    <a:masterClrMapping/>
+  </p:clrMapOvr>
+  <p:transition spd="slow">
+    <p:fade/>
+  </p:transition>
+</p:sld>
+</file>
+
+<file path=ppt/slides/slide12.xml><?xml version="1.0" encoding="utf-8"?>
+<p:sld xmlns:a="http://schemas.openxmlformats.org/drawingml/2006/main" xmlns:r="http://schemas.openxmlformats.org/officeDocument/2006/relationships" xmlns:p="http://schemas.openxmlformats.org/presentationml/2006/main">
+  <p:cSld>
+    <p:spTree>
+      <p:nvGrpSpPr>
+        <p:cNvPr id="1" name=""/>
+        <p:cNvGrpSpPr/>
+        <p:nvPr/>
+      </p:nvGrpSpPr>
+      <p:grpSpPr>
+        <a:xfrm>
+          <a:off x="0" y="0"/>
+          <a:ext cx="0" cy="0"/>
+          <a:chOff x="0" y="0"/>
+          <a:chExt cx="0" cy="0"/>
+        </a:xfrm>
+      </p:grpSpPr>
+      <p:sp>
+        <p:nvSpPr>
+          <p:cNvPr id="2" name="Marcador de número de diapositiva 1"/>
+          <p:cNvSpPr>
+            <a:spLocks noGrp="1"/>
+          </p:cNvSpPr>
+          <p:nvPr>
+            <p:ph type="sldNum" sz="quarter" idx="12"/>
+          </p:nvPr>
+        </p:nvSpPr>
+        <p:spPr/>
+        <p:txBody>
+          <a:bodyPr/>
+          <a:lstStyle/>
+          <a:p>
+            <a:fld id="{64BD7E74-CBD2-4D88-9109-2EA8081AE675}" type="slidenum">
+              <a:rPr lang="es-ES" smtClean="0"/>
+              <a:pPr/>
+              <a:t>12</a:t>
+            </a:fld>
+            <a:endParaRPr lang="es-ES"/>
+          </a:p>
+        </p:txBody>
+      </p:sp>
+      <p:sp>
+        <p:nvSpPr>
+          <p:cNvPr id="3" name="4 Título"/>
+          <p:cNvSpPr txBox="1">
+            <a:spLocks/>
+          </p:cNvSpPr>
+          <p:nvPr/>
+        </p:nvSpPr>
+        <p:spPr>
+          <a:xfrm>
+            <a:off x="611560" y="188640"/>
+            <a:ext cx="8784976" cy="457120"/>
+          </a:xfrm>
+          <a:prstGeom prst="rect">
+            <a:avLst/>
+          </a:prstGeom>
+        </p:spPr>
+        <p:txBody>
+          <a:bodyPr bIns="91440" anchor="b" anchorCtr="0">
+            <a:noAutofit/>
+          </a:bodyPr>
+          <a:lstStyle>
+            <a:lvl1pPr>
+              <a:spcBef>
+                <a:spcPct val="0"/>
+              </a:spcBef>
+              <a:buNone/>
+              <a:defRPr kumimoji="0" sz="2400">
+                <a:ln w="0"/>
+                <a:solidFill>
+                  <a:schemeClr val="tx2"/>
+                </a:solidFill>
+                <a:effectLst>
+                  <a:outerShdw blurRad="38100" dist="19050" dir="2700000" algn="tl" rotWithShape="0">
+                    <a:schemeClr val="dk1">
+                      <a:alpha val="40000"/>
+                    </a:schemeClr>
+                  </a:outerShdw>
+                </a:effectLst>
+                <a:latin typeface="+mj-lt"/>
+                <a:ea typeface="+mj-ea"/>
+                <a:cs typeface="+mj-cs"/>
+              </a:defRPr>
+            </a:lvl1pPr>
+          </a:lstStyle>
+          <a:p>
+            <a:r>
+              <a:rPr lang="es-PE" altLang="en-US" dirty="0"/>
+              <a:t>Tipos de problemas de optimización</a:t>
+            </a:r>
+          </a:p>
+        </p:txBody>
+      </p:sp>
+      <p:pic>
+        <p:nvPicPr>
+          <p:cNvPr id="4" name="Picture 3">
+            <a:extLst>
+              <a:ext uri="{FF2B5EF4-FFF2-40B4-BE49-F238E27FC236}">
+                <a16:creationId xmlns:a16="http://schemas.microsoft.com/office/drawing/2014/main" id="{704EA9A2-4697-4D61-8140-FA6B2C4F55DB}"/>
+              </a:ext>
+            </a:extLst>
+          </p:cNvPr>
+          <p:cNvPicPr>
+            <a:picLocks noChangeAspect="1"/>
+          </p:cNvPicPr>
+          <p:nvPr/>
+        </p:nvPicPr>
+        <p:blipFill>
+          <a:blip r:embed="rId2"/>
+          <a:stretch>
+            <a:fillRect/>
+          </a:stretch>
+        </p:blipFill>
+        <p:spPr>
+          <a:xfrm>
+            <a:off x="144016" y="1945991"/>
+            <a:ext cx="8892480" cy="3643249"/>
+          </a:xfrm>
+          <a:prstGeom prst="rect">
+            <a:avLst/>
+          </a:prstGeom>
+        </p:spPr>
+      </p:pic>
+      <p:sp>
+        <p:nvSpPr>
+          <p:cNvPr id="6" name="TextBox 5">
+            <a:extLst>
+              <a:ext uri="{FF2B5EF4-FFF2-40B4-BE49-F238E27FC236}">
+                <a16:creationId xmlns:a16="http://schemas.microsoft.com/office/drawing/2014/main" id="{07C250E3-42CC-4F1B-9953-BC98F9EC4CF3}"/>
+              </a:ext>
+            </a:extLst>
+          </p:cNvPr>
+          <p:cNvSpPr txBox="1"/>
+          <p:nvPr/>
+        </p:nvSpPr>
+        <p:spPr>
+          <a:xfrm>
+            <a:off x="1259632" y="1576659"/>
+            <a:ext cx="692818" cy="369332"/>
+          </a:xfrm>
+          <a:prstGeom prst="rect">
+            <a:avLst/>
+          </a:prstGeom>
+          <a:noFill/>
+        </p:spPr>
+        <p:txBody>
+          <a:bodyPr wrap="none" rtlCol="0">
+            <a:spAutoFit/>
+          </a:bodyPr>
+          <a:lstStyle/>
+          <a:p>
+            <a:r>
+              <a:rPr lang="es-PE" dirty="0"/>
+              <a:t>Lineal</a:t>
+            </a:r>
+          </a:p>
+        </p:txBody>
+      </p:sp>
+      <p:sp>
+        <p:nvSpPr>
+          <p:cNvPr id="7" name="TextBox 6">
+            <a:extLst>
+              <a:ext uri="{FF2B5EF4-FFF2-40B4-BE49-F238E27FC236}">
+                <a16:creationId xmlns:a16="http://schemas.microsoft.com/office/drawing/2014/main" id="{4D2E9544-59C2-49CD-8553-D43AD621CEE4}"/>
+              </a:ext>
+            </a:extLst>
+          </p:cNvPr>
+          <p:cNvSpPr txBox="1"/>
+          <p:nvPr/>
+        </p:nvSpPr>
+        <p:spPr>
+          <a:xfrm>
+            <a:off x="4139952" y="1576659"/>
+            <a:ext cx="1103187" cy="369332"/>
+          </a:xfrm>
+          <a:prstGeom prst="rect">
+            <a:avLst/>
+          </a:prstGeom>
+          <a:noFill/>
+        </p:spPr>
+        <p:txBody>
+          <a:bodyPr wrap="none" rtlCol="0">
+            <a:spAutoFit/>
+          </a:bodyPr>
+          <a:lstStyle/>
+          <a:p>
+            <a:r>
+              <a:rPr lang="es-PE" dirty="0"/>
+              <a:t>Cuadrático</a:t>
+            </a:r>
+          </a:p>
+        </p:txBody>
+      </p:sp>
+      <p:sp>
+        <p:nvSpPr>
+          <p:cNvPr id="8" name="TextBox 7">
+            <a:extLst>
+              <a:ext uri="{FF2B5EF4-FFF2-40B4-BE49-F238E27FC236}">
+                <a16:creationId xmlns:a16="http://schemas.microsoft.com/office/drawing/2014/main" id="{A8B05684-2D1A-4D16-9461-349E1328453B}"/>
+              </a:ext>
+            </a:extLst>
+          </p:cNvPr>
+          <p:cNvSpPr txBox="1"/>
+          <p:nvPr/>
+        </p:nvSpPr>
+        <p:spPr>
+          <a:xfrm>
+            <a:off x="7020272" y="1576659"/>
+            <a:ext cx="944489" cy="369332"/>
+          </a:xfrm>
+          <a:prstGeom prst="rect">
+            <a:avLst/>
+          </a:prstGeom>
+          <a:noFill/>
+        </p:spPr>
+        <p:txBody>
+          <a:bodyPr wrap="none" rtlCol="0">
+            <a:spAutoFit/>
+          </a:bodyPr>
+          <a:lstStyle/>
+          <a:p>
+            <a:r>
+              <a:rPr lang="es-PE" dirty="0"/>
+              <a:t>No lineal</a:t>
+            </a:r>
+          </a:p>
+        </p:txBody>
+      </p:sp>
+      <p:sp>
+        <p:nvSpPr>
+          <p:cNvPr id="10" name="CuadroTexto 4">
+            <a:extLst>
+              <a:ext uri="{FF2B5EF4-FFF2-40B4-BE49-F238E27FC236}">
+                <a16:creationId xmlns:a16="http://schemas.microsoft.com/office/drawing/2014/main" id="{0EE2E59A-EFC5-4F7D-8B1B-CDE02E4D869C}"/>
+              </a:ext>
+            </a:extLst>
+          </p:cNvPr>
+          <p:cNvSpPr txBox="1"/>
+          <p:nvPr/>
+        </p:nvSpPr>
+        <p:spPr>
+          <a:xfrm>
+            <a:off x="602191" y="836712"/>
+            <a:ext cx="8002257" cy="400110"/>
+          </a:xfrm>
+          <a:prstGeom prst="rect">
+            <a:avLst/>
+          </a:prstGeom>
+          <a:noFill/>
+        </p:spPr>
+        <p:txBody>
+          <a:bodyPr wrap="square" rtlCol="0">
+            <a:spAutoFit/>
+          </a:bodyPr>
+          <a:lstStyle/>
+          <a:p>
+            <a:pPr marL="285750" indent="-285750">
+              <a:buFont typeface="Arial" panose="020B0604020202020204" pitchFamily="34" charset="0"/>
+              <a:buChar char="•"/>
+            </a:pPr>
+            <a:r>
+              <a:rPr lang="es-MX" sz="2000" dirty="0"/>
+              <a:t>La función objetivo puede ser: </a:t>
+            </a:r>
+          </a:p>
+        </p:txBody>
+      </p:sp>
+    </p:spTree>
+    <p:extLst>
+      <p:ext uri="{BB962C8B-B14F-4D97-AF65-F5344CB8AC3E}">
+        <p14:creationId xmlns:p14="http://schemas.microsoft.com/office/powerpoint/2010/main" val="2867154815"/>
+      </p:ext>
+    </p:extLst>
+  </p:cSld>
+  <p:clrMapOvr>
+    <a:masterClrMapping/>
+  </p:clrMapOvr>
+  <p:transition spd="slow">
+    <p:fade/>
+  </p:transition>
+</p:sld>
+</file>
+
+<file path=ppt/slides/slide13.xml><?xml version="1.0" encoding="utf-8"?>
+<p:sld xmlns:a="http://schemas.openxmlformats.org/drawingml/2006/main" xmlns:r="http://schemas.openxmlformats.org/officeDocument/2006/relationships" xmlns:p="http://schemas.openxmlformats.org/presentationml/2006/main">
+  <p:cSld>
+    <p:spTree>
+      <p:nvGrpSpPr>
+        <p:cNvPr id="1" name=""/>
+        <p:cNvGrpSpPr/>
+        <p:nvPr/>
+      </p:nvGrpSpPr>
+      <p:grpSpPr>
+        <a:xfrm>
+          <a:off x="0" y="0"/>
+          <a:ext cx="0" cy="0"/>
+          <a:chOff x="0" y="0"/>
+          <a:chExt cx="0" cy="0"/>
+        </a:xfrm>
+      </p:grpSpPr>
+      <p:sp>
+        <p:nvSpPr>
+          <p:cNvPr id="2" name="Marcador de número de diapositiva 1"/>
+          <p:cNvSpPr>
+            <a:spLocks noGrp="1"/>
+          </p:cNvSpPr>
+          <p:nvPr>
+            <p:ph type="sldNum" sz="quarter" idx="12"/>
+          </p:nvPr>
+        </p:nvSpPr>
+        <p:spPr/>
+        <p:txBody>
+          <a:bodyPr/>
+          <a:lstStyle/>
+          <a:p>
+            <a:fld id="{64BD7E74-CBD2-4D88-9109-2EA8081AE675}" type="slidenum">
+              <a:rPr lang="es-ES" smtClean="0"/>
+              <a:pPr/>
+              <a:t>13</a:t>
+            </a:fld>
+            <a:endParaRPr lang="es-ES"/>
+          </a:p>
+        </p:txBody>
+      </p:sp>
+      <p:sp>
+        <p:nvSpPr>
+          <p:cNvPr id="3" name="4 Título"/>
+          <p:cNvSpPr txBox="1">
+            <a:spLocks/>
+          </p:cNvSpPr>
+          <p:nvPr/>
+        </p:nvSpPr>
+        <p:spPr>
+          <a:xfrm>
+            <a:off x="611560" y="188640"/>
+            <a:ext cx="8784976" cy="457120"/>
+          </a:xfrm>
+          <a:prstGeom prst="rect">
+            <a:avLst/>
+          </a:prstGeom>
+        </p:spPr>
+        <p:txBody>
+          <a:bodyPr bIns="91440" anchor="b" anchorCtr="0">
+            <a:noAutofit/>
+          </a:bodyPr>
+          <a:lstStyle>
+            <a:lvl1pPr>
+              <a:spcBef>
+                <a:spcPct val="0"/>
+              </a:spcBef>
+              <a:buNone/>
+              <a:defRPr kumimoji="0" sz="2400">
+                <a:ln w="0"/>
+                <a:solidFill>
+                  <a:schemeClr val="tx2"/>
+                </a:solidFill>
+                <a:effectLst>
+                  <a:outerShdw blurRad="38100" dist="19050" dir="2700000" algn="tl" rotWithShape="0">
+                    <a:schemeClr val="dk1">
+                      <a:alpha val="40000"/>
+                    </a:schemeClr>
+                  </a:outerShdw>
+                </a:effectLst>
+                <a:latin typeface="+mj-lt"/>
+                <a:ea typeface="+mj-ea"/>
+                <a:cs typeface="+mj-cs"/>
+              </a:defRPr>
+            </a:lvl1pPr>
+          </a:lstStyle>
+          <a:p>
+            <a:r>
+              <a:rPr lang="es-PE" altLang="en-US" dirty="0"/>
+              <a:t>Tipos de problemas de optimización</a:t>
+            </a:r>
+          </a:p>
+        </p:txBody>
+      </p:sp>
+      <p:sp>
+        <p:nvSpPr>
+          <p:cNvPr id="6" name="TextBox 5">
+            <a:extLst>
+              <a:ext uri="{FF2B5EF4-FFF2-40B4-BE49-F238E27FC236}">
+                <a16:creationId xmlns:a16="http://schemas.microsoft.com/office/drawing/2014/main" id="{07C250E3-42CC-4F1B-9953-BC98F9EC4CF3}"/>
+              </a:ext>
+            </a:extLst>
+          </p:cNvPr>
+          <p:cNvSpPr txBox="1"/>
+          <p:nvPr/>
+        </p:nvSpPr>
+        <p:spPr>
+          <a:xfrm>
+            <a:off x="2915816" y="1192410"/>
+            <a:ext cx="857927" cy="369332"/>
+          </a:xfrm>
+          <a:prstGeom prst="rect">
+            <a:avLst/>
+          </a:prstGeom>
+          <a:noFill/>
+        </p:spPr>
+        <p:txBody>
+          <a:bodyPr wrap="none" rtlCol="0">
+            <a:spAutoFit/>
+          </a:bodyPr>
+          <a:lstStyle/>
+          <a:p>
+            <a:r>
+              <a:rPr lang="es-PE" dirty="0"/>
+              <a:t>Lineales</a:t>
+            </a:r>
+          </a:p>
+        </p:txBody>
+      </p:sp>
+      <p:sp>
+        <p:nvSpPr>
+          <p:cNvPr id="7" name="TextBox 6">
+            <a:extLst>
+              <a:ext uri="{FF2B5EF4-FFF2-40B4-BE49-F238E27FC236}">
+                <a16:creationId xmlns:a16="http://schemas.microsoft.com/office/drawing/2014/main" id="{4D2E9544-59C2-49CD-8553-D43AD621CEE4}"/>
+              </a:ext>
+            </a:extLst>
+          </p:cNvPr>
+          <p:cNvSpPr txBox="1"/>
+          <p:nvPr/>
+        </p:nvSpPr>
+        <p:spPr>
+          <a:xfrm>
+            <a:off x="3981737" y="1426736"/>
+            <a:ext cx="1388522" cy="369332"/>
+          </a:xfrm>
+          <a:prstGeom prst="rect">
+            <a:avLst/>
+          </a:prstGeom>
+          <a:noFill/>
+        </p:spPr>
+        <p:txBody>
+          <a:bodyPr wrap="none" rtlCol="0">
+            <a:spAutoFit/>
+          </a:bodyPr>
+          <a:lstStyle/>
+          <a:p>
+            <a:r>
+              <a:rPr lang="es-PE" dirty="0"/>
+              <a:t>Forma general</a:t>
+            </a:r>
+          </a:p>
+        </p:txBody>
+      </p:sp>
+      <p:sp>
+        <p:nvSpPr>
+          <p:cNvPr id="8" name="TextBox 7">
+            <a:extLst>
+              <a:ext uri="{FF2B5EF4-FFF2-40B4-BE49-F238E27FC236}">
+                <a16:creationId xmlns:a16="http://schemas.microsoft.com/office/drawing/2014/main" id="{A8B05684-2D1A-4D16-9461-349E1328453B}"/>
+              </a:ext>
+            </a:extLst>
+          </p:cNvPr>
+          <p:cNvSpPr txBox="1"/>
+          <p:nvPr/>
+        </p:nvSpPr>
+        <p:spPr>
+          <a:xfrm>
+            <a:off x="6660232" y="1235772"/>
+            <a:ext cx="1154483" cy="369332"/>
+          </a:xfrm>
+          <a:prstGeom prst="rect">
+            <a:avLst/>
+          </a:prstGeom>
+          <a:noFill/>
+        </p:spPr>
+        <p:txBody>
+          <a:bodyPr wrap="none" rtlCol="0">
+            <a:spAutoFit/>
+          </a:bodyPr>
+          <a:lstStyle/>
+          <a:p>
+            <a:r>
+              <a:rPr lang="es-PE" dirty="0"/>
+              <a:t>Cuadráticas</a:t>
+            </a:r>
+          </a:p>
+        </p:txBody>
+      </p:sp>
+      <p:sp>
+        <p:nvSpPr>
+          <p:cNvPr id="10" name="CuadroTexto 4">
+            <a:extLst>
+              <a:ext uri="{FF2B5EF4-FFF2-40B4-BE49-F238E27FC236}">
+                <a16:creationId xmlns:a16="http://schemas.microsoft.com/office/drawing/2014/main" id="{0EE2E59A-EFC5-4F7D-8B1B-CDE02E4D869C}"/>
+              </a:ext>
+            </a:extLst>
+          </p:cNvPr>
+          <p:cNvSpPr txBox="1"/>
+          <p:nvPr/>
+        </p:nvSpPr>
+        <p:spPr>
+          <a:xfrm>
+            <a:off x="602191" y="836712"/>
+            <a:ext cx="8002257" cy="400110"/>
+          </a:xfrm>
+          <a:prstGeom prst="rect">
+            <a:avLst/>
+          </a:prstGeom>
+          <a:noFill/>
+        </p:spPr>
+        <p:txBody>
+          <a:bodyPr wrap="square" rtlCol="0">
+            <a:spAutoFit/>
+          </a:bodyPr>
+          <a:lstStyle/>
+          <a:p>
+            <a:pPr marL="285750" indent="-285750">
+              <a:buFont typeface="Arial" panose="020B0604020202020204" pitchFamily="34" charset="0"/>
+              <a:buChar char="•"/>
+            </a:pPr>
+            <a:r>
+              <a:rPr lang="es-MX" sz="2000" dirty="0"/>
+              <a:t>Las restricciones pueden ser: </a:t>
+            </a:r>
+          </a:p>
+        </p:txBody>
+      </p:sp>
+      <p:pic>
+        <p:nvPicPr>
+          <p:cNvPr id="9" name="Picture 8">
+            <a:extLst>
+              <a:ext uri="{FF2B5EF4-FFF2-40B4-BE49-F238E27FC236}">
+                <a16:creationId xmlns:a16="http://schemas.microsoft.com/office/drawing/2014/main" id="{60302301-893E-4FD6-B8C5-8EA7A89AECD0}"/>
+              </a:ext>
+            </a:extLst>
+          </p:cNvPr>
+          <p:cNvPicPr>
+            <a:picLocks noChangeAspect="1"/>
+          </p:cNvPicPr>
+          <p:nvPr/>
+        </p:nvPicPr>
+        <p:blipFill>
+          <a:blip r:embed="rId2"/>
+          <a:stretch>
+            <a:fillRect/>
+          </a:stretch>
+        </p:blipFill>
+        <p:spPr>
+          <a:xfrm>
+            <a:off x="476727" y="1783472"/>
+            <a:ext cx="8253184" cy="4005849"/>
+          </a:xfrm>
+          <a:prstGeom prst="rect">
+            <a:avLst/>
+          </a:prstGeom>
+        </p:spPr>
+      </p:pic>
+      <p:sp>
+        <p:nvSpPr>
+          <p:cNvPr id="11" name="TextBox 10">
+            <a:extLst>
+              <a:ext uri="{FF2B5EF4-FFF2-40B4-BE49-F238E27FC236}">
+                <a16:creationId xmlns:a16="http://schemas.microsoft.com/office/drawing/2014/main" id="{84877B43-4B67-4BCC-B591-1CA917FBF0F6}"/>
+              </a:ext>
+            </a:extLst>
+          </p:cNvPr>
+          <p:cNvSpPr txBox="1"/>
+          <p:nvPr/>
+        </p:nvSpPr>
+        <p:spPr>
+          <a:xfrm>
+            <a:off x="1431543" y="1426736"/>
+            <a:ext cx="880369" cy="369332"/>
+          </a:xfrm>
+          <a:prstGeom prst="rect">
+            <a:avLst/>
+          </a:prstGeom>
+          <a:noFill/>
+        </p:spPr>
+        <p:txBody>
+          <a:bodyPr wrap="none" rtlCol="0">
+            <a:spAutoFit/>
+          </a:bodyPr>
+          <a:lstStyle/>
+          <a:p>
+            <a:r>
+              <a:rPr lang="es-PE" dirty="0"/>
+              <a:t>Acotado</a:t>
+            </a:r>
+          </a:p>
+        </p:txBody>
+      </p:sp>
+    </p:spTree>
+    <p:extLst>
+      <p:ext uri="{BB962C8B-B14F-4D97-AF65-F5344CB8AC3E}">
+        <p14:creationId xmlns:p14="http://schemas.microsoft.com/office/powerpoint/2010/main" val="2465984394"/>
+      </p:ext>
+    </p:extLst>
+  </p:cSld>
+  <p:clrMapOvr>
+    <a:masterClrMapping/>
+  </p:clrMapOvr>
+  <p:transition spd="slow">
+    <p:fade/>
+  </p:transition>
+</p:sld>
+</file>
+
+<file path=ppt/slides/slide14.xml><?xml version="1.0" encoding="utf-8"?>
+<p:sld xmlns:a="http://schemas.openxmlformats.org/drawingml/2006/main" xmlns:r="http://schemas.openxmlformats.org/officeDocument/2006/relationships" xmlns:p="http://schemas.openxmlformats.org/presentationml/2006/main">
+  <p:cSld>
+    <p:spTree>
+      <p:nvGrpSpPr>
+        <p:cNvPr id="1" name=""/>
+        <p:cNvGrpSpPr/>
+        <p:nvPr/>
+      </p:nvGrpSpPr>
+      <p:grpSpPr>
+        <a:xfrm>
+          <a:off x="0" y="0"/>
+          <a:ext cx="0" cy="0"/>
+          <a:chOff x="0" y="0"/>
+          <a:chExt cx="0" cy="0"/>
+        </a:xfrm>
+      </p:grpSpPr>
+      <p:sp>
+        <p:nvSpPr>
+          <p:cNvPr id="2" name="Marcador de número de diapositiva 1"/>
+          <p:cNvSpPr>
+            <a:spLocks noGrp="1"/>
+          </p:cNvSpPr>
+          <p:nvPr>
+            <p:ph type="sldNum" sz="quarter" idx="12"/>
+          </p:nvPr>
+        </p:nvSpPr>
+        <p:spPr/>
+        <p:txBody>
+          <a:bodyPr/>
+          <a:lstStyle/>
+          <a:p>
+            <a:fld id="{64BD7E74-CBD2-4D88-9109-2EA8081AE675}" type="slidenum">
+              <a:rPr lang="es-ES" smtClean="0"/>
+              <a:pPr/>
+              <a:t>14</a:t>
+            </a:fld>
+            <a:endParaRPr lang="es-ES"/>
+          </a:p>
+        </p:txBody>
+      </p:sp>
+      <p:sp>
+        <p:nvSpPr>
+          <p:cNvPr id="3" name="4 Título"/>
+          <p:cNvSpPr txBox="1">
+            <a:spLocks/>
+          </p:cNvSpPr>
+          <p:nvPr/>
+        </p:nvSpPr>
+        <p:spPr>
+          <a:xfrm>
+            <a:off x="611560" y="188640"/>
+            <a:ext cx="8784976" cy="457120"/>
+          </a:xfrm>
+          <a:prstGeom prst="rect">
+            <a:avLst/>
+          </a:prstGeom>
+        </p:spPr>
+        <p:txBody>
+          <a:bodyPr bIns="91440" anchor="b" anchorCtr="0">
+            <a:noAutofit/>
+          </a:bodyPr>
+          <a:lstStyle>
+            <a:lvl1pPr>
+              <a:spcBef>
+                <a:spcPct val="0"/>
+              </a:spcBef>
+              <a:buNone/>
+              <a:defRPr kumimoji="0" sz="2400">
+                <a:ln w="0"/>
+                <a:solidFill>
+                  <a:schemeClr val="tx2"/>
+                </a:solidFill>
+                <a:effectLst>
+                  <a:outerShdw blurRad="38100" dist="19050" dir="2700000" algn="tl" rotWithShape="0">
+                    <a:schemeClr val="dk1">
+                      <a:alpha val="40000"/>
+                    </a:schemeClr>
+                  </a:outerShdw>
+                </a:effectLst>
+                <a:latin typeface="+mj-lt"/>
+                <a:ea typeface="+mj-ea"/>
+                <a:cs typeface="+mj-cs"/>
+              </a:defRPr>
+            </a:lvl1pPr>
+          </a:lstStyle>
+          <a:p>
+            <a:r>
+              <a:rPr lang="es-PE" altLang="en-US" dirty="0"/>
+              <a:t>Tipos de problemas de optimización</a:t>
+            </a:r>
+          </a:p>
+        </p:txBody>
+      </p:sp>
+      <p:sp>
+        <p:nvSpPr>
+          <p:cNvPr id="6" name="TextBox 5">
+            <a:extLst>
+              <a:ext uri="{FF2B5EF4-FFF2-40B4-BE49-F238E27FC236}">
+                <a16:creationId xmlns:a16="http://schemas.microsoft.com/office/drawing/2014/main" id="{07C250E3-42CC-4F1B-9953-BC98F9EC4CF3}"/>
+              </a:ext>
+            </a:extLst>
+          </p:cNvPr>
+          <p:cNvSpPr txBox="1"/>
+          <p:nvPr/>
+        </p:nvSpPr>
+        <p:spPr>
+          <a:xfrm>
+            <a:off x="3303697" y="1192410"/>
+            <a:ext cx="2364750" cy="369332"/>
+          </a:xfrm>
+          <a:prstGeom prst="rect">
+            <a:avLst/>
+          </a:prstGeom>
+          <a:noFill/>
+        </p:spPr>
+        <p:txBody>
+          <a:bodyPr wrap="none" rtlCol="0">
+            <a:spAutoFit/>
+          </a:bodyPr>
+          <a:lstStyle/>
+          <a:p>
+            <a:r>
+              <a:rPr lang="es-PE" dirty="0"/>
+              <a:t>Cónicas de segundo orden</a:t>
+            </a:r>
+          </a:p>
+        </p:txBody>
+      </p:sp>
+      <p:sp>
+        <p:nvSpPr>
+          <p:cNvPr id="10" name="CuadroTexto 4">
+            <a:extLst>
+              <a:ext uri="{FF2B5EF4-FFF2-40B4-BE49-F238E27FC236}">
+                <a16:creationId xmlns:a16="http://schemas.microsoft.com/office/drawing/2014/main" id="{0EE2E59A-EFC5-4F7D-8B1B-CDE02E4D869C}"/>
+              </a:ext>
+            </a:extLst>
+          </p:cNvPr>
+          <p:cNvSpPr txBox="1"/>
+          <p:nvPr/>
+        </p:nvSpPr>
+        <p:spPr>
+          <a:xfrm>
+            <a:off x="602191" y="836712"/>
+            <a:ext cx="8002257" cy="400110"/>
+          </a:xfrm>
+          <a:prstGeom prst="rect">
+            <a:avLst/>
+          </a:prstGeom>
+          <a:noFill/>
+        </p:spPr>
+        <p:txBody>
+          <a:bodyPr wrap="square" rtlCol="0">
+            <a:spAutoFit/>
+          </a:bodyPr>
+          <a:lstStyle/>
+          <a:p>
+            <a:pPr marL="285750" indent="-285750">
+              <a:buFont typeface="Arial" panose="020B0604020202020204" pitchFamily="34" charset="0"/>
+              <a:buChar char="•"/>
+            </a:pPr>
+            <a:r>
+              <a:rPr lang="es-MX" sz="2000" dirty="0"/>
+              <a:t>Las restricciones pueden ser: </a:t>
+            </a:r>
+          </a:p>
+        </p:txBody>
+      </p:sp>
+      <p:pic>
+        <p:nvPicPr>
+          <p:cNvPr id="4" name="Picture 3">
+            <a:extLst>
+              <a:ext uri="{FF2B5EF4-FFF2-40B4-BE49-F238E27FC236}">
+                <a16:creationId xmlns:a16="http://schemas.microsoft.com/office/drawing/2014/main" id="{6E1342D5-6F5F-45B6-BA82-B307DEAE55CE}"/>
+              </a:ext>
+            </a:extLst>
+          </p:cNvPr>
+          <p:cNvPicPr>
+            <a:picLocks noChangeAspect="1"/>
+          </p:cNvPicPr>
+          <p:nvPr/>
+        </p:nvPicPr>
+        <p:blipFill>
+          <a:blip r:embed="rId2"/>
+          <a:stretch>
+            <a:fillRect/>
+          </a:stretch>
+        </p:blipFill>
+        <p:spPr>
+          <a:xfrm>
+            <a:off x="899592" y="1507286"/>
+            <a:ext cx="7344816" cy="4514002"/>
+          </a:xfrm>
+          <a:prstGeom prst="rect">
+            <a:avLst/>
+          </a:prstGeom>
+        </p:spPr>
+      </p:pic>
+    </p:spTree>
+    <p:extLst>
+      <p:ext uri="{BB962C8B-B14F-4D97-AF65-F5344CB8AC3E}">
+        <p14:creationId xmlns:p14="http://schemas.microsoft.com/office/powerpoint/2010/main" val="2056740315"/>
+      </p:ext>
+    </p:extLst>
+  </p:cSld>
+  <p:clrMapOvr>
+    <a:masterClrMapping/>
+  </p:clrMapOvr>
+  <p:transition spd="slow">
+    <p:fade/>
+  </p:transition>
+</p:sld>
+</file>
+
+<file path=ppt/slides/slide15.xml><?xml version="1.0" encoding="utf-8"?>
+<p:sld xmlns:a="http://schemas.openxmlformats.org/drawingml/2006/main" xmlns:r="http://schemas.openxmlformats.org/officeDocument/2006/relationships" xmlns:p="http://schemas.openxmlformats.org/presentationml/2006/main">
+  <p:cSld>
+    <p:spTree>
+      <p:nvGrpSpPr>
+        <p:cNvPr id="1" name=""/>
+        <p:cNvGrpSpPr/>
+        <p:nvPr/>
+      </p:nvGrpSpPr>
+      <p:grpSpPr>
+        <a:xfrm>
+          <a:off x="0" y="0"/>
+          <a:ext cx="0" cy="0"/>
+          <a:chOff x="0" y="0"/>
+          <a:chExt cx="0" cy="0"/>
+        </a:xfrm>
+      </p:grpSpPr>
+      <p:sp>
+        <p:nvSpPr>
+          <p:cNvPr id="2" name="Marcador de número de diapositiva 1"/>
+          <p:cNvSpPr>
+            <a:spLocks noGrp="1"/>
+          </p:cNvSpPr>
+          <p:nvPr>
+            <p:ph type="sldNum" sz="quarter" idx="12"/>
+          </p:nvPr>
+        </p:nvSpPr>
+        <p:spPr/>
+        <p:txBody>
+          <a:bodyPr/>
+          <a:lstStyle/>
+          <a:p>
+            <a:fld id="{64BD7E74-CBD2-4D88-9109-2EA8081AE675}" type="slidenum">
+              <a:rPr lang="es-ES" smtClean="0"/>
+              <a:pPr/>
+              <a:t>15</a:t>
+            </a:fld>
+            <a:endParaRPr lang="es-ES"/>
+          </a:p>
+        </p:txBody>
+      </p:sp>
+      <p:sp>
+        <p:nvSpPr>
+          <p:cNvPr id="3" name="4 Título"/>
+          <p:cNvSpPr txBox="1">
+            <a:spLocks/>
+          </p:cNvSpPr>
+          <p:nvPr/>
+        </p:nvSpPr>
+        <p:spPr>
+          <a:xfrm>
+            <a:off x="611560" y="188640"/>
+            <a:ext cx="8784976" cy="457120"/>
+          </a:xfrm>
+          <a:prstGeom prst="rect">
+            <a:avLst/>
+          </a:prstGeom>
+        </p:spPr>
+        <p:txBody>
+          <a:bodyPr bIns="91440" anchor="b" anchorCtr="0">
+            <a:noAutofit/>
+          </a:bodyPr>
+          <a:lstStyle>
+            <a:lvl1pPr>
+              <a:spcBef>
+                <a:spcPct val="0"/>
+              </a:spcBef>
+              <a:buNone/>
+              <a:defRPr kumimoji="0" sz="2400">
+                <a:ln w="0"/>
+                <a:solidFill>
+                  <a:schemeClr val="tx2"/>
+                </a:solidFill>
+                <a:effectLst>
+                  <a:outerShdw blurRad="38100" dist="19050" dir="2700000" algn="tl" rotWithShape="0">
+                    <a:schemeClr val="dk1">
+                      <a:alpha val="40000"/>
+                    </a:schemeClr>
+                  </a:outerShdw>
+                </a:effectLst>
+                <a:latin typeface="+mj-lt"/>
+                <a:ea typeface="+mj-ea"/>
+                <a:cs typeface="+mj-cs"/>
+              </a:defRPr>
+            </a:lvl1pPr>
+          </a:lstStyle>
+          <a:p>
+            <a:r>
+              <a:rPr lang="es-PE" altLang="en-US" dirty="0"/>
+              <a:t>Tipos de problemas de optimización</a:t>
+            </a:r>
+          </a:p>
+        </p:txBody>
+      </p:sp>
+      <p:sp>
+        <p:nvSpPr>
+          <p:cNvPr id="6" name="TextBox 5">
+            <a:extLst>
+              <a:ext uri="{FF2B5EF4-FFF2-40B4-BE49-F238E27FC236}">
+                <a16:creationId xmlns:a16="http://schemas.microsoft.com/office/drawing/2014/main" id="{07C250E3-42CC-4F1B-9953-BC98F9EC4CF3}"/>
+              </a:ext>
+            </a:extLst>
+          </p:cNvPr>
+          <p:cNvSpPr txBox="1"/>
+          <p:nvPr/>
+        </p:nvSpPr>
+        <p:spPr>
+          <a:xfrm>
+            <a:off x="3303697" y="1192410"/>
+            <a:ext cx="2083968" cy="369332"/>
+          </a:xfrm>
+          <a:prstGeom prst="rect">
+            <a:avLst/>
+          </a:prstGeom>
+          <a:noFill/>
+        </p:spPr>
+        <p:txBody>
+          <a:bodyPr wrap="none" rtlCol="0">
+            <a:spAutoFit/>
+          </a:bodyPr>
+          <a:lstStyle/>
+          <a:p>
+            <a:r>
+              <a:rPr lang="es-PE" dirty="0" err="1"/>
+              <a:t>Semidefinidas</a:t>
+            </a:r>
+            <a:r>
+              <a:rPr lang="es-PE" dirty="0"/>
+              <a:t> positivas</a:t>
+            </a:r>
+          </a:p>
+        </p:txBody>
+      </p:sp>
+      <p:sp>
+        <p:nvSpPr>
+          <p:cNvPr id="10" name="CuadroTexto 4">
+            <a:extLst>
+              <a:ext uri="{FF2B5EF4-FFF2-40B4-BE49-F238E27FC236}">
+                <a16:creationId xmlns:a16="http://schemas.microsoft.com/office/drawing/2014/main" id="{0EE2E59A-EFC5-4F7D-8B1B-CDE02E4D869C}"/>
+              </a:ext>
+            </a:extLst>
+          </p:cNvPr>
+          <p:cNvSpPr txBox="1"/>
+          <p:nvPr/>
+        </p:nvSpPr>
+        <p:spPr>
+          <a:xfrm>
+            <a:off x="602191" y="836712"/>
+            <a:ext cx="8002257" cy="400110"/>
+          </a:xfrm>
+          <a:prstGeom prst="rect">
+            <a:avLst/>
+          </a:prstGeom>
+          <a:noFill/>
+        </p:spPr>
+        <p:txBody>
+          <a:bodyPr wrap="square" rtlCol="0">
+            <a:spAutoFit/>
+          </a:bodyPr>
+          <a:lstStyle/>
+          <a:p>
+            <a:pPr marL="285750" indent="-285750">
+              <a:buFont typeface="Arial" panose="020B0604020202020204" pitchFamily="34" charset="0"/>
+              <a:buChar char="•"/>
+            </a:pPr>
+            <a:r>
+              <a:rPr lang="es-MX" sz="2000" dirty="0"/>
+              <a:t>Las restricciones pueden ser: </a:t>
+            </a:r>
+          </a:p>
+        </p:txBody>
+      </p:sp>
+      <p:pic>
+        <p:nvPicPr>
+          <p:cNvPr id="5" name="Picture 4">
+            <a:extLst>
+              <a:ext uri="{FF2B5EF4-FFF2-40B4-BE49-F238E27FC236}">
+                <a16:creationId xmlns:a16="http://schemas.microsoft.com/office/drawing/2014/main" id="{89DF8F4E-037E-4B3D-8F99-3F7972A3BFB0}"/>
+              </a:ext>
+            </a:extLst>
+          </p:cNvPr>
+          <p:cNvPicPr>
+            <a:picLocks noChangeAspect="1"/>
+          </p:cNvPicPr>
+          <p:nvPr/>
+        </p:nvPicPr>
+        <p:blipFill>
+          <a:blip r:embed="rId2"/>
+          <a:stretch>
+            <a:fillRect/>
+          </a:stretch>
+        </p:blipFill>
+        <p:spPr>
+          <a:xfrm>
+            <a:off x="331273" y="1592520"/>
+            <a:ext cx="8273175" cy="4284752"/>
+          </a:xfrm>
+          <a:prstGeom prst="rect">
+            <a:avLst/>
+          </a:prstGeom>
+        </p:spPr>
+      </p:pic>
+    </p:spTree>
+    <p:extLst>
+      <p:ext uri="{BB962C8B-B14F-4D97-AF65-F5344CB8AC3E}">
+        <p14:creationId xmlns:p14="http://schemas.microsoft.com/office/powerpoint/2010/main" val="3127477577"/>
+      </p:ext>
+    </p:extLst>
+  </p:cSld>
+  <p:clrMapOvr>
+    <a:masterClrMapping/>
+  </p:clrMapOvr>
+  <p:transition spd="slow">
+    <p:fade/>
+  </p:transition>
+</p:sld>
+</file>
+
+<file path=ppt/slides/slide16.xml><?xml version="1.0" encoding="utf-8"?>
+<p:sld xmlns:a="http://schemas.openxmlformats.org/drawingml/2006/main" xmlns:r="http://schemas.openxmlformats.org/officeDocument/2006/relationships" xmlns:p="http://schemas.openxmlformats.org/presentationml/2006/main">
+  <p:cSld>
+    <p:spTree>
+      <p:nvGrpSpPr>
+        <p:cNvPr id="1" name=""/>
+        <p:cNvGrpSpPr/>
+        <p:nvPr/>
+      </p:nvGrpSpPr>
+      <p:grpSpPr>
+        <a:xfrm>
+          <a:off x="0" y="0"/>
+          <a:ext cx="0" cy="0"/>
+          <a:chOff x="0" y="0"/>
+          <a:chExt cx="0" cy="0"/>
+        </a:xfrm>
+      </p:grpSpPr>
+      <p:sp>
+        <p:nvSpPr>
+          <p:cNvPr id="2" name="Marcador de número de diapositiva 1"/>
+          <p:cNvSpPr>
+            <a:spLocks noGrp="1"/>
+          </p:cNvSpPr>
+          <p:nvPr>
+            <p:ph type="sldNum" sz="quarter" idx="12"/>
+          </p:nvPr>
+        </p:nvSpPr>
+        <p:spPr/>
+        <p:txBody>
+          <a:bodyPr/>
+          <a:lstStyle/>
+          <a:p>
+            <a:fld id="{64BD7E74-CBD2-4D88-9109-2EA8081AE675}" type="slidenum">
+              <a:rPr lang="es-ES" smtClean="0"/>
+              <a:pPr/>
+              <a:t>16</a:t>
+            </a:fld>
+            <a:endParaRPr lang="es-ES"/>
+          </a:p>
+        </p:txBody>
+      </p:sp>
+      <p:sp>
+        <p:nvSpPr>
+          <p:cNvPr id="3" name="4 Título"/>
+          <p:cNvSpPr txBox="1">
+            <a:spLocks/>
+          </p:cNvSpPr>
+          <p:nvPr/>
+        </p:nvSpPr>
+        <p:spPr>
+          <a:xfrm>
+            <a:off x="611560" y="188640"/>
+            <a:ext cx="8784976" cy="457120"/>
+          </a:xfrm>
+          <a:prstGeom prst="rect">
+            <a:avLst/>
+          </a:prstGeom>
+        </p:spPr>
+        <p:txBody>
+          <a:bodyPr bIns="91440" anchor="b" anchorCtr="0">
+            <a:noAutofit/>
+          </a:bodyPr>
+          <a:lstStyle>
+            <a:lvl1pPr>
+              <a:spcBef>
+                <a:spcPct val="0"/>
+              </a:spcBef>
+              <a:buNone/>
+              <a:defRPr kumimoji="0" sz="2400">
+                <a:ln w="0"/>
+                <a:solidFill>
+                  <a:schemeClr val="tx2"/>
+                </a:solidFill>
+                <a:effectLst>
+                  <a:outerShdw blurRad="38100" dist="19050" dir="2700000" algn="tl" rotWithShape="0">
+                    <a:schemeClr val="dk1">
+                      <a:alpha val="40000"/>
+                    </a:schemeClr>
+                  </a:outerShdw>
+                </a:effectLst>
+                <a:latin typeface="+mj-lt"/>
+                <a:ea typeface="+mj-ea"/>
+                <a:cs typeface="+mj-cs"/>
+              </a:defRPr>
+            </a:lvl1pPr>
+          </a:lstStyle>
+          <a:p>
+            <a:r>
+              <a:rPr lang="es-PE" altLang="en-US" dirty="0"/>
+              <a:t>Tipos de problemas de optimización</a:t>
+            </a:r>
+          </a:p>
+        </p:txBody>
+      </p:sp>
+      <p:sp>
+        <p:nvSpPr>
+          <p:cNvPr id="6" name="TextBox 5">
+            <a:extLst>
+              <a:ext uri="{FF2B5EF4-FFF2-40B4-BE49-F238E27FC236}">
+                <a16:creationId xmlns:a16="http://schemas.microsoft.com/office/drawing/2014/main" id="{07C250E3-42CC-4F1B-9953-BC98F9EC4CF3}"/>
+              </a:ext>
+            </a:extLst>
+          </p:cNvPr>
+          <p:cNvSpPr txBox="1"/>
+          <p:nvPr/>
+        </p:nvSpPr>
+        <p:spPr>
+          <a:xfrm>
+            <a:off x="4048519" y="1192410"/>
+            <a:ext cx="1109599" cy="369332"/>
+          </a:xfrm>
+          <a:prstGeom prst="rect">
+            <a:avLst/>
+          </a:prstGeom>
+          <a:noFill/>
+        </p:spPr>
+        <p:txBody>
+          <a:bodyPr wrap="none" rtlCol="0">
+            <a:spAutoFit/>
+          </a:bodyPr>
+          <a:lstStyle/>
+          <a:p>
+            <a:r>
+              <a:rPr lang="es-PE" dirty="0"/>
+              <a:t>No lineales</a:t>
+            </a:r>
+          </a:p>
+        </p:txBody>
+      </p:sp>
+      <p:sp>
+        <p:nvSpPr>
+          <p:cNvPr id="10" name="CuadroTexto 4">
+            <a:extLst>
+              <a:ext uri="{FF2B5EF4-FFF2-40B4-BE49-F238E27FC236}">
+                <a16:creationId xmlns:a16="http://schemas.microsoft.com/office/drawing/2014/main" id="{0EE2E59A-EFC5-4F7D-8B1B-CDE02E4D869C}"/>
+              </a:ext>
+            </a:extLst>
+          </p:cNvPr>
+          <p:cNvSpPr txBox="1"/>
+          <p:nvPr/>
+        </p:nvSpPr>
+        <p:spPr>
+          <a:xfrm>
+            <a:off x="602191" y="836712"/>
+            <a:ext cx="8002257" cy="400110"/>
+          </a:xfrm>
+          <a:prstGeom prst="rect">
+            <a:avLst/>
+          </a:prstGeom>
+          <a:noFill/>
+        </p:spPr>
+        <p:txBody>
+          <a:bodyPr wrap="square" rtlCol="0">
+            <a:spAutoFit/>
+          </a:bodyPr>
+          <a:lstStyle/>
+          <a:p>
+            <a:pPr marL="285750" indent="-285750">
+              <a:buFont typeface="Arial" panose="020B0604020202020204" pitchFamily="34" charset="0"/>
+              <a:buChar char="•"/>
+            </a:pPr>
+            <a:r>
+              <a:rPr lang="es-MX" sz="2000" dirty="0"/>
+              <a:t>Las restricciones pueden ser: </a:t>
+            </a:r>
+          </a:p>
+        </p:txBody>
+      </p:sp>
+      <p:pic>
+        <p:nvPicPr>
+          <p:cNvPr id="5" name="Picture 4">
+            <a:extLst>
+              <a:ext uri="{FF2B5EF4-FFF2-40B4-BE49-F238E27FC236}">
+                <a16:creationId xmlns:a16="http://schemas.microsoft.com/office/drawing/2014/main" id="{0D7D2E5B-69DE-4DF8-A502-9CB19F616629}"/>
+              </a:ext>
+            </a:extLst>
+          </p:cNvPr>
+          <p:cNvPicPr>
+            <a:picLocks noChangeAspect="1"/>
+          </p:cNvPicPr>
+          <p:nvPr/>
+        </p:nvPicPr>
+        <p:blipFill>
+          <a:blip r:embed="rId2"/>
+          <a:stretch>
+            <a:fillRect/>
+          </a:stretch>
+        </p:blipFill>
+        <p:spPr>
+          <a:xfrm>
+            <a:off x="1000336" y="1670761"/>
+            <a:ext cx="7143328" cy="4285997"/>
+          </a:xfrm>
+          <a:prstGeom prst="rect">
+            <a:avLst/>
+          </a:prstGeom>
+        </p:spPr>
+      </p:pic>
+    </p:spTree>
+    <p:extLst>
+      <p:ext uri="{BB962C8B-B14F-4D97-AF65-F5344CB8AC3E}">
+        <p14:creationId xmlns:p14="http://schemas.microsoft.com/office/powerpoint/2010/main" val="1126776748"/>
+      </p:ext>
+    </p:extLst>
+  </p:cSld>
+  <p:clrMapOvr>
+    <a:masterClrMapping/>
+  </p:clrMapOvr>
+  <p:transition spd="slow">
+    <p:fade/>
+  </p:transition>
+</p:sld>
+</file>
+
+<file path=ppt/slides/slide17.xml><?xml version="1.0" encoding="utf-8"?>
+<p:sld xmlns:a="http://schemas.openxmlformats.org/drawingml/2006/main" xmlns:r="http://schemas.openxmlformats.org/officeDocument/2006/relationships" xmlns:p="http://schemas.openxmlformats.org/presentationml/2006/main">
+  <p:cSld>
+    <p:spTree>
+      <p:nvGrpSpPr>
+        <p:cNvPr id="1" name=""/>
+        <p:cNvGrpSpPr/>
+        <p:nvPr/>
+      </p:nvGrpSpPr>
+      <p:grpSpPr>
+        <a:xfrm>
+          <a:off x="0" y="0"/>
+          <a:ext cx="0" cy="0"/>
+          <a:chOff x="0" y="0"/>
+          <a:chExt cx="0" cy="0"/>
+        </a:xfrm>
+      </p:grpSpPr>
+      <p:sp>
+        <p:nvSpPr>
+          <p:cNvPr id="2" name="Marcador de número de diapositiva 1"/>
+          <p:cNvSpPr>
+            <a:spLocks noGrp="1"/>
+          </p:cNvSpPr>
+          <p:nvPr>
+            <p:ph type="sldNum" sz="quarter" idx="12"/>
+          </p:nvPr>
+        </p:nvSpPr>
+        <p:spPr/>
+        <p:txBody>
+          <a:bodyPr/>
+          <a:lstStyle/>
+          <a:p>
+            <a:fld id="{64BD7E74-CBD2-4D88-9109-2EA8081AE675}" type="slidenum">
+              <a:rPr lang="es-ES" smtClean="0"/>
+              <a:pPr/>
+              <a:t>17</a:t>
+            </a:fld>
+            <a:endParaRPr lang="es-ES"/>
+          </a:p>
+        </p:txBody>
+      </p:sp>
+      <p:sp>
+        <p:nvSpPr>
+          <p:cNvPr id="3" name="4 Título"/>
+          <p:cNvSpPr txBox="1">
+            <a:spLocks/>
+          </p:cNvSpPr>
+          <p:nvPr/>
+        </p:nvSpPr>
+        <p:spPr>
+          <a:xfrm>
+            <a:off x="611560" y="188640"/>
+            <a:ext cx="8784976" cy="457120"/>
+          </a:xfrm>
+          <a:prstGeom prst="rect">
+            <a:avLst/>
+          </a:prstGeom>
+        </p:spPr>
+        <p:txBody>
+          <a:bodyPr bIns="91440" anchor="b" anchorCtr="0">
+            <a:noAutofit/>
+          </a:bodyPr>
+          <a:lstStyle>
+            <a:lvl1pPr>
+              <a:spcBef>
+                <a:spcPct val="0"/>
+              </a:spcBef>
+              <a:buNone/>
+              <a:defRPr kumimoji="0" sz="2400">
+                <a:ln w="0"/>
+                <a:solidFill>
+                  <a:schemeClr val="tx2"/>
+                </a:solidFill>
+                <a:effectLst>
+                  <a:outerShdw blurRad="38100" dist="19050" dir="2700000" algn="tl" rotWithShape="0">
+                    <a:schemeClr val="dk1">
+                      <a:alpha val="40000"/>
+                    </a:schemeClr>
+                  </a:outerShdw>
+                </a:effectLst>
+                <a:latin typeface="+mj-lt"/>
+                <a:ea typeface="+mj-ea"/>
+                <a:cs typeface="+mj-cs"/>
+              </a:defRPr>
+            </a:lvl1pPr>
+          </a:lstStyle>
+          <a:p>
+            <a:r>
+              <a:rPr lang="es-PE" altLang="en-US" dirty="0"/>
+              <a:t>Tipos de problemas de optimización</a:t>
+            </a:r>
+          </a:p>
+        </p:txBody>
+      </p:sp>
+      <p:sp>
+        <p:nvSpPr>
+          <p:cNvPr id="6" name="TextBox 5">
+            <a:extLst>
+              <a:ext uri="{FF2B5EF4-FFF2-40B4-BE49-F238E27FC236}">
+                <a16:creationId xmlns:a16="http://schemas.microsoft.com/office/drawing/2014/main" id="{07C250E3-42CC-4F1B-9953-BC98F9EC4CF3}"/>
+              </a:ext>
+            </a:extLst>
+          </p:cNvPr>
+          <p:cNvSpPr txBox="1"/>
+          <p:nvPr/>
+        </p:nvSpPr>
+        <p:spPr>
+          <a:xfrm>
+            <a:off x="2195736" y="1192410"/>
+            <a:ext cx="1027845" cy="369332"/>
+          </a:xfrm>
+          <a:prstGeom prst="rect">
+            <a:avLst/>
+          </a:prstGeom>
+          <a:noFill/>
+        </p:spPr>
+        <p:txBody>
+          <a:bodyPr wrap="none" rtlCol="0">
+            <a:spAutoFit/>
+          </a:bodyPr>
+          <a:lstStyle/>
+          <a:p>
+            <a:r>
+              <a:rPr lang="es-PE" dirty="0"/>
+              <a:t>Continuas</a:t>
+            </a:r>
+          </a:p>
+        </p:txBody>
+      </p:sp>
+      <p:sp>
+        <p:nvSpPr>
+          <p:cNvPr id="10" name="CuadroTexto 4">
+            <a:extLst>
+              <a:ext uri="{FF2B5EF4-FFF2-40B4-BE49-F238E27FC236}">
+                <a16:creationId xmlns:a16="http://schemas.microsoft.com/office/drawing/2014/main" id="{0EE2E59A-EFC5-4F7D-8B1B-CDE02E4D869C}"/>
+              </a:ext>
+            </a:extLst>
+          </p:cNvPr>
+          <p:cNvSpPr txBox="1"/>
+          <p:nvPr/>
+        </p:nvSpPr>
+        <p:spPr>
+          <a:xfrm>
+            <a:off x="602191" y="836712"/>
+            <a:ext cx="8002257" cy="400110"/>
+          </a:xfrm>
+          <a:prstGeom prst="rect">
+            <a:avLst/>
+          </a:prstGeom>
+          <a:noFill/>
+        </p:spPr>
+        <p:txBody>
+          <a:bodyPr wrap="square" rtlCol="0">
+            <a:spAutoFit/>
+          </a:bodyPr>
+          <a:lstStyle/>
+          <a:p>
+            <a:pPr marL="285750" indent="-285750">
+              <a:buFont typeface="Arial" panose="020B0604020202020204" pitchFamily="34" charset="0"/>
+              <a:buChar char="•"/>
+            </a:pPr>
+            <a:r>
+              <a:rPr lang="es-MX" sz="2000" dirty="0"/>
+              <a:t>Las variables pueden ser: </a:t>
+            </a:r>
+          </a:p>
+        </p:txBody>
+      </p:sp>
+      <p:pic>
+        <p:nvPicPr>
+          <p:cNvPr id="5" name="Picture 4">
+            <a:extLst>
+              <a:ext uri="{FF2B5EF4-FFF2-40B4-BE49-F238E27FC236}">
+                <a16:creationId xmlns:a16="http://schemas.microsoft.com/office/drawing/2014/main" id="{9CB33994-9355-4B6E-B67B-BBC36E3A39F2}"/>
+              </a:ext>
+            </a:extLst>
+          </p:cNvPr>
+          <p:cNvPicPr>
+            <a:picLocks noChangeAspect="1"/>
+          </p:cNvPicPr>
+          <p:nvPr/>
+        </p:nvPicPr>
+        <p:blipFill>
+          <a:blip r:embed="rId2"/>
+          <a:stretch>
+            <a:fillRect/>
+          </a:stretch>
+        </p:blipFill>
+        <p:spPr>
+          <a:xfrm>
+            <a:off x="1259632" y="1844824"/>
+            <a:ext cx="6374284" cy="4058594"/>
+          </a:xfrm>
+          <a:prstGeom prst="rect">
+            <a:avLst/>
+          </a:prstGeom>
+        </p:spPr>
+      </p:pic>
+      <p:sp>
+        <p:nvSpPr>
+          <p:cNvPr id="8" name="TextBox 7">
+            <a:extLst>
+              <a:ext uri="{FF2B5EF4-FFF2-40B4-BE49-F238E27FC236}">
+                <a16:creationId xmlns:a16="http://schemas.microsoft.com/office/drawing/2014/main" id="{E5E78E8D-9A97-4BFA-840C-2C21D9AD90FD}"/>
+              </a:ext>
+            </a:extLst>
+          </p:cNvPr>
+          <p:cNvSpPr txBox="1"/>
+          <p:nvPr/>
+        </p:nvSpPr>
+        <p:spPr>
+          <a:xfrm>
+            <a:off x="5580112" y="1192410"/>
+            <a:ext cx="947054" cy="369332"/>
+          </a:xfrm>
+          <a:prstGeom prst="rect">
+            <a:avLst/>
+          </a:prstGeom>
+          <a:noFill/>
+        </p:spPr>
+        <p:txBody>
+          <a:bodyPr wrap="none" rtlCol="0">
+            <a:spAutoFit/>
+          </a:bodyPr>
+          <a:lstStyle/>
+          <a:p>
+            <a:r>
+              <a:rPr lang="es-PE" dirty="0"/>
+              <a:t>Discretas</a:t>
+            </a:r>
+          </a:p>
+        </p:txBody>
+      </p:sp>
+      <p:sp>
+        <p:nvSpPr>
+          <p:cNvPr id="9" name="TextBox 8">
+            <a:extLst>
+              <a:ext uri="{FF2B5EF4-FFF2-40B4-BE49-F238E27FC236}">
+                <a16:creationId xmlns:a16="http://schemas.microsoft.com/office/drawing/2014/main" id="{7C62D17B-39C2-4880-9835-263446DA2D3C}"/>
+              </a:ext>
+            </a:extLst>
+          </p:cNvPr>
+          <p:cNvSpPr txBox="1"/>
+          <p:nvPr/>
+        </p:nvSpPr>
+        <p:spPr>
+          <a:xfrm>
+            <a:off x="5173611" y="1426736"/>
+            <a:ext cx="1774653" cy="369332"/>
+          </a:xfrm>
+          <a:prstGeom prst="rect">
+            <a:avLst/>
+          </a:prstGeom>
+          <a:noFill/>
+        </p:spPr>
+        <p:txBody>
+          <a:bodyPr wrap="none" rtlCol="0">
+            <a:spAutoFit/>
+          </a:bodyPr>
+          <a:lstStyle/>
+          <a:p>
+            <a:r>
+              <a:rPr lang="es-PE" dirty="0"/>
+              <a:t>(binarias o enteras)</a:t>
+            </a:r>
+          </a:p>
+        </p:txBody>
+      </p:sp>
+    </p:spTree>
+    <p:extLst>
+      <p:ext uri="{BB962C8B-B14F-4D97-AF65-F5344CB8AC3E}">
+        <p14:creationId xmlns:p14="http://schemas.microsoft.com/office/powerpoint/2010/main" val="1298106768"/>
+      </p:ext>
+    </p:extLst>
+  </p:cSld>
+  <p:clrMapOvr>
+    <a:masterClrMapping/>
+  </p:clrMapOvr>
+  <p:transition spd="slow">
+    <p:fade/>
+  </p:transition>
+</p:sld>
+</file>
+
+<file path=ppt/slides/slide18.xml><?xml version="1.0" encoding="utf-8"?>
+<p:sld xmlns:a="http://schemas.openxmlformats.org/drawingml/2006/main" xmlns:r="http://schemas.openxmlformats.org/officeDocument/2006/relationships" xmlns:p="http://schemas.openxmlformats.org/presentationml/2006/main">
+  <p:cSld>
+    <p:spTree>
+      <p:nvGrpSpPr>
+        <p:cNvPr id="1" name=""/>
+        <p:cNvGrpSpPr/>
+        <p:nvPr/>
+      </p:nvGrpSpPr>
+      <p:grpSpPr>
+        <a:xfrm>
+          <a:off x="0" y="0"/>
+          <a:ext cx="0" cy="0"/>
+          <a:chOff x="0" y="0"/>
+          <a:chExt cx="0" cy="0"/>
+        </a:xfrm>
+      </p:grpSpPr>
+      <p:sp>
+        <p:nvSpPr>
+          <p:cNvPr id="2" name="Marcador de número de diapositiva 1"/>
+          <p:cNvSpPr>
+            <a:spLocks noGrp="1"/>
+          </p:cNvSpPr>
+          <p:nvPr>
+            <p:ph type="sldNum" sz="quarter" idx="12"/>
+          </p:nvPr>
+        </p:nvSpPr>
+        <p:spPr/>
+        <p:txBody>
+          <a:bodyPr/>
+          <a:lstStyle/>
+          <a:p>
+            <a:fld id="{64BD7E74-CBD2-4D88-9109-2EA8081AE675}" type="slidenum">
+              <a:rPr lang="es-ES" smtClean="0"/>
+              <a:pPr/>
+              <a:t>18</a:t>
+            </a:fld>
+            <a:endParaRPr lang="es-ES"/>
+          </a:p>
+        </p:txBody>
+      </p:sp>
+      <p:sp>
+        <p:nvSpPr>
+          <p:cNvPr id="3" name="4 Título"/>
+          <p:cNvSpPr txBox="1">
+            <a:spLocks/>
+          </p:cNvSpPr>
+          <p:nvPr/>
+        </p:nvSpPr>
+        <p:spPr>
+          <a:xfrm>
+            <a:off x="611560" y="188640"/>
+            <a:ext cx="8784976" cy="457120"/>
+          </a:xfrm>
+          <a:prstGeom prst="rect">
+            <a:avLst/>
+          </a:prstGeom>
+        </p:spPr>
+        <p:txBody>
+          <a:bodyPr bIns="91440" anchor="b" anchorCtr="0">
+            <a:noAutofit/>
+          </a:bodyPr>
+          <a:lstStyle>
+            <a:lvl1pPr>
+              <a:spcBef>
+                <a:spcPct val="0"/>
+              </a:spcBef>
+              <a:buNone/>
+              <a:defRPr kumimoji="0" sz="2400">
+                <a:ln w="0"/>
+                <a:solidFill>
+                  <a:schemeClr val="tx2"/>
+                </a:solidFill>
+                <a:effectLst>
+                  <a:outerShdw blurRad="38100" dist="19050" dir="2700000" algn="tl" rotWithShape="0">
+                    <a:schemeClr val="dk1">
+                      <a:alpha val="40000"/>
+                    </a:schemeClr>
+                  </a:outerShdw>
+                </a:effectLst>
+                <a:latin typeface="+mj-lt"/>
+                <a:ea typeface="+mj-ea"/>
+                <a:cs typeface="+mj-cs"/>
+              </a:defRPr>
+            </a:lvl1pPr>
+          </a:lstStyle>
+          <a:p>
+            <a:r>
+              <a:rPr lang="es-PE" altLang="en-US" dirty="0"/>
+              <a:t>Tipos de problemas de optimización</a:t>
+            </a:r>
+          </a:p>
+        </p:txBody>
+      </p:sp>
+      <p:sp>
+        <p:nvSpPr>
+          <p:cNvPr id="10" name="CuadroTexto 4">
+            <a:extLst>
+              <a:ext uri="{FF2B5EF4-FFF2-40B4-BE49-F238E27FC236}">
+                <a16:creationId xmlns:a16="http://schemas.microsoft.com/office/drawing/2014/main" id="{0EE2E59A-EFC5-4F7D-8B1B-CDE02E4D869C}"/>
+              </a:ext>
+            </a:extLst>
+          </p:cNvPr>
+          <p:cNvSpPr txBox="1"/>
+          <p:nvPr/>
+        </p:nvSpPr>
+        <p:spPr>
+          <a:xfrm>
+            <a:off x="602191" y="836712"/>
+            <a:ext cx="8002257" cy="5016758"/>
+          </a:xfrm>
+          <a:prstGeom prst="rect">
+            <a:avLst/>
+          </a:prstGeom>
+          <a:noFill/>
+        </p:spPr>
+        <p:txBody>
+          <a:bodyPr wrap="square" rtlCol="0">
+            <a:spAutoFit/>
+          </a:bodyPr>
+          <a:lstStyle/>
+          <a:p>
+            <a:pPr marL="285750" indent="-285750">
+              <a:buFont typeface="Arial" panose="020B0604020202020204" pitchFamily="34" charset="0"/>
+              <a:buChar char="•"/>
+            </a:pPr>
+            <a:r>
+              <a:rPr lang="es-MX" sz="2000" dirty="0"/>
+              <a:t>Programación lineal (LP)</a:t>
+            </a:r>
+          </a:p>
+          <a:p>
+            <a:pPr marL="800100" lvl="1" indent="-342900">
+              <a:buFont typeface="Perpetua" panose="02020502060401020303" pitchFamily="18" charset="0"/>
+              <a:buChar char="−"/>
+            </a:pPr>
+            <a:r>
+              <a:rPr lang="es-MX" sz="2000" dirty="0"/>
+              <a:t>Estudia el caso donde la función objetivo es lineal, las variables son continuas y el conjunto de restricciones son lineales</a:t>
+            </a:r>
+          </a:p>
+          <a:p>
+            <a:pPr marL="285750" indent="-285750">
+              <a:buFont typeface="Arial" panose="020B0604020202020204" pitchFamily="34" charset="0"/>
+              <a:buChar char="•"/>
+            </a:pPr>
+            <a:r>
+              <a:rPr lang="es-MX" sz="2000" dirty="0"/>
+              <a:t>Programación cuadrática (QP)</a:t>
+            </a:r>
+          </a:p>
+          <a:p>
+            <a:pPr marL="800100" lvl="1" indent="-342900">
+              <a:buFont typeface="Perpetua" panose="02020502060401020303" pitchFamily="18" charset="0"/>
+              <a:buChar char="−"/>
+            </a:pPr>
+            <a:r>
+              <a:rPr lang="es-MX" sz="2000" dirty="0"/>
+              <a:t>Estudia el caso en que la función objetivo tiene términos cuadráticos, las variables son continuas y el conjunto de restricciones son lineales.</a:t>
+            </a:r>
+          </a:p>
+          <a:p>
+            <a:pPr marL="285750" indent="-285750">
+              <a:buFont typeface="Arial" panose="020B0604020202020204" pitchFamily="34" charset="0"/>
+              <a:buChar char="•"/>
+            </a:pPr>
+            <a:r>
+              <a:rPr lang="es-MX" sz="2000" dirty="0"/>
+              <a:t>Programación cuadrática con restricciones cuadráticas (QCQP)</a:t>
+            </a:r>
+          </a:p>
+          <a:p>
+            <a:pPr marL="800100" lvl="1" indent="-342900">
+              <a:buFont typeface="Perpetua" panose="02020502060401020303" pitchFamily="18" charset="0"/>
+              <a:buChar char="−"/>
+            </a:pPr>
+            <a:r>
+              <a:rPr lang="es-MX" sz="2000" dirty="0"/>
+              <a:t>Estudia el caso en que la función objetivo tiene términos cuadráticos, las variables son continuas y el conjunto de restricciones son lineales y cuadráticas.</a:t>
+            </a:r>
+          </a:p>
+          <a:p>
+            <a:pPr marL="285750" indent="-285750">
+              <a:buFont typeface="Arial" panose="020B0604020202020204" pitchFamily="34" charset="0"/>
+              <a:buChar char="•"/>
+            </a:pPr>
+            <a:r>
+              <a:rPr lang="es-MX" sz="2000" dirty="0"/>
+              <a:t>Programación cónica de segundo orden (SOCP)</a:t>
+            </a:r>
+          </a:p>
+          <a:p>
+            <a:pPr marL="800100" lvl="1" indent="-342900">
+              <a:buFont typeface="Perpetua" panose="02020502060401020303" pitchFamily="18" charset="0"/>
+              <a:buChar char="−"/>
+            </a:pPr>
+            <a:r>
+              <a:rPr lang="es-MX" sz="2000" dirty="0"/>
+              <a:t>Estudia el caso en que la función objetivo tiene términos lineales, las variables son continuas y el conjunto de restricciones son lineales y cónicas de segundo orden.</a:t>
+            </a:r>
+          </a:p>
+          <a:p>
+            <a:pPr marL="285750" indent="-285750">
+              <a:buFont typeface="Arial" panose="020B0604020202020204" pitchFamily="34" charset="0"/>
+              <a:buChar char="•"/>
+            </a:pPr>
+            <a:endParaRPr lang="es-MX" sz="2000" dirty="0"/>
+          </a:p>
+          <a:p>
+            <a:pPr marL="285750" indent="-285750">
+              <a:buFont typeface="Arial" panose="020B0604020202020204" pitchFamily="34" charset="0"/>
+              <a:buChar char="•"/>
+            </a:pPr>
+            <a:endParaRPr lang="es-MX" sz="2000" dirty="0"/>
+          </a:p>
+        </p:txBody>
+      </p:sp>
+    </p:spTree>
+    <p:extLst>
+      <p:ext uri="{BB962C8B-B14F-4D97-AF65-F5344CB8AC3E}">
+        <p14:creationId xmlns:p14="http://schemas.microsoft.com/office/powerpoint/2010/main" val="1540215111"/>
+      </p:ext>
+    </p:extLst>
+  </p:cSld>
+  <p:clrMapOvr>
+    <a:masterClrMapping/>
+  </p:clrMapOvr>
+  <p:transition spd="slow">
+    <p:fade/>
+  </p:transition>
+</p:sld>
+</file>
+
+<file path=ppt/slides/slide19.xml><?xml version="1.0" encoding="utf-8"?>
+<p:sld xmlns:a="http://schemas.openxmlformats.org/drawingml/2006/main" xmlns:r="http://schemas.openxmlformats.org/officeDocument/2006/relationships" xmlns:p="http://schemas.openxmlformats.org/presentationml/2006/main">
+  <p:cSld>
+    <p:spTree>
+      <p:nvGrpSpPr>
+        <p:cNvPr id="1" name=""/>
+        <p:cNvGrpSpPr/>
+        <p:nvPr/>
+      </p:nvGrpSpPr>
+      <p:grpSpPr>
+        <a:xfrm>
+          <a:off x="0" y="0"/>
+          <a:ext cx="0" cy="0"/>
+          <a:chOff x="0" y="0"/>
+          <a:chExt cx="0" cy="0"/>
+        </a:xfrm>
+      </p:grpSpPr>
+      <p:sp>
+        <p:nvSpPr>
+          <p:cNvPr id="2" name="Marcador de número de diapositiva 1"/>
+          <p:cNvSpPr>
+            <a:spLocks noGrp="1"/>
+          </p:cNvSpPr>
+          <p:nvPr>
+            <p:ph type="sldNum" sz="quarter" idx="12"/>
+          </p:nvPr>
+        </p:nvSpPr>
+        <p:spPr/>
+        <p:txBody>
+          <a:bodyPr/>
+          <a:lstStyle/>
+          <a:p>
+            <a:fld id="{64BD7E74-CBD2-4D88-9109-2EA8081AE675}" type="slidenum">
+              <a:rPr lang="es-ES" smtClean="0"/>
+              <a:pPr/>
+              <a:t>19</a:t>
+            </a:fld>
+            <a:endParaRPr lang="es-ES"/>
+          </a:p>
+        </p:txBody>
+      </p:sp>
+      <p:sp>
+        <p:nvSpPr>
+          <p:cNvPr id="3" name="4 Título"/>
+          <p:cNvSpPr txBox="1">
+            <a:spLocks/>
+          </p:cNvSpPr>
+          <p:nvPr/>
+        </p:nvSpPr>
+        <p:spPr>
+          <a:xfrm>
+            <a:off x="611560" y="188640"/>
+            <a:ext cx="8784976" cy="457120"/>
+          </a:xfrm>
+          <a:prstGeom prst="rect">
+            <a:avLst/>
+          </a:prstGeom>
+        </p:spPr>
+        <p:txBody>
+          <a:bodyPr bIns="91440" anchor="b" anchorCtr="0">
+            <a:noAutofit/>
+          </a:bodyPr>
+          <a:lstStyle>
+            <a:lvl1pPr>
+              <a:spcBef>
+                <a:spcPct val="0"/>
+              </a:spcBef>
+              <a:buNone/>
+              <a:defRPr kumimoji="0" sz="2400">
+                <a:ln w="0"/>
+                <a:solidFill>
+                  <a:schemeClr val="tx2"/>
+                </a:solidFill>
+                <a:effectLst>
+                  <a:outerShdw blurRad="38100" dist="19050" dir="2700000" algn="tl" rotWithShape="0">
+                    <a:schemeClr val="dk1">
+                      <a:alpha val="40000"/>
+                    </a:schemeClr>
+                  </a:outerShdw>
+                </a:effectLst>
+                <a:latin typeface="+mj-lt"/>
+                <a:ea typeface="+mj-ea"/>
+                <a:cs typeface="+mj-cs"/>
+              </a:defRPr>
+            </a:lvl1pPr>
+          </a:lstStyle>
+          <a:p>
+            <a:r>
+              <a:rPr lang="es-PE" altLang="en-US" dirty="0"/>
+              <a:t>Tipos de problemas de optimización</a:t>
+            </a:r>
+          </a:p>
+        </p:txBody>
+      </p:sp>
+      <p:sp>
+        <p:nvSpPr>
+          <p:cNvPr id="10" name="CuadroTexto 4">
+            <a:extLst>
+              <a:ext uri="{FF2B5EF4-FFF2-40B4-BE49-F238E27FC236}">
+                <a16:creationId xmlns:a16="http://schemas.microsoft.com/office/drawing/2014/main" id="{0EE2E59A-EFC5-4F7D-8B1B-CDE02E4D869C}"/>
+              </a:ext>
+            </a:extLst>
+          </p:cNvPr>
+          <p:cNvSpPr txBox="1"/>
+          <p:nvPr/>
+        </p:nvSpPr>
+        <p:spPr>
+          <a:xfrm>
+            <a:off x="602191" y="836712"/>
+            <a:ext cx="8002257" cy="5632311"/>
+          </a:xfrm>
+          <a:prstGeom prst="rect">
+            <a:avLst/>
+          </a:prstGeom>
+          <a:noFill/>
+        </p:spPr>
+        <p:txBody>
+          <a:bodyPr wrap="square" rtlCol="0">
+            <a:spAutoFit/>
+          </a:bodyPr>
+          <a:lstStyle/>
+          <a:p>
+            <a:pPr marL="285750" indent="-285750">
+              <a:buFont typeface="Arial" panose="020B0604020202020204" pitchFamily="34" charset="0"/>
+              <a:buChar char="•"/>
+            </a:pPr>
+            <a:r>
+              <a:rPr lang="es-MX" sz="2000" dirty="0"/>
+              <a:t>Programación </a:t>
+            </a:r>
+            <a:r>
+              <a:rPr lang="es-MX" sz="2000" dirty="0" err="1"/>
+              <a:t>semidefinida</a:t>
+            </a:r>
+            <a:r>
+              <a:rPr lang="es-MX" sz="2000" dirty="0"/>
+              <a:t> (SDP)</a:t>
+            </a:r>
+          </a:p>
+          <a:p>
+            <a:pPr marL="800100" lvl="1" indent="-342900">
+              <a:buFont typeface="Perpetua" panose="02020502060401020303" pitchFamily="18" charset="0"/>
+              <a:buChar char="−"/>
+            </a:pPr>
+            <a:r>
+              <a:rPr lang="es-MX" sz="2000" dirty="0"/>
+              <a:t>Estudia el caso donde la función objetivo es una función lineal de una matriz simétrica X, la cual es optimizada sujeto a un conjunto de restricciones lineales de los elementos de la matriz X. La restricción adicional es que la solución tiene que ser </a:t>
+            </a:r>
+            <a:r>
+              <a:rPr lang="es-MX" sz="2000" dirty="0" err="1"/>
+              <a:t>semidefinida</a:t>
+            </a:r>
+            <a:r>
+              <a:rPr lang="es-MX" sz="2000" dirty="0"/>
+              <a:t> positiva</a:t>
+            </a:r>
+          </a:p>
+          <a:p>
+            <a:pPr marL="285750" indent="-285750">
+              <a:buFont typeface="Arial" panose="020B0604020202020204" pitchFamily="34" charset="0"/>
+              <a:buChar char="•"/>
+            </a:pPr>
+            <a:r>
+              <a:rPr lang="es-MX" sz="2000" dirty="0"/>
+              <a:t>Programación no lineal (NLP)</a:t>
+            </a:r>
+          </a:p>
+          <a:p>
+            <a:pPr marL="800100" lvl="1" indent="-342900">
+              <a:buFont typeface="Perpetua" panose="02020502060401020303" pitchFamily="18" charset="0"/>
+              <a:buChar char="−"/>
+            </a:pPr>
+            <a:r>
+              <a:rPr lang="es-MX" sz="2000" dirty="0"/>
+              <a:t>Estudia el caso en que la función objetivo tiene términos cuadráticos, las variables son continuas y el conjunto de restricciones son lineales.</a:t>
+            </a:r>
+          </a:p>
+          <a:p>
+            <a:pPr marL="285750" indent="-285750">
+              <a:buFont typeface="Arial" panose="020B0604020202020204" pitchFamily="34" charset="0"/>
+              <a:buChar char="•"/>
+            </a:pPr>
+            <a:r>
+              <a:rPr lang="es-MX" sz="2000" dirty="0"/>
+              <a:t>Programación cuadrática con restricciones cuadráticas (QCQP)</a:t>
+            </a:r>
+          </a:p>
+          <a:p>
+            <a:pPr marL="800100" lvl="1" indent="-342900">
+              <a:buFont typeface="Perpetua" panose="02020502060401020303" pitchFamily="18" charset="0"/>
+              <a:buChar char="−"/>
+            </a:pPr>
+            <a:r>
+              <a:rPr lang="es-MX" sz="2000" dirty="0"/>
+              <a:t>Estudia el caso en que la función objetivo tiene términos cuadráticos, las variables son continuas y el conjunto de restricciones son lineales y cuadráticas.</a:t>
+            </a:r>
+          </a:p>
+          <a:p>
+            <a:pPr marL="285750" indent="-285750">
+              <a:buFont typeface="Arial" panose="020B0604020202020204" pitchFamily="34" charset="0"/>
+              <a:buChar char="•"/>
+            </a:pPr>
+            <a:r>
+              <a:rPr lang="es-MX" sz="2000" dirty="0"/>
+              <a:t>Programación cónica de segundo orden (SOCP)</a:t>
+            </a:r>
+          </a:p>
+          <a:p>
+            <a:pPr marL="800100" lvl="1" indent="-342900">
+              <a:buFont typeface="Perpetua" panose="02020502060401020303" pitchFamily="18" charset="0"/>
+              <a:buChar char="−"/>
+            </a:pPr>
+            <a:r>
+              <a:rPr lang="es-MX" sz="2000" dirty="0"/>
+              <a:t>Estudia el caso en que la función objetivo tiene términos lineales, las variables son continuas y el conjunto de restricciones son lineales y cónicas de segundo orden.</a:t>
+            </a:r>
+          </a:p>
+          <a:p>
+            <a:pPr marL="285750" indent="-285750">
+              <a:buFont typeface="Arial" panose="020B0604020202020204" pitchFamily="34" charset="0"/>
+              <a:buChar char="•"/>
+            </a:pPr>
+            <a:endParaRPr lang="es-MX" sz="2000" dirty="0"/>
+          </a:p>
+          <a:p>
+            <a:pPr marL="285750" indent="-285750">
+              <a:buFont typeface="Arial" panose="020B0604020202020204" pitchFamily="34" charset="0"/>
+              <a:buChar char="•"/>
+            </a:pPr>
+            <a:endParaRPr lang="es-MX" sz="2000" dirty="0"/>
+          </a:p>
+        </p:txBody>
+      </p:sp>
+    </p:spTree>
+    <p:extLst>
+      <p:ext uri="{BB962C8B-B14F-4D97-AF65-F5344CB8AC3E}">
+        <p14:creationId xmlns:p14="http://schemas.microsoft.com/office/powerpoint/2010/main" val="162563666"/>
+      </p:ext>
+    </p:extLst>
+  </p:cSld>
+  <p:clrMapOvr>
+    <a:masterClrMapping/>
+  </p:clrMapOvr>
+  <p:transition spd="slow">
+    <p:fade/>
+  </p:transition>
 </p:sld>
 </file>
 
@@ -9051,6 +11474,199 @@
 </p:sld>
 </file>
 
+<file path=ppt/slides/slide9.xml><?xml version="1.0" encoding="utf-8"?>
+<p:sld xmlns:a="http://schemas.openxmlformats.org/drawingml/2006/main" xmlns:r="http://schemas.openxmlformats.org/officeDocument/2006/relationships" xmlns:p="http://schemas.openxmlformats.org/presentationml/2006/main">
+  <p:cSld>
+    <p:spTree>
+      <p:nvGrpSpPr>
+        <p:cNvPr id="1" name=""/>
+        <p:cNvGrpSpPr/>
+        <p:nvPr/>
+      </p:nvGrpSpPr>
+      <p:grpSpPr>
+        <a:xfrm>
+          <a:off x="0" y="0"/>
+          <a:ext cx="0" cy="0"/>
+          <a:chOff x="0" y="0"/>
+          <a:chExt cx="0" cy="0"/>
+        </a:xfrm>
+      </p:grpSpPr>
+      <p:sp>
+        <p:nvSpPr>
+          <p:cNvPr id="2" name="Marcador de número de diapositiva 1"/>
+          <p:cNvSpPr>
+            <a:spLocks noGrp="1"/>
+          </p:cNvSpPr>
+          <p:nvPr>
+            <p:ph type="sldNum" sz="quarter" idx="12"/>
+          </p:nvPr>
+        </p:nvSpPr>
+        <p:spPr/>
+        <p:txBody>
+          <a:bodyPr/>
+          <a:lstStyle/>
+          <a:p>
+            <a:fld id="{64BD7E74-CBD2-4D88-9109-2EA8081AE675}" type="slidenum">
+              <a:rPr lang="es-ES" smtClean="0"/>
+              <a:pPr/>
+              <a:t>9</a:t>
+            </a:fld>
+            <a:endParaRPr lang="es-ES"/>
+          </a:p>
+        </p:txBody>
+      </p:sp>
+      <p:sp>
+        <p:nvSpPr>
+          <p:cNvPr id="3" name="4 Título"/>
+          <p:cNvSpPr txBox="1">
+            <a:spLocks/>
+          </p:cNvSpPr>
+          <p:nvPr/>
+        </p:nvSpPr>
+        <p:spPr>
+          <a:xfrm>
+            <a:off x="611560" y="188640"/>
+            <a:ext cx="8784976" cy="457120"/>
+          </a:xfrm>
+          <a:prstGeom prst="rect">
+            <a:avLst/>
+          </a:prstGeom>
+        </p:spPr>
+        <p:txBody>
+          <a:bodyPr bIns="91440" anchor="b" anchorCtr="0">
+            <a:noAutofit/>
+          </a:bodyPr>
+          <a:lstStyle>
+            <a:lvl1pPr>
+              <a:spcBef>
+                <a:spcPct val="0"/>
+              </a:spcBef>
+              <a:buNone/>
+              <a:defRPr kumimoji="0" sz="2400">
+                <a:ln w="0"/>
+                <a:solidFill>
+                  <a:schemeClr val="tx2"/>
+                </a:solidFill>
+                <a:effectLst>
+                  <a:outerShdw blurRad="38100" dist="19050" dir="2700000" algn="tl" rotWithShape="0">
+                    <a:schemeClr val="dk1">
+                      <a:alpha val="40000"/>
+                    </a:schemeClr>
+                  </a:outerShdw>
+                </a:effectLst>
+                <a:latin typeface="+mj-lt"/>
+                <a:ea typeface="+mj-ea"/>
+                <a:cs typeface="+mj-cs"/>
+              </a:defRPr>
+            </a:lvl1pPr>
+          </a:lstStyle>
+          <a:p>
+            <a:r>
+              <a:rPr lang="es-PE" altLang="en-US" dirty="0"/>
+              <a:t>Optimización</a:t>
+            </a:r>
+          </a:p>
+        </p:txBody>
+      </p:sp>
+      <p:sp>
+        <p:nvSpPr>
+          <p:cNvPr id="5" name="CuadroTexto 4"/>
+          <p:cNvSpPr txBox="1"/>
+          <p:nvPr/>
+        </p:nvSpPr>
+        <p:spPr>
+          <a:xfrm>
+            <a:off x="602191" y="836712"/>
+            <a:ext cx="8002257" cy="2246769"/>
+          </a:xfrm>
+          <a:prstGeom prst="rect">
+            <a:avLst/>
+          </a:prstGeom>
+          <a:noFill/>
+        </p:spPr>
+        <p:txBody>
+          <a:bodyPr wrap="square" rtlCol="0">
+            <a:spAutoFit/>
+          </a:bodyPr>
+          <a:lstStyle/>
+          <a:p>
+            <a:pPr marL="285750" indent="-285750">
+              <a:buFont typeface="Arial" panose="020B0604020202020204" pitchFamily="34" charset="0"/>
+              <a:buChar char="•"/>
+            </a:pPr>
+            <a:r>
+              <a:rPr lang="es-MX" sz="2000" dirty="0"/>
+              <a:t>Definición: Proceso de abstracción de la realidad hacia formas matemáticas para representar partes de ella.</a:t>
+            </a:r>
+          </a:p>
+          <a:p>
+            <a:pPr marL="285750" indent="-285750">
+              <a:buFont typeface="Arial" panose="020B0604020202020204" pitchFamily="34" charset="0"/>
+              <a:buChar char="•"/>
+            </a:pPr>
+            <a:r>
+              <a:rPr lang="es-MX" sz="2000" dirty="0"/>
+              <a:t>Entonces: </a:t>
+            </a:r>
+          </a:p>
+          <a:p>
+            <a:pPr marL="742950" lvl="1" indent="-285750">
+              <a:buFont typeface="Arial" panose="020B0604020202020204" pitchFamily="34" charset="0"/>
+              <a:buChar char="•"/>
+            </a:pPr>
+            <a:r>
+              <a:rPr lang="es-MX" sz="2000" dirty="0"/>
+              <a:t>Representación simplificada de una realidad</a:t>
+            </a:r>
+          </a:p>
+          <a:p>
+            <a:pPr marL="742950" lvl="1" indent="-285750">
+              <a:buFont typeface="Arial" panose="020B0604020202020204" pitchFamily="34" charset="0"/>
+              <a:buChar char="•"/>
+            </a:pPr>
+            <a:r>
+              <a:rPr lang="es-MX" sz="2000" dirty="0"/>
+              <a:t>Herramienta ayuda para la toma de decisiones</a:t>
+            </a:r>
+          </a:p>
+          <a:p>
+            <a:pPr marL="285750" indent="-285750">
+              <a:buFont typeface="Arial" panose="020B0604020202020204" pitchFamily="34" charset="0"/>
+              <a:buChar char="•"/>
+            </a:pPr>
+            <a:r>
+              <a:rPr lang="es-MX" sz="2000" dirty="0"/>
+              <a:t>Modelador: desarrollo del modelo.</a:t>
+            </a:r>
+          </a:p>
+          <a:p>
+            <a:pPr marL="285750" indent="-285750">
+              <a:buFont typeface="Arial" panose="020B0604020202020204" pitchFamily="34" charset="0"/>
+              <a:buChar char="•"/>
+            </a:pPr>
+            <a:r>
+              <a:rPr lang="es-MX" sz="2000" dirty="0"/>
+              <a:t>Experto: conocimiento de la realidad del problema</a:t>
+            </a:r>
+          </a:p>
+        </p:txBody>
+      </p:sp>
+    </p:spTree>
+    <p:extLst>
+      <p:ext uri="{BB962C8B-B14F-4D97-AF65-F5344CB8AC3E}">
+        <p14:creationId xmlns:p14="http://schemas.microsoft.com/office/powerpoint/2010/main" val="2555020935"/>
+      </p:ext>
+    </p:extLst>
+  </p:cSld>
+  <p:clrMapOvr>
+    <a:masterClrMapping/>
+  </p:clrMapOvr>
+  <p:transition spd="slow">
+    <p:fade/>
+  </p:transition>
+</p:sld>
+</file>
+
 <file path=ppt/theme/theme1.xml><?xml version="1.0" encoding="utf-8"?>
 <a:theme xmlns:a="http://schemas.openxmlformats.org/drawingml/2006/main" name="Equidad">
   <a:themeElements>

--- a/1. Lectures/Introducción a la Optimización aplicada a Sistemas de Energía Eléctrica/Dia 1/2. Modelamiento & Optimización.pptx
+++ b/1. Lectures/Introducción a la Optimización aplicada a Sistemas de Energía Eléctrica/Dia 1/2. Modelamiento & Optimización.pptx
@@ -5,10 +5,10 @@
     <p:sldMasterId id="2147483732" r:id="rId1"/>
   </p:sldMasterIdLst>
   <p:notesMasterIdLst>
-    <p:notesMasterId r:id="rId16"/>
+    <p:notesMasterId r:id="rId33"/>
   </p:notesMasterIdLst>
   <p:handoutMasterIdLst>
-    <p:handoutMasterId r:id="rId17"/>
+    <p:handoutMasterId r:id="rId34"/>
   </p:handoutMasterIdLst>
   <p:sldIdLst>
     <p:sldId id="256" r:id="rId2"/>
@@ -25,6 +25,23 @@
     <p:sldId id="404" r:id="rId13"/>
     <p:sldId id="405" r:id="rId14"/>
     <p:sldId id="406" r:id="rId15"/>
+    <p:sldId id="419" r:id="rId16"/>
+    <p:sldId id="420" r:id="rId17"/>
+    <p:sldId id="421" r:id="rId18"/>
+    <p:sldId id="422" r:id="rId19"/>
+    <p:sldId id="417" r:id="rId20"/>
+    <p:sldId id="418" r:id="rId21"/>
+    <p:sldId id="423" r:id="rId22"/>
+    <p:sldId id="407" r:id="rId23"/>
+    <p:sldId id="408" r:id="rId24"/>
+    <p:sldId id="409" r:id="rId25"/>
+    <p:sldId id="410" r:id="rId26"/>
+    <p:sldId id="411" r:id="rId27"/>
+    <p:sldId id="412" r:id="rId28"/>
+    <p:sldId id="413" r:id="rId29"/>
+    <p:sldId id="414" r:id="rId30"/>
+    <p:sldId id="415" r:id="rId31"/>
+    <p:sldId id="416" r:id="rId32"/>
   </p:sldIdLst>
   <p:sldSz cx="9144000" cy="6858000" type="screen4x3"/>
   <p:notesSz cx="6858000" cy="9144000"/>
@@ -142,6 +159,23 @@
             <p14:sldId id="404"/>
             <p14:sldId id="405"/>
             <p14:sldId id="406"/>
+            <p14:sldId id="419"/>
+            <p14:sldId id="420"/>
+            <p14:sldId id="421"/>
+            <p14:sldId id="422"/>
+            <p14:sldId id="417"/>
+            <p14:sldId id="418"/>
+            <p14:sldId id="423"/>
+            <p14:sldId id="407"/>
+            <p14:sldId id="408"/>
+            <p14:sldId id="409"/>
+            <p14:sldId id="410"/>
+            <p14:sldId id="411"/>
+            <p14:sldId id="412"/>
+            <p14:sldId id="413"/>
+            <p14:sldId id="414"/>
+            <p14:sldId id="415"/>
+            <p14:sldId id="416"/>
           </p14:sldIdLst>
         </p14:section>
       </p14:sectionLst>
@@ -250,7 +284,7 @@
             <a:fld id="{20597DA6-5F4F-42D3-8A01-E860A9714D40}" type="datetimeFigureOut">
               <a:rPr lang="es-ES" smtClean="0"/>
               <a:pPr/>
-              <a:t>12/03/2019</a:t>
+              <a:t>13/03/2019</a:t>
             </a:fld>
             <a:endParaRPr lang="es-ES"/>
           </a:p>
@@ -317,7 +351,7 @@
             <a:fld id="{27A565BD-2940-4473-877F-C1308FF5E531}" type="slidenum">
               <a:rPr lang="es-ES" smtClean="0"/>
               <a:pPr/>
-              <a:t>‹Nº›</a:t>
+              <a:t>‹nº›</a:t>
             </a:fld>
             <a:endParaRPr lang="es-ES"/>
           </a:p>
@@ -421,7 +455,7 @@
             <a:fld id="{D23D6ABD-B407-4DBB-94E4-3909D8A64036}" type="datetimeFigureOut">
               <a:rPr lang="es-ES" smtClean="0"/>
               <a:pPr/>
-              <a:t>12/03/2019</a:t>
+              <a:t>13/03/2019</a:t>
             </a:fld>
             <a:endParaRPr lang="es-ES"/>
           </a:p>
@@ -580,7 +614,7 @@
             <a:fld id="{8AD6E850-6E96-4E89-86F1-2DE46BB95531}" type="slidenum">
               <a:rPr lang="es-ES" smtClean="0"/>
               <a:pPr/>
-              <a:t>‹Nº›</a:t>
+              <a:t>‹nº›</a:t>
             </a:fld>
             <a:endParaRPr lang="es-ES"/>
           </a:p>
@@ -1002,7 +1036,7 @@
             <a:fld id="{64BD7E74-CBD2-4D88-9109-2EA8081AE675}" type="slidenum">
               <a:rPr lang="es-ES" smtClean="0"/>
               <a:pPr/>
-              <a:t>‹Nº›</a:t>
+              <a:t>‹nº›</a:t>
             </a:fld>
             <a:endParaRPr lang="es-ES"/>
           </a:p>
@@ -1432,7 +1466,7 @@
             <a:fld id="{64BD7E74-CBD2-4D88-9109-2EA8081AE675}" type="slidenum">
               <a:rPr lang="es-ES" smtClean="0"/>
               <a:pPr/>
-              <a:t>‹Nº›</a:t>
+              <a:t>‹nº›</a:t>
             </a:fld>
             <a:endParaRPr lang="es-ES"/>
           </a:p>
@@ -1623,7 +1657,7 @@
             <a:fld id="{64BD7E74-CBD2-4D88-9109-2EA8081AE675}" type="slidenum">
               <a:rPr lang="es-ES" smtClean="0"/>
               <a:pPr/>
-              <a:t>‹Nº›</a:t>
+              <a:t>‹nº›</a:t>
             </a:fld>
             <a:endParaRPr lang="es-ES"/>
           </a:p>
@@ -1761,7 +1795,7 @@
             <a:fld id="{64BD7E74-CBD2-4D88-9109-2EA8081AE675}" type="slidenum">
               <a:rPr lang="es-ES" smtClean="0"/>
               <a:pPr/>
-              <a:t>‹Nº›</a:t>
+              <a:t>‹nº›</a:t>
             </a:fld>
             <a:endParaRPr lang="es-ES"/>
           </a:p>
@@ -2282,7 +2316,7 @@
             <a:fld id="{64BD7E74-CBD2-4D88-9109-2EA8081AE675}" type="slidenum">
               <a:rPr lang="es-ES" smtClean="0"/>
               <a:pPr/>
-              <a:t>‹Nº›</a:t>
+              <a:t>‹nº›</a:t>
             </a:fld>
             <a:endParaRPr lang="es-ES"/>
           </a:p>
@@ -2411,7 +2445,7 @@
             <a:fld id="{64BD7E74-CBD2-4D88-9109-2EA8081AE675}" type="slidenum">
               <a:rPr lang="es-ES" smtClean="0"/>
               <a:pPr/>
-              <a:t>‹Nº›</a:t>
+              <a:t>‹nº›</a:t>
             </a:fld>
             <a:endParaRPr lang="es-ES"/>
           </a:p>
@@ -2789,7 +2823,7 @@
             <a:fld id="{64BD7E74-CBD2-4D88-9109-2EA8081AE675}" type="slidenum">
               <a:rPr lang="es-ES" smtClean="0"/>
               <a:pPr/>
-              <a:t>‹Nº›</a:t>
+              <a:t>‹nº›</a:t>
             </a:fld>
             <a:endParaRPr lang="es-ES"/>
           </a:p>
@@ -3042,7 +3076,7 @@
             <a:fld id="{64BD7E74-CBD2-4D88-9109-2EA8081AE675}" type="slidenum">
               <a:rPr lang="es-ES" smtClean="0"/>
               <a:pPr/>
-              <a:t>‹Nº›</a:t>
+              <a:t>‹nº›</a:t>
             </a:fld>
             <a:endParaRPr lang="es-ES"/>
           </a:p>
@@ -3178,7 +3212,7 @@
             <a:fld id="{64BD7E74-CBD2-4D88-9109-2EA8081AE675}" type="slidenum">
               <a:rPr lang="es-ES" smtClean="0"/>
               <a:pPr/>
-              <a:t>‹Nº›</a:t>
+              <a:t>‹nº›</a:t>
             </a:fld>
             <a:endParaRPr lang="es-ES"/>
           </a:p>
@@ -3461,7 +3495,7 @@
             <a:fld id="{64BD7E74-CBD2-4D88-9109-2EA8081AE675}" type="slidenum">
               <a:rPr lang="es-ES" smtClean="0"/>
               <a:pPr/>
-              <a:t>‹Nº›</a:t>
+              <a:t>‹nº›</a:t>
             </a:fld>
             <a:endParaRPr lang="es-ES"/>
           </a:p>
@@ -3710,7 +3744,7 @@
             <a:fld id="{64BD7E74-CBD2-4D88-9109-2EA8081AE675}" type="slidenum">
               <a:rPr lang="es-ES" smtClean="0"/>
               <a:pPr/>
-              <a:t>‹Nº›</a:t>
+              <a:t>‹nº›</a:t>
             </a:fld>
             <a:endParaRPr lang="es-ES"/>
           </a:p>
@@ -4182,7 +4216,7 @@
             <a:fld id="{64BD7E74-CBD2-4D88-9109-2EA8081AE675}" type="slidenum">
               <a:rPr lang="es-ES" smtClean="0"/>
               <a:pPr/>
-              <a:t>‹Nº›</a:t>
+              <a:t>‹nº›</a:t>
             </a:fld>
             <a:endParaRPr lang="es-ES" dirty="0"/>
           </a:p>
@@ -4947,8 +4981,8 @@
         </p:nvSpPr>
         <p:spPr>
           <a:xfrm>
-            <a:off x="3383691" y="355303"/>
-            <a:ext cx="2521844" cy="769441"/>
+            <a:off x="3775625" y="358921"/>
+            <a:ext cx="1737976" cy="769441"/>
           </a:xfrm>
           <a:prstGeom prst="rect">
             <a:avLst/>
@@ -4962,10 +4996,10 @@
           <a:lstStyle/>
           <a:p>
             <a:r>
-              <a:rPr lang="en-US" sz="4400" dirty="0">
+              <a:rPr lang="es-PE" sz="4400" dirty="0">
                 <a:latin typeface="Old English Text MT" panose="03040902040508030806" pitchFamily="66" charset="0"/>
               </a:rPr>
-              <a:t>Workshop</a:t>
+              <a:t>Tópico</a:t>
             </a:r>
           </a:p>
         </p:txBody>
@@ -5390,7 +5424,7 @@
             </a:r>
             <a:r>
               <a:rPr lang="es-PE" sz="2400" b="1" dirty="0"/>
-              <a:t>elegancia</a:t>
+              <a:t>elegancia.</a:t>
             </a:r>
           </a:p>
           <a:p>
@@ -5400,7 +5434,7 @@
             </a:pPr>
             <a:r>
               <a:rPr lang="es-PE" sz="2400" dirty="0"/>
-              <a:t>Análisis de la estructura del modelo</a:t>
+              <a:t>Análisis de la estructura del modelo.</a:t>
             </a:r>
           </a:p>
           <a:p>
@@ -5418,7 +5452,7 @@
             </a:r>
             <a:r>
               <a:rPr lang="es-PE" sz="2400" dirty="0"/>
-              <a:t>)</a:t>
+              <a:t>).</a:t>
             </a:r>
           </a:p>
           <a:p>
@@ -6529,7 +6563,7 @@
             </a:pPr>
             <a:r>
               <a:rPr lang="es-PE" sz="2400" dirty="0"/>
-              <a:t>Se necesita de un método de solución, el cual se traduce en un algoritmo</a:t>
+              <a:t>Se necesita de un método de solución, el cual se traduce en un algoritmo.</a:t>
             </a:r>
           </a:p>
           <a:p>
@@ -6539,7 +6573,7 @@
             </a:pPr>
             <a:r>
               <a:rPr lang="es-PE" sz="2400" dirty="0"/>
-              <a:t>Existen diferentes métodos de solución (por ejemplo, para programación lineal normalmente se emplea el método simplex o método de puntos interiores)</a:t>
+              <a:t>Existen diferentes métodos de solución (por ejemplo, para programación lineal normalmente se emplea el método simplex o método de puntos interiores).</a:t>
             </a:r>
           </a:p>
           <a:p>
@@ -6722,7 +6756,7 @@
         <p:spPr>
           <a:xfrm>
             <a:off x="600771" y="876776"/>
-            <a:ext cx="8002257" cy="6370975"/>
+            <a:ext cx="8002257" cy="5262979"/>
           </a:xfrm>
           <a:prstGeom prst="rect">
             <a:avLst/>
@@ -6801,7 +6835,7 @@
             </a:r>
             <a:r>
               <a:rPr lang="es-PE" sz="2400" dirty="0"/>
-              <a:t>(parámetros)</a:t>
+              <a:t>(parámetros).</a:t>
             </a:r>
           </a:p>
           <a:p>
@@ -6811,7 +6845,7 @@
             </a:pPr>
             <a:r>
               <a:rPr lang="es-PE" sz="2400" dirty="0"/>
-              <a:t>Modificar el modelo con nuevas necesidades</a:t>
+              <a:t>Modificar el modelo con nuevas necesidades.</a:t>
             </a:r>
           </a:p>
           <a:p>
@@ -6836,29 +6870,8 @@
             </a:r>
             <a:r>
               <a:rPr lang="es-PE" sz="2400" dirty="0"/>
-              <a:t> de la solución a través de sensibilidades. (como ejemplo, se puede adoptar salida de líneas si es un problema de planificación de la expansión de la transmisión de energía eléctrica o de salida de operación de algún generador de energía eléctrica)</a:t>
-            </a:r>
-          </a:p>
-          <a:p>
-            <a:pPr marL="285750" indent="-285750" algn="just">
-              <a:buFont typeface="Arial" panose="020B0604020202020204" pitchFamily="34" charset="0"/>
-              <a:buChar char="•"/>
-            </a:pPr>
-            <a:endParaRPr lang="es-PE" sz="2400" dirty="0"/>
-          </a:p>
-          <a:p>
-            <a:pPr marL="285750" indent="-285750" algn="just">
-              <a:buFont typeface="Arial" panose="020B0604020202020204" pitchFamily="34" charset="0"/>
-              <a:buChar char="•"/>
-            </a:pPr>
-            <a:endParaRPr lang="es-PE" sz="2400" dirty="0"/>
-          </a:p>
-          <a:p>
-            <a:pPr marL="285750" indent="-285750" algn="just">
-              <a:buFont typeface="Arial" panose="020B0604020202020204" pitchFamily="34" charset="0"/>
-              <a:buChar char="•"/>
-            </a:pPr>
-            <a:endParaRPr lang="es-PE" sz="2400" dirty="0"/>
+              <a:t> de la solución a través de sensibilidades. (como ejemplo, se puede adoptar salida de líneas si es un problema de planificación de la expansión de la transmisión de energía eléctrica o de salida de operación de algún generador de energía eléctrica).</a:t>
+            </a:r>
           </a:p>
         </p:txBody>
       </p:sp>
@@ -7256,7 +7269,7 @@
 </p:sld>
 </file>
 
-<file path=ppt/slides/slide2.xml><?xml version="1.0" encoding="utf-8"?>
+<file path=ppt/slides/slide15.xml><?xml version="1.0" encoding="utf-8"?>
 <p:sld xmlns:a="http://schemas.openxmlformats.org/drawingml/2006/main" xmlns:r="http://schemas.openxmlformats.org/officeDocument/2006/relationships" xmlns:p="http://schemas.openxmlformats.org/presentationml/2006/main">
   <p:cSld>
     <p:spTree>
@@ -7291,7 +7304,7 @@
             <a:fld id="{64BD7E74-CBD2-4D88-9109-2EA8081AE675}" type="slidenum">
               <a:rPr lang="es-ES" smtClean="0"/>
               <a:pPr/>
-              <a:t>2</a:t>
+              <a:t>15</a:t>
             </a:fld>
             <a:endParaRPr lang="es-ES"/>
           </a:p>
@@ -7345,21 +7358,27 @@
           <a:p>
             <a:r>
               <a:rPr lang="es-PE" altLang="en-US" dirty="0"/>
-              <a:t>Ejemplo 1: Importación de petróleo</a:t>
-            </a:r>
-          </a:p>
-        </p:txBody>
-      </p:sp>
-      <p:sp>
-        <p:nvSpPr>
-          <p:cNvPr id="5" name="CuadroTexto 4"/>
+              <a:t>Optimización: Definición</a:t>
+            </a:r>
+          </a:p>
+        </p:txBody>
+      </p:sp>
+      <p:sp>
+        <p:nvSpPr>
+          <p:cNvPr id="5" name="CuadroTexto 4">
+            <a:extLst>
+              <a:ext uri="{FF2B5EF4-FFF2-40B4-BE49-F238E27FC236}">
+                <a16:creationId xmlns:a16="http://schemas.microsoft.com/office/drawing/2014/main" id="{4086E352-112E-4914-9B2F-1B80108A389A}"/>
+              </a:ext>
+            </a:extLst>
+          </p:cNvPr>
           <p:cNvSpPr txBox="1"/>
           <p:nvPr/>
         </p:nvSpPr>
         <p:spPr>
           <a:xfrm>
-            <a:off x="602191" y="836712"/>
-            <a:ext cx="8002257" cy="1323439"/>
+            <a:off x="600771" y="692696"/>
+            <a:ext cx="8002257" cy="2862322"/>
           </a:xfrm>
           <a:prstGeom prst="rect">
             <a:avLst/>
@@ -7372,6 +7391,3015 @@
           </a:bodyPr>
           <a:lstStyle/>
           <a:p>
+            <a:pPr marL="285750" indent="-285750" algn="just">
+              <a:buFont typeface="Arial" panose="020B0604020202020204" pitchFamily="34" charset="0"/>
+              <a:buChar char="•"/>
+            </a:pPr>
+            <a:r>
+              <a:rPr lang="es-PE" sz="2000" dirty="0"/>
+              <a:t>Es un </a:t>
+            </a:r>
+            <a:r>
+              <a:rPr lang="es-PE" sz="2000" b="1" dirty="0"/>
+              <a:t>proceso</a:t>
+            </a:r>
+            <a:r>
+              <a:rPr lang="es-PE" sz="2000" dirty="0"/>
+              <a:t> o </a:t>
+            </a:r>
+            <a:r>
+              <a:rPr lang="es-PE" sz="2000" b="1" dirty="0"/>
+              <a:t>metodología</a:t>
+            </a:r>
+            <a:r>
+              <a:rPr lang="es-PE" sz="2000" dirty="0"/>
+              <a:t> para el desarrollo de algún producto (tal como, un diseño, sistema o decisión) de tipo funcional o efectivo en lo posible.</a:t>
+            </a:r>
+          </a:p>
+          <a:p>
+            <a:pPr marL="285750" indent="-285750" algn="just">
+              <a:buFont typeface="Arial" panose="020B0604020202020204" pitchFamily="34" charset="0"/>
+              <a:buChar char="•"/>
+            </a:pPr>
+            <a:r>
+              <a:rPr lang="es-ES" sz="2000" dirty="0"/>
+              <a:t>Específicamente: los procedimientos matemáticos (como encontrar el </a:t>
+            </a:r>
+            <a:r>
+              <a:rPr lang="es-ES" sz="2000" b="1" dirty="0"/>
+              <a:t>máximo</a:t>
+            </a:r>
+            <a:r>
+              <a:rPr lang="es-ES" sz="2000" dirty="0"/>
+              <a:t> o </a:t>
+            </a:r>
+            <a:r>
+              <a:rPr lang="es-ES" sz="2000" b="1" dirty="0"/>
+              <a:t>mínimo</a:t>
+            </a:r>
+            <a:r>
+              <a:rPr lang="es-ES" sz="2000" dirty="0"/>
+              <a:t> de una función) involucrados en este.</a:t>
+            </a:r>
+          </a:p>
+          <a:p>
+            <a:pPr marL="285750" indent="-285750" algn="just">
+              <a:buFont typeface="Arial" panose="020B0604020202020204" pitchFamily="34" charset="0"/>
+              <a:buChar char="•"/>
+            </a:pPr>
+            <a:r>
+              <a:rPr lang="es-ES" sz="2000" dirty="0"/>
+              <a:t>En la práctica: es encontrar valores (</a:t>
+            </a:r>
+            <a:r>
+              <a:rPr lang="es-ES" sz="2000" b="1" dirty="0"/>
+              <a:t>solución</a:t>
+            </a:r>
+            <a:r>
+              <a:rPr lang="es-ES" sz="2000" dirty="0"/>
+              <a:t>) a las </a:t>
+            </a:r>
+            <a:r>
+              <a:rPr lang="es-ES" sz="2000" b="1" dirty="0"/>
+              <a:t>variables</a:t>
+            </a:r>
+            <a:r>
+              <a:rPr lang="es-ES" sz="2000" dirty="0"/>
+              <a:t> de decisión que hacen óptima a una </a:t>
+            </a:r>
+            <a:r>
+              <a:rPr lang="es-ES" sz="2000" b="1" dirty="0"/>
+              <a:t>función objetivo</a:t>
+            </a:r>
+            <a:r>
+              <a:rPr lang="es-ES" sz="2000" dirty="0"/>
+              <a:t> y que satisfacen un conjunto de </a:t>
+            </a:r>
+            <a:r>
+              <a:rPr lang="es-ES" sz="2000" b="1" dirty="0"/>
+              <a:t>restricciones</a:t>
+            </a:r>
+            <a:r>
+              <a:rPr lang="es-ES" sz="2000" dirty="0"/>
+              <a:t>.</a:t>
+            </a:r>
+          </a:p>
+          <a:p>
+            <a:pPr marL="285750" indent="-285750" algn="just">
+              <a:buFont typeface="Arial" panose="020B0604020202020204" pitchFamily="34" charset="0"/>
+              <a:buChar char="•"/>
+            </a:pPr>
+            <a:r>
+              <a:rPr lang="es-PE" sz="2000" dirty="0"/>
+              <a:t>Ejemplo: se quiere maximizar el uso de losetas cerámicas (l: longitud e a: altura en metros) en un área </a:t>
+            </a:r>
+            <a:r>
+              <a:rPr lang="es-PE" sz="2000" dirty="0">
+                <a:solidFill>
+                  <a:schemeClr val="accent2">
+                    <a:lumMod val="75000"/>
+                  </a:schemeClr>
+                </a:solidFill>
+              </a:rPr>
+              <a:t>A</a:t>
+            </a:r>
+            <a:r>
+              <a:rPr lang="es-PE" sz="2000" dirty="0"/>
+              <a:t>. Siendo el </a:t>
+            </a:r>
+            <a:r>
+              <a:rPr lang="es-PE" sz="2000" i="1" dirty="0">
+                <a:solidFill>
+                  <a:schemeClr val="accent1">
+                    <a:lumMod val="75000"/>
+                  </a:schemeClr>
+                </a:solidFill>
+              </a:rPr>
+              <a:t>n</a:t>
+            </a:r>
+            <a:r>
+              <a:rPr lang="es-PE" sz="2000" dirty="0"/>
+              <a:t>, el numero de losetas empleadas</a:t>
+            </a:r>
+          </a:p>
+        </p:txBody>
+      </p:sp>
+      <p:sp>
+        <p:nvSpPr>
+          <p:cNvPr id="4" name="Retângulo 3">
+            <a:extLst>
+              <a:ext uri="{FF2B5EF4-FFF2-40B4-BE49-F238E27FC236}">
+                <a16:creationId xmlns:a16="http://schemas.microsoft.com/office/drawing/2014/main" id="{9AA147E6-5078-4183-AD4B-39EDEBC47954}"/>
+              </a:ext>
+            </a:extLst>
+          </p:cNvPr>
+          <p:cNvSpPr/>
+          <p:nvPr/>
+        </p:nvSpPr>
+        <p:spPr>
+          <a:xfrm>
+            <a:off x="1835696" y="5013176"/>
+            <a:ext cx="360040" cy="360040"/>
+          </a:xfrm>
+          <a:prstGeom prst="rect">
+            <a:avLst/>
+          </a:prstGeom>
+          <a:solidFill>
+            <a:schemeClr val="accent1">
+              <a:lumMod val="20000"/>
+              <a:lumOff val="80000"/>
+            </a:schemeClr>
+          </a:solidFill>
+        </p:spPr>
+        <p:style>
+          <a:lnRef idx="2">
+            <a:schemeClr val="accent1">
+              <a:shade val="50000"/>
+            </a:schemeClr>
+          </a:lnRef>
+          <a:fillRef idx="1">
+            <a:schemeClr val="accent1"/>
+          </a:fillRef>
+          <a:effectRef idx="0">
+            <a:schemeClr val="accent1"/>
+          </a:effectRef>
+          <a:fontRef idx="minor">
+            <a:schemeClr val="lt1"/>
+          </a:fontRef>
+        </p:style>
+        <p:txBody>
+          <a:bodyPr rtlCol="0" anchor="ctr"/>
+          <a:lstStyle/>
+          <a:p>
+            <a:pPr algn="ctr"/>
+            <a:endParaRPr lang="en-US"/>
+          </a:p>
+        </p:txBody>
+      </p:sp>
+      <p:sp>
+        <p:nvSpPr>
+          <p:cNvPr id="7" name="Retângulo 6">
+            <a:extLst>
+              <a:ext uri="{FF2B5EF4-FFF2-40B4-BE49-F238E27FC236}">
+                <a16:creationId xmlns:a16="http://schemas.microsoft.com/office/drawing/2014/main" id="{D448A74E-DBCF-4B33-8456-986E95C94A32}"/>
+              </a:ext>
+            </a:extLst>
+          </p:cNvPr>
+          <p:cNvSpPr/>
+          <p:nvPr/>
+        </p:nvSpPr>
+        <p:spPr>
+          <a:xfrm>
+            <a:off x="2195736" y="5013176"/>
+            <a:ext cx="360040" cy="360040"/>
+          </a:xfrm>
+          <a:prstGeom prst="rect">
+            <a:avLst/>
+          </a:prstGeom>
+          <a:solidFill>
+            <a:schemeClr val="accent1">
+              <a:lumMod val="20000"/>
+              <a:lumOff val="80000"/>
+            </a:schemeClr>
+          </a:solidFill>
+        </p:spPr>
+        <p:style>
+          <a:lnRef idx="2">
+            <a:schemeClr val="accent1">
+              <a:shade val="50000"/>
+            </a:schemeClr>
+          </a:lnRef>
+          <a:fillRef idx="1">
+            <a:schemeClr val="accent1"/>
+          </a:fillRef>
+          <a:effectRef idx="0">
+            <a:schemeClr val="accent1"/>
+          </a:effectRef>
+          <a:fontRef idx="minor">
+            <a:schemeClr val="lt1"/>
+          </a:fontRef>
+        </p:style>
+        <p:txBody>
+          <a:bodyPr rtlCol="0" anchor="ctr"/>
+          <a:lstStyle/>
+          <a:p>
+            <a:pPr algn="ctr"/>
+            <a:endParaRPr lang="en-US"/>
+          </a:p>
+        </p:txBody>
+      </p:sp>
+      <p:sp>
+        <p:nvSpPr>
+          <p:cNvPr id="8" name="Retângulo 7">
+            <a:extLst>
+              <a:ext uri="{FF2B5EF4-FFF2-40B4-BE49-F238E27FC236}">
+                <a16:creationId xmlns:a16="http://schemas.microsoft.com/office/drawing/2014/main" id="{0FB38805-7DCC-4884-A505-D47CAD52559F}"/>
+              </a:ext>
+            </a:extLst>
+          </p:cNvPr>
+          <p:cNvSpPr/>
+          <p:nvPr/>
+        </p:nvSpPr>
+        <p:spPr>
+          <a:xfrm>
+            <a:off x="2195736" y="4653136"/>
+            <a:ext cx="360040" cy="360040"/>
+          </a:xfrm>
+          <a:prstGeom prst="rect">
+            <a:avLst/>
+          </a:prstGeom>
+          <a:solidFill>
+            <a:schemeClr val="accent1">
+              <a:lumMod val="20000"/>
+              <a:lumOff val="80000"/>
+            </a:schemeClr>
+          </a:solidFill>
+        </p:spPr>
+        <p:style>
+          <a:lnRef idx="2">
+            <a:schemeClr val="accent1">
+              <a:shade val="50000"/>
+            </a:schemeClr>
+          </a:lnRef>
+          <a:fillRef idx="1">
+            <a:schemeClr val="accent1"/>
+          </a:fillRef>
+          <a:effectRef idx="0">
+            <a:schemeClr val="accent1"/>
+          </a:effectRef>
+          <a:fontRef idx="minor">
+            <a:schemeClr val="lt1"/>
+          </a:fontRef>
+        </p:style>
+        <p:txBody>
+          <a:bodyPr rtlCol="0" anchor="ctr"/>
+          <a:lstStyle/>
+          <a:p>
+            <a:pPr algn="ctr"/>
+            <a:endParaRPr lang="en-US"/>
+          </a:p>
+        </p:txBody>
+      </p:sp>
+      <p:sp>
+        <p:nvSpPr>
+          <p:cNvPr id="9" name="Retângulo 8">
+            <a:extLst>
+              <a:ext uri="{FF2B5EF4-FFF2-40B4-BE49-F238E27FC236}">
+                <a16:creationId xmlns:a16="http://schemas.microsoft.com/office/drawing/2014/main" id="{93C7D001-2312-4635-880A-20B8B828CA37}"/>
+              </a:ext>
+            </a:extLst>
+          </p:cNvPr>
+          <p:cNvSpPr/>
+          <p:nvPr/>
+        </p:nvSpPr>
+        <p:spPr>
+          <a:xfrm>
+            <a:off x="1835696" y="4653136"/>
+            <a:ext cx="360040" cy="360040"/>
+          </a:xfrm>
+          <a:prstGeom prst="rect">
+            <a:avLst/>
+          </a:prstGeom>
+          <a:solidFill>
+            <a:schemeClr val="accent1">
+              <a:lumMod val="20000"/>
+              <a:lumOff val="80000"/>
+            </a:schemeClr>
+          </a:solidFill>
+        </p:spPr>
+        <p:style>
+          <a:lnRef idx="2">
+            <a:schemeClr val="accent1">
+              <a:shade val="50000"/>
+            </a:schemeClr>
+          </a:lnRef>
+          <a:fillRef idx="1">
+            <a:schemeClr val="accent1"/>
+          </a:fillRef>
+          <a:effectRef idx="0">
+            <a:schemeClr val="accent1"/>
+          </a:effectRef>
+          <a:fontRef idx="minor">
+            <a:schemeClr val="lt1"/>
+          </a:fontRef>
+        </p:style>
+        <p:txBody>
+          <a:bodyPr rtlCol="0" anchor="ctr"/>
+          <a:lstStyle/>
+          <a:p>
+            <a:pPr algn="ctr"/>
+            <a:endParaRPr lang="en-US"/>
+          </a:p>
+        </p:txBody>
+      </p:sp>
+      <p:sp>
+        <p:nvSpPr>
+          <p:cNvPr id="10" name="Retângulo 9">
+            <a:extLst>
+              <a:ext uri="{FF2B5EF4-FFF2-40B4-BE49-F238E27FC236}">
+                <a16:creationId xmlns:a16="http://schemas.microsoft.com/office/drawing/2014/main" id="{F9D78842-36B5-41A2-9185-5800BA5F5806}"/>
+              </a:ext>
+            </a:extLst>
+          </p:cNvPr>
+          <p:cNvSpPr/>
+          <p:nvPr/>
+        </p:nvSpPr>
+        <p:spPr>
+          <a:xfrm>
+            <a:off x="1835696" y="4046240"/>
+            <a:ext cx="1326976" cy="1326976"/>
+          </a:xfrm>
+          <a:prstGeom prst="rect">
+            <a:avLst/>
+          </a:prstGeom>
+          <a:noFill/>
+        </p:spPr>
+        <p:style>
+          <a:lnRef idx="2">
+            <a:schemeClr val="accent1"/>
+          </a:lnRef>
+          <a:fillRef idx="1">
+            <a:schemeClr val="lt1"/>
+          </a:fillRef>
+          <a:effectRef idx="0">
+            <a:schemeClr val="accent1"/>
+          </a:effectRef>
+          <a:fontRef idx="minor">
+            <a:schemeClr val="dk1"/>
+          </a:fontRef>
+        </p:style>
+        <p:txBody>
+          <a:bodyPr rtlCol="0" anchor="ctr"/>
+          <a:lstStyle/>
+          <a:p>
+            <a:pPr algn="ctr"/>
+            <a:endParaRPr lang="en-US"/>
+          </a:p>
+        </p:txBody>
+      </p:sp>
+      <p:cxnSp>
+        <p:nvCxnSpPr>
+          <p:cNvPr id="12" name="Conector de Seta Reta 11">
+            <a:extLst>
+              <a:ext uri="{FF2B5EF4-FFF2-40B4-BE49-F238E27FC236}">
+                <a16:creationId xmlns:a16="http://schemas.microsoft.com/office/drawing/2014/main" id="{5F829B7E-6C1A-4D07-8BC3-865B55D4A961}"/>
+              </a:ext>
+            </a:extLst>
+          </p:cNvPr>
+          <p:cNvCxnSpPr/>
+          <p:nvPr/>
+        </p:nvCxnSpPr>
+        <p:spPr>
+          <a:xfrm>
+            <a:off x="1763688" y="5013176"/>
+            <a:ext cx="0" cy="360040"/>
+          </a:xfrm>
+          <a:prstGeom prst="straightConnector1">
+            <a:avLst/>
+          </a:prstGeom>
+          <a:ln>
+            <a:headEnd type="triangle"/>
+            <a:tailEnd type="triangle"/>
+          </a:ln>
+        </p:spPr>
+        <p:style>
+          <a:lnRef idx="1">
+            <a:schemeClr val="dk1"/>
+          </a:lnRef>
+          <a:fillRef idx="0">
+            <a:schemeClr val="dk1"/>
+          </a:fillRef>
+          <a:effectRef idx="0">
+            <a:schemeClr val="dk1"/>
+          </a:effectRef>
+          <a:fontRef idx="minor">
+            <a:schemeClr val="tx1"/>
+          </a:fontRef>
+        </p:style>
+      </p:cxnSp>
+      <p:cxnSp>
+        <p:nvCxnSpPr>
+          <p:cNvPr id="13" name="Conector de Seta Reta 12">
+            <a:extLst>
+              <a:ext uri="{FF2B5EF4-FFF2-40B4-BE49-F238E27FC236}">
+                <a16:creationId xmlns:a16="http://schemas.microsoft.com/office/drawing/2014/main" id="{96334DBA-8861-4271-A3BA-933AFB50AC3E}"/>
+              </a:ext>
+            </a:extLst>
+          </p:cNvPr>
+          <p:cNvCxnSpPr>
+            <a:cxnSpLocks/>
+          </p:cNvCxnSpPr>
+          <p:nvPr/>
+        </p:nvCxnSpPr>
+        <p:spPr>
+          <a:xfrm rot="5400000">
+            <a:off x="2015716" y="5265204"/>
+            <a:ext cx="0" cy="360040"/>
+          </a:xfrm>
+          <a:prstGeom prst="straightConnector1">
+            <a:avLst/>
+          </a:prstGeom>
+          <a:ln>
+            <a:headEnd type="triangle"/>
+            <a:tailEnd type="triangle"/>
+          </a:ln>
+        </p:spPr>
+        <p:style>
+          <a:lnRef idx="1">
+            <a:schemeClr val="dk1"/>
+          </a:lnRef>
+          <a:fillRef idx="0">
+            <a:schemeClr val="dk1"/>
+          </a:fillRef>
+          <a:effectRef idx="0">
+            <a:schemeClr val="dk1"/>
+          </a:effectRef>
+          <a:fontRef idx="minor">
+            <a:schemeClr val="tx1"/>
+          </a:fontRef>
+        </p:style>
+      </p:cxnSp>
+      <p:sp>
+        <p:nvSpPr>
+          <p:cNvPr id="14" name="CaixaDeTexto 13">
+            <a:extLst>
+              <a:ext uri="{FF2B5EF4-FFF2-40B4-BE49-F238E27FC236}">
+                <a16:creationId xmlns:a16="http://schemas.microsoft.com/office/drawing/2014/main" id="{2FEF3A18-8D90-4605-A14B-EB081AFDCEED}"/>
+              </a:ext>
+            </a:extLst>
+          </p:cNvPr>
+          <p:cNvSpPr txBox="1"/>
+          <p:nvPr/>
+        </p:nvSpPr>
+        <p:spPr>
+          <a:xfrm>
+            <a:off x="1503680" y="5023919"/>
+            <a:ext cx="260008" cy="338554"/>
+          </a:xfrm>
+          <a:prstGeom prst="rect">
+            <a:avLst/>
+          </a:prstGeom>
+          <a:noFill/>
+        </p:spPr>
+        <p:txBody>
+          <a:bodyPr wrap="none" rtlCol="0">
+            <a:spAutoFit/>
+          </a:bodyPr>
+          <a:lstStyle/>
+          <a:p>
+            <a:r>
+              <a:rPr lang="en-US" sz="1600" dirty="0">
+                <a:solidFill>
+                  <a:schemeClr val="accent2">
+                    <a:lumMod val="75000"/>
+                  </a:schemeClr>
+                </a:solidFill>
+              </a:rPr>
+              <a:t>a</a:t>
+            </a:r>
+          </a:p>
+        </p:txBody>
+      </p:sp>
+      <p:sp>
+        <p:nvSpPr>
+          <p:cNvPr id="15" name="CaixaDeTexto 14">
+            <a:extLst>
+              <a:ext uri="{FF2B5EF4-FFF2-40B4-BE49-F238E27FC236}">
+                <a16:creationId xmlns:a16="http://schemas.microsoft.com/office/drawing/2014/main" id="{EF002B13-D4B5-4978-B117-D0BDEE1BA6B2}"/>
+              </a:ext>
+            </a:extLst>
+          </p:cNvPr>
+          <p:cNvSpPr txBox="1"/>
+          <p:nvPr/>
+        </p:nvSpPr>
+        <p:spPr>
+          <a:xfrm>
+            <a:off x="1898536" y="5445224"/>
+            <a:ext cx="234360" cy="338554"/>
+          </a:xfrm>
+          <a:prstGeom prst="rect">
+            <a:avLst/>
+          </a:prstGeom>
+          <a:noFill/>
+        </p:spPr>
+        <p:txBody>
+          <a:bodyPr wrap="none" rtlCol="0">
+            <a:spAutoFit/>
+          </a:bodyPr>
+          <a:lstStyle/>
+          <a:p>
+            <a:r>
+              <a:rPr lang="en-US" sz="1600" dirty="0">
+                <a:solidFill>
+                  <a:schemeClr val="accent2">
+                    <a:lumMod val="75000"/>
+                  </a:schemeClr>
+                </a:solidFill>
+              </a:rPr>
+              <a:t>l</a:t>
+            </a:r>
+          </a:p>
+        </p:txBody>
+      </p:sp>
+      <p:sp>
+        <p:nvSpPr>
+          <p:cNvPr id="16" name="CaixaDeTexto 15">
+            <a:extLst>
+              <a:ext uri="{FF2B5EF4-FFF2-40B4-BE49-F238E27FC236}">
+                <a16:creationId xmlns:a16="http://schemas.microsoft.com/office/drawing/2014/main" id="{F561D8F2-718C-401A-AB65-1DA6802259FF}"/>
+              </a:ext>
+            </a:extLst>
+          </p:cNvPr>
+          <p:cNvSpPr txBox="1"/>
+          <p:nvPr/>
+        </p:nvSpPr>
+        <p:spPr>
+          <a:xfrm>
+            <a:off x="2856178" y="4046240"/>
+            <a:ext cx="306494" cy="338554"/>
+          </a:xfrm>
+          <a:prstGeom prst="rect">
+            <a:avLst/>
+          </a:prstGeom>
+          <a:noFill/>
+        </p:spPr>
+        <p:txBody>
+          <a:bodyPr wrap="none" rtlCol="0">
+            <a:spAutoFit/>
+          </a:bodyPr>
+          <a:lstStyle/>
+          <a:p>
+            <a:r>
+              <a:rPr lang="en-US" sz="1600" dirty="0">
+                <a:solidFill>
+                  <a:schemeClr val="accent2">
+                    <a:lumMod val="75000"/>
+                  </a:schemeClr>
+                </a:solidFill>
+              </a:rPr>
+              <a:t>A</a:t>
+            </a:r>
+          </a:p>
+        </p:txBody>
+      </p:sp>
+      <mc:AlternateContent xmlns:mc="http://schemas.openxmlformats.org/markup-compatibility/2006">
+        <mc:Choice xmlns:a14="http://schemas.microsoft.com/office/drawing/2010/main" Requires="a14">
+          <p:sp>
+            <p:nvSpPr>
+              <p:cNvPr id="18" name="CaixaDeTexto 17">
+                <a:extLst>
+                  <a:ext uri="{FF2B5EF4-FFF2-40B4-BE49-F238E27FC236}">
+                    <a16:creationId xmlns:a16="http://schemas.microsoft.com/office/drawing/2014/main" id="{BE67DCC1-3A36-4343-97EC-E0E1D6371C92}"/>
+                  </a:ext>
+                </a:extLst>
+              </p:cNvPr>
+              <p:cNvSpPr txBox="1"/>
+              <p:nvPr/>
+            </p:nvSpPr>
+            <p:spPr>
+              <a:xfrm>
+                <a:off x="5508104" y="4223121"/>
+                <a:ext cx="1500347" cy="1384995"/>
+              </a:xfrm>
+              <a:prstGeom prst="rect">
+                <a:avLst/>
+              </a:prstGeom>
+              <a:noFill/>
+            </p:spPr>
+            <p:txBody>
+              <a:bodyPr wrap="none" lIns="0" tIns="0" rIns="0" bIns="0" rtlCol="0">
+                <a:spAutoFit/>
+              </a:bodyPr>
+              <a:lstStyle/>
+              <a:p>
+                <a14:m>
+                  <m:oMathPara xmlns:m="http://schemas.openxmlformats.org/officeDocument/2006/math">
+                    <m:oMathParaPr>
+                      <m:jc m:val="centerGroup"/>
+                    </m:oMathParaPr>
+                    <m:oMath xmlns:m="http://schemas.openxmlformats.org/officeDocument/2006/math">
+                      <m:r>
+                        <a:rPr lang="pt-BR" b="0" i="1" smtClean="0">
+                          <a:latin typeface="Cambria Math" panose="02040503050406030204" pitchFamily="18" charset="0"/>
+                        </a:rPr>
+                        <m:t>𝑀𝑎𝑥</m:t>
+                      </m:r>
+                      <m:r>
+                        <a:rPr lang="pt-BR" b="0" i="1" smtClean="0">
+                          <a:latin typeface="Cambria Math" panose="02040503050406030204" pitchFamily="18" charset="0"/>
+                        </a:rPr>
+                        <m:t> </m:t>
+                      </m:r>
+                      <m:r>
+                        <a:rPr lang="pt-BR" b="0" i="1" smtClean="0">
+                          <a:solidFill>
+                            <a:schemeClr val="accent1">
+                              <a:lumMod val="75000"/>
+                            </a:schemeClr>
+                          </a:solidFill>
+                          <a:latin typeface="Cambria Math" panose="02040503050406030204" pitchFamily="18" charset="0"/>
+                        </a:rPr>
+                        <m:t>𝑛</m:t>
+                      </m:r>
+                      <m:r>
+                        <a:rPr lang="pt-BR" b="0" i="1" smtClean="0">
+                          <a:latin typeface="Cambria Math" panose="02040503050406030204" pitchFamily="18" charset="0"/>
+                        </a:rPr>
+                        <m:t> </m:t>
+                      </m:r>
+                    </m:oMath>
+                  </m:oMathPara>
+                </a14:m>
+                <a:endParaRPr lang="pt-BR" b="0" i="1" dirty="0">
+                  <a:latin typeface="Cambria Math" panose="02040503050406030204" pitchFamily="18" charset="0"/>
+                </a:endParaRPr>
+              </a:p>
+              <a:p>
+                <a:pPr/>
+                <a:r>
+                  <a:rPr lang="pt-BR" b="0" dirty="0" err="1"/>
+                  <a:t>Sujeto</a:t>
+                </a:r>
+                <a:r>
+                  <a:rPr lang="pt-BR" b="0" dirty="0"/>
+                  <a:t> a:</a:t>
+                </a:r>
+              </a:p>
+              <a:p>
+                <a:pPr algn="ctr"/>
+                <a14:m>
+                  <m:oMathPara xmlns:m="http://schemas.openxmlformats.org/officeDocument/2006/math">
+                    <m:oMathParaPr>
+                      <m:jc m:val="center"/>
+                    </m:oMathParaPr>
+                    <m:oMath xmlns:m="http://schemas.openxmlformats.org/officeDocument/2006/math">
+                      <m:r>
+                        <a:rPr lang="pt-BR" b="0" i="1" smtClean="0">
+                          <a:solidFill>
+                            <a:schemeClr val="accent1">
+                              <a:lumMod val="75000"/>
+                            </a:schemeClr>
+                          </a:solidFill>
+                          <a:latin typeface="Cambria Math" panose="02040503050406030204" pitchFamily="18" charset="0"/>
+                        </a:rPr>
+                        <m:t>𝑛</m:t>
+                      </m:r>
+                      <m:r>
+                        <a:rPr lang="pt-BR" b="0" i="1" smtClean="0">
+                          <a:latin typeface="Cambria Math" panose="02040503050406030204" pitchFamily="18" charset="0"/>
+                        </a:rPr>
+                        <m:t>∗</m:t>
+                      </m:r>
+                      <m:r>
+                        <a:rPr lang="pt-BR" b="0" i="1" smtClean="0">
+                          <a:solidFill>
+                            <a:schemeClr val="accent2">
+                              <a:lumMod val="75000"/>
+                            </a:schemeClr>
+                          </a:solidFill>
+                          <a:latin typeface="Cambria Math" panose="02040503050406030204" pitchFamily="18" charset="0"/>
+                        </a:rPr>
+                        <m:t>𝑎</m:t>
+                      </m:r>
+                      <m:r>
+                        <a:rPr lang="pt-BR" b="0" i="1" smtClean="0">
+                          <a:latin typeface="Cambria Math" panose="02040503050406030204" pitchFamily="18" charset="0"/>
+                        </a:rPr>
+                        <m:t>∗</m:t>
+                      </m:r>
+                      <m:r>
+                        <a:rPr lang="pt-BR" b="0" i="1" smtClean="0">
+                          <a:solidFill>
+                            <a:schemeClr val="accent2">
+                              <a:lumMod val="75000"/>
+                            </a:schemeClr>
+                          </a:solidFill>
+                          <a:latin typeface="Cambria Math" panose="02040503050406030204" pitchFamily="18" charset="0"/>
+                        </a:rPr>
+                        <m:t>𝑙</m:t>
+                      </m:r>
+                      <m:r>
+                        <a:rPr lang="pt-BR" b="0" i="1" smtClean="0">
+                          <a:latin typeface="Cambria Math" panose="02040503050406030204" pitchFamily="18" charset="0"/>
+                          <a:ea typeface="Cambria Math" panose="02040503050406030204" pitchFamily="18" charset="0"/>
+                        </a:rPr>
+                        <m:t>≤</m:t>
+                      </m:r>
+                      <m:r>
+                        <a:rPr lang="pt-BR" b="0" i="1" smtClean="0">
+                          <a:solidFill>
+                            <a:schemeClr val="accent2">
+                              <a:lumMod val="75000"/>
+                            </a:schemeClr>
+                          </a:solidFill>
+                          <a:latin typeface="Cambria Math" panose="02040503050406030204" pitchFamily="18" charset="0"/>
+                          <a:ea typeface="Cambria Math" panose="02040503050406030204" pitchFamily="18" charset="0"/>
+                        </a:rPr>
+                        <m:t>𝐴</m:t>
+                      </m:r>
+                      <m:r>
+                        <a:rPr lang="pt-BR" b="0" i="1" smtClean="0">
+                          <a:latin typeface="Cambria Math" panose="02040503050406030204" pitchFamily="18" charset="0"/>
+                          <a:ea typeface="Cambria Math" panose="02040503050406030204" pitchFamily="18" charset="0"/>
+                        </a:rPr>
+                        <m:t> </m:t>
+                      </m:r>
+                    </m:oMath>
+                  </m:oMathPara>
+                </a14:m>
+                <a:endParaRPr lang="pt-BR" b="0" i="1" dirty="0">
+                  <a:latin typeface="Cambria Math" panose="02040503050406030204" pitchFamily="18" charset="0"/>
+                  <a:ea typeface="Cambria Math" panose="02040503050406030204" pitchFamily="18" charset="0"/>
+                </a:endParaRPr>
+              </a:p>
+              <a:p>
+                <a:pPr algn="ctr"/>
+                <a14:m>
+                  <m:oMathPara xmlns:m="http://schemas.openxmlformats.org/officeDocument/2006/math">
+                    <m:oMathParaPr>
+                      <m:jc m:val="center"/>
+                    </m:oMathParaPr>
+                    <m:oMath xmlns:m="http://schemas.openxmlformats.org/officeDocument/2006/math">
+                      <m:r>
+                        <a:rPr lang="pt-BR" b="0" i="1" smtClean="0">
+                          <a:latin typeface="Cambria Math" panose="02040503050406030204" pitchFamily="18" charset="0"/>
+                          <a:ea typeface="Cambria Math" panose="02040503050406030204" pitchFamily="18" charset="0"/>
+                        </a:rPr>
+                        <m:t>0≤</m:t>
+                      </m:r>
+                      <m:r>
+                        <a:rPr lang="pt-BR" b="0" i="1" smtClean="0">
+                          <a:solidFill>
+                            <a:schemeClr val="accent1">
+                              <a:lumMod val="75000"/>
+                            </a:schemeClr>
+                          </a:solidFill>
+                          <a:latin typeface="Cambria Math" panose="02040503050406030204" pitchFamily="18" charset="0"/>
+                          <a:ea typeface="Cambria Math" panose="02040503050406030204" pitchFamily="18" charset="0"/>
+                        </a:rPr>
+                        <m:t>𝑛</m:t>
+                      </m:r>
+                    </m:oMath>
+                  </m:oMathPara>
+                </a14:m>
+                <a:endParaRPr lang="pt-BR" b="0" i="1" dirty="0">
+                  <a:solidFill>
+                    <a:schemeClr val="accent1">
+                      <a:lumMod val="75000"/>
+                    </a:schemeClr>
+                  </a:solidFill>
+                  <a:latin typeface="Cambria Math" panose="02040503050406030204" pitchFamily="18" charset="0"/>
+                  <a:ea typeface="Cambria Math" panose="02040503050406030204" pitchFamily="18" charset="0"/>
+                </a:endParaRPr>
+              </a:p>
+              <a:p>
+                <a:pPr/>
+                <a14:m>
+                  <m:oMathPara xmlns:m="http://schemas.openxmlformats.org/officeDocument/2006/math">
+                    <m:oMathParaPr>
+                      <m:jc m:val="left"/>
+                    </m:oMathParaPr>
+                    <m:oMath xmlns:m="http://schemas.openxmlformats.org/officeDocument/2006/math">
+                      <m:r>
+                        <a:rPr lang="pt-BR" b="0" i="1" smtClean="0">
+                          <a:latin typeface="Cambria Math" panose="02040503050406030204" pitchFamily="18" charset="0"/>
+                        </a:rPr>
+                        <m:t> </m:t>
+                      </m:r>
+                    </m:oMath>
+                  </m:oMathPara>
+                </a14:m>
+                <a:endParaRPr lang="pt-BR" b="0" dirty="0"/>
+              </a:p>
+            </p:txBody>
+          </p:sp>
+        </mc:Choice>
+        <mc:Fallback>
+          <p:sp>
+            <p:nvSpPr>
+              <p:cNvPr id="18" name="CaixaDeTexto 17">
+                <a:extLst>
+                  <a:ext uri="{FF2B5EF4-FFF2-40B4-BE49-F238E27FC236}">
+                    <a16:creationId xmlns:a16="http://schemas.microsoft.com/office/drawing/2014/main" id="{BE67DCC1-3A36-4343-97EC-E0E1D6371C92}"/>
+                  </a:ext>
+                </a:extLst>
+              </p:cNvPr>
+              <p:cNvSpPr txBox="1">
+                <a:spLocks noRot="1" noChangeAspect="1" noMove="1" noResize="1" noEditPoints="1" noAdjustHandles="1" noChangeArrowheads="1" noChangeShapeType="1" noTextEdit="1"/>
+              </p:cNvSpPr>
+              <p:nvPr/>
+            </p:nvSpPr>
+            <p:spPr>
+              <a:xfrm>
+                <a:off x="5508104" y="4223121"/>
+                <a:ext cx="1500347" cy="1384995"/>
+              </a:xfrm>
+              <a:prstGeom prst="rect">
+                <a:avLst/>
+              </a:prstGeom>
+              <a:blipFill>
+                <a:blip r:embed="rId2"/>
+                <a:stretch>
+                  <a:fillRect l="-9756"/>
+                </a:stretch>
+              </a:blipFill>
+            </p:spPr>
+            <p:txBody>
+              <a:bodyPr/>
+              <a:lstStyle/>
+              <a:p>
+                <a:r>
+                  <a:rPr lang="en-US">
+                    <a:noFill/>
+                  </a:rPr>
+                  <a:t> </a:t>
+                </a:r>
+              </a:p>
+            </p:txBody>
+          </p:sp>
+        </mc:Fallback>
+      </mc:AlternateContent>
+    </p:spTree>
+    <p:extLst>
+      <p:ext uri="{BB962C8B-B14F-4D97-AF65-F5344CB8AC3E}">
+        <p14:creationId xmlns:p14="http://schemas.microsoft.com/office/powerpoint/2010/main" val="1363643373"/>
+      </p:ext>
+    </p:extLst>
+  </p:cSld>
+  <p:clrMapOvr>
+    <a:masterClrMapping/>
+  </p:clrMapOvr>
+  <p:transition spd="slow">
+    <p:fade/>
+  </p:transition>
+</p:sld>
+</file>
+
+<file path=ppt/slides/slide16.xml><?xml version="1.0" encoding="utf-8"?>
+<p:sld xmlns:a="http://schemas.openxmlformats.org/drawingml/2006/main" xmlns:r="http://schemas.openxmlformats.org/officeDocument/2006/relationships" xmlns:p="http://schemas.openxmlformats.org/presentationml/2006/main">
+  <p:cSld>
+    <p:spTree>
+      <p:nvGrpSpPr>
+        <p:cNvPr id="1" name=""/>
+        <p:cNvGrpSpPr/>
+        <p:nvPr/>
+      </p:nvGrpSpPr>
+      <p:grpSpPr>
+        <a:xfrm>
+          <a:off x="0" y="0"/>
+          <a:ext cx="0" cy="0"/>
+          <a:chOff x="0" y="0"/>
+          <a:chExt cx="0" cy="0"/>
+        </a:xfrm>
+      </p:grpSpPr>
+      <p:sp>
+        <p:nvSpPr>
+          <p:cNvPr id="2" name="Marcador de número de diapositiva 1"/>
+          <p:cNvSpPr>
+            <a:spLocks noGrp="1"/>
+          </p:cNvSpPr>
+          <p:nvPr>
+            <p:ph type="sldNum" sz="quarter" idx="12"/>
+          </p:nvPr>
+        </p:nvSpPr>
+        <p:spPr/>
+        <p:txBody>
+          <a:bodyPr/>
+          <a:lstStyle/>
+          <a:p>
+            <a:fld id="{64BD7E74-CBD2-4D88-9109-2EA8081AE675}" type="slidenum">
+              <a:rPr lang="es-ES" smtClean="0"/>
+              <a:pPr/>
+              <a:t>16</a:t>
+            </a:fld>
+            <a:endParaRPr lang="es-ES"/>
+          </a:p>
+        </p:txBody>
+      </p:sp>
+      <p:sp>
+        <p:nvSpPr>
+          <p:cNvPr id="3" name="4 Título"/>
+          <p:cNvSpPr txBox="1">
+            <a:spLocks/>
+          </p:cNvSpPr>
+          <p:nvPr/>
+        </p:nvSpPr>
+        <p:spPr>
+          <a:xfrm>
+            <a:off x="611560" y="188640"/>
+            <a:ext cx="8784976" cy="457120"/>
+          </a:xfrm>
+          <a:prstGeom prst="rect">
+            <a:avLst/>
+          </a:prstGeom>
+        </p:spPr>
+        <p:txBody>
+          <a:bodyPr bIns="91440" anchor="b" anchorCtr="0">
+            <a:noAutofit/>
+          </a:bodyPr>
+          <a:lstStyle>
+            <a:lvl1pPr>
+              <a:spcBef>
+                <a:spcPct val="0"/>
+              </a:spcBef>
+              <a:buNone/>
+              <a:defRPr kumimoji="0" sz="2400">
+                <a:ln w="0"/>
+                <a:solidFill>
+                  <a:schemeClr val="tx2"/>
+                </a:solidFill>
+                <a:effectLst>
+                  <a:outerShdw blurRad="38100" dist="19050" dir="2700000" algn="tl" rotWithShape="0">
+                    <a:schemeClr val="dk1">
+                      <a:alpha val="40000"/>
+                    </a:schemeClr>
+                  </a:outerShdw>
+                </a:effectLst>
+                <a:latin typeface="+mj-lt"/>
+                <a:ea typeface="+mj-ea"/>
+                <a:cs typeface="+mj-cs"/>
+              </a:defRPr>
+            </a:lvl1pPr>
+          </a:lstStyle>
+          <a:p>
+            <a:r>
+              <a:rPr lang="es-PE" altLang="en-US" dirty="0"/>
+              <a:t>Optimización: Componentes</a:t>
+            </a:r>
+          </a:p>
+        </p:txBody>
+      </p:sp>
+      <p:sp>
+        <p:nvSpPr>
+          <p:cNvPr id="5" name="CuadroTexto 4">
+            <a:extLst>
+              <a:ext uri="{FF2B5EF4-FFF2-40B4-BE49-F238E27FC236}">
+                <a16:creationId xmlns:a16="http://schemas.microsoft.com/office/drawing/2014/main" id="{4086E352-112E-4914-9B2F-1B80108A389A}"/>
+              </a:ext>
+            </a:extLst>
+          </p:cNvPr>
+          <p:cNvSpPr txBox="1"/>
+          <p:nvPr/>
+        </p:nvSpPr>
+        <p:spPr>
+          <a:xfrm>
+            <a:off x="600771" y="620688"/>
+            <a:ext cx="8002257" cy="4893647"/>
+          </a:xfrm>
+          <a:prstGeom prst="rect">
+            <a:avLst/>
+          </a:prstGeom>
+          <a:noFill/>
+        </p:spPr>
+        <p:txBody>
+          <a:bodyPr wrap="square" rtlCol="0">
+            <a:spAutoFit/>
+          </a:bodyPr>
+          <a:lstStyle/>
+          <a:p>
+            <a:pPr marL="285750" indent="-285750" algn="just">
+              <a:buFont typeface="Arial" panose="020B0604020202020204" pitchFamily="34" charset="0"/>
+              <a:buChar char="•"/>
+            </a:pPr>
+            <a:r>
+              <a:rPr lang="es-PE" sz="2400" b="1" dirty="0"/>
+              <a:t>Variables de decisión</a:t>
+            </a:r>
+            <a:r>
+              <a:rPr lang="es-PE" sz="2400" dirty="0"/>
+              <a:t>: </a:t>
+            </a:r>
+          </a:p>
+          <a:p>
+            <a:pPr lvl="1" algn="just"/>
+            <a:r>
+              <a:rPr lang="es-PE" sz="2400" dirty="0"/>
+              <a:t>Son aquellas que su valor son las decisiones a tomar dentro de un problema de optimización, y que afectan el valor de la función objetivo.</a:t>
+            </a:r>
+          </a:p>
+          <a:p>
+            <a:pPr lvl="1" algn="just"/>
+            <a:endParaRPr lang="es-PE" sz="2400" dirty="0"/>
+          </a:p>
+          <a:p>
+            <a:pPr marL="285750" indent="-285750" algn="just">
+              <a:buFont typeface="Arial" panose="020B0604020202020204" pitchFamily="34" charset="0"/>
+              <a:buChar char="•"/>
+            </a:pPr>
+            <a:r>
+              <a:rPr lang="es-PE" sz="2400" b="1" dirty="0"/>
+              <a:t>Función objetivo: </a:t>
+            </a:r>
+          </a:p>
+          <a:p>
+            <a:pPr lvl="1" algn="just"/>
+            <a:r>
+              <a:rPr lang="es-PE" sz="2400" dirty="0"/>
+              <a:t>Medida cuantitativa del problema a resolver que se desea maximizar o minimizar, y que se expresa en una función basada en las variables de decisión.</a:t>
+            </a:r>
+          </a:p>
+          <a:p>
+            <a:pPr lvl="1" algn="just"/>
+            <a:endParaRPr lang="es-PE" sz="2400" dirty="0"/>
+          </a:p>
+          <a:p>
+            <a:pPr marL="285750" indent="-285750" algn="just">
+              <a:buFont typeface="Arial" panose="020B0604020202020204" pitchFamily="34" charset="0"/>
+              <a:buChar char="•"/>
+            </a:pPr>
+            <a:r>
+              <a:rPr lang="es-PE" sz="2400" b="1" dirty="0"/>
+              <a:t>Restricciones:</a:t>
+            </a:r>
+          </a:p>
+          <a:p>
+            <a:pPr lvl="1" algn="just"/>
+            <a:r>
+              <a:rPr lang="es-PE" sz="2400" dirty="0"/>
+              <a:t>Son relaciones que las variables deben satisfacer, ya sea en igualdades o desigualdades.</a:t>
+            </a:r>
+          </a:p>
+        </p:txBody>
+      </p:sp>
+      <mc:AlternateContent xmlns:mc="http://schemas.openxmlformats.org/markup-compatibility/2006">
+        <mc:Choice xmlns:a14="http://schemas.microsoft.com/office/drawing/2010/main" Requires="a14">
+          <p:sp>
+            <p:nvSpPr>
+              <p:cNvPr id="6" name="CaixaDeTexto 5">
+                <a:extLst>
+                  <a:ext uri="{FF2B5EF4-FFF2-40B4-BE49-F238E27FC236}">
+                    <a16:creationId xmlns:a16="http://schemas.microsoft.com/office/drawing/2014/main" id="{CEFAD7AD-8BE1-461E-93B6-2ACFEFF4F40B}"/>
+                  </a:ext>
+                </a:extLst>
+              </p:cNvPr>
+              <p:cNvSpPr txBox="1"/>
+              <p:nvPr/>
+            </p:nvSpPr>
+            <p:spPr>
+              <a:xfrm>
+                <a:off x="4172980" y="4005064"/>
+                <a:ext cx="695447" cy="276999"/>
+              </a:xfrm>
+              <a:prstGeom prst="rect">
+                <a:avLst/>
+              </a:prstGeom>
+            </p:spPr>
+            <p:style>
+              <a:lnRef idx="2">
+                <a:schemeClr val="accent2"/>
+              </a:lnRef>
+              <a:fillRef idx="1">
+                <a:schemeClr val="lt1"/>
+              </a:fillRef>
+              <a:effectRef idx="0">
+                <a:schemeClr val="accent2"/>
+              </a:effectRef>
+              <a:fontRef idx="minor">
+                <a:schemeClr val="dk1"/>
+              </a:fontRef>
+            </p:style>
+            <p:txBody>
+              <a:bodyPr wrap="none" lIns="0" tIns="0" rIns="0" bIns="0" rtlCol="0">
+                <a:spAutoFit/>
+              </a:bodyPr>
+              <a:lstStyle/>
+              <a:p>
+                <a14:m>
+                  <m:oMathPara xmlns:m="http://schemas.openxmlformats.org/officeDocument/2006/math">
+                    <m:oMathParaPr>
+                      <m:jc m:val="centerGroup"/>
+                    </m:oMathParaPr>
+                    <m:oMath xmlns:m="http://schemas.openxmlformats.org/officeDocument/2006/math">
+                      <m:r>
+                        <a:rPr lang="pt-BR" b="0" i="1" smtClean="0">
+                          <a:latin typeface="Cambria Math" panose="02040503050406030204" pitchFamily="18" charset="0"/>
+                        </a:rPr>
+                        <m:t>𝑀𝑎𝑥</m:t>
+                      </m:r>
+                      <m:r>
+                        <a:rPr lang="pt-BR" b="0" i="1" smtClean="0">
+                          <a:latin typeface="Cambria Math" panose="02040503050406030204" pitchFamily="18" charset="0"/>
+                        </a:rPr>
+                        <m:t> </m:t>
+                      </m:r>
+                      <m:r>
+                        <a:rPr lang="pt-BR" b="0" i="1" smtClean="0">
+                          <a:solidFill>
+                            <a:schemeClr val="accent1">
+                              <a:lumMod val="75000"/>
+                            </a:schemeClr>
+                          </a:solidFill>
+                          <a:latin typeface="Cambria Math" panose="02040503050406030204" pitchFamily="18" charset="0"/>
+                        </a:rPr>
+                        <m:t>𝑛</m:t>
+                      </m:r>
+                    </m:oMath>
+                  </m:oMathPara>
+                </a14:m>
+                <a:endParaRPr lang="pt-BR" b="0" dirty="0"/>
+              </a:p>
+            </p:txBody>
+          </p:sp>
+        </mc:Choice>
+        <mc:Fallback>
+          <p:sp>
+            <p:nvSpPr>
+              <p:cNvPr id="6" name="CaixaDeTexto 5">
+                <a:extLst>
+                  <a:ext uri="{FF2B5EF4-FFF2-40B4-BE49-F238E27FC236}">
+                    <a16:creationId xmlns:a16="http://schemas.microsoft.com/office/drawing/2014/main" id="{CEFAD7AD-8BE1-461E-93B6-2ACFEFF4F40B}"/>
+                  </a:ext>
+                </a:extLst>
+              </p:cNvPr>
+              <p:cNvSpPr txBox="1">
+                <a:spLocks noRot="1" noChangeAspect="1" noMove="1" noResize="1" noEditPoints="1" noAdjustHandles="1" noChangeArrowheads="1" noChangeShapeType="1" noTextEdit="1"/>
+              </p:cNvSpPr>
+              <p:nvPr/>
+            </p:nvSpPr>
+            <p:spPr>
+              <a:xfrm>
+                <a:off x="4172980" y="4005064"/>
+                <a:ext cx="695447" cy="276999"/>
+              </a:xfrm>
+              <a:prstGeom prst="rect">
+                <a:avLst/>
+              </a:prstGeom>
+              <a:blipFill>
+                <a:blip r:embed="rId2"/>
+                <a:stretch>
+                  <a:fillRect l="-6897" r="-3448"/>
+                </a:stretch>
+              </a:blipFill>
+            </p:spPr>
+            <p:txBody>
+              <a:bodyPr/>
+              <a:lstStyle/>
+              <a:p>
+                <a:r>
+                  <a:rPr lang="en-US">
+                    <a:noFill/>
+                  </a:rPr>
+                  <a:t> </a:t>
+                </a:r>
+              </a:p>
+            </p:txBody>
+          </p:sp>
+        </mc:Fallback>
+      </mc:AlternateContent>
+      <mc:AlternateContent xmlns:mc="http://schemas.openxmlformats.org/markup-compatibility/2006">
+        <mc:Choice xmlns:a14="http://schemas.microsoft.com/office/drawing/2010/main" Requires="a14">
+          <p:sp>
+            <p:nvSpPr>
+              <p:cNvPr id="7" name="CaixaDeTexto 6">
+                <a:extLst>
+                  <a:ext uri="{FF2B5EF4-FFF2-40B4-BE49-F238E27FC236}">
+                    <a16:creationId xmlns:a16="http://schemas.microsoft.com/office/drawing/2014/main" id="{CE215EF2-50FF-40DA-B029-0EF094816097}"/>
+                  </a:ext>
+                </a:extLst>
+              </p:cNvPr>
+              <p:cNvSpPr txBox="1"/>
+              <p:nvPr/>
+            </p:nvSpPr>
+            <p:spPr>
+              <a:xfrm>
+                <a:off x="2922176" y="2132856"/>
+                <a:ext cx="3359446" cy="276999"/>
+              </a:xfrm>
+              <a:prstGeom prst="rect">
+                <a:avLst/>
+              </a:prstGeom>
+            </p:spPr>
+            <p:style>
+              <a:lnRef idx="2">
+                <a:schemeClr val="accent2"/>
+              </a:lnRef>
+              <a:fillRef idx="1">
+                <a:schemeClr val="lt1"/>
+              </a:fillRef>
+              <a:effectRef idx="0">
+                <a:schemeClr val="accent2"/>
+              </a:effectRef>
+              <a:fontRef idx="minor">
+                <a:schemeClr val="dk1"/>
+              </a:fontRef>
+            </p:style>
+            <p:txBody>
+              <a:bodyPr wrap="none" lIns="0" tIns="0" rIns="0" bIns="0" rtlCol="0">
+                <a:spAutoFit/>
+              </a:bodyPr>
+              <a:lstStyle/>
+              <a:p>
+                <a14:m>
+                  <m:oMathPara xmlns:m="http://schemas.openxmlformats.org/officeDocument/2006/math">
+                    <m:oMathParaPr>
+                      <m:jc m:val="centerGroup"/>
+                    </m:oMathParaPr>
+                    <m:oMath xmlns:m="http://schemas.openxmlformats.org/officeDocument/2006/math">
+                      <m:r>
+                        <a:rPr lang="pt-BR" b="0" i="1" smtClean="0">
+                          <a:solidFill>
+                            <a:schemeClr val="accent1">
+                              <a:lumMod val="75000"/>
+                            </a:schemeClr>
+                          </a:solidFill>
+                          <a:latin typeface="Cambria Math" panose="02040503050406030204" pitchFamily="18" charset="0"/>
+                        </a:rPr>
+                        <m:t>𝑛</m:t>
+                      </m:r>
+                      <m:r>
+                        <a:rPr lang="pt-BR" b="0" i="1" smtClean="0">
+                          <a:solidFill>
+                            <a:schemeClr val="accent1">
+                              <a:lumMod val="75000"/>
+                            </a:schemeClr>
+                          </a:solidFill>
+                          <a:latin typeface="Cambria Math" panose="02040503050406030204" pitchFamily="18" charset="0"/>
+                        </a:rPr>
+                        <m:t>:</m:t>
+                      </m:r>
+                      <m:r>
+                        <a:rPr lang="pt-BR" b="0" i="1" smtClean="0">
+                          <a:solidFill>
+                            <a:schemeClr val="accent1">
+                              <a:lumMod val="75000"/>
+                            </a:schemeClr>
+                          </a:solidFill>
+                          <a:latin typeface="Cambria Math" panose="02040503050406030204" pitchFamily="18" charset="0"/>
+                        </a:rPr>
+                        <m:t>𝑛𝑢𝑚𝑒𝑟𝑜</m:t>
+                      </m:r>
+                      <m:r>
+                        <a:rPr lang="pt-BR" b="0" i="1" smtClean="0">
+                          <a:solidFill>
+                            <a:schemeClr val="accent1">
+                              <a:lumMod val="75000"/>
+                            </a:schemeClr>
+                          </a:solidFill>
+                          <a:latin typeface="Cambria Math" panose="02040503050406030204" pitchFamily="18" charset="0"/>
+                        </a:rPr>
+                        <m:t> </m:t>
+                      </m:r>
+                      <m:r>
+                        <a:rPr lang="pt-BR" b="0" i="1" smtClean="0">
+                          <a:solidFill>
+                            <a:schemeClr val="accent1">
+                              <a:lumMod val="75000"/>
+                            </a:schemeClr>
+                          </a:solidFill>
+                          <a:latin typeface="Cambria Math" panose="02040503050406030204" pitchFamily="18" charset="0"/>
+                        </a:rPr>
+                        <m:t>𝑑𝑒</m:t>
+                      </m:r>
+                      <m:r>
+                        <a:rPr lang="pt-BR" b="0" i="1" smtClean="0">
+                          <a:solidFill>
+                            <a:schemeClr val="accent1">
+                              <a:lumMod val="75000"/>
+                            </a:schemeClr>
+                          </a:solidFill>
+                          <a:latin typeface="Cambria Math" panose="02040503050406030204" pitchFamily="18" charset="0"/>
+                        </a:rPr>
+                        <m:t> </m:t>
+                      </m:r>
+                      <m:r>
+                        <a:rPr lang="pt-BR" b="0" i="1" smtClean="0">
+                          <a:solidFill>
+                            <a:schemeClr val="accent1">
+                              <a:lumMod val="75000"/>
+                            </a:schemeClr>
+                          </a:solidFill>
+                          <a:latin typeface="Cambria Math" panose="02040503050406030204" pitchFamily="18" charset="0"/>
+                        </a:rPr>
+                        <m:t>𝑙𝑜𝑠𝑒𝑡𝑎𝑠</m:t>
+                      </m:r>
+                      <m:r>
+                        <a:rPr lang="pt-BR" b="0" i="1" smtClean="0">
+                          <a:solidFill>
+                            <a:schemeClr val="accent1">
+                              <a:lumMod val="75000"/>
+                            </a:schemeClr>
+                          </a:solidFill>
+                          <a:latin typeface="Cambria Math" panose="02040503050406030204" pitchFamily="18" charset="0"/>
+                        </a:rPr>
+                        <m:t> </m:t>
+                      </m:r>
+                      <m:r>
+                        <a:rPr lang="pt-BR" b="0" i="1" smtClean="0">
+                          <a:solidFill>
+                            <a:schemeClr val="accent1">
+                              <a:lumMod val="75000"/>
+                            </a:schemeClr>
+                          </a:solidFill>
+                          <a:latin typeface="Cambria Math" panose="02040503050406030204" pitchFamily="18" charset="0"/>
+                        </a:rPr>
+                        <m:t>𝑐𝑒𝑟</m:t>
+                      </m:r>
+                      <m:r>
+                        <a:rPr lang="pt-BR" b="0" i="1" smtClean="0">
+                          <a:solidFill>
+                            <a:schemeClr val="accent1">
+                              <a:lumMod val="75000"/>
+                            </a:schemeClr>
+                          </a:solidFill>
+                          <a:latin typeface="Cambria Math" panose="02040503050406030204" pitchFamily="18" charset="0"/>
+                        </a:rPr>
+                        <m:t>á</m:t>
+                      </m:r>
+                      <m:r>
+                        <a:rPr lang="pt-BR" b="0" i="1" smtClean="0">
+                          <a:solidFill>
+                            <a:schemeClr val="accent1">
+                              <a:lumMod val="75000"/>
+                            </a:schemeClr>
+                          </a:solidFill>
+                          <a:latin typeface="Cambria Math" panose="02040503050406030204" pitchFamily="18" charset="0"/>
+                        </a:rPr>
+                        <m:t>𝑚𝑖𝑐𝑎𝑠</m:t>
+                      </m:r>
+                      <m:r>
+                        <a:rPr lang="pt-BR" b="0" i="1" smtClean="0">
+                          <a:latin typeface="Cambria Math" panose="02040503050406030204" pitchFamily="18" charset="0"/>
+                        </a:rPr>
+                        <m:t> </m:t>
+                      </m:r>
+                    </m:oMath>
+                  </m:oMathPara>
+                </a14:m>
+                <a:endParaRPr lang="pt-BR" b="0" i="1" dirty="0">
+                  <a:latin typeface="Cambria Math" panose="02040503050406030204" pitchFamily="18" charset="0"/>
+                </a:endParaRPr>
+              </a:p>
+            </p:txBody>
+          </p:sp>
+        </mc:Choice>
+        <mc:Fallback>
+          <p:sp>
+            <p:nvSpPr>
+              <p:cNvPr id="7" name="CaixaDeTexto 6">
+                <a:extLst>
+                  <a:ext uri="{FF2B5EF4-FFF2-40B4-BE49-F238E27FC236}">
+                    <a16:creationId xmlns:a16="http://schemas.microsoft.com/office/drawing/2014/main" id="{CE215EF2-50FF-40DA-B029-0EF094816097}"/>
+                  </a:ext>
+                </a:extLst>
+              </p:cNvPr>
+              <p:cNvSpPr txBox="1">
+                <a:spLocks noRot="1" noChangeAspect="1" noMove="1" noResize="1" noEditPoints="1" noAdjustHandles="1" noChangeArrowheads="1" noChangeShapeType="1" noTextEdit="1"/>
+              </p:cNvSpPr>
+              <p:nvPr/>
+            </p:nvSpPr>
+            <p:spPr>
+              <a:xfrm>
+                <a:off x="2922176" y="2132856"/>
+                <a:ext cx="3359446" cy="276999"/>
+              </a:xfrm>
+              <a:prstGeom prst="rect">
+                <a:avLst/>
+              </a:prstGeom>
+              <a:blipFill>
+                <a:blip r:embed="rId3"/>
+                <a:stretch>
+                  <a:fillRect l="-362" b="-8511"/>
+                </a:stretch>
+              </a:blipFill>
+            </p:spPr>
+            <p:txBody>
+              <a:bodyPr/>
+              <a:lstStyle/>
+              <a:p>
+                <a:r>
+                  <a:rPr lang="en-US">
+                    <a:noFill/>
+                  </a:rPr>
+                  <a:t> </a:t>
+                </a:r>
+              </a:p>
+            </p:txBody>
+          </p:sp>
+        </mc:Fallback>
+      </mc:AlternateContent>
+      <mc:AlternateContent xmlns:mc="http://schemas.openxmlformats.org/markup-compatibility/2006">
+        <mc:Choice xmlns:a14="http://schemas.microsoft.com/office/drawing/2010/main" Requires="a14">
+          <p:sp>
+            <p:nvSpPr>
+              <p:cNvPr id="8" name="CaixaDeTexto 7">
+                <a:extLst>
+                  <a:ext uri="{FF2B5EF4-FFF2-40B4-BE49-F238E27FC236}">
+                    <a16:creationId xmlns:a16="http://schemas.microsoft.com/office/drawing/2014/main" id="{42089452-AD5E-41A6-AAD1-91C6C26A5084}"/>
+                  </a:ext>
+                </a:extLst>
+              </p:cNvPr>
+              <p:cNvSpPr txBox="1"/>
+              <p:nvPr/>
+            </p:nvSpPr>
+            <p:spPr>
+              <a:xfrm>
+                <a:off x="3854687" y="5517232"/>
+                <a:ext cx="1332031" cy="553998"/>
+              </a:xfrm>
+              <a:prstGeom prst="rect">
+                <a:avLst/>
+              </a:prstGeom>
+            </p:spPr>
+            <p:style>
+              <a:lnRef idx="2">
+                <a:schemeClr val="accent2"/>
+              </a:lnRef>
+              <a:fillRef idx="1">
+                <a:schemeClr val="lt1"/>
+              </a:fillRef>
+              <a:effectRef idx="0">
+                <a:schemeClr val="accent2"/>
+              </a:effectRef>
+              <a:fontRef idx="minor">
+                <a:schemeClr val="dk1"/>
+              </a:fontRef>
+            </p:style>
+            <p:txBody>
+              <a:bodyPr wrap="none" lIns="0" tIns="0" rIns="0" bIns="0" rtlCol="0">
+                <a:spAutoFit/>
+              </a:bodyPr>
+              <a:lstStyle/>
+              <a:p>
+                <a:pPr algn="ctr"/>
+                <a14:m>
+                  <m:oMathPara xmlns:m="http://schemas.openxmlformats.org/officeDocument/2006/math">
+                    <m:oMathParaPr>
+                      <m:jc m:val="center"/>
+                    </m:oMathParaPr>
+                    <m:oMath xmlns:m="http://schemas.openxmlformats.org/officeDocument/2006/math">
+                      <m:r>
+                        <a:rPr lang="pt-BR" b="0" i="1" smtClean="0">
+                          <a:solidFill>
+                            <a:schemeClr val="accent1">
+                              <a:lumMod val="75000"/>
+                            </a:schemeClr>
+                          </a:solidFill>
+                          <a:latin typeface="Cambria Math" panose="02040503050406030204" pitchFamily="18" charset="0"/>
+                        </a:rPr>
+                        <m:t>𝑛</m:t>
+                      </m:r>
+                      <m:r>
+                        <a:rPr lang="pt-BR" b="0" i="1" smtClean="0">
+                          <a:latin typeface="Cambria Math" panose="02040503050406030204" pitchFamily="18" charset="0"/>
+                        </a:rPr>
+                        <m:t>∗</m:t>
+                      </m:r>
+                      <m:r>
+                        <a:rPr lang="pt-BR" b="0" i="1" smtClean="0">
+                          <a:solidFill>
+                            <a:schemeClr val="accent2">
+                              <a:lumMod val="75000"/>
+                            </a:schemeClr>
+                          </a:solidFill>
+                          <a:latin typeface="Cambria Math" panose="02040503050406030204" pitchFamily="18" charset="0"/>
+                        </a:rPr>
+                        <m:t>𝑎</m:t>
+                      </m:r>
+                      <m:r>
+                        <a:rPr lang="pt-BR" b="0" i="1" smtClean="0">
+                          <a:latin typeface="Cambria Math" panose="02040503050406030204" pitchFamily="18" charset="0"/>
+                        </a:rPr>
+                        <m:t>∗</m:t>
+                      </m:r>
+                      <m:r>
+                        <a:rPr lang="pt-BR" b="0" i="1" smtClean="0">
+                          <a:solidFill>
+                            <a:schemeClr val="accent2">
+                              <a:lumMod val="75000"/>
+                            </a:schemeClr>
+                          </a:solidFill>
+                          <a:latin typeface="Cambria Math" panose="02040503050406030204" pitchFamily="18" charset="0"/>
+                        </a:rPr>
+                        <m:t>𝑙</m:t>
+                      </m:r>
+                      <m:r>
+                        <a:rPr lang="pt-BR" b="0" i="1" smtClean="0">
+                          <a:latin typeface="Cambria Math" panose="02040503050406030204" pitchFamily="18" charset="0"/>
+                          <a:ea typeface="Cambria Math" panose="02040503050406030204" pitchFamily="18" charset="0"/>
+                        </a:rPr>
+                        <m:t>≤</m:t>
+                      </m:r>
+                      <m:r>
+                        <a:rPr lang="pt-BR" b="0" i="1" smtClean="0">
+                          <a:solidFill>
+                            <a:schemeClr val="accent2">
+                              <a:lumMod val="75000"/>
+                            </a:schemeClr>
+                          </a:solidFill>
+                          <a:latin typeface="Cambria Math" panose="02040503050406030204" pitchFamily="18" charset="0"/>
+                          <a:ea typeface="Cambria Math" panose="02040503050406030204" pitchFamily="18" charset="0"/>
+                        </a:rPr>
+                        <m:t>𝐴</m:t>
+                      </m:r>
+                      <m:r>
+                        <a:rPr lang="pt-BR" b="0" i="1" smtClean="0">
+                          <a:latin typeface="Cambria Math" panose="02040503050406030204" pitchFamily="18" charset="0"/>
+                          <a:ea typeface="Cambria Math" panose="02040503050406030204" pitchFamily="18" charset="0"/>
+                        </a:rPr>
+                        <m:t> </m:t>
+                      </m:r>
+                    </m:oMath>
+                  </m:oMathPara>
+                </a14:m>
+                <a:endParaRPr lang="pt-BR" b="0" i="1" dirty="0">
+                  <a:latin typeface="Cambria Math" panose="02040503050406030204" pitchFamily="18" charset="0"/>
+                  <a:ea typeface="Cambria Math" panose="02040503050406030204" pitchFamily="18" charset="0"/>
+                </a:endParaRPr>
+              </a:p>
+              <a:p>
+                <a:pPr algn="ctr"/>
+                <a14:m>
+                  <m:oMathPara xmlns:m="http://schemas.openxmlformats.org/officeDocument/2006/math">
+                    <m:oMathParaPr>
+                      <m:jc m:val="center"/>
+                    </m:oMathParaPr>
+                    <m:oMath xmlns:m="http://schemas.openxmlformats.org/officeDocument/2006/math">
+                      <m:r>
+                        <a:rPr lang="pt-BR" b="0" i="1" smtClean="0">
+                          <a:latin typeface="Cambria Math" panose="02040503050406030204" pitchFamily="18" charset="0"/>
+                          <a:ea typeface="Cambria Math" panose="02040503050406030204" pitchFamily="18" charset="0"/>
+                        </a:rPr>
+                        <m:t>0≤</m:t>
+                      </m:r>
+                      <m:r>
+                        <a:rPr lang="pt-BR" b="0" i="1" smtClean="0">
+                          <a:solidFill>
+                            <a:schemeClr val="accent1">
+                              <a:lumMod val="75000"/>
+                            </a:schemeClr>
+                          </a:solidFill>
+                          <a:latin typeface="Cambria Math" panose="02040503050406030204" pitchFamily="18" charset="0"/>
+                          <a:ea typeface="Cambria Math" panose="02040503050406030204" pitchFamily="18" charset="0"/>
+                        </a:rPr>
+                        <m:t>𝑛</m:t>
+                      </m:r>
+                    </m:oMath>
+                  </m:oMathPara>
+                </a14:m>
+                <a:endParaRPr lang="pt-BR" b="0" i="1" dirty="0">
+                  <a:solidFill>
+                    <a:schemeClr val="accent1">
+                      <a:lumMod val="75000"/>
+                    </a:schemeClr>
+                  </a:solidFill>
+                  <a:latin typeface="Cambria Math" panose="02040503050406030204" pitchFamily="18" charset="0"/>
+                  <a:ea typeface="Cambria Math" panose="02040503050406030204" pitchFamily="18" charset="0"/>
+                </a:endParaRPr>
+              </a:p>
+            </p:txBody>
+          </p:sp>
+        </mc:Choice>
+        <mc:Fallback>
+          <p:sp>
+            <p:nvSpPr>
+              <p:cNvPr id="8" name="CaixaDeTexto 7">
+                <a:extLst>
+                  <a:ext uri="{FF2B5EF4-FFF2-40B4-BE49-F238E27FC236}">
+                    <a16:creationId xmlns:a16="http://schemas.microsoft.com/office/drawing/2014/main" id="{42089452-AD5E-41A6-AAD1-91C6C26A5084}"/>
+                  </a:ext>
+                </a:extLst>
+              </p:cNvPr>
+              <p:cNvSpPr txBox="1">
+                <a:spLocks noRot="1" noChangeAspect="1" noMove="1" noResize="1" noEditPoints="1" noAdjustHandles="1" noChangeArrowheads="1" noChangeShapeType="1" noTextEdit="1"/>
+              </p:cNvSpPr>
+              <p:nvPr/>
+            </p:nvSpPr>
+            <p:spPr>
+              <a:xfrm>
+                <a:off x="3854687" y="5517232"/>
+                <a:ext cx="1332031" cy="553998"/>
+              </a:xfrm>
+              <a:prstGeom prst="rect">
+                <a:avLst/>
+              </a:prstGeom>
+              <a:blipFill>
+                <a:blip r:embed="rId4"/>
+                <a:stretch>
+                  <a:fillRect l="-3620" b="-5376"/>
+                </a:stretch>
+              </a:blipFill>
+            </p:spPr>
+            <p:txBody>
+              <a:bodyPr/>
+              <a:lstStyle/>
+              <a:p>
+                <a:r>
+                  <a:rPr lang="en-US">
+                    <a:noFill/>
+                  </a:rPr>
+                  <a:t> </a:t>
+                </a:r>
+              </a:p>
+            </p:txBody>
+          </p:sp>
+        </mc:Fallback>
+      </mc:AlternateContent>
+    </p:spTree>
+    <p:extLst>
+      <p:ext uri="{BB962C8B-B14F-4D97-AF65-F5344CB8AC3E}">
+        <p14:creationId xmlns:p14="http://schemas.microsoft.com/office/powerpoint/2010/main" val="4035331119"/>
+      </p:ext>
+    </p:extLst>
+  </p:cSld>
+  <p:clrMapOvr>
+    <a:masterClrMapping/>
+  </p:clrMapOvr>
+  <p:transition spd="slow">
+    <p:fade/>
+  </p:transition>
+</p:sld>
+</file>
+
+<file path=ppt/slides/slide17.xml><?xml version="1.0" encoding="utf-8"?>
+<p:sld xmlns:a="http://schemas.openxmlformats.org/drawingml/2006/main" xmlns:r="http://schemas.openxmlformats.org/officeDocument/2006/relationships" xmlns:p="http://schemas.openxmlformats.org/presentationml/2006/main">
+  <p:cSld>
+    <p:spTree>
+      <p:nvGrpSpPr>
+        <p:cNvPr id="1" name=""/>
+        <p:cNvGrpSpPr/>
+        <p:nvPr/>
+      </p:nvGrpSpPr>
+      <p:grpSpPr>
+        <a:xfrm>
+          <a:off x="0" y="0"/>
+          <a:ext cx="0" cy="0"/>
+          <a:chOff x="0" y="0"/>
+          <a:chExt cx="0" cy="0"/>
+        </a:xfrm>
+      </p:grpSpPr>
+      <p:sp>
+        <p:nvSpPr>
+          <p:cNvPr id="2" name="Marcador de número de diapositiva 1"/>
+          <p:cNvSpPr>
+            <a:spLocks noGrp="1"/>
+          </p:cNvSpPr>
+          <p:nvPr>
+            <p:ph type="sldNum" sz="quarter" idx="12"/>
+          </p:nvPr>
+        </p:nvSpPr>
+        <p:spPr/>
+        <p:txBody>
+          <a:bodyPr/>
+          <a:lstStyle/>
+          <a:p>
+            <a:fld id="{64BD7E74-CBD2-4D88-9109-2EA8081AE675}" type="slidenum">
+              <a:rPr lang="es-ES" smtClean="0"/>
+              <a:pPr/>
+              <a:t>17</a:t>
+            </a:fld>
+            <a:endParaRPr lang="es-ES"/>
+          </a:p>
+        </p:txBody>
+      </p:sp>
+      <p:sp>
+        <p:nvSpPr>
+          <p:cNvPr id="3" name="4 Título"/>
+          <p:cNvSpPr txBox="1">
+            <a:spLocks/>
+          </p:cNvSpPr>
+          <p:nvPr/>
+        </p:nvSpPr>
+        <p:spPr>
+          <a:xfrm>
+            <a:off x="611560" y="188640"/>
+            <a:ext cx="8784976" cy="457120"/>
+          </a:xfrm>
+          <a:prstGeom prst="rect">
+            <a:avLst/>
+          </a:prstGeom>
+        </p:spPr>
+        <p:txBody>
+          <a:bodyPr bIns="91440" anchor="b" anchorCtr="0">
+            <a:noAutofit/>
+          </a:bodyPr>
+          <a:lstStyle>
+            <a:lvl1pPr>
+              <a:spcBef>
+                <a:spcPct val="0"/>
+              </a:spcBef>
+              <a:buNone/>
+              <a:defRPr kumimoji="0" sz="2400">
+                <a:ln w="0"/>
+                <a:solidFill>
+                  <a:schemeClr val="tx2"/>
+                </a:solidFill>
+                <a:effectLst>
+                  <a:outerShdw blurRad="38100" dist="19050" dir="2700000" algn="tl" rotWithShape="0">
+                    <a:schemeClr val="dk1">
+                      <a:alpha val="40000"/>
+                    </a:schemeClr>
+                  </a:outerShdw>
+                </a:effectLst>
+                <a:latin typeface="+mj-lt"/>
+                <a:ea typeface="+mj-ea"/>
+                <a:cs typeface="+mj-cs"/>
+              </a:defRPr>
+            </a:lvl1pPr>
+          </a:lstStyle>
+          <a:p>
+            <a:r>
+              <a:rPr lang="es-PE" altLang="en-US" dirty="0"/>
+              <a:t>Optimización: Realizar los ejemplos 2 &amp; 3</a:t>
+            </a:r>
+          </a:p>
+        </p:txBody>
+      </p:sp>
+    </p:spTree>
+    <p:extLst>
+      <p:ext uri="{BB962C8B-B14F-4D97-AF65-F5344CB8AC3E}">
+        <p14:creationId xmlns:p14="http://schemas.microsoft.com/office/powerpoint/2010/main" val="97155076"/>
+      </p:ext>
+    </p:extLst>
+  </p:cSld>
+  <p:clrMapOvr>
+    <a:masterClrMapping/>
+  </p:clrMapOvr>
+  <p:transition spd="slow">
+    <p:fade/>
+  </p:transition>
+</p:sld>
+</file>
+
+<file path=ppt/slides/slide18.xml><?xml version="1.0" encoding="utf-8"?>
+<p:sld xmlns:a="http://schemas.openxmlformats.org/drawingml/2006/main" xmlns:r="http://schemas.openxmlformats.org/officeDocument/2006/relationships" xmlns:p="http://schemas.openxmlformats.org/presentationml/2006/main">
+  <p:cSld>
+    <p:spTree>
+      <p:nvGrpSpPr>
+        <p:cNvPr id="1" name=""/>
+        <p:cNvGrpSpPr/>
+        <p:nvPr/>
+      </p:nvGrpSpPr>
+      <p:grpSpPr>
+        <a:xfrm>
+          <a:off x="0" y="0"/>
+          <a:ext cx="0" cy="0"/>
+          <a:chOff x="0" y="0"/>
+          <a:chExt cx="0" cy="0"/>
+        </a:xfrm>
+      </p:grpSpPr>
+      <p:sp>
+        <p:nvSpPr>
+          <p:cNvPr id="2" name="Marcador de número de diapositiva 1"/>
+          <p:cNvSpPr>
+            <a:spLocks noGrp="1"/>
+          </p:cNvSpPr>
+          <p:nvPr>
+            <p:ph type="sldNum" sz="quarter" idx="12"/>
+          </p:nvPr>
+        </p:nvSpPr>
+        <p:spPr/>
+        <p:txBody>
+          <a:bodyPr/>
+          <a:lstStyle/>
+          <a:p>
+            <a:fld id="{64BD7E74-CBD2-4D88-9109-2EA8081AE675}" type="slidenum">
+              <a:rPr lang="es-ES" smtClean="0"/>
+              <a:pPr/>
+              <a:t>18</a:t>
+            </a:fld>
+            <a:endParaRPr lang="es-ES"/>
+          </a:p>
+        </p:txBody>
+      </p:sp>
+      <p:sp>
+        <p:nvSpPr>
+          <p:cNvPr id="3" name="4 Título"/>
+          <p:cNvSpPr txBox="1">
+            <a:spLocks/>
+          </p:cNvSpPr>
+          <p:nvPr/>
+        </p:nvSpPr>
+        <p:spPr>
+          <a:xfrm>
+            <a:off x="611560" y="188640"/>
+            <a:ext cx="8784976" cy="457120"/>
+          </a:xfrm>
+          <a:prstGeom prst="rect">
+            <a:avLst/>
+          </a:prstGeom>
+        </p:spPr>
+        <p:txBody>
+          <a:bodyPr bIns="91440" anchor="b" anchorCtr="0">
+            <a:noAutofit/>
+          </a:bodyPr>
+          <a:lstStyle>
+            <a:lvl1pPr>
+              <a:spcBef>
+                <a:spcPct val="0"/>
+              </a:spcBef>
+              <a:buNone/>
+              <a:defRPr kumimoji="0" sz="2400">
+                <a:ln w="0"/>
+                <a:solidFill>
+                  <a:schemeClr val="tx2"/>
+                </a:solidFill>
+                <a:effectLst>
+                  <a:outerShdw blurRad="38100" dist="19050" dir="2700000" algn="tl" rotWithShape="0">
+                    <a:schemeClr val="dk1">
+                      <a:alpha val="40000"/>
+                    </a:schemeClr>
+                  </a:outerShdw>
+                </a:effectLst>
+                <a:latin typeface="+mj-lt"/>
+                <a:ea typeface="+mj-ea"/>
+                <a:cs typeface="+mj-cs"/>
+              </a:defRPr>
+            </a:lvl1pPr>
+          </a:lstStyle>
+          <a:p>
+            <a:r>
+              <a:rPr lang="es-PE" altLang="en-US" dirty="0"/>
+              <a:t>Concavidad y Convexidad</a:t>
+            </a:r>
+          </a:p>
+        </p:txBody>
+      </p:sp>
+      <p:sp>
+        <p:nvSpPr>
+          <p:cNvPr id="6" name="CuadroTexto 4">
+            <a:extLst>
+              <a:ext uri="{FF2B5EF4-FFF2-40B4-BE49-F238E27FC236}">
+                <a16:creationId xmlns:a16="http://schemas.microsoft.com/office/drawing/2014/main" id="{F7ED5C2C-536F-4352-B261-956CFAFB22A1}"/>
+              </a:ext>
+            </a:extLst>
+          </p:cNvPr>
+          <p:cNvSpPr txBox="1"/>
+          <p:nvPr/>
+        </p:nvSpPr>
+        <p:spPr>
+          <a:xfrm>
+            <a:off x="600771" y="692696"/>
+            <a:ext cx="8002257" cy="2246769"/>
+          </a:xfrm>
+          <a:prstGeom prst="rect">
+            <a:avLst/>
+          </a:prstGeom>
+          <a:noFill/>
+        </p:spPr>
+        <p:txBody>
+          <a:bodyPr wrap="square" rtlCol="0">
+            <a:spAutoFit/>
+          </a:bodyPr>
+          <a:lstStyle/>
+          <a:p>
+            <a:pPr marL="285750" indent="-285750" algn="just">
+              <a:buFont typeface="Arial" panose="020B0604020202020204" pitchFamily="34" charset="0"/>
+              <a:buChar char="•"/>
+            </a:pPr>
+            <a:r>
+              <a:rPr lang="es-ES" sz="2000" dirty="0"/>
+              <a:t>Las nociones generales de concavidad y convexidad se utilizan ampliamente en la teoría económica y también son fundamentales para la teoría de la optimización. </a:t>
+            </a:r>
+          </a:p>
+          <a:p>
+            <a:pPr marL="285750" indent="-285750" algn="just">
+              <a:buFont typeface="Arial" panose="020B0604020202020204" pitchFamily="34" charset="0"/>
+              <a:buChar char="•"/>
+            </a:pPr>
+            <a:r>
+              <a:rPr lang="es-ES" sz="2000" dirty="0"/>
+              <a:t>Por ejemplo, una función de una sola variable es cóncava si cada segmento de línea que une dos puntos en su gráfica no se encuentra sobre la gráfica en ningún punto. Simétricamente, una función de una sola variable es convexa si cada segmento de línea que une dos puntos en su gráfica no se encuentra debajo de la gráfica en ningún punto. Estos conceptos se ilustran en las siguientes figuras.</a:t>
+            </a:r>
+            <a:endParaRPr lang="es-PE" sz="2000" dirty="0"/>
+          </a:p>
+        </p:txBody>
+      </p:sp>
+    </p:spTree>
+    <p:extLst>
+      <p:ext uri="{BB962C8B-B14F-4D97-AF65-F5344CB8AC3E}">
+        <p14:creationId xmlns:p14="http://schemas.microsoft.com/office/powerpoint/2010/main" val="3092684679"/>
+      </p:ext>
+    </p:extLst>
+  </p:cSld>
+  <p:clrMapOvr>
+    <a:masterClrMapping/>
+  </p:clrMapOvr>
+  <p:transition spd="slow">
+    <p:fade/>
+  </p:transition>
+</p:sld>
+</file>
+
+<file path=ppt/slides/slide19.xml><?xml version="1.0" encoding="utf-8"?>
+<p:sld xmlns:a="http://schemas.openxmlformats.org/drawingml/2006/main" xmlns:r="http://schemas.openxmlformats.org/officeDocument/2006/relationships" xmlns:p="http://schemas.openxmlformats.org/presentationml/2006/main">
+  <p:cSld>
+    <p:spTree>
+      <p:nvGrpSpPr>
+        <p:cNvPr id="1" name=""/>
+        <p:cNvGrpSpPr/>
+        <p:nvPr/>
+      </p:nvGrpSpPr>
+      <p:grpSpPr>
+        <a:xfrm>
+          <a:off x="0" y="0"/>
+          <a:ext cx="0" cy="0"/>
+          <a:chOff x="0" y="0"/>
+          <a:chExt cx="0" cy="0"/>
+        </a:xfrm>
+      </p:grpSpPr>
+      <p:sp>
+        <p:nvSpPr>
+          <p:cNvPr id="2" name="Marcador de número de diapositiva 1"/>
+          <p:cNvSpPr>
+            <a:spLocks noGrp="1"/>
+          </p:cNvSpPr>
+          <p:nvPr>
+            <p:ph type="sldNum" sz="quarter" idx="12"/>
+          </p:nvPr>
+        </p:nvSpPr>
+        <p:spPr/>
+        <p:txBody>
+          <a:bodyPr/>
+          <a:lstStyle/>
+          <a:p>
+            <a:fld id="{64BD7E74-CBD2-4D88-9109-2EA8081AE675}" type="slidenum">
+              <a:rPr lang="es-ES" smtClean="0"/>
+              <a:pPr/>
+              <a:t>19</a:t>
+            </a:fld>
+            <a:endParaRPr lang="es-ES"/>
+          </a:p>
+        </p:txBody>
+      </p:sp>
+      <p:sp>
+        <p:nvSpPr>
+          <p:cNvPr id="3" name="4 Título"/>
+          <p:cNvSpPr txBox="1">
+            <a:spLocks/>
+          </p:cNvSpPr>
+          <p:nvPr/>
+        </p:nvSpPr>
+        <p:spPr>
+          <a:xfrm>
+            <a:off x="611560" y="188640"/>
+            <a:ext cx="8784976" cy="457120"/>
+          </a:xfrm>
+          <a:prstGeom prst="rect">
+            <a:avLst/>
+          </a:prstGeom>
+        </p:spPr>
+        <p:txBody>
+          <a:bodyPr bIns="91440" anchor="b" anchorCtr="0">
+            <a:noAutofit/>
+          </a:bodyPr>
+          <a:lstStyle>
+            <a:lvl1pPr>
+              <a:spcBef>
+                <a:spcPct val="0"/>
+              </a:spcBef>
+              <a:buNone/>
+              <a:defRPr kumimoji="0" sz="2400">
+                <a:ln w="0"/>
+                <a:solidFill>
+                  <a:schemeClr val="tx2"/>
+                </a:solidFill>
+                <a:effectLst>
+                  <a:outerShdw blurRad="38100" dist="19050" dir="2700000" algn="tl" rotWithShape="0">
+                    <a:schemeClr val="dk1">
+                      <a:alpha val="40000"/>
+                    </a:schemeClr>
+                  </a:outerShdw>
+                </a:effectLst>
+                <a:latin typeface="+mj-lt"/>
+                <a:ea typeface="+mj-ea"/>
+                <a:cs typeface="+mj-cs"/>
+              </a:defRPr>
+            </a:lvl1pPr>
+          </a:lstStyle>
+          <a:p>
+            <a:r>
+              <a:rPr lang="es-PE" altLang="en-US" dirty="0"/>
+              <a:t>Concavidad y Convexidad: Funciones</a:t>
+            </a:r>
+          </a:p>
+        </p:txBody>
+      </p:sp>
+      <mc:AlternateContent xmlns:mc="http://schemas.openxmlformats.org/markup-compatibility/2006">
+        <mc:Choice xmlns:a14="http://schemas.microsoft.com/office/drawing/2010/main" Requires="a14">
+          <p:sp>
+            <p:nvSpPr>
+              <p:cNvPr id="5" name="CuadroTexto 4">
+                <a:extLst>
+                  <a:ext uri="{FF2B5EF4-FFF2-40B4-BE49-F238E27FC236}">
+                    <a16:creationId xmlns:a16="http://schemas.microsoft.com/office/drawing/2014/main" id="{0EE2E59A-EFC5-4F7D-8B1B-CDE02E4D869C}"/>
+                  </a:ext>
+                </a:extLst>
+              </p:cNvPr>
+              <p:cNvSpPr txBox="1"/>
+              <p:nvPr/>
+            </p:nvSpPr>
+            <p:spPr>
+              <a:xfrm>
+                <a:off x="602191" y="836712"/>
+                <a:ext cx="8002257" cy="3170099"/>
+              </a:xfrm>
+              <a:prstGeom prst="rect">
+                <a:avLst/>
+              </a:prstGeom>
+              <a:noFill/>
+            </p:spPr>
+            <p:txBody>
+              <a:bodyPr wrap="square" rtlCol="0">
+                <a:spAutoFit/>
+              </a:bodyPr>
+              <a:lstStyle/>
+              <a:p>
+                <a:pPr marL="285750" indent="-285750">
+                  <a:buFont typeface="Arial" panose="020B0604020202020204" pitchFamily="34" charset="0"/>
+                  <a:buChar char="•"/>
+                </a:pPr>
+                <a:r>
+                  <a:rPr lang="es-PE" sz="2000" dirty="0"/>
+                  <a:t>Una función </a:t>
+                </a:r>
+                <a14:m>
+                  <m:oMath xmlns:m="http://schemas.openxmlformats.org/officeDocument/2006/math">
+                    <m:r>
+                      <a:rPr lang="es-PE" sz="2000" b="0" i="1" smtClean="0">
+                        <a:latin typeface="Cambria Math" panose="02040503050406030204" pitchFamily="18" charset="0"/>
+                      </a:rPr>
+                      <m:t>𝑓</m:t>
+                    </m:r>
+                    <m:r>
+                      <a:rPr lang="es-PE" sz="2000" b="0" i="1" smtClean="0">
+                        <a:latin typeface="Cambria Math" panose="02040503050406030204" pitchFamily="18" charset="0"/>
+                      </a:rPr>
+                      <m:t>: </m:t>
+                    </m:r>
+                    <m:sSup>
+                      <m:sSupPr>
+                        <m:ctrlPr>
+                          <a:rPr lang="es-PE" sz="2000" b="0" i="1" smtClean="0">
+                            <a:latin typeface="Cambria Math" panose="02040503050406030204" pitchFamily="18" charset="0"/>
+                          </a:rPr>
+                        </m:ctrlPr>
+                      </m:sSupPr>
+                      <m:e>
+                        <m:r>
+                          <a:rPr lang="es-PE" sz="2000" b="0" i="1" smtClean="0">
+                            <a:latin typeface="Cambria Math" panose="02040503050406030204" pitchFamily="18" charset="0"/>
+                          </a:rPr>
+                          <m:t>𝑅</m:t>
+                        </m:r>
+                      </m:e>
+                      <m:sup>
+                        <m:r>
+                          <a:rPr lang="es-PE" sz="2000" b="0" i="1" smtClean="0">
+                            <a:latin typeface="Cambria Math" panose="02040503050406030204" pitchFamily="18" charset="0"/>
+                          </a:rPr>
+                          <m:t>𝑛</m:t>
+                        </m:r>
+                      </m:sup>
+                    </m:sSup>
+                    <m:r>
+                      <a:rPr lang="es-PE" sz="2000" b="0" i="1" smtClean="0">
+                        <a:latin typeface="Cambria Math" panose="02040503050406030204" pitchFamily="18" charset="0"/>
+                        <a:ea typeface="Cambria Math" panose="02040503050406030204" pitchFamily="18" charset="0"/>
+                      </a:rPr>
+                      <m:t>→</m:t>
+                    </m:r>
+                    <m:r>
+                      <a:rPr lang="es-PE" sz="2000" b="0" i="1" smtClean="0">
+                        <a:latin typeface="Cambria Math" panose="02040503050406030204" pitchFamily="18" charset="0"/>
+                        <a:ea typeface="Cambria Math" panose="02040503050406030204" pitchFamily="18" charset="0"/>
+                      </a:rPr>
+                      <m:t>𝑅</m:t>
+                    </m:r>
+                  </m:oMath>
+                </a14:m>
+                <a:r>
+                  <a:rPr lang="es-MX" sz="2000" dirty="0"/>
+                  <a:t> es convexa si el dominio de </a:t>
+                </a:r>
+                <a14:m>
+                  <m:oMath xmlns:m="http://schemas.openxmlformats.org/officeDocument/2006/math">
+                    <m:r>
+                      <a:rPr lang="es-PE" sz="2000" i="1">
+                        <a:latin typeface="Cambria Math" panose="02040503050406030204" pitchFamily="18" charset="0"/>
+                      </a:rPr>
+                      <m:t>𝑓</m:t>
+                    </m:r>
+                  </m:oMath>
+                </a14:m>
+                <a:r>
+                  <a:rPr lang="es-MX" sz="2000" dirty="0"/>
+                  <a:t> es un conjunto convexo y para todo </a:t>
+                </a:r>
+                <a14:m>
+                  <m:oMath xmlns:m="http://schemas.openxmlformats.org/officeDocument/2006/math">
+                    <m:r>
+                      <a:rPr lang="es-PE" sz="2000" b="0" i="1" smtClean="0">
+                        <a:latin typeface="Cambria Math" panose="02040503050406030204" pitchFamily="18" charset="0"/>
+                      </a:rPr>
+                      <m:t>𝑥</m:t>
+                    </m:r>
+                    <m:r>
+                      <a:rPr lang="es-PE" sz="2000" b="0" i="1" smtClean="0">
+                        <a:latin typeface="Cambria Math" panose="02040503050406030204" pitchFamily="18" charset="0"/>
+                      </a:rPr>
+                      <m:t>, </m:t>
+                    </m:r>
+                    <m:r>
+                      <a:rPr lang="es-PE" sz="2000" b="0" i="1" smtClean="0">
+                        <a:latin typeface="Cambria Math" panose="02040503050406030204" pitchFamily="18" charset="0"/>
+                      </a:rPr>
+                      <m:t>𝑦</m:t>
+                    </m:r>
+                    <m:r>
+                      <a:rPr lang="es-PE" sz="2000" b="0" i="1" smtClean="0">
+                        <a:latin typeface="Cambria Math" panose="02040503050406030204" pitchFamily="18" charset="0"/>
+                      </a:rPr>
+                      <m:t> ∈</m:t>
+                    </m:r>
+                    <m:r>
+                      <a:rPr lang="es-PE" sz="2000" b="0" i="1" smtClean="0">
+                        <a:latin typeface="Cambria Math" panose="02040503050406030204" pitchFamily="18" charset="0"/>
+                        <a:ea typeface="Cambria Math" panose="02040503050406030204" pitchFamily="18" charset="0"/>
+                      </a:rPr>
+                      <m:t>𝑑𝑜𝑚</m:t>
+                    </m:r>
+                    <m:r>
+                      <a:rPr lang="es-PE" sz="2000" b="0" i="1" smtClean="0">
+                        <a:latin typeface="Cambria Math" panose="02040503050406030204" pitchFamily="18" charset="0"/>
+                        <a:ea typeface="Cambria Math" panose="02040503050406030204" pitchFamily="18" charset="0"/>
+                      </a:rPr>
+                      <m:t> </m:t>
+                    </m:r>
+                    <m:r>
+                      <a:rPr lang="es-PE" sz="2000" b="0" i="1" smtClean="0">
+                        <a:latin typeface="Cambria Math" panose="02040503050406030204" pitchFamily="18" charset="0"/>
+                        <a:ea typeface="Cambria Math" panose="02040503050406030204" pitchFamily="18" charset="0"/>
+                      </a:rPr>
+                      <m:t>𝑓</m:t>
+                    </m:r>
+                  </m:oMath>
+                </a14:m>
+                <a:r>
+                  <a:rPr lang="es-MX" sz="2000" dirty="0"/>
+                  <a:t>, y </a:t>
+                </a:r>
+                <a14:m>
+                  <m:oMath xmlns:m="http://schemas.openxmlformats.org/officeDocument/2006/math">
+                    <m:r>
+                      <a:rPr lang="es-MX" sz="2000" i="1" smtClean="0">
+                        <a:latin typeface="Cambria Math" panose="02040503050406030204" pitchFamily="18" charset="0"/>
+                        <a:ea typeface="Cambria Math" panose="02040503050406030204" pitchFamily="18" charset="0"/>
+                      </a:rPr>
+                      <m:t>𝜃</m:t>
+                    </m:r>
+                  </m:oMath>
+                </a14:m>
+                <a:r>
+                  <a:rPr lang="es-MX" sz="2000" dirty="0"/>
+                  <a:t> con </a:t>
+                </a:r>
+                <a14:m>
+                  <m:oMath xmlns:m="http://schemas.openxmlformats.org/officeDocument/2006/math">
+                    <m:r>
+                      <a:rPr lang="es-PE" sz="2000" b="0" i="0" smtClean="0">
+                        <a:latin typeface="Cambria Math" panose="02040503050406030204" pitchFamily="18" charset="0"/>
+                        <a:ea typeface="Cambria Math" panose="02040503050406030204" pitchFamily="18" charset="0"/>
+                      </a:rPr>
+                      <m:t>0≤</m:t>
+                    </m:r>
+                    <m:r>
+                      <a:rPr lang="es-MX" sz="2000" i="1">
+                        <a:latin typeface="Cambria Math" panose="02040503050406030204" pitchFamily="18" charset="0"/>
+                        <a:ea typeface="Cambria Math" panose="02040503050406030204" pitchFamily="18" charset="0"/>
+                      </a:rPr>
+                      <m:t>𝜃</m:t>
+                    </m:r>
+                    <m:r>
+                      <a:rPr lang="es-PE" sz="2000" b="0" i="1" smtClean="0">
+                        <a:latin typeface="Cambria Math" panose="02040503050406030204" pitchFamily="18" charset="0"/>
+                        <a:ea typeface="Cambria Math" panose="02040503050406030204" pitchFamily="18" charset="0"/>
+                      </a:rPr>
+                      <m:t>≤1</m:t>
+                    </m:r>
+                  </m:oMath>
+                </a14:m>
+                <a:r>
+                  <a:rPr lang="es-MX" sz="2000" dirty="0"/>
+                  <a:t> tendremos.</a:t>
+                </a:r>
+              </a:p>
+              <a:p>
+                <a:pPr/>
+                <a14:m>
+                  <m:oMathPara xmlns:m="http://schemas.openxmlformats.org/officeDocument/2006/math">
+                    <m:oMathParaPr>
+                      <m:jc m:val="centerGroup"/>
+                    </m:oMathParaPr>
+                    <m:oMath xmlns:m="http://schemas.openxmlformats.org/officeDocument/2006/math">
+                      <m:r>
+                        <a:rPr lang="es-PE" sz="2000" b="0" i="1" smtClean="0">
+                          <a:latin typeface="Cambria Math" panose="02040503050406030204" pitchFamily="18" charset="0"/>
+                        </a:rPr>
+                        <m:t>𝑓</m:t>
+                      </m:r>
+                      <m:d>
+                        <m:dPr>
+                          <m:ctrlPr>
+                            <a:rPr lang="es-PE" sz="2000" b="0" i="1" smtClean="0">
+                              <a:latin typeface="Cambria Math" panose="02040503050406030204" pitchFamily="18" charset="0"/>
+                            </a:rPr>
+                          </m:ctrlPr>
+                        </m:dPr>
+                        <m:e>
+                          <m:r>
+                            <a:rPr lang="es-MX" sz="2000" i="1">
+                              <a:latin typeface="Cambria Math" panose="02040503050406030204" pitchFamily="18" charset="0"/>
+                              <a:ea typeface="Cambria Math" panose="02040503050406030204" pitchFamily="18" charset="0"/>
+                            </a:rPr>
+                            <m:t>𝜃</m:t>
+                          </m:r>
+                          <m:r>
+                            <a:rPr lang="es-PE" sz="2000" b="0" i="1" smtClean="0">
+                              <a:latin typeface="Cambria Math" panose="02040503050406030204" pitchFamily="18" charset="0"/>
+                              <a:ea typeface="Cambria Math" panose="02040503050406030204" pitchFamily="18" charset="0"/>
+                            </a:rPr>
+                            <m:t>𝑥</m:t>
+                          </m:r>
+                          <m:r>
+                            <a:rPr lang="es-PE" sz="2000" b="0" i="1" smtClean="0">
+                              <a:latin typeface="Cambria Math" panose="02040503050406030204" pitchFamily="18" charset="0"/>
+                              <a:ea typeface="Cambria Math" panose="02040503050406030204" pitchFamily="18" charset="0"/>
+                            </a:rPr>
+                            <m:t>+</m:t>
+                          </m:r>
+                          <m:d>
+                            <m:dPr>
+                              <m:ctrlPr>
+                                <a:rPr lang="es-PE" sz="2000" b="0" i="1" smtClean="0">
+                                  <a:latin typeface="Cambria Math" panose="02040503050406030204" pitchFamily="18" charset="0"/>
+                                  <a:ea typeface="Cambria Math" panose="02040503050406030204" pitchFamily="18" charset="0"/>
+                                </a:rPr>
+                              </m:ctrlPr>
+                            </m:dPr>
+                            <m:e>
+                              <m:r>
+                                <a:rPr lang="es-PE" sz="2000" b="0" i="1" smtClean="0">
+                                  <a:latin typeface="Cambria Math" panose="02040503050406030204" pitchFamily="18" charset="0"/>
+                                  <a:ea typeface="Cambria Math" panose="02040503050406030204" pitchFamily="18" charset="0"/>
+                                </a:rPr>
+                                <m:t>1−</m:t>
+                              </m:r>
+                              <m:r>
+                                <a:rPr lang="es-MX" sz="2000" i="1">
+                                  <a:latin typeface="Cambria Math" panose="02040503050406030204" pitchFamily="18" charset="0"/>
+                                  <a:ea typeface="Cambria Math" panose="02040503050406030204" pitchFamily="18" charset="0"/>
+                                </a:rPr>
+                                <m:t>𝜃</m:t>
+                              </m:r>
+                            </m:e>
+                          </m:d>
+                          <m:r>
+                            <a:rPr lang="es-PE" sz="2000" b="0" i="1" smtClean="0">
+                              <a:latin typeface="Cambria Math" panose="02040503050406030204" pitchFamily="18" charset="0"/>
+                              <a:ea typeface="Cambria Math" panose="02040503050406030204" pitchFamily="18" charset="0"/>
+                            </a:rPr>
+                            <m:t>𝑦</m:t>
+                          </m:r>
+                        </m:e>
+                      </m:d>
+                      <m:r>
+                        <a:rPr lang="es-PE" sz="2000" b="0" i="1" smtClean="0">
+                          <a:latin typeface="Cambria Math" panose="02040503050406030204" pitchFamily="18" charset="0"/>
+                        </a:rPr>
+                        <m:t>≤</m:t>
+                      </m:r>
+                      <m:r>
+                        <a:rPr lang="es-MX" sz="2000" i="1">
+                          <a:latin typeface="Cambria Math" panose="02040503050406030204" pitchFamily="18" charset="0"/>
+                          <a:ea typeface="Cambria Math" panose="02040503050406030204" pitchFamily="18" charset="0"/>
+                        </a:rPr>
+                        <m:t>𝜃</m:t>
+                      </m:r>
+                      <m:r>
+                        <a:rPr lang="es-PE" sz="2000" b="0" i="1" smtClean="0">
+                          <a:latin typeface="Cambria Math" panose="02040503050406030204" pitchFamily="18" charset="0"/>
+                          <a:ea typeface="Cambria Math" panose="02040503050406030204" pitchFamily="18" charset="0"/>
+                        </a:rPr>
+                        <m:t>𝑓</m:t>
+                      </m:r>
+                      <m:d>
+                        <m:dPr>
+                          <m:ctrlPr>
+                            <a:rPr lang="es-PE" sz="2000" b="0" i="1" smtClean="0">
+                              <a:latin typeface="Cambria Math" panose="02040503050406030204" pitchFamily="18" charset="0"/>
+                              <a:ea typeface="Cambria Math" panose="02040503050406030204" pitchFamily="18" charset="0"/>
+                            </a:rPr>
+                          </m:ctrlPr>
+                        </m:dPr>
+                        <m:e>
+                          <m:r>
+                            <a:rPr lang="es-PE" sz="2000" b="0" i="1" smtClean="0">
+                              <a:latin typeface="Cambria Math" panose="02040503050406030204" pitchFamily="18" charset="0"/>
+                              <a:ea typeface="Cambria Math" panose="02040503050406030204" pitchFamily="18" charset="0"/>
+                            </a:rPr>
+                            <m:t>𝑥</m:t>
+                          </m:r>
+                        </m:e>
+                      </m:d>
+                      <m:r>
+                        <a:rPr lang="es-PE" sz="2000" b="0" i="1" smtClean="0">
+                          <a:latin typeface="Cambria Math" panose="02040503050406030204" pitchFamily="18" charset="0"/>
+                          <a:ea typeface="Cambria Math" panose="02040503050406030204" pitchFamily="18" charset="0"/>
+                        </a:rPr>
+                        <m:t>+</m:t>
+                      </m:r>
+                      <m:d>
+                        <m:dPr>
+                          <m:ctrlPr>
+                            <a:rPr lang="es-PE" sz="2000" b="0" i="1" smtClean="0">
+                              <a:latin typeface="Cambria Math" panose="02040503050406030204" pitchFamily="18" charset="0"/>
+                              <a:ea typeface="Cambria Math" panose="02040503050406030204" pitchFamily="18" charset="0"/>
+                            </a:rPr>
+                          </m:ctrlPr>
+                        </m:dPr>
+                        <m:e>
+                          <m:r>
+                            <a:rPr lang="es-PE" sz="2000" b="0" i="1" smtClean="0">
+                              <a:latin typeface="Cambria Math" panose="02040503050406030204" pitchFamily="18" charset="0"/>
+                              <a:ea typeface="Cambria Math" panose="02040503050406030204" pitchFamily="18" charset="0"/>
+                            </a:rPr>
+                            <m:t>1+</m:t>
+                          </m:r>
+                          <m:r>
+                            <a:rPr lang="es-MX" sz="2000" i="1">
+                              <a:latin typeface="Cambria Math" panose="02040503050406030204" pitchFamily="18" charset="0"/>
+                              <a:ea typeface="Cambria Math" panose="02040503050406030204" pitchFamily="18" charset="0"/>
+                            </a:rPr>
+                            <m:t>𝜃</m:t>
+                          </m:r>
+                        </m:e>
+                      </m:d>
+                      <m:r>
+                        <a:rPr lang="es-PE" sz="2000" b="0" i="1" smtClean="0">
+                          <a:latin typeface="Cambria Math" panose="02040503050406030204" pitchFamily="18" charset="0"/>
+                          <a:ea typeface="Cambria Math" panose="02040503050406030204" pitchFamily="18" charset="0"/>
+                        </a:rPr>
+                        <m:t>𝑓</m:t>
+                      </m:r>
+                      <m:d>
+                        <m:dPr>
+                          <m:ctrlPr>
+                            <a:rPr lang="es-PE" sz="2000" b="0" i="1" smtClean="0">
+                              <a:latin typeface="Cambria Math" panose="02040503050406030204" pitchFamily="18" charset="0"/>
+                              <a:ea typeface="Cambria Math" panose="02040503050406030204" pitchFamily="18" charset="0"/>
+                            </a:rPr>
+                          </m:ctrlPr>
+                        </m:dPr>
+                        <m:e>
+                          <m:r>
+                            <a:rPr lang="es-PE" sz="2000" b="0" i="1" smtClean="0">
+                              <a:latin typeface="Cambria Math" panose="02040503050406030204" pitchFamily="18" charset="0"/>
+                              <a:ea typeface="Cambria Math" panose="02040503050406030204" pitchFamily="18" charset="0"/>
+                            </a:rPr>
+                            <m:t>𝑦</m:t>
+                          </m:r>
+                        </m:e>
+                      </m:d>
+                    </m:oMath>
+                  </m:oMathPara>
+                </a14:m>
+                <a:endParaRPr lang="es-PE" sz="2000" b="0" dirty="0">
+                  <a:ea typeface="Cambria Math" panose="02040503050406030204" pitchFamily="18" charset="0"/>
+                </a:endParaRPr>
+              </a:p>
+              <a:p>
+                <a:pPr marL="285750" indent="-285750">
+                  <a:buFont typeface="Arial" panose="020B0604020202020204" pitchFamily="34" charset="0"/>
+                  <a:buChar char="•"/>
+                </a:pPr>
+                <a:r>
+                  <a:rPr lang="es-PE" sz="2000" dirty="0"/>
+                  <a:t>Una función </a:t>
+                </a:r>
+                <a14:m>
+                  <m:oMath xmlns:m="http://schemas.openxmlformats.org/officeDocument/2006/math">
+                    <m:r>
+                      <a:rPr lang="es-PE" sz="2000" i="1">
+                        <a:latin typeface="Cambria Math" panose="02040503050406030204" pitchFamily="18" charset="0"/>
+                      </a:rPr>
+                      <m:t>𝑓</m:t>
+                    </m:r>
+                    <m:r>
+                      <a:rPr lang="es-PE" sz="2000" i="1">
+                        <a:latin typeface="Cambria Math" panose="02040503050406030204" pitchFamily="18" charset="0"/>
+                      </a:rPr>
+                      <m:t>: </m:t>
+                    </m:r>
+                    <m:sSup>
+                      <m:sSupPr>
+                        <m:ctrlPr>
+                          <a:rPr lang="es-PE" sz="2000" i="1">
+                            <a:latin typeface="Cambria Math" panose="02040503050406030204" pitchFamily="18" charset="0"/>
+                          </a:rPr>
+                        </m:ctrlPr>
+                      </m:sSupPr>
+                      <m:e>
+                        <m:r>
+                          <a:rPr lang="es-PE" sz="2000" i="1">
+                            <a:latin typeface="Cambria Math" panose="02040503050406030204" pitchFamily="18" charset="0"/>
+                          </a:rPr>
+                          <m:t>𝑅</m:t>
+                        </m:r>
+                      </m:e>
+                      <m:sup>
+                        <m:r>
+                          <a:rPr lang="es-PE" sz="2000" i="1">
+                            <a:latin typeface="Cambria Math" panose="02040503050406030204" pitchFamily="18" charset="0"/>
+                          </a:rPr>
+                          <m:t>𝑛</m:t>
+                        </m:r>
+                      </m:sup>
+                    </m:sSup>
+                    <m:r>
+                      <a:rPr lang="es-PE" sz="2000" i="1">
+                        <a:latin typeface="Cambria Math" panose="02040503050406030204" pitchFamily="18" charset="0"/>
+                        <a:ea typeface="Cambria Math" panose="02040503050406030204" pitchFamily="18" charset="0"/>
+                      </a:rPr>
+                      <m:t>→</m:t>
+                    </m:r>
+                    <m:r>
+                      <a:rPr lang="es-PE" sz="2000" i="1">
+                        <a:latin typeface="Cambria Math" panose="02040503050406030204" pitchFamily="18" charset="0"/>
+                        <a:ea typeface="Cambria Math" panose="02040503050406030204" pitchFamily="18" charset="0"/>
+                      </a:rPr>
+                      <m:t>𝑅</m:t>
+                    </m:r>
+                  </m:oMath>
+                </a14:m>
+                <a:r>
+                  <a:rPr lang="es-MX" sz="2000" dirty="0"/>
+                  <a:t> es cóncava si el dominio de </a:t>
+                </a:r>
+                <a14:m>
+                  <m:oMath xmlns:m="http://schemas.openxmlformats.org/officeDocument/2006/math">
+                    <m:r>
+                      <a:rPr lang="es-PE" sz="2000" i="1">
+                        <a:latin typeface="Cambria Math" panose="02040503050406030204" pitchFamily="18" charset="0"/>
+                      </a:rPr>
+                      <m:t>𝑓</m:t>
+                    </m:r>
+                  </m:oMath>
+                </a14:m>
+                <a:r>
+                  <a:rPr lang="es-MX" sz="2000" dirty="0"/>
+                  <a:t> es un conjunto convexo y para todo </a:t>
+                </a:r>
+                <a14:m>
+                  <m:oMath xmlns:m="http://schemas.openxmlformats.org/officeDocument/2006/math">
+                    <m:r>
+                      <a:rPr lang="es-PE" sz="2000" i="1">
+                        <a:latin typeface="Cambria Math" panose="02040503050406030204" pitchFamily="18" charset="0"/>
+                      </a:rPr>
+                      <m:t>𝑥</m:t>
+                    </m:r>
+                    <m:r>
+                      <a:rPr lang="es-PE" sz="2000" i="1">
+                        <a:latin typeface="Cambria Math" panose="02040503050406030204" pitchFamily="18" charset="0"/>
+                      </a:rPr>
+                      <m:t>, </m:t>
+                    </m:r>
+                    <m:r>
+                      <a:rPr lang="es-PE" sz="2000" i="1">
+                        <a:latin typeface="Cambria Math" panose="02040503050406030204" pitchFamily="18" charset="0"/>
+                      </a:rPr>
+                      <m:t>𝑦</m:t>
+                    </m:r>
+                    <m:r>
+                      <a:rPr lang="es-PE" sz="2000" i="1">
+                        <a:latin typeface="Cambria Math" panose="02040503050406030204" pitchFamily="18" charset="0"/>
+                      </a:rPr>
+                      <m:t> ∈</m:t>
+                    </m:r>
+                    <m:r>
+                      <a:rPr lang="es-PE" sz="2000" i="1">
+                        <a:latin typeface="Cambria Math" panose="02040503050406030204" pitchFamily="18" charset="0"/>
+                        <a:ea typeface="Cambria Math" panose="02040503050406030204" pitchFamily="18" charset="0"/>
+                      </a:rPr>
+                      <m:t>𝑑𝑜𝑚</m:t>
+                    </m:r>
+                    <m:r>
+                      <a:rPr lang="es-PE" sz="2000" i="1">
+                        <a:latin typeface="Cambria Math" panose="02040503050406030204" pitchFamily="18" charset="0"/>
+                        <a:ea typeface="Cambria Math" panose="02040503050406030204" pitchFamily="18" charset="0"/>
+                      </a:rPr>
+                      <m:t> </m:t>
+                    </m:r>
+                    <m:r>
+                      <a:rPr lang="es-PE" sz="2000" i="1">
+                        <a:latin typeface="Cambria Math" panose="02040503050406030204" pitchFamily="18" charset="0"/>
+                        <a:ea typeface="Cambria Math" panose="02040503050406030204" pitchFamily="18" charset="0"/>
+                      </a:rPr>
+                      <m:t>𝑓</m:t>
+                    </m:r>
+                  </m:oMath>
+                </a14:m>
+                <a:r>
+                  <a:rPr lang="es-MX" sz="2000" dirty="0"/>
+                  <a:t>, y </a:t>
+                </a:r>
+                <a14:m>
+                  <m:oMath xmlns:m="http://schemas.openxmlformats.org/officeDocument/2006/math">
+                    <m:r>
+                      <a:rPr lang="es-MX" sz="2000" i="1">
+                        <a:latin typeface="Cambria Math" panose="02040503050406030204" pitchFamily="18" charset="0"/>
+                        <a:ea typeface="Cambria Math" panose="02040503050406030204" pitchFamily="18" charset="0"/>
+                      </a:rPr>
+                      <m:t>𝜃</m:t>
+                    </m:r>
+                  </m:oMath>
+                </a14:m>
+                <a:r>
+                  <a:rPr lang="es-MX" sz="2000" dirty="0"/>
+                  <a:t> con </a:t>
+                </a:r>
+                <a14:m>
+                  <m:oMath xmlns:m="http://schemas.openxmlformats.org/officeDocument/2006/math">
+                    <m:r>
+                      <a:rPr lang="es-PE" sz="2000">
+                        <a:latin typeface="Cambria Math" panose="02040503050406030204" pitchFamily="18" charset="0"/>
+                        <a:ea typeface="Cambria Math" panose="02040503050406030204" pitchFamily="18" charset="0"/>
+                      </a:rPr>
+                      <m:t>0≤</m:t>
+                    </m:r>
+                    <m:r>
+                      <a:rPr lang="es-MX" sz="2000" i="1">
+                        <a:latin typeface="Cambria Math" panose="02040503050406030204" pitchFamily="18" charset="0"/>
+                        <a:ea typeface="Cambria Math" panose="02040503050406030204" pitchFamily="18" charset="0"/>
+                      </a:rPr>
+                      <m:t>𝜃</m:t>
+                    </m:r>
+                    <m:r>
+                      <a:rPr lang="es-PE" sz="2000" i="1">
+                        <a:latin typeface="Cambria Math" panose="02040503050406030204" pitchFamily="18" charset="0"/>
+                        <a:ea typeface="Cambria Math" panose="02040503050406030204" pitchFamily="18" charset="0"/>
+                      </a:rPr>
+                      <m:t>≤1</m:t>
+                    </m:r>
+                  </m:oMath>
+                </a14:m>
+                <a:r>
+                  <a:rPr lang="es-MX" sz="2000" dirty="0"/>
+                  <a:t> tendremos.</a:t>
+                </a:r>
+              </a:p>
+              <a:p>
+                <a:pPr/>
+                <a14:m>
+                  <m:oMathPara xmlns:m="http://schemas.openxmlformats.org/officeDocument/2006/math">
+                    <m:oMathParaPr>
+                      <m:jc m:val="centerGroup"/>
+                    </m:oMathParaPr>
+                    <m:oMath xmlns:m="http://schemas.openxmlformats.org/officeDocument/2006/math">
+                      <m:r>
+                        <a:rPr lang="es-PE" sz="2000" i="1">
+                          <a:latin typeface="Cambria Math" panose="02040503050406030204" pitchFamily="18" charset="0"/>
+                        </a:rPr>
+                        <m:t>𝑓</m:t>
+                      </m:r>
+                      <m:d>
+                        <m:dPr>
+                          <m:ctrlPr>
+                            <a:rPr lang="es-PE" sz="2000" i="1">
+                              <a:latin typeface="Cambria Math" panose="02040503050406030204" pitchFamily="18" charset="0"/>
+                            </a:rPr>
+                          </m:ctrlPr>
+                        </m:dPr>
+                        <m:e>
+                          <m:r>
+                            <a:rPr lang="es-MX" sz="2000" i="1">
+                              <a:latin typeface="Cambria Math" panose="02040503050406030204" pitchFamily="18" charset="0"/>
+                              <a:ea typeface="Cambria Math" panose="02040503050406030204" pitchFamily="18" charset="0"/>
+                            </a:rPr>
+                            <m:t>𝜃</m:t>
+                          </m:r>
+                          <m:r>
+                            <a:rPr lang="es-PE" sz="2000" i="1">
+                              <a:latin typeface="Cambria Math" panose="02040503050406030204" pitchFamily="18" charset="0"/>
+                              <a:ea typeface="Cambria Math" panose="02040503050406030204" pitchFamily="18" charset="0"/>
+                            </a:rPr>
+                            <m:t>𝑥</m:t>
+                          </m:r>
+                          <m:r>
+                            <a:rPr lang="es-PE" sz="2000" i="1">
+                              <a:latin typeface="Cambria Math" panose="02040503050406030204" pitchFamily="18" charset="0"/>
+                              <a:ea typeface="Cambria Math" panose="02040503050406030204" pitchFamily="18" charset="0"/>
+                            </a:rPr>
+                            <m:t>+</m:t>
+                          </m:r>
+                          <m:d>
+                            <m:dPr>
+                              <m:ctrlPr>
+                                <a:rPr lang="es-PE" sz="2000" i="1">
+                                  <a:latin typeface="Cambria Math" panose="02040503050406030204" pitchFamily="18" charset="0"/>
+                                  <a:ea typeface="Cambria Math" panose="02040503050406030204" pitchFamily="18" charset="0"/>
+                                </a:rPr>
+                              </m:ctrlPr>
+                            </m:dPr>
+                            <m:e>
+                              <m:r>
+                                <a:rPr lang="es-PE" sz="2000" i="1">
+                                  <a:latin typeface="Cambria Math" panose="02040503050406030204" pitchFamily="18" charset="0"/>
+                                  <a:ea typeface="Cambria Math" panose="02040503050406030204" pitchFamily="18" charset="0"/>
+                                </a:rPr>
+                                <m:t>1−</m:t>
+                              </m:r>
+                              <m:r>
+                                <a:rPr lang="es-MX" sz="2000" i="1">
+                                  <a:latin typeface="Cambria Math" panose="02040503050406030204" pitchFamily="18" charset="0"/>
+                                  <a:ea typeface="Cambria Math" panose="02040503050406030204" pitchFamily="18" charset="0"/>
+                                </a:rPr>
+                                <m:t>𝜃</m:t>
+                              </m:r>
+                            </m:e>
+                          </m:d>
+                          <m:r>
+                            <a:rPr lang="es-PE" sz="2000" i="1">
+                              <a:latin typeface="Cambria Math" panose="02040503050406030204" pitchFamily="18" charset="0"/>
+                              <a:ea typeface="Cambria Math" panose="02040503050406030204" pitchFamily="18" charset="0"/>
+                            </a:rPr>
+                            <m:t>𝑦</m:t>
+                          </m:r>
+                        </m:e>
+                      </m:d>
+                      <m:r>
+                        <a:rPr lang="es-PE" sz="2000" b="0" i="1" smtClean="0">
+                          <a:latin typeface="Cambria Math" panose="02040503050406030204" pitchFamily="18" charset="0"/>
+                          <a:ea typeface="Cambria Math" panose="02040503050406030204" pitchFamily="18" charset="0"/>
+                        </a:rPr>
+                        <m:t>≥</m:t>
+                      </m:r>
+                      <m:r>
+                        <a:rPr lang="es-MX" sz="2000" i="1">
+                          <a:latin typeface="Cambria Math" panose="02040503050406030204" pitchFamily="18" charset="0"/>
+                          <a:ea typeface="Cambria Math" panose="02040503050406030204" pitchFamily="18" charset="0"/>
+                        </a:rPr>
+                        <m:t>𝜃</m:t>
+                      </m:r>
+                      <m:r>
+                        <a:rPr lang="es-PE" sz="2000" i="1">
+                          <a:latin typeface="Cambria Math" panose="02040503050406030204" pitchFamily="18" charset="0"/>
+                          <a:ea typeface="Cambria Math" panose="02040503050406030204" pitchFamily="18" charset="0"/>
+                        </a:rPr>
+                        <m:t>𝑓</m:t>
+                      </m:r>
+                      <m:d>
+                        <m:dPr>
+                          <m:ctrlPr>
+                            <a:rPr lang="es-PE" sz="2000" i="1">
+                              <a:latin typeface="Cambria Math" panose="02040503050406030204" pitchFamily="18" charset="0"/>
+                              <a:ea typeface="Cambria Math" panose="02040503050406030204" pitchFamily="18" charset="0"/>
+                            </a:rPr>
+                          </m:ctrlPr>
+                        </m:dPr>
+                        <m:e>
+                          <m:r>
+                            <a:rPr lang="es-PE" sz="2000" i="1">
+                              <a:latin typeface="Cambria Math" panose="02040503050406030204" pitchFamily="18" charset="0"/>
+                              <a:ea typeface="Cambria Math" panose="02040503050406030204" pitchFamily="18" charset="0"/>
+                            </a:rPr>
+                            <m:t>𝑥</m:t>
+                          </m:r>
+                        </m:e>
+                      </m:d>
+                      <m:r>
+                        <a:rPr lang="es-PE" sz="2000" i="1">
+                          <a:latin typeface="Cambria Math" panose="02040503050406030204" pitchFamily="18" charset="0"/>
+                          <a:ea typeface="Cambria Math" panose="02040503050406030204" pitchFamily="18" charset="0"/>
+                        </a:rPr>
+                        <m:t>+</m:t>
+                      </m:r>
+                      <m:d>
+                        <m:dPr>
+                          <m:ctrlPr>
+                            <a:rPr lang="es-PE" sz="2000" i="1">
+                              <a:latin typeface="Cambria Math" panose="02040503050406030204" pitchFamily="18" charset="0"/>
+                              <a:ea typeface="Cambria Math" panose="02040503050406030204" pitchFamily="18" charset="0"/>
+                            </a:rPr>
+                          </m:ctrlPr>
+                        </m:dPr>
+                        <m:e>
+                          <m:r>
+                            <a:rPr lang="es-PE" sz="2000" i="1">
+                              <a:latin typeface="Cambria Math" panose="02040503050406030204" pitchFamily="18" charset="0"/>
+                              <a:ea typeface="Cambria Math" panose="02040503050406030204" pitchFamily="18" charset="0"/>
+                            </a:rPr>
+                            <m:t>1+</m:t>
+                          </m:r>
+                          <m:r>
+                            <a:rPr lang="es-MX" sz="2000" i="1">
+                              <a:latin typeface="Cambria Math" panose="02040503050406030204" pitchFamily="18" charset="0"/>
+                              <a:ea typeface="Cambria Math" panose="02040503050406030204" pitchFamily="18" charset="0"/>
+                            </a:rPr>
+                            <m:t>𝜃</m:t>
+                          </m:r>
+                        </m:e>
+                      </m:d>
+                      <m:r>
+                        <a:rPr lang="es-PE" sz="2000" i="1">
+                          <a:latin typeface="Cambria Math" panose="02040503050406030204" pitchFamily="18" charset="0"/>
+                          <a:ea typeface="Cambria Math" panose="02040503050406030204" pitchFamily="18" charset="0"/>
+                        </a:rPr>
+                        <m:t>𝑓</m:t>
+                      </m:r>
+                      <m:d>
+                        <m:dPr>
+                          <m:ctrlPr>
+                            <a:rPr lang="es-PE" sz="2000" i="1">
+                              <a:latin typeface="Cambria Math" panose="02040503050406030204" pitchFamily="18" charset="0"/>
+                              <a:ea typeface="Cambria Math" panose="02040503050406030204" pitchFamily="18" charset="0"/>
+                            </a:rPr>
+                          </m:ctrlPr>
+                        </m:dPr>
+                        <m:e>
+                          <m:r>
+                            <a:rPr lang="es-PE" sz="2000" i="1">
+                              <a:latin typeface="Cambria Math" panose="02040503050406030204" pitchFamily="18" charset="0"/>
+                              <a:ea typeface="Cambria Math" panose="02040503050406030204" pitchFamily="18" charset="0"/>
+                            </a:rPr>
+                            <m:t>𝑦</m:t>
+                          </m:r>
+                        </m:e>
+                      </m:d>
+                    </m:oMath>
+                  </m:oMathPara>
+                </a14:m>
+                <a:endParaRPr lang="es-PE" sz="2000" b="0" dirty="0">
+                  <a:ea typeface="Cambria Math" panose="02040503050406030204" pitchFamily="18" charset="0"/>
+                </a:endParaRPr>
+              </a:p>
+              <a:p>
+                <a:endParaRPr lang="es-MX" sz="2000" dirty="0"/>
+              </a:p>
+              <a:p>
+                <a:pPr marL="285750" indent="-285750">
+                  <a:buFont typeface="Arial" panose="020B0604020202020204" pitchFamily="34" charset="0"/>
+                  <a:buChar char="•"/>
+                </a:pPr>
+                <a:endParaRPr lang="es-MX" sz="2000" dirty="0"/>
+              </a:p>
+              <a:p>
+                <a:pPr marL="285750" indent="-285750">
+                  <a:buFont typeface="Arial" panose="020B0604020202020204" pitchFamily="34" charset="0"/>
+                  <a:buChar char="•"/>
+                </a:pPr>
+                <a:endParaRPr lang="es-MX" sz="2000" dirty="0"/>
+              </a:p>
+              <a:p>
+                <a:pPr marL="285750" indent="-285750">
+                  <a:buFont typeface="Arial" panose="020B0604020202020204" pitchFamily="34" charset="0"/>
+                  <a:buChar char="•"/>
+                </a:pPr>
+                <a:endParaRPr lang="es-MX" sz="2000" dirty="0"/>
+              </a:p>
+            </p:txBody>
+          </p:sp>
+        </mc:Choice>
+        <mc:Fallback>
+          <p:sp>
+            <p:nvSpPr>
+              <p:cNvPr id="5" name="CuadroTexto 4">
+                <a:extLst>
+                  <a:ext uri="{FF2B5EF4-FFF2-40B4-BE49-F238E27FC236}">
+                    <a16:creationId xmlns:a16="http://schemas.microsoft.com/office/drawing/2014/main" id="{0EE2E59A-EFC5-4F7D-8B1B-CDE02E4D869C}"/>
+                  </a:ext>
+                </a:extLst>
+              </p:cNvPr>
+              <p:cNvSpPr txBox="1">
+                <a:spLocks noRot="1" noChangeAspect="1" noMove="1" noResize="1" noEditPoints="1" noAdjustHandles="1" noChangeArrowheads="1" noChangeShapeType="1" noTextEdit="1"/>
+              </p:cNvSpPr>
+              <p:nvPr/>
+            </p:nvSpPr>
+            <p:spPr>
+              <a:xfrm>
+                <a:off x="602191" y="836712"/>
+                <a:ext cx="8002257" cy="3170099"/>
+              </a:xfrm>
+              <a:prstGeom prst="rect">
+                <a:avLst/>
+              </a:prstGeom>
+              <a:blipFill>
+                <a:blip r:embed="rId2"/>
+                <a:stretch>
+                  <a:fillRect l="-686" t="-962" r="-457"/>
+                </a:stretch>
+              </a:blipFill>
+            </p:spPr>
+            <p:txBody>
+              <a:bodyPr/>
+              <a:lstStyle/>
+              <a:p>
+                <a:r>
+                  <a:rPr lang="en-US">
+                    <a:noFill/>
+                  </a:rPr>
+                  <a:t> </a:t>
+                </a:r>
+              </a:p>
+            </p:txBody>
+          </p:sp>
+        </mc:Fallback>
+      </mc:AlternateContent>
+      <p:pic>
+        <p:nvPicPr>
+          <p:cNvPr id="6" name="Imagen 5"/>
+          <p:cNvPicPr>
+            <a:picLocks noChangeAspect="1"/>
+          </p:cNvPicPr>
+          <p:nvPr/>
+        </p:nvPicPr>
+        <p:blipFill>
+          <a:blip r:embed="rId3"/>
+          <a:stretch>
+            <a:fillRect/>
+          </a:stretch>
+        </p:blipFill>
+        <p:spPr>
+          <a:xfrm>
+            <a:off x="827584" y="3140968"/>
+            <a:ext cx="7381733" cy="2539587"/>
+          </a:xfrm>
+          <a:prstGeom prst="rect">
+            <a:avLst/>
+          </a:prstGeom>
+        </p:spPr>
+      </p:pic>
+    </p:spTree>
+    <p:extLst>
+      <p:ext uri="{BB962C8B-B14F-4D97-AF65-F5344CB8AC3E}">
+        <p14:creationId xmlns:p14="http://schemas.microsoft.com/office/powerpoint/2010/main" val="1665145397"/>
+      </p:ext>
+    </p:extLst>
+  </p:cSld>
+  <p:clrMapOvr>
+    <a:masterClrMapping/>
+  </p:clrMapOvr>
+  <p:transition spd="slow">
+    <p:fade/>
+  </p:transition>
+</p:sld>
+</file>
+
+<file path=ppt/slides/slide2.xml><?xml version="1.0" encoding="utf-8"?>
+<p:sld xmlns:a="http://schemas.openxmlformats.org/drawingml/2006/main" xmlns:r="http://schemas.openxmlformats.org/officeDocument/2006/relationships" xmlns:p="http://schemas.openxmlformats.org/presentationml/2006/main">
+  <p:cSld>
+    <p:spTree>
+      <p:nvGrpSpPr>
+        <p:cNvPr id="1" name=""/>
+        <p:cNvGrpSpPr/>
+        <p:nvPr/>
+      </p:nvGrpSpPr>
+      <p:grpSpPr>
+        <a:xfrm>
+          <a:off x="0" y="0"/>
+          <a:ext cx="0" cy="0"/>
+          <a:chOff x="0" y="0"/>
+          <a:chExt cx="0" cy="0"/>
+        </a:xfrm>
+      </p:grpSpPr>
+      <p:sp>
+        <p:nvSpPr>
+          <p:cNvPr id="2" name="Marcador de número de diapositiva 1"/>
+          <p:cNvSpPr>
+            <a:spLocks noGrp="1"/>
+          </p:cNvSpPr>
+          <p:nvPr>
+            <p:ph type="sldNum" sz="quarter" idx="12"/>
+          </p:nvPr>
+        </p:nvSpPr>
+        <p:spPr/>
+        <p:txBody>
+          <a:bodyPr/>
+          <a:lstStyle/>
+          <a:p>
+            <a:fld id="{64BD7E74-CBD2-4D88-9109-2EA8081AE675}" type="slidenum">
+              <a:rPr lang="es-ES" smtClean="0"/>
+              <a:pPr/>
+              <a:t>2</a:t>
+            </a:fld>
+            <a:endParaRPr lang="es-ES"/>
+          </a:p>
+        </p:txBody>
+      </p:sp>
+      <p:sp>
+        <p:nvSpPr>
+          <p:cNvPr id="3" name="4 Título"/>
+          <p:cNvSpPr txBox="1">
+            <a:spLocks/>
+          </p:cNvSpPr>
+          <p:nvPr/>
+        </p:nvSpPr>
+        <p:spPr>
+          <a:xfrm>
+            <a:off x="611560" y="188640"/>
+            <a:ext cx="8784976" cy="457120"/>
+          </a:xfrm>
+          <a:prstGeom prst="rect">
+            <a:avLst/>
+          </a:prstGeom>
+        </p:spPr>
+        <p:txBody>
+          <a:bodyPr bIns="91440" anchor="b" anchorCtr="0">
+            <a:noAutofit/>
+          </a:bodyPr>
+          <a:lstStyle>
+            <a:lvl1pPr>
+              <a:spcBef>
+                <a:spcPct val="0"/>
+              </a:spcBef>
+              <a:buNone/>
+              <a:defRPr kumimoji="0" sz="2400">
+                <a:ln w="0"/>
+                <a:solidFill>
+                  <a:schemeClr val="tx2"/>
+                </a:solidFill>
+                <a:effectLst>
+                  <a:outerShdw blurRad="38100" dist="19050" dir="2700000" algn="tl" rotWithShape="0">
+                    <a:schemeClr val="dk1">
+                      <a:alpha val="40000"/>
+                    </a:schemeClr>
+                  </a:outerShdw>
+                </a:effectLst>
+                <a:latin typeface="+mj-lt"/>
+                <a:ea typeface="+mj-ea"/>
+                <a:cs typeface="+mj-cs"/>
+              </a:defRPr>
+            </a:lvl1pPr>
+          </a:lstStyle>
+          <a:p>
+            <a:r>
+              <a:rPr lang="es-PE" altLang="en-US" dirty="0"/>
+              <a:t>Ejemplo 1: Importación de petróleo</a:t>
+            </a:r>
+          </a:p>
+        </p:txBody>
+      </p:sp>
+      <p:sp>
+        <p:nvSpPr>
+          <p:cNvPr id="5" name="CuadroTexto 4"/>
+          <p:cNvSpPr txBox="1"/>
+          <p:nvPr/>
+        </p:nvSpPr>
+        <p:spPr>
+          <a:xfrm>
+            <a:off x="602191" y="836712"/>
+            <a:ext cx="8002257" cy="1323439"/>
+          </a:xfrm>
+          <a:prstGeom prst="rect">
+            <a:avLst/>
+          </a:prstGeom>
+          <a:noFill/>
+        </p:spPr>
+        <p:txBody>
+          <a:bodyPr wrap="square" rtlCol="0">
+            <a:spAutoFit/>
+          </a:bodyPr>
+          <a:lstStyle/>
+          <a:p>
             <a:pPr marL="285750" indent="-285750">
               <a:buFont typeface="Arial" panose="020B0604020202020204" pitchFamily="34" charset="0"/>
               <a:buChar char="•"/>
@@ -7398,7 +10426,7 @@
             </a:pPr>
             <a:r>
               <a:rPr lang="es-MX" sz="2000" dirty="0"/>
-              <a:t>De cada tipo de petróleo se producen por barril las siguientes cantidades de gasolina, kerosene y combustible para reactores</a:t>
+              <a:t>De cada tipo de petróleo se producen por barril las siguientes cantidades de gasolina, kerosene y combustible para reactores.</a:t>
             </a:r>
             <a:r>
               <a:rPr lang="es-PE" sz="2000" dirty="0"/>
@@ -7723,7 +10751,7 @@
 </p:sld>
 </file>
 
-<file path=ppt/slides/slide3.xml><?xml version="1.0" encoding="utf-8"?>
+<file path=ppt/slides/slide20.xml><?xml version="1.0" encoding="utf-8"?>
 <p:sld xmlns:a="http://schemas.openxmlformats.org/drawingml/2006/main" xmlns:r="http://schemas.openxmlformats.org/officeDocument/2006/relationships" xmlns:p="http://schemas.openxmlformats.org/presentationml/2006/main">
   <p:cSld>
     <p:spTree>
@@ -7758,7 +10786,7 @@
             <a:fld id="{64BD7E74-CBD2-4D88-9109-2EA8081AE675}" type="slidenum">
               <a:rPr lang="es-ES" smtClean="0"/>
               <a:pPr/>
-              <a:t>3</a:t>
+              <a:t>20</a:t>
             </a:fld>
             <a:endParaRPr lang="es-ES"/>
           </a:p>
@@ -7812,21 +10840,27 @@
           <a:p>
             <a:r>
               <a:rPr lang="es-PE" altLang="en-US" dirty="0"/>
-              <a:t>Ejemplo 2 : Modelo para fabricación</a:t>
-            </a:r>
-          </a:p>
-        </p:txBody>
-      </p:sp>
-      <p:sp>
-        <p:nvSpPr>
-          <p:cNvPr id="5" name="CuadroTexto 4"/>
+              <a:t>Concavidad y Convexidad: Región convexa</a:t>
+            </a:r>
+          </a:p>
+        </p:txBody>
+      </p:sp>
+      <p:sp>
+        <p:nvSpPr>
+          <p:cNvPr id="10" name="CuadroTexto 4">
+            <a:extLst>
+              <a:ext uri="{FF2B5EF4-FFF2-40B4-BE49-F238E27FC236}">
+                <a16:creationId xmlns:a16="http://schemas.microsoft.com/office/drawing/2014/main" id="{0EE2E59A-EFC5-4F7D-8B1B-CDE02E4D869C}"/>
+              </a:ext>
+            </a:extLst>
+          </p:cNvPr>
           <p:cNvSpPr txBox="1"/>
           <p:nvPr/>
         </p:nvSpPr>
         <p:spPr>
           <a:xfrm>
             <a:off x="602191" y="836712"/>
-            <a:ext cx="8002257" cy="3170099"/>
+            <a:ext cx="8002257" cy="1631216"/>
           </a:xfrm>
           <a:prstGeom prst="rect">
             <a:avLst/>
@@ -7845,7 +10879,7 @@
             </a:pPr>
             <a:r>
               <a:rPr lang="es-MX" sz="2000" dirty="0"/>
-              <a:t>Se desean construir mesas y sillas. </a:t>
+              <a:t>Una región es llamada región convexa si, y solamente si todo segmento de recta cuyas extremidades pertenecen a la región solo tienen puntos en la misma región.</a:t>
             </a:r>
           </a:p>
           <a:p>
@@ -7853,47 +10887,242 @@
               <a:buFont typeface="Arial" panose="020B0604020202020204" pitchFamily="34" charset="0"/>
               <a:buChar char="•"/>
             </a:pPr>
-            <a:r>
-              <a:rPr lang="es-MX" sz="2000" dirty="0"/>
-              <a:t>El recurso disponible es 30 m</a:t>
-            </a:r>
-            <a:r>
-              <a:rPr lang="es-MX" sz="2000" baseline="30000" dirty="0"/>
-              <a:t>2</a:t>
-            </a:r>
-            <a:r>
-              <a:rPr lang="es-MX" sz="2000" dirty="0"/>
-              <a:t> de madera por semana, 48 horas por semana.</a:t>
-            </a:r>
+            <a:endParaRPr lang="es-MX" sz="2000" dirty="0"/>
           </a:p>
           <a:p>
             <a:pPr marL="285750" indent="-285750">
               <a:buFont typeface="Arial" panose="020B0604020202020204" pitchFamily="34" charset="0"/>
               <a:buChar char="•"/>
             </a:pPr>
-            <a:r>
-              <a:rPr lang="es-MX" sz="2000" dirty="0"/>
-              <a:t>La demanda de las sillas es de 5 unidades y la de mesas de 10 unidades.</a:t>
-            </a:r>
+            <a:endParaRPr lang="es-MX" sz="2000" dirty="0"/>
           </a:p>
           <a:p>
             <a:pPr marL="285750" indent="-285750">
               <a:buFont typeface="Arial" panose="020B0604020202020204" pitchFamily="34" charset="0"/>
               <a:buChar char="•"/>
             </a:pPr>
-            <a:r>
-              <a:rPr lang="es-MX" sz="2000" dirty="0"/>
-              <a:t>La utilidad que se obtiene por las mesas es de $10 y por las sillas de $8, además para construir la mesa utiliza lo siguiente: 4.5 m</a:t>
-            </a:r>
-            <a:r>
-              <a:rPr lang="es-MX" sz="2000" baseline="30000" dirty="0"/>
-              <a:t>2</a:t>
-            </a:r>
-            <a:r>
-              <a:rPr lang="es-MX" sz="2000" dirty="0"/>
-              <a:t> de madera por unidad, 6 horas por unidad.</a:t>
-            </a:r>
-          </a:p>
+            <a:endParaRPr lang="es-MX" sz="2000" dirty="0"/>
+          </a:p>
+        </p:txBody>
+      </p:sp>
+      <p:pic>
+        <p:nvPicPr>
+          <p:cNvPr id="4" name="Imagen 3"/>
+          <p:cNvPicPr>
+            <a:picLocks noChangeAspect="1"/>
+          </p:cNvPicPr>
+          <p:nvPr/>
+        </p:nvPicPr>
+        <p:blipFill rotWithShape="1">
+          <a:blip r:embed="rId2"/>
+          <a:srcRect t="6576"/>
+          <a:stretch/>
+        </p:blipFill>
+        <p:spPr>
+          <a:xfrm>
+            <a:off x="755576" y="1556807"/>
+            <a:ext cx="7403731" cy="2623638"/>
+          </a:xfrm>
+          <a:prstGeom prst="rect">
+            <a:avLst/>
+          </a:prstGeom>
+        </p:spPr>
+      </p:pic>
+      <p:sp>
+        <p:nvSpPr>
+          <p:cNvPr id="5" name="CuadroTexto 4"/>
+          <p:cNvSpPr txBox="1"/>
+          <p:nvPr/>
+        </p:nvSpPr>
+        <p:spPr>
+          <a:xfrm>
+            <a:off x="1691680" y="4193794"/>
+            <a:ext cx="1502527" cy="369332"/>
+          </a:xfrm>
+          <a:prstGeom prst="rect">
+            <a:avLst/>
+          </a:prstGeom>
+          <a:noFill/>
+        </p:spPr>
+        <p:txBody>
+          <a:bodyPr wrap="none" rtlCol="0">
+            <a:spAutoFit/>
+          </a:bodyPr>
+          <a:lstStyle/>
+          <a:p>
+            <a:r>
+              <a:rPr lang="es-PE" dirty="0"/>
+              <a:t>Región convexa</a:t>
+            </a:r>
+          </a:p>
+        </p:txBody>
+      </p:sp>
+      <p:sp>
+        <p:nvSpPr>
+          <p:cNvPr id="7" name="CuadroTexto 6"/>
+          <p:cNvSpPr txBox="1"/>
+          <p:nvPr/>
+        </p:nvSpPr>
+        <p:spPr>
+          <a:xfrm>
+            <a:off x="5764418" y="4180445"/>
+            <a:ext cx="1765420" cy="369332"/>
+          </a:xfrm>
+          <a:prstGeom prst="rect">
+            <a:avLst/>
+          </a:prstGeom>
+          <a:noFill/>
+        </p:spPr>
+        <p:txBody>
+          <a:bodyPr wrap="none" rtlCol="0">
+            <a:spAutoFit/>
+          </a:bodyPr>
+          <a:lstStyle/>
+          <a:p>
+            <a:r>
+              <a:rPr lang="es-PE" dirty="0"/>
+              <a:t>Región no convexa</a:t>
+            </a:r>
+          </a:p>
+        </p:txBody>
+      </p:sp>
+    </p:spTree>
+    <p:extLst>
+      <p:ext uri="{BB962C8B-B14F-4D97-AF65-F5344CB8AC3E}">
+        <p14:creationId xmlns:p14="http://schemas.microsoft.com/office/powerpoint/2010/main" val="1336679109"/>
+      </p:ext>
+    </p:extLst>
+  </p:cSld>
+  <p:clrMapOvr>
+    <a:masterClrMapping/>
+  </p:clrMapOvr>
+  <p:transition spd="slow">
+    <p:fade/>
+  </p:transition>
+</p:sld>
+</file>
+
+<file path=ppt/slides/slide21.xml><?xml version="1.0" encoding="utf-8"?>
+<p:sld xmlns:a="http://schemas.openxmlformats.org/drawingml/2006/main" xmlns:r="http://schemas.openxmlformats.org/officeDocument/2006/relationships" xmlns:p="http://schemas.openxmlformats.org/presentationml/2006/main">
+  <p:cSld>
+    <p:spTree>
+      <p:nvGrpSpPr>
+        <p:cNvPr id="1" name=""/>
+        <p:cNvGrpSpPr/>
+        <p:nvPr/>
+      </p:nvGrpSpPr>
+      <p:grpSpPr>
+        <a:xfrm>
+          <a:off x="0" y="0"/>
+          <a:ext cx="0" cy="0"/>
+          <a:chOff x="0" y="0"/>
+          <a:chExt cx="0" cy="0"/>
+        </a:xfrm>
+      </p:grpSpPr>
+      <p:sp>
+        <p:nvSpPr>
+          <p:cNvPr id="2" name="Marcador de número de diapositiva 1"/>
+          <p:cNvSpPr>
+            <a:spLocks noGrp="1"/>
+          </p:cNvSpPr>
+          <p:nvPr>
+            <p:ph type="sldNum" sz="quarter" idx="12"/>
+          </p:nvPr>
+        </p:nvSpPr>
+        <p:spPr/>
+        <p:txBody>
+          <a:bodyPr/>
+          <a:lstStyle/>
+          <a:p>
+            <a:fld id="{64BD7E74-CBD2-4D88-9109-2EA8081AE675}" type="slidenum">
+              <a:rPr lang="es-ES" smtClean="0"/>
+              <a:pPr/>
+              <a:t>21</a:t>
+            </a:fld>
+            <a:endParaRPr lang="es-ES"/>
+          </a:p>
+        </p:txBody>
+      </p:sp>
+      <p:sp>
+        <p:nvSpPr>
+          <p:cNvPr id="3" name="4 Título"/>
+          <p:cNvSpPr txBox="1">
+            <a:spLocks/>
+          </p:cNvSpPr>
+          <p:nvPr/>
+        </p:nvSpPr>
+        <p:spPr>
+          <a:xfrm>
+            <a:off x="611560" y="188640"/>
+            <a:ext cx="8784976" cy="457120"/>
+          </a:xfrm>
+          <a:prstGeom prst="rect">
+            <a:avLst/>
+          </a:prstGeom>
+        </p:spPr>
+        <p:txBody>
+          <a:bodyPr bIns="91440" anchor="b" anchorCtr="0">
+            <a:noAutofit/>
+          </a:bodyPr>
+          <a:lstStyle>
+            <a:lvl1pPr>
+              <a:spcBef>
+                <a:spcPct val="0"/>
+              </a:spcBef>
+              <a:buNone/>
+              <a:defRPr kumimoji="0" sz="2400">
+                <a:ln w="0"/>
+                <a:solidFill>
+                  <a:schemeClr val="tx2"/>
+                </a:solidFill>
+                <a:effectLst>
+                  <a:outerShdw blurRad="38100" dist="19050" dir="2700000" algn="tl" rotWithShape="0">
+                    <a:schemeClr val="dk1">
+                      <a:alpha val="40000"/>
+                    </a:schemeClr>
+                  </a:outerShdw>
+                </a:effectLst>
+                <a:latin typeface="+mj-lt"/>
+                <a:ea typeface="+mj-ea"/>
+                <a:cs typeface="+mj-cs"/>
+              </a:defRPr>
+            </a:lvl1pPr>
+          </a:lstStyle>
+          <a:p>
+            <a:r>
+              <a:rPr lang="es-PE" altLang="en-US" dirty="0"/>
+              <a:t>Concavidad y Convexidad: Problemas de Optimización</a:t>
+            </a:r>
+          </a:p>
+        </p:txBody>
+      </p:sp>
+      <p:sp>
+        <p:nvSpPr>
+          <p:cNvPr id="10" name="CuadroTexto 4">
+            <a:extLst>
+              <a:ext uri="{FF2B5EF4-FFF2-40B4-BE49-F238E27FC236}">
+                <a16:creationId xmlns:a16="http://schemas.microsoft.com/office/drawing/2014/main" id="{0EE2E59A-EFC5-4F7D-8B1B-CDE02E4D869C}"/>
+              </a:ext>
+            </a:extLst>
+          </p:cNvPr>
+          <p:cNvSpPr txBox="1"/>
+          <p:nvPr/>
+        </p:nvSpPr>
+        <p:spPr>
+          <a:xfrm>
+            <a:off x="602191" y="836712"/>
+            <a:ext cx="8002257" cy="2554545"/>
+          </a:xfrm>
+          <a:prstGeom prst="rect">
+            <a:avLst/>
+          </a:prstGeom>
+          <a:noFill/>
+        </p:spPr>
+        <p:txBody>
+          <a:bodyPr wrap="square" rtlCol="0">
+            <a:spAutoFit/>
+          </a:bodyPr>
+          <a:lstStyle/>
           <a:p>
             <a:pPr marL="285750" indent="-285750">
               <a:buFont typeface="Arial" panose="020B0604020202020204" pitchFamily="34" charset="0"/>
@@ -7901,15 +11130,7 @@
             </a:pPr>
             <a:r>
               <a:rPr lang="es-MX" sz="2000" dirty="0"/>
-              <a:t>Para la silla se ocupan: 1.5 m</a:t>
-            </a:r>
-            <a:r>
-              <a:rPr lang="es-MX" sz="2000" baseline="30000" dirty="0"/>
-              <a:t>2</a:t>
-            </a:r>
-            <a:r>
-              <a:rPr lang="es-MX" sz="2000" dirty="0"/>
-              <a:t> de madera por unidad y 3 horas por cada unidad fabricada.</a:t>
+              <a:t>En un problema de minimización, si la función objetivo y región factible son convexas. Entonces, es posible obtener cualquier mínimo local que resultaría ser el mínimo global del problema planteado.</a:t>
             </a:r>
           </a:p>
           <a:p>
@@ -7917,6 +11138,2261 @@
               <a:buFont typeface="Arial" panose="020B0604020202020204" pitchFamily="34" charset="0"/>
               <a:buChar char="•"/>
             </a:pPr>
+            <a:endParaRPr lang="es-MX" sz="2000" dirty="0"/>
+          </a:p>
+          <a:p>
+            <a:pPr marL="285750" indent="-285750">
+              <a:buFont typeface="Arial" panose="020B0604020202020204" pitchFamily="34" charset="0"/>
+              <a:buChar char="•"/>
+            </a:pPr>
+            <a:endParaRPr lang="es-MX" sz="2000" dirty="0"/>
+          </a:p>
+          <a:p>
+            <a:pPr marL="285750" indent="-285750">
+              <a:buFont typeface="Arial" panose="020B0604020202020204" pitchFamily="34" charset="0"/>
+              <a:buChar char="•"/>
+            </a:pPr>
+            <a:r>
+              <a:rPr lang="es-MX" sz="2000" dirty="0"/>
+              <a:t>En un problema de maximización, si la función objetivo y región factible son cóncavas. Entonces, es posible obtener cualquier máximo local que resultaría ser el  máximo global del problema planteado.</a:t>
+            </a:r>
+          </a:p>
+        </p:txBody>
+      </p:sp>
+    </p:spTree>
+    <p:extLst>
+      <p:ext uri="{BB962C8B-B14F-4D97-AF65-F5344CB8AC3E}">
+        <p14:creationId xmlns:p14="http://schemas.microsoft.com/office/powerpoint/2010/main" val="3474399552"/>
+      </p:ext>
+    </p:extLst>
+  </p:cSld>
+  <p:clrMapOvr>
+    <a:masterClrMapping/>
+  </p:clrMapOvr>
+  <p:transition spd="slow">
+    <p:fade/>
+  </p:transition>
+</p:sld>
+</file>
+
+<file path=ppt/slides/slide22.xml><?xml version="1.0" encoding="utf-8"?>
+<p:sld xmlns:a="http://schemas.openxmlformats.org/drawingml/2006/main" xmlns:r="http://schemas.openxmlformats.org/officeDocument/2006/relationships" xmlns:p="http://schemas.openxmlformats.org/presentationml/2006/main">
+  <p:cSld>
+    <p:spTree>
+      <p:nvGrpSpPr>
+        <p:cNvPr id="1" name=""/>
+        <p:cNvGrpSpPr/>
+        <p:nvPr/>
+      </p:nvGrpSpPr>
+      <p:grpSpPr>
+        <a:xfrm>
+          <a:off x="0" y="0"/>
+          <a:ext cx="0" cy="0"/>
+          <a:chOff x="0" y="0"/>
+          <a:chExt cx="0" cy="0"/>
+        </a:xfrm>
+      </p:grpSpPr>
+      <p:sp>
+        <p:nvSpPr>
+          <p:cNvPr id="2" name="Marcador de número de diapositiva 1"/>
+          <p:cNvSpPr>
+            <a:spLocks noGrp="1"/>
+          </p:cNvSpPr>
+          <p:nvPr>
+            <p:ph type="sldNum" sz="quarter" idx="12"/>
+          </p:nvPr>
+        </p:nvSpPr>
+        <p:spPr/>
+        <p:txBody>
+          <a:bodyPr/>
+          <a:lstStyle/>
+          <a:p>
+            <a:fld id="{64BD7E74-CBD2-4D88-9109-2EA8081AE675}" type="slidenum">
+              <a:rPr lang="es-ES" smtClean="0"/>
+              <a:pPr/>
+              <a:t>22</a:t>
+            </a:fld>
+            <a:endParaRPr lang="es-ES"/>
+          </a:p>
+        </p:txBody>
+      </p:sp>
+      <p:sp>
+        <p:nvSpPr>
+          <p:cNvPr id="3" name="4 Título"/>
+          <p:cNvSpPr txBox="1">
+            <a:spLocks/>
+          </p:cNvSpPr>
+          <p:nvPr/>
+        </p:nvSpPr>
+        <p:spPr>
+          <a:xfrm>
+            <a:off x="611560" y="188640"/>
+            <a:ext cx="8784976" cy="457120"/>
+          </a:xfrm>
+          <a:prstGeom prst="rect">
+            <a:avLst/>
+          </a:prstGeom>
+        </p:spPr>
+        <p:txBody>
+          <a:bodyPr bIns="91440" anchor="b" anchorCtr="0">
+            <a:noAutofit/>
+          </a:bodyPr>
+          <a:lstStyle>
+            <a:lvl1pPr>
+              <a:spcBef>
+                <a:spcPct val="0"/>
+              </a:spcBef>
+              <a:buNone/>
+              <a:defRPr kumimoji="0" sz="2400">
+                <a:ln w="0"/>
+                <a:solidFill>
+                  <a:schemeClr val="tx2"/>
+                </a:solidFill>
+                <a:effectLst>
+                  <a:outerShdw blurRad="38100" dist="19050" dir="2700000" algn="tl" rotWithShape="0">
+                    <a:schemeClr val="dk1">
+                      <a:alpha val="40000"/>
+                    </a:schemeClr>
+                  </a:outerShdw>
+                </a:effectLst>
+                <a:latin typeface="+mj-lt"/>
+                <a:ea typeface="+mj-ea"/>
+                <a:cs typeface="+mj-cs"/>
+              </a:defRPr>
+            </a:lvl1pPr>
+          </a:lstStyle>
+          <a:p>
+            <a:r>
+              <a:rPr lang="es-PE" altLang="en-US" dirty="0"/>
+              <a:t>Tipos de problemas de optimización</a:t>
+            </a:r>
+          </a:p>
+        </p:txBody>
+      </p:sp>
+      <p:pic>
+        <p:nvPicPr>
+          <p:cNvPr id="4" name="Picture 3">
+            <a:extLst>
+              <a:ext uri="{FF2B5EF4-FFF2-40B4-BE49-F238E27FC236}">
+                <a16:creationId xmlns:a16="http://schemas.microsoft.com/office/drawing/2014/main" id="{704EA9A2-4697-4D61-8140-FA6B2C4F55DB}"/>
+              </a:ext>
+            </a:extLst>
+          </p:cNvPr>
+          <p:cNvPicPr>
+            <a:picLocks noChangeAspect="1"/>
+          </p:cNvPicPr>
+          <p:nvPr/>
+        </p:nvPicPr>
+        <p:blipFill>
+          <a:blip r:embed="rId2"/>
+          <a:stretch>
+            <a:fillRect/>
+          </a:stretch>
+        </p:blipFill>
+        <p:spPr>
+          <a:xfrm>
+            <a:off x="144016" y="1945991"/>
+            <a:ext cx="8892480" cy="3643249"/>
+          </a:xfrm>
+          <a:prstGeom prst="rect">
+            <a:avLst/>
+          </a:prstGeom>
+        </p:spPr>
+      </p:pic>
+      <p:sp>
+        <p:nvSpPr>
+          <p:cNvPr id="6" name="TextBox 5">
+            <a:extLst>
+              <a:ext uri="{FF2B5EF4-FFF2-40B4-BE49-F238E27FC236}">
+                <a16:creationId xmlns:a16="http://schemas.microsoft.com/office/drawing/2014/main" id="{07C250E3-42CC-4F1B-9953-BC98F9EC4CF3}"/>
+              </a:ext>
+            </a:extLst>
+          </p:cNvPr>
+          <p:cNvSpPr txBox="1"/>
+          <p:nvPr/>
+        </p:nvSpPr>
+        <p:spPr>
+          <a:xfrm>
+            <a:off x="1259632" y="1576659"/>
+            <a:ext cx="692818" cy="369332"/>
+          </a:xfrm>
+          <a:prstGeom prst="rect">
+            <a:avLst/>
+          </a:prstGeom>
+          <a:noFill/>
+        </p:spPr>
+        <p:txBody>
+          <a:bodyPr wrap="none" rtlCol="0">
+            <a:spAutoFit/>
+          </a:bodyPr>
+          <a:lstStyle/>
+          <a:p>
+            <a:r>
+              <a:rPr lang="es-PE" dirty="0"/>
+              <a:t>Lineal</a:t>
+            </a:r>
+          </a:p>
+        </p:txBody>
+      </p:sp>
+      <p:sp>
+        <p:nvSpPr>
+          <p:cNvPr id="7" name="TextBox 6">
+            <a:extLst>
+              <a:ext uri="{FF2B5EF4-FFF2-40B4-BE49-F238E27FC236}">
+                <a16:creationId xmlns:a16="http://schemas.microsoft.com/office/drawing/2014/main" id="{4D2E9544-59C2-49CD-8553-D43AD621CEE4}"/>
+              </a:ext>
+            </a:extLst>
+          </p:cNvPr>
+          <p:cNvSpPr txBox="1"/>
+          <p:nvPr/>
+        </p:nvSpPr>
+        <p:spPr>
+          <a:xfrm>
+            <a:off x="4139952" y="1576659"/>
+            <a:ext cx="1103187" cy="369332"/>
+          </a:xfrm>
+          <a:prstGeom prst="rect">
+            <a:avLst/>
+          </a:prstGeom>
+          <a:noFill/>
+        </p:spPr>
+        <p:txBody>
+          <a:bodyPr wrap="none" rtlCol="0">
+            <a:spAutoFit/>
+          </a:bodyPr>
+          <a:lstStyle/>
+          <a:p>
+            <a:r>
+              <a:rPr lang="es-PE" dirty="0"/>
+              <a:t>Cuadrático</a:t>
+            </a:r>
+          </a:p>
+        </p:txBody>
+      </p:sp>
+      <p:sp>
+        <p:nvSpPr>
+          <p:cNvPr id="8" name="TextBox 7">
+            <a:extLst>
+              <a:ext uri="{FF2B5EF4-FFF2-40B4-BE49-F238E27FC236}">
+                <a16:creationId xmlns:a16="http://schemas.microsoft.com/office/drawing/2014/main" id="{A8B05684-2D1A-4D16-9461-349E1328453B}"/>
+              </a:ext>
+            </a:extLst>
+          </p:cNvPr>
+          <p:cNvSpPr txBox="1"/>
+          <p:nvPr/>
+        </p:nvSpPr>
+        <p:spPr>
+          <a:xfrm>
+            <a:off x="7020272" y="1576659"/>
+            <a:ext cx="944489" cy="369332"/>
+          </a:xfrm>
+          <a:prstGeom prst="rect">
+            <a:avLst/>
+          </a:prstGeom>
+          <a:noFill/>
+        </p:spPr>
+        <p:txBody>
+          <a:bodyPr wrap="none" rtlCol="0">
+            <a:spAutoFit/>
+          </a:bodyPr>
+          <a:lstStyle/>
+          <a:p>
+            <a:r>
+              <a:rPr lang="es-PE" dirty="0"/>
+              <a:t>No lineal</a:t>
+            </a:r>
+          </a:p>
+        </p:txBody>
+      </p:sp>
+      <p:sp>
+        <p:nvSpPr>
+          <p:cNvPr id="10" name="CuadroTexto 4">
+            <a:extLst>
+              <a:ext uri="{FF2B5EF4-FFF2-40B4-BE49-F238E27FC236}">
+                <a16:creationId xmlns:a16="http://schemas.microsoft.com/office/drawing/2014/main" id="{0EE2E59A-EFC5-4F7D-8B1B-CDE02E4D869C}"/>
+              </a:ext>
+            </a:extLst>
+          </p:cNvPr>
+          <p:cNvSpPr txBox="1"/>
+          <p:nvPr/>
+        </p:nvSpPr>
+        <p:spPr>
+          <a:xfrm>
+            <a:off x="602191" y="836712"/>
+            <a:ext cx="8002257" cy="400110"/>
+          </a:xfrm>
+          <a:prstGeom prst="rect">
+            <a:avLst/>
+          </a:prstGeom>
+          <a:noFill/>
+        </p:spPr>
+        <p:txBody>
+          <a:bodyPr wrap="square" rtlCol="0">
+            <a:spAutoFit/>
+          </a:bodyPr>
+          <a:lstStyle/>
+          <a:p>
+            <a:pPr marL="285750" indent="-285750">
+              <a:buFont typeface="Arial" panose="020B0604020202020204" pitchFamily="34" charset="0"/>
+              <a:buChar char="•"/>
+            </a:pPr>
+            <a:r>
+              <a:rPr lang="es-MX" sz="2000" dirty="0"/>
+              <a:t>La función objetivo puede ser: </a:t>
+            </a:r>
+          </a:p>
+        </p:txBody>
+      </p:sp>
+    </p:spTree>
+    <p:extLst>
+      <p:ext uri="{BB962C8B-B14F-4D97-AF65-F5344CB8AC3E}">
+        <p14:creationId xmlns:p14="http://schemas.microsoft.com/office/powerpoint/2010/main" val="2867154815"/>
+      </p:ext>
+    </p:extLst>
+  </p:cSld>
+  <p:clrMapOvr>
+    <a:masterClrMapping/>
+  </p:clrMapOvr>
+  <p:transition spd="slow">
+    <p:fade/>
+  </p:transition>
+</p:sld>
+</file>
+
+<file path=ppt/slides/slide23.xml><?xml version="1.0" encoding="utf-8"?>
+<p:sld xmlns:a="http://schemas.openxmlformats.org/drawingml/2006/main" xmlns:r="http://schemas.openxmlformats.org/officeDocument/2006/relationships" xmlns:p="http://schemas.openxmlformats.org/presentationml/2006/main">
+  <p:cSld>
+    <p:spTree>
+      <p:nvGrpSpPr>
+        <p:cNvPr id="1" name=""/>
+        <p:cNvGrpSpPr/>
+        <p:nvPr/>
+      </p:nvGrpSpPr>
+      <p:grpSpPr>
+        <a:xfrm>
+          <a:off x="0" y="0"/>
+          <a:ext cx="0" cy="0"/>
+          <a:chOff x="0" y="0"/>
+          <a:chExt cx="0" cy="0"/>
+        </a:xfrm>
+      </p:grpSpPr>
+      <p:sp>
+        <p:nvSpPr>
+          <p:cNvPr id="2" name="Marcador de número de diapositiva 1"/>
+          <p:cNvSpPr>
+            <a:spLocks noGrp="1"/>
+          </p:cNvSpPr>
+          <p:nvPr>
+            <p:ph type="sldNum" sz="quarter" idx="12"/>
+          </p:nvPr>
+        </p:nvSpPr>
+        <p:spPr/>
+        <p:txBody>
+          <a:bodyPr/>
+          <a:lstStyle/>
+          <a:p>
+            <a:fld id="{64BD7E74-CBD2-4D88-9109-2EA8081AE675}" type="slidenum">
+              <a:rPr lang="es-ES" smtClean="0"/>
+              <a:pPr/>
+              <a:t>23</a:t>
+            </a:fld>
+            <a:endParaRPr lang="es-ES"/>
+          </a:p>
+        </p:txBody>
+      </p:sp>
+      <p:sp>
+        <p:nvSpPr>
+          <p:cNvPr id="3" name="4 Título"/>
+          <p:cNvSpPr txBox="1">
+            <a:spLocks/>
+          </p:cNvSpPr>
+          <p:nvPr/>
+        </p:nvSpPr>
+        <p:spPr>
+          <a:xfrm>
+            <a:off x="611560" y="188640"/>
+            <a:ext cx="8784976" cy="457120"/>
+          </a:xfrm>
+          <a:prstGeom prst="rect">
+            <a:avLst/>
+          </a:prstGeom>
+        </p:spPr>
+        <p:txBody>
+          <a:bodyPr bIns="91440" anchor="b" anchorCtr="0">
+            <a:noAutofit/>
+          </a:bodyPr>
+          <a:lstStyle>
+            <a:lvl1pPr>
+              <a:spcBef>
+                <a:spcPct val="0"/>
+              </a:spcBef>
+              <a:buNone/>
+              <a:defRPr kumimoji="0" sz="2400">
+                <a:ln w="0"/>
+                <a:solidFill>
+                  <a:schemeClr val="tx2"/>
+                </a:solidFill>
+                <a:effectLst>
+                  <a:outerShdw blurRad="38100" dist="19050" dir="2700000" algn="tl" rotWithShape="0">
+                    <a:schemeClr val="dk1">
+                      <a:alpha val="40000"/>
+                    </a:schemeClr>
+                  </a:outerShdw>
+                </a:effectLst>
+                <a:latin typeface="+mj-lt"/>
+                <a:ea typeface="+mj-ea"/>
+                <a:cs typeface="+mj-cs"/>
+              </a:defRPr>
+            </a:lvl1pPr>
+          </a:lstStyle>
+          <a:p>
+            <a:r>
+              <a:rPr lang="es-PE" altLang="en-US" dirty="0"/>
+              <a:t>Tipos de problemas de optimización</a:t>
+            </a:r>
+          </a:p>
+        </p:txBody>
+      </p:sp>
+      <p:sp>
+        <p:nvSpPr>
+          <p:cNvPr id="6" name="TextBox 5">
+            <a:extLst>
+              <a:ext uri="{FF2B5EF4-FFF2-40B4-BE49-F238E27FC236}">
+                <a16:creationId xmlns:a16="http://schemas.microsoft.com/office/drawing/2014/main" id="{07C250E3-42CC-4F1B-9953-BC98F9EC4CF3}"/>
+              </a:ext>
+            </a:extLst>
+          </p:cNvPr>
+          <p:cNvSpPr txBox="1"/>
+          <p:nvPr/>
+        </p:nvSpPr>
+        <p:spPr>
+          <a:xfrm>
+            <a:off x="2907787" y="899428"/>
+            <a:ext cx="857927" cy="369332"/>
+          </a:xfrm>
+          <a:prstGeom prst="rect">
+            <a:avLst/>
+          </a:prstGeom>
+          <a:noFill/>
+        </p:spPr>
+        <p:txBody>
+          <a:bodyPr wrap="none" rtlCol="0">
+            <a:spAutoFit/>
+          </a:bodyPr>
+          <a:lstStyle/>
+          <a:p>
+            <a:r>
+              <a:rPr lang="es-PE" dirty="0"/>
+              <a:t>Lineales</a:t>
+            </a:r>
+          </a:p>
+        </p:txBody>
+      </p:sp>
+      <p:sp>
+        <p:nvSpPr>
+          <p:cNvPr id="7" name="TextBox 6">
+            <a:extLst>
+              <a:ext uri="{FF2B5EF4-FFF2-40B4-BE49-F238E27FC236}">
+                <a16:creationId xmlns:a16="http://schemas.microsoft.com/office/drawing/2014/main" id="{4D2E9544-59C2-49CD-8553-D43AD621CEE4}"/>
+              </a:ext>
+            </a:extLst>
+          </p:cNvPr>
+          <p:cNvSpPr txBox="1"/>
+          <p:nvPr/>
+        </p:nvSpPr>
+        <p:spPr>
+          <a:xfrm>
+            <a:off x="3909058" y="1420438"/>
+            <a:ext cx="1388522" cy="369332"/>
+          </a:xfrm>
+          <a:prstGeom prst="rect">
+            <a:avLst/>
+          </a:prstGeom>
+          <a:noFill/>
+        </p:spPr>
+        <p:txBody>
+          <a:bodyPr wrap="none" rtlCol="0">
+            <a:spAutoFit/>
+          </a:bodyPr>
+          <a:lstStyle/>
+          <a:p>
+            <a:r>
+              <a:rPr lang="es-PE" dirty="0"/>
+              <a:t>Forma general</a:t>
+            </a:r>
+          </a:p>
+        </p:txBody>
+      </p:sp>
+      <p:sp>
+        <p:nvSpPr>
+          <p:cNvPr id="8" name="TextBox 7">
+            <a:extLst>
+              <a:ext uri="{FF2B5EF4-FFF2-40B4-BE49-F238E27FC236}">
+                <a16:creationId xmlns:a16="http://schemas.microsoft.com/office/drawing/2014/main" id="{A8B05684-2D1A-4D16-9461-349E1328453B}"/>
+              </a:ext>
+            </a:extLst>
+          </p:cNvPr>
+          <p:cNvSpPr txBox="1"/>
+          <p:nvPr/>
+        </p:nvSpPr>
+        <p:spPr>
+          <a:xfrm>
+            <a:off x="6660232" y="1381125"/>
+            <a:ext cx="1154483" cy="369332"/>
+          </a:xfrm>
+          <a:prstGeom prst="rect">
+            <a:avLst/>
+          </a:prstGeom>
+          <a:noFill/>
+        </p:spPr>
+        <p:txBody>
+          <a:bodyPr wrap="none" rtlCol="0">
+            <a:spAutoFit/>
+          </a:bodyPr>
+          <a:lstStyle/>
+          <a:p>
+            <a:r>
+              <a:rPr lang="es-PE" dirty="0"/>
+              <a:t>Cuadráticas</a:t>
+            </a:r>
+          </a:p>
+        </p:txBody>
+      </p:sp>
+      <p:sp>
+        <p:nvSpPr>
+          <p:cNvPr id="10" name="CuadroTexto 4">
+            <a:extLst>
+              <a:ext uri="{FF2B5EF4-FFF2-40B4-BE49-F238E27FC236}">
+                <a16:creationId xmlns:a16="http://schemas.microsoft.com/office/drawing/2014/main" id="{0EE2E59A-EFC5-4F7D-8B1B-CDE02E4D869C}"/>
+              </a:ext>
+            </a:extLst>
+          </p:cNvPr>
+          <p:cNvSpPr txBox="1"/>
+          <p:nvPr/>
+        </p:nvSpPr>
+        <p:spPr>
+          <a:xfrm>
+            <a:off x="602191" y="620688"/>
+            <a:ext cx="8002257" cy="400110"/>
+          </a:xfrm>
+          <a:prstGeom prst="rect">
+            <a:avLst/>
+          </a:prstGeom>
+          <a:noFill/>
+        </p:spPr>
+        <p:txBody>
+          <a:bodyPr wrap="square" rtlCol="0">
+            <a:spAutoFit/>
+          </a:bodyPr>
+          <a:lstStyle/>
+          <a:p>
+            <a:pPr marL="285750" indent="-285750">
+              <a:buFont typeface="Arial" panose="020B0604020202020204" pitchFamily="34" charset="0"/>
+              <a:buChar char="•"/>
+            </a:pPr>
+            <a:r>
+              <a:rPr lang="es-MX" sz="2000" dirty="0"/>
+              <a:t>Las restricciones pueden ser: </a:t>
+            </a:r>
+          </a:p>
+        </p:txBody>
+      </p:sp>
+      <p:pic>
+        <p:nvPicPr>
+          <p:cNvPr id="9" name="Picture 8">
+            <a:extLst>
+              <a:ext uri="{FF2B5EF4-FFF2-40B4-BE49-F238E27FC236}">
+                <a16:creationId xmlns:a16="http://schemas.microsoft.com/office/drawing/2014/main" id="{60302301-893E-4FD6-B8C5-8EA7A89AECD0}"/>
+              </a:ext>
+            </a:extLst>
+          </p:cNvPr>
+          <p:cNvPicPr>
+            <a:picLocks noChangeAspect="1"/>
+          </p:cNvPicPr>
+          <p:nvPr/>
+        </p:nvPicPr>
+        <p:blipFill>
+          <a:blip r:embed="rId2"/>
+          <a:stretch>
+            <a:fillRect/>
+          </a:stretch>
+        </p:blipFill>
+        <p:spPr>
+          <a:xfrm>
+            <a:off x="476727" y="1783472"/>
+            <a:ext cx="8253184" cy="4005849"/>
+          </a:xfrm>
+          <a:prstGeom prst="rect">
+            <a:avLst/>
+          </a:prstGeom>
+        </p:spPr>
+      </p:pic>
+      <p:sp>
+        <p:nvSpPr>
+          <p:cNvPr id="11" name="TextBox 10">
+            <a:extLst>
+              <a:ext uri="{FF2B5EF4-FFF2-40B4-BE49-F238E27FC236}">
+                <a16:creationId xmlns:a16="http://schemas.microsoft.com/office/drawing/2014/main" id="{84877B43-4B67-4BCC-B591-1CA917FBF0F6}"/>
+              </a:ext>
+            </a:extLst>
+          </p:cNvPr>
+          <p:cNvSpPr txBox="1"/>
+          <p:nvPr/>
+        </p:nvSpPr>
+        <p:spPr>
+          <a:xfrm>
+            <a:off x="1431543" y="1426736"/>
+            <a:ext cx="880369" cy="369332"/>
+          </a:xfrm>
+          <a:prstGeom prst="rect">
+            <a:avLst/>
+          </a:prstGeom>
+          <a:noFill/>
+        </p:spPr>
+        <p:txBody>
+          <a:bodyPr wrap="none" rtlCol="0">
+            <a:spAutoFit/>
+          </a:bodyPr>
+          <a:lstStyle/>
+          <a:p>
+            <a:r>
+              <a:rPr lang="es-PE" dirty="0"/>
+              <a:t>Acotado</a:t>
+            </a:r>
+          </a:p>
+        </p:txBody>
+      </p:sp>
+      <p:sp>
+        <p:nvSpPr>
+          <p:cNvPr id="4" name="Chave Esquerda 3">
+            <a:extLst>
+              <a:ext uri="{FF2B5EF4-FFF2-40B4-BE49-F238E27FC236}">
+                <a16:creationId xmlns:a16="http://schemas.microsoft.com/office/drawing/2014/main" id="{15206518-11BA-4927-A1EB-54E2C73D3CA8}"/>
+              </a:ext>
+            </a:extLst>
+          </p:cNvPr>
+          <p:cNvSpPr/>
+          <p:nvPr/>
+        </p:nvSpPr>
+        <p:spPr>
+          <a:xfrm rot="5400000">
+            <a:off x="3192850" y="-729163"/>
+            <a:ext cx="287799" cy="4220577"/>
+          </a:xfrm>
+          <a:prstGeom prst="leftBrace">
+            <a:avLst/>
+          </a:prstGeom>
+          <a:ln w="19050">
+            <a:solidFill>
+              <a:schemeClr val="tx1"/>
+            </a:solidFill>
+          </a:ln>
+        </p:spPr>
+        <p:style>
+          <a:lnRef idx="1">
+            <a:schemeClr val="dk1"/>
+          </a:lnRef>
+          <a:fillRef idx="0">
+            <a:schemeClr val="dk1"/>
+          </a:fillRef>
+          <a:effectRef idx="0">
+            <a:schemeClr val="dk1"/>
+          </a:effectRef>
+          <a:fontRef idx="minor">
+            <a:schemeClr val="tx1"/>
+          </a:fontRef>
+        </p:style>
+        <p:txBody>
+          <a:bodyPr rtlCol="0" anchor="ctr"/>
+          <a:lstStyle/>
+          <a:p>
+            <a:pPr algn="ctr"/>
+            <a:endParaRPr lang="es-PE"/>
+          </a:p>
+        </p:txBody>
+      </p:sp>
+    </p:spTree>
+    <p:extLst>
+      <p:ext uri="{BB962C8B-B14F-4D97-AF65-F5344CB8AC3E}">
+        <p14:creationId xmlns:p14="http://schemas.microsoft.com/office/powerpoint/2010/main" val="2465984394"/>
+      </p:ext>
+    </p:extLst>
+  </p:cSld>
+  <p:clrMapOvr>
+    <a:masterClrMapping/>
+  </p:clrMapOvr>
+  <p:transition spd="slow">
+    <p:fade/>
+  </p:transition>
+</p:sld>
+</file>
+
+<file path=ppt/slides/slide24.xml><?xml version="1.0" encoding="utf-8"?>
+<p:sld xmlns:a="http://schemas.openxmlformats.org/drawingml/2006/main" xmlns:r="http://schemas.openxmlformats.org/officeDocument/2006/relationships" xmlns:p="http://schemas.openxmlformats.org/presentationml/2006/main">
+  <p:cSld>
+    <p:spTree>
+      <p:nvGrpSpPr>
+        <p:cNvPr id="1" name=""/>
+        <p:cNvGrpSpPr/>
+        <p:nvPr/>
+      </p:nvGrpSpPr>
+      <p:grpSpPr>
+        <a:xfrm>
+          <a:off x="0" y="0"/>
+          <a:ext cx="0" cy="0"/>
+          <a:chOff x="0" y="0"/>
+          <a:chExt cx="0" cy="0"/>
+        </a:xfrm>
+      </p:grpSpPr>
+      <p:sp>
+        <p:nvSpPr>
+          <p:cNvPr id="2" name="Marcador de número de diapositiva 1"/>
+          <p:cNvSpPr>
+            <a:spLocks noGrp="1"/>
+          </p:cNvSpPr>
+          <p:nvPr>
+            <p:ph type="sldNum" sz="quarter" idx="12"/>
+          </p:nvPr>
+        </p:nvSpPr>
+        <p:spPr/>
+        <p:txBody>
+          <a:bodyPr/>
+          <a:lstStyle/>
+          <a:p>
+            <a:fld id="{64BD7E74-CBD2-4D88-9109-2EA8081AE675}" type="slidenum">
+              <a:rPr lang="es-ES" smtClean="0"/>
+              <a:pPr/>
+              <a:t>24</a:t>
+            </a:fld>
+            <a:endParaRPr lang="es-ES"/>
+          </a:p>
+        </p:txBody>
+      </p:sp>
+      <p:sp>
+        <p:nvSpPr>
+          <p:cNvPr id="3" name="4 Título"/>
+          <p:cNvSpPr txBox="1">
+            <a:spLocks/>
+          </p:cNvSpPr>
+          <p:nvPr/>
+        </p:nvSpPr>
+        <p:spPr>
+          <a:xfrm>
+            <a:off x="611560" y="188640"/>
+            <a:ext cx="8784976" cy="457120"/>
+          </a:xfrm>
+          <a:prstGeom prst="rect">
+            <a:avLst/>
+          </a:prstGeom>
+        </p:spPr>
+        <p:txBody>
+          <a:bodyPr bIns="91440" anchor="b" anchorCtr="0">
+            <a:noAutofit/>
+          </a:bodyPr>
+          <a:lstStyle>
+            <a:lvl1pPr>
+              <a:spcBef>
+                <a:spcPct val="0"/>
+              </a:spcBef>
+              <a:buNone/>
+              <a:defRPr kumimoji="0" sz="2400">
+                <a:ln w="0"/>
+                <a:solidFill>
+                  <a:schemeClr val="tx2"/>
+                </a:solidFill>
+                <a:effectLst>
+                  <a:outerShdw blurRad="38100" dist="19050" dir="2700000" algn="tl" rotWithShape="0">
+                    <a:schemeClr val="dk1">
+                      <a:alpha val="40000"/>
+                    </a:schemeClr>
+                  </a:outerShdw>
+                </a:effectLst>
+                <a:latin typeface="+mj-lt"/>
+                <a:ea typeface="+mj-ea"/>
+                <a:cs typeface="+mj-cs"/>
+              </a:defRPr>
+            </a:lvl1pPr>
+          </a:lstStyle>
+          <a:p>
+            <a:r>
+              <a:rPr lang="es-PE" altLang="en-US" dirty="0"/>
+              <a:t>Tipos de problemas de optimización</a:t>
+            </a:r>
+          </a:p>
+        </p:txBody>
+      </p:sp>
+      <p:sp>
+        <p:nvSpPr>
+          <p:cNvPr id="6" name="TextBox 5">
+            <a:extLst>
+              <a:ext uri="{FF2B5EF4-FFF2-40B4-BE49-F238E27FC236}">
+                <a16:creationId xmlns:a16="http://schemas.microsoft.com/office/drawing/2014/main" id="{07C250E3-42CC-4F1B-9953-BC98F9EC4CF3}"/>
+              </a:ext>
+            </a:extLst>
+          </p:cNvPr>
+          <p:cNvSpPr txBox="1"/>
+          <p:nvPr/>
+        </p:nvSpPr>
+        <p:spPr>
+          <a:xfrm>
+            <a:off x="3303697" y="1192410"/>
+            <a:ext cx="2364750" cy="369332"/>
+          </a:xfrm>
+          <a:prstGeom prst="rect">
+            <a:avLst/>
+          </a:prstGeom>
+          <a:noFill/>
+        </p:spPr>
+        <p:txBody>
+          <a:bodyPr wrap="none" rtlCol="0">
+            <a:spAutoFit/>
+          </a:bodyPr>
+          <a:lstStyle/>
+          <a:p>
+            <a:r>
+              <a:rPr lang="es-PE" dirty="0"/>
+              <a:t>Cónicas de segundo orden</a:t>
+            </a:r>
+          </a:p>
+        </p:txBody>
+      </p:sp>
+      <p:sp>
+        <p:nvSpPr>
+          <p:cNvPr id="10" name="CuadroTexto 4">
+            <a:extLst>
+              <a:ext uri="{FF2B5EF4-FFF2-40B4-BE49-F238E27FC236}">
+                <a16:creationId xmlns:a16="http://schemas.microsoft.com/office/drawing/2014/main" id="{0EE2E59A-EFC5-4F7D-8B1B-CDE02E4D869C}"/>
+              </a:ext>
+            </a:extLst>
+          </p:cNvPr>
+          <p:cNvSpPr txBox="1"/>
+          <p:nvPr/>
+        </p:nvSpPr>
+        <p:spPr>
+          <a:xfrm>
+            <a:off x="602191" y="645760"/>
+            <a:ext cx="8002257" cy="400110"/>
+          </a:xfrm>
+          <a:prstGeom prst="rect">
+            <a:avLst/>
+          </a:prstGeom>
+          <a:noFill/>
+        </p:spPr>
+        <p:txBody>
+          <a:bodyPr wrap="square" rtlCol="0">
+            <a:spAutoFit/>
+          </a:bodyPr>
+          <a:lstStyle/>
+          <a:p>
+            <a:pPr marL="285750" indent="-285750">
+              <a:buFont typeface="Arial" panose="020B0604020202020204" pitchFamily="34" charset="0"/>
+              <a:buChar char="•"/>
+            </a:pPr>
+            <a:r>
+              <a:rPr lang="es-MX" sz="2000" dirty="0"/>
+              <a:t>Las restricciones pueden ser: </a:t>
+            </a:r>
+          </a:p>
+        </p:txBody>
+      </p:sp>
+      <p:pic>
+        <p:nvPicPr>
+          <p:cNvPr id="4" name="Picture 3">
+            <a:extLst>
+              <a:ext uri="{FF2B5EF4-FFF2-40B4-BE49-F238E27FC236}">
+                <a16:creationId xmlns:a16="http://schemas.microsoft.com/office/drawing/2014/main" id="{6E1342D5-6F5F-45B6-BA82-B307DEAE55CE}"/>
+              </a:ext>
+            </a:extLst>
+          </p:cNvPr>
+          <p:cNvPicPr>
+            <a:picLocks noChangeAspect="1"/>
+          </p:cNvPicPr>
+          <p:nvPr/>
+        </p:nvPicPr>
+        <p:blipFill>
+          <a:blip r:embed="rId2"/>
+          <a:stretch>
+            <a:fillRect/>
+          </a:stretch>
+        </p:blipFill>
+        <p:spPr>
+          <a:xfrm>
+            <a:off x="899592" y="1507286"/>
+            <a:ext cx="7344816" cy="4514002"/>
+          </a:xfrm>
+          <a:prstGeom prst="rect">
+            <a:avLst/>
+          </a:prstGeom>
+        </p:spPr>
+      </p:pic>
+    </p:spTree>
+    <p:extLst>
+      <p:ext uri="{BB962C8B-B14F-4D97-AF65-F5344CB8AC3E}">
+        <p14:creationId xmlns:p14="http://schemas.microsoft.com/office/powerpoint/2010/main" val="2056740315"/>
+      </p:ext>
+    </p:extLst>
+  </p:cSld>
+  <p:clrMapOvr>
+    <a:masterClrMapping/>
+  </p:clrMapOvr>
+  <p:transition spd="slow">
+    <p:fade/>
+  </p:transition>
+</p:sld>
+</file>
+
+<file path=ppt/slides/slide25.xml><?xml version="1.0" encoding="utf-8"?>
+<p:sld xmlns:a="http://schemas.openxmlformats.org/drawingml/2006/main" xmlns:r="http://schemas.openxmlformats.org/officeDocument/2006/relationships" xmlns:p="http://schemas.openxmlformats.org/presentationml/2006/main">
+  <p:cSld>
+    <p:spTree>
+      <p:nvGrpSpPr>
+        <p:cNvPr id="1" name=""/>
+        <p:cNvGrpSpPr/>
+        <p:nvPr/>
+      </p:nvGrpSpPr>
+      <p:grpSpPr>
+        <a:xfrm>
+          <a:off x="0" y="0"/>
+          <a:ext cx="0" cy="0"/>
+          <a:chOff x="0" y="0"/>
+          <a:chExt cx="0" cy="0"/>
+        </a:xfrm>
+      </p:grpSpPr>
+      <p:sp>
+        <p:nvSpPr>
+          <p:cNvPr id="2" name="Marcador de número de diapositiva 1"/>
+          <p:cNvSpPr>
+            <a:spLocks noGrp="1"/>
+          </p:cNvSpPr>
+          <p:nvPr>
+            <p:ph type="sldNum" sz="quarter" idx="12"/>
+          </p:nvPr>
+        </p:nvSpPr>
+        <p:spPr/>
+        <p:txBody>
+          <a:bodyPr/>
+          <a:lstStyle/>
+          <a:p>
+            <a:fld id="{64BD7E74-CBD2-4D88-9109-2EA8081AE675}" type="slidenum">
+              <a:rPr lang="es-ES" smtClean="0"/>
+              <a:pPr/>
+              <a:t>25</a:t>
+            </a:fld>
+            <a:endParaRPr lang="es-ES"/>
+          </a:p>
+        </p:txBody>
+      </p:sp>
+      <p:sp>
+        <p:nvSpPr>
+          <p:cNvPr id="3" name="4 Título"/>
+          <p:cNvSpPr txBox="1">
+            <a:spLocks/>
+          </p:cNvSpPr>
+          <p:nvPr/>
+        </p:nvSpPr>
+        <p:spPr>
+          <a:xfrm>
+            <a:off x="611560" y="188640"/>
+            <a:ext cx="8784976" cy="457120"/>
+          </a:xfrm>
+          <a:prstGeom prst="rect">
+            <a:avLst/>
+          </a:prstGeom>
+        </p:spPr>
+        <p:txBody>
+          <a:bodyPr bIns="91440" anchor="b" anchorCtr="0">
+            <a:noAutofit/>
+          </a:bodyPr>
+          <a:lstStyle>
+            <a:lvl1pPr>
+              <a:spcBef>
+                <a:spcPct val="0"/>
+              </a:spcBef>
+              <a:buNone/>
+              <a:defRPr kumimoji="0" sz="2400">
+                <a:ln w="0"/>
+                <a:solidFill>
+                  <a:schemeClr val="tx2"/>
+                </a:solidFill>
+                <a:effectLst>
+                  <a:outerShdw blurRad="38100" dist="19050" dir="2700000" algn="tl" rotWithShape="0">
+                    <a:schemeClr val="dk1">
+                      <a:alpha val="40000"/>
+                    </a:schemeClr>
+                  </a:outerShdw>
+                </a:effectLst>
+                <a:latin typeface="+mj-lt"/>
+                <a:ea typeface="+mj-ea"/>
+                <a:cs typeface="+mj-cs"/>
+              </a:defRPr>
+            </a:lvl1pPr>
+          </a:lstStyle>
+          <a:p>
+            <a:r>
+              <a:rPr lang="es-PE" altLang="en-US" dirty="0"/>
+              <a:t>Tipos de problemas de optimización</a:t>
+            </a:r>
+          </a:p>
+        </p:txBody>
+      </p:sp>
+      <p:sp>
+        <p:nvSpPr>
+          <p:cNvPr id="6" name="TextBox 5">
+            <a:extLst>
+              <a:ext uri="{FF2B5EF4-FFF2-40B4-BE49-F238E27FC236}">
+                <a16:creationId xmlns:a16="http://schemas.microsoft.com/office/drawing/2014/main" id="{07C250E3-42CC-4F1B-9953-BC98F9EC4CF3}"/>
+              </a:ext>
+            </a:extLst>
+          </p:cNvPr>
+          <p:cNvSpPr txBox="1"/>
+          <p:nvPr/>
+        </p:nvSpPr>
+        <p:spPr>
+          <a:xfrm>
+            <a:off x="3303697" y="1192410"/>
+            <a:ext cx="2083968" cy="369332"/>
+          </a:xfrm>
+          <a:prstGeom prst="rect">
+            <a:avLst/>
+          </a:prstGeom>
+          <a:noFill/>
+        </p:spPr>
+        <p:txBody>
+          <a:bodyPr wrap="none" rtlCol="0">
+            <a:spAutoFit/>
+          </a:bodyPr>
+          <a:lstStyle/>
+          <a:p>
+            <a:r>
+              <a:rPr lang="es-PE" dirty="0" err="1"/>
+              <a:t>Semidefinidas</a:t>
+            </a:r>
+            <a:r>
+              <a:rPr lang="es-PE" dirty="0"/>
+              <a:t> positivas</a:t>
+            </a:r>
+          </a:p>
+        </p:txBody>
+      </p:sp>
+      <p:sp>
+        <p:nvSpPr>
+          <p:cNvPr id="10" name="CuadroTexto 4">
+            <a:extLst>
+              <a:ext uri="{FF2B5EF4-FFF2-40B4-BE49-F238E27FC236}">
+                <a16:creationId xmlns:a16="http://schemas.microsoft.com/office/drawing/2014/main" id="{0EE2E59A-EFC5-4F7D-8B1B-CDE02E4D869C}"/>
+              </a:ext>
+            </a:extLst>
+          </p:cNvPr>
+          <p:cNvSpPr txBox="1"/>
+          <p:nvPr/>
+        </p:nvSpPr>
+        <p:spPr>
+          <a:xfrm>
+            <a:off x="570871" y="678985"/>
+            <a:ext cx="8002257" cy="400110"/>
+          </a:xfrm>
+          <a:prstGeom prst="rect">
+            <a:avLst/>
+          </a:prstGeom>
+          <a:noFill/>
+        </p:spPr>
+        <p:txBody>
+          <a:bodyPr wrap="square" rtlCol="0">
+            <a:spAutoFit/>
+          </a:bodyPr>
+          <a:lstStyle/>
+          <a:p>
+            <a:pPr marL="285750" indent="-285750">
+              <a:buFont typeface="Arial" panose="020B0604020202020204" pitchFamily="34" charset="0"/>
+              <a:buChar char="•"/>
+            </a:pPr>
+            <a:r>
+              <a:rPr lang="es-MX" sz="2000" dirty="0"/>
+              <a:t>Las restricciones pueden ser: </a:t>
+            </a:r>
+          </a:p>
+        </p:txBody>
+      </p:sp>
+      <p:pic>
+        <p:nvPicPr>
+          <p:cNvPr id="5" name="Picture 4">
+            <a:extLst>
+              <a:ext uri="{FF2B5EF4-FFF2-40B4-BE49-F238E27FC236}">
+                <a16:creationId xmlns:a16="http://schemas.microsoft.com/office/drawing/2014/main" id="{89DF8F4E-037E-4B3D-8F99-3F7972A3BFB0}"/>
+              </a:ext>
+            </a:extLst>
+          </p:cNvPr>
+          <p:cNvPicPr>
+            <a:picLocks noChangeAspect="1"/>
+          </p:cNvPicPr>
+          <p:nvPr/>
+        </p:nvPicPr>
+        <p:blipFill>
+          <a:blip r:embed="rId2"/>
+          <a:stretch>
+            <a:fillRect/>
+          </a:stretch>
+        </p:blipFill>
+        <p:spPr>
+          <a:xfrm>
+            <a:off x="331273" y="1592520"/>
+            <a:ext cx="8273175" cy="4284752"/>
+          </a:xfrm>
+          <a:prstGeom prst="rect">
+            <a:avLst/>
+          </a:prstGeom>
+        </p:spPr>
+      </p:pic>
+    </p:spTree>
+    <p:extLst>
+      <p:ext uri="{BB962C8B-B14F-4D97-AF65-F5344CB8AC3E}">
+        <p14:creationId xmlns:p14="http://schemas.microsoft.com/office/powerpoint/2010/main" val="3127477577"/>
+      </p:ext>
+    </p:extLst>
+  </p:cSld>
+  <p:clrMapOvr>
+    <a:masterClrMapping/>
+  </p:clrMapOvr>
+  <p:transition spd="slow">
+    <p:fade/>
+  </p:transition>
+</p:sld>
+</file>
+
+<file path=ppt/slides/slide26.xml><?xml version="1.0" encoding="utf-8"?>
+<p:sld xmlns:a="http://schemas.openxmlformats.org/drawingml/2006/main" xmlns:r="http://schemas.openxmlformats.org/officeDocument/2006/relationships" xmlns:p="http://schemas.openxmlformats.org/presentationml/2006/main">
+  <p:cSld>
+    <p:spTree>
+      <p:nvGrpSpPr>
+        <p:cNvPr id="1" name=""/>
+        <p:cNvGrpSpPr/>
+        <p:nvPr/>
+      </p:nvGrpSpPr>
+      <p:grpSpPr>
+        <a:xfrm>
+          <a:off x="0" y="0"/>
+          <a:ext cx="0" cy="0"/>
+          <a:chOff x="0" y="0"/>
+          <a:chExt cx="0" cy="0"/>
+        </a:xfrm>
+      </p:grpSpPr>
+      <p:sp>
+        <p:nvSpPr>
+          <p:cNvPr id="2" name="Marcador de número de diapositiva 1"/>
+          <p:cNvSpPr>
+            <a:spLocks noGrp="1"/>
+          </p:cNvSpPr>
+          <p:nvPr>
+            <p:ph type="sldNum" sz="quarter" idx="12"/>
+          </p:nvPr>
+        </p:nvSpPr>
+        <p:spPr/>
+        <p:txBody>
+          <a:bodyPr/>
+          <a:lstStyle/>
+          <a:p>
+            <a:fld id="{64BD7E74-CBD2-4D88-9109-2EA8081AE675}" type="slidenum">
+              <a:rPr lang="es-ES" smtClean="0"/>
+              <a:pPr/>
+              <a:t>26</a:t>
+            </a:fld>
+            <a:endParaRPr lang="es-ES"/>
+          </a:p>
+        </p:txBody>
+      </p:sp>
+      <p:sp>
+        <p:nvSpPr>
+          <p:cNvPr id="3" name="4 Título"/>
+          <p:cNvSpPr txBox="1">
+            <a:spLocks/>
+          </p:cNvSpPr>
+          <p:nvPr/>
+        </p:nvSpPr>
+        <p:spPr>
+          <a:xfrm>
+            <a:off x="611560" y="188640"/>
+            <a:ext cx="8784976" cy="457120"/>
+          </a:xfrm>
+          <a:prstGeom prst="rect">
+            <a:avLst/>
+          </a:prstGeom>
+        </p:spPr>
+        <p:txBody>
+          <a:bodyPr bIns="91440" anchor="b" anchorCtr="0">
+            <a:noAutofit/>
+          </a:bodyPr>
+          <a:lstStyle>
+            <a:lvl1pPr>
+              <a:spcBef>
+                <a:spcPct val="0"/>
+              </a:spcBef>
+              <a:buNone/>
+              <a:defRPr kumimoji="0" sz="2400">
+                <a:ln w="0"/>
+                <a:solidFill>
+                  <a:schemeClr val="tx2"/>
+                </a:solidFill>
+                <a:effectLst>
+                  <a:outerShdw blurRad="38100" dist="19050" dir="2700000" algn="tl" rotWithShape="0">
+                    <a:schemeClr val="dk1">
+                      <a:alpha val="40000"/>
+                    </a:schemeClr>
+                  </a:outerShdw>
+                </a:effectLst>
+                <a:latin typeface="+mj-lt"/>
+                <a:ea typeface="+mj-ea"/>
+                <a:cs typeface="+mj-cs"/>
+              </a:defRPr>
+            </a:lvl1pPr>
+          </a:lstStyle>
+          <a:p>
+            <a:r>
+              <a:rPr lang="es-PE" altLang="en-US" dirty="0"/>
+              <a:t>Tipos de problemas de optimización</a:t>
+            </a:r>
+          </a:p>
+        </p:txBody>
+      </p:sp>
+      <p:sp>
+        <p:nvSpPr>
+          <p:cNvPr id="6" name="TextBox 5">
+            <a:extLst>
+              <a:ext uri="{FF2B5EF4-FFF2-40B4-BE49-F238E27FC236}">
+                <a16:creationId xmlns:a16="http://schemas.microsoft.com/office/drawing/2014/main" id="{07C250E3-42CC-4F1B-9953-BC98F9EC4CF3}"/>
+              </a:ext>
+            </a:extLst>
+          </p:cNvPr>
+          <p:cNvSpPr txBox="1"/>
+          <p:nvPr/>
+        </p:nvSpPr>
+        <p:spPr>
+          <a:xfrm>
+            <a:off x="4048519" y="1192410"/>
+            <a:ext cx="1109599" cy="369332"/>
+          </a:xfrm>
+          <a:prstGeom prst="rect">
+            <a:avLst/>
+          </a:prstGeom>
+          <a:noFill/>
+        </p:spPr>
+        <p:txBody>
+          <a:bodyPr wrap="none" rtlCol="0">
+            <a:spAutoFit/>
+          </a:bodyPr>
+          <a:lstStyle/>
+          <a:p>
+            <a:r>
+              <a:rPr lang="es-PE" dirty="0"/>
+              <a:t>No lineales</a:t>
+            </a:r>
+          </a:p>
+        </p:txBody>
+      </p:sp>
+      <p:sp>
+        <p:nvSpPr>
+          <p:cNvPr id="10" name="CuadroTexto 4">
+            <a:extLst>
+              <a:ext uri="{FF2B5EF4-FFF2-40B4-BE49-F238E27FC236}">
+                <a16:creationId xmlns:a16="http://schemas.microsoft.com/office/drawing/2014/main" id="{0EE2E59A-EFC5-4F7D-8B1B-CDE02E4D869C}"/>
+              </a:ext>
+            </a:extLst>
+          </p:cNvPr>
+          <p:cNvSpPr txBox="1"/>
+          <p:nvPr/>
+        </p:nvSpPr>
+        <p:spPr>
+          <a:xfrm>
+            <a:off x="613620" y="678258"/>
+            <a:ext cx="8002257" cy="400110"/>
+          </a:xfrm>
+          <a:prstGeom prst="rect">
+            <a:avLst/>
+          </a:prstGeom>
+          <a:noFill/>
+        </p:spPr>
+        <p:txBody>
+          <a:bodyPr wrap="square" rtlCol="0">
+            <a:spAutoFit/>
+          </a:bodyPr>
+          <a:lstStyle/>
+          <a:p>
+            <a:pPr marL="285750" indent="-285750">
+              <a:buFont typeface="Arial" panose="020B0604020202020204" pitchFamily="34" charset="0"/>
+              <a:buChar char="•"/>
+            </a:pPr>
+            <a:r>
+              <a:rPr lang="es-MX" sz="2000" dirty="0"/>
+              <a:t>Las restricciones pueden ser: </a:t>
+            </a:r>
+          </a:p>
+        </p:txBody>
+      </p:sp>
+      <p:pic>
+        <p:nvPicPr>
+          <p:cNvPr id="5" name="Picture 4">
+            <a:extLst>
+              <a:ext uri="{FF2B5EF4-FFF2-40B4-BE49-F238E27FC236}">
+                <a16:creationId xmlns:a16="http://schemas.microsoft.com/office/drawing/2014/main" id="{0D7D2E5B-69DE-4DF8-A502-9CB19F616629}"/>
+              </a:ext>
+            </a:extLst>
+          </p:cNvPr>
+          <p:cNvPicPr>
+            <a:picLocks noChangeAspect="1"/>
+          </p:cNvPicPr>
+          <p:nvPr/>
+        </p:nvPicPr>
+        <p:blipFill>
+          <a:blip r:embed="rId2"/>
+          <a:stretch>
+            <a:fillRect/>
+          </a:stretch>
+        </p:blipFill>
+        <p:spPr>
+          <a:xfrm>
+            <a:off x="1000336" y="1670761"/>
+            <a:ext cx="7143328" cy="4285997"/>
+          </a:xfrm>
+          <a:prstGeom prst="rect">
+            <a:avLst/>
+          </a:prstGeom>
+        </p:spPr>
+      </p:pic>
+    </p:spTree>
+    <p:extLst>
+      <p:ext uri="{BB962C8B-B14F-4D97-AF65-F5344CB8AC3E}">
+        <p14:creationId xmlns:p14="http://schemas.microsoft.com/office/powerpoint/2010/main" val="1126776748"/>
+      </p:ext>
+    </p:extLst>
+  </p:cSld>
+  <p:clrMapOvr>
+    <a:masterClrMapping/>
+  </p:clrMapOvr>
+  <p:transition spd="slow">
+    <p:fade/>
+  </p:transition>
+</p:sld>
+</file>
+
+<file path=ppt/slides/slide27.xml><?xml version="1.0" encoding="utf-8"?>
+<p:sld xmlns:a="http://schemas.openxmlformats.org/drawingml/2006/main" xmlns:r="http://schemas.openxmlformats.org/officeDocument/2006/relationships" xmlns:p="http://schemas.openxmlformats.org/presentationml/2006/main">
+  <p:cSld>
+    <p:spTree>
+      <p:nvGrpSpPr>
+        <p:cNvPr id="1" name=""/>
+        <p:cNvGrpSpPr/>
+        <p:nvPr/>
+      </p:nvGrpSpPr>
+      <p:grpSpPr>
+        <a:xfrm>
+          <a:off x="0" y="0"/>
+          <a:ext cx="0" cy="0"/>
+          <a:chOff x="0" y="0"/>
+          <a:chExt cx="0" cy="0"/>
+        </a:xfrm>
+      </p:grpSpPr>
+      <p:sp>
+        <p:nvSpPr>
+          <p:cNvPr id="2" name="Marcador de número de diapositiva 1"/>
+          <p:cNvSpPr>
+            <a:spLocks noGrp="1"/>
+          </p:cNvSpPr>
+          <p:nvPr>
+            <p:ph type="sldNum" sz="quarter" idx="12"/>
+          </p:nvPr>
+        </p:nvSpPr>
+        <p:spPr/>
+        <p:txBody>
+          <a:bodyPr/>
+          <a:lstStyle/>
+          <a:p>
+            <a:fld id="{64BD7E74-CBD2-4D88-9109-2EA8081AE675}" type="slidenum">
+              <a:rPr lang="es-ES" smtClean="0"/>
+              <a:pPr/>
+              <a:t>27</a:t>
+            </a:fld>
+            <a:endParaRPr lang="es-ES"/>
+          </a:p>
+        </p:txBody>
+      </p:sp>
+      <p:sp>
+        <p:nvSpPr>
+          <p:cNvPr id="3" name="4 Título"/>
+          <p:cNvSpPr txBox="1">
+            <a:spLocks/>
+          </p:cNvSpPr>
+          <p:nvPr/>
+        </p:nvSpPr>
+        <p:spPr>
+          <a:xfrm>
+            <a:off x="611560" y="188640"/>
+            <a:ext cx="8784976" cy="457120"/>
+          </a:xfrm>
+          <a:prstGeom prst="rect">
+            <a:avLst/>
+          </a:prstGeom>
+        </p:spPr>
+        <p:txBody>
+          <a:bodyPr bIns="91440" anchor="b" anchorCtr="0">
+            <a:noAutofit/>
+          </a:bodyPr>
+          <a:lstStyle>
+            <a:lvl1pPr>
+              <a:spcBef>
+                <a:spcPct val="0"/>
+              </a:spcBef>
+              <a:buNone/>
+              <a:defRPr kumimoji="0" sz="2400">
+                <a:ln w="0"/>
+                <a:solidFill>
+                  <a:schemeClr val="tx2"/>
+                </a:solidFill>
+                <a:effectLst>
+                  <a:outerShdw blurRad="38100" dist="19050" dir="2700000" algn="tl" rotWithShape="0">
+                    <a:schemeClr val="dk1">
+                      <a:alpha val="40000"/>
+                    </a:schemeClr>
+                  </a:outerShdw>
+                </a:effectLst>
+                <a:latin typeface="+mj-lt"/>
+                <a:ea typeface="+mj-ea"/>
+                <a:cs typeface="+mj-cs"/>
+              </a:defRPr>
+            </a:lvl1pPr>
+          </a:lstStyle>
+          <a:p>
+            <a:r>
+              <a:rPr lang="es-PE" altLang="en-US" dirty="0"/>
+              <a:t>Tipos de problemas de optimización</a:t>
+            </a:r>
+          </a:p>
+        </p:txBody>
+      </p:sp>
+      <p:sp>
+        <p:nvSpPr>
+          <p:cNvPr id="6" name="TextBox 5">
+            <a:extLst>
+              <a:ext uri="{FF2B5EF4-FFF2-40B4-BE49-F238E27FC236}">
+                <a16:creationId xmlns:a16="http://schemas.microsoft.com/office/drawing/2014/main" id="{07C250E3-42CC-4F1B-9953-BC98F9EC4CF3}"/>
+              </a:ext>
+            </a:extLst>
+          </p:cNvPr>
+          <p:cNvSpPr txBox="1"/>
+          <p:nvPr/>
+        </p:nvSpPr>
+        <p:spPr>
+          <a:xfrm>
+            <a:off x="2195736" y="1192410"/>
+            <a:ext cx="1027845" cy="369332"/>
+          </a:xfrm>
+          <a:prstGeom prst="rect">
+            <a:avLst/>
+          </a:prstGeom>
+          <a:noFill/>
+        </p:spPr>
+        <p:txBody>
+          <a:bodyPr wrap="none" rtlCol="0">
+            <a:spAutoFit/>
+          </a:bodyPr>
+          <a:lstStyle/>
+          <a:p>
+            <a:r>
+              <a:rPr lang="es-PE" dirty="0"/>
+              <a:t>Continuas</a:t>
+            </a:r>
+          </a:p>
+        </p:txBody>
+      </p:sp>
+      <p:sp>
+        <p:nvSpPr>
+          <p:cNvPr id="10" name="CuadroTexto 4">
+            <a:extLst>
+              <a:ext uri="{FF2B5EF4-FFF2-40B4-BE49-F238E27FC236}">
+                <a16:creationId xmlns:a16="http://schemas.microsoft.com/office/drawing/2014/main" id="{0EE2E59A-EFC5-4F7D-8B1B-CDE02E4D869C}"/>
+              </a:ext>
+            </a:extLst>
+          </p:cNvPr>
+          <p:cNvSpPr txBox="1"/>
+          <p:nvPr/>
+        </p:nvSpPr>
+        <p:spPr>
+          <a:xfrm>
+            <a:off x="611560" y="694516"/>
+            <a:ext cx="8002257" cy="400110"/>
+          </a:xfrm>
+          <a:prstGeom prst="rect">
+            <a:avLst/>
+          </a:prstGeom>
+          <a:noFill/>
+        </p:spPr>
+        <p:txBody>
+          <a:bodyPr wrap="square" rtlCol="0">
+            <a:spAutoFit/>
+          </a:bodyPr>
+          <a:lstStyle/>
+          <a:p>
+            <a:pPr marL="285750" indent="-285750">
+              <a:buFont typeface="Arial" panose="020B0604020202020204" pitchFamily="34" charset="0"/>
+              <a:buChar char="•"/>
+            </a:pPr>
+            <a:r>
+              <a:rPr lang="es-MX" sz="2000" dirty="0"/>
+              <a:t>Las variables pueden ser: </a:t>
+            </a:r>
+          </a:p>
+        </p:txBody>
+      </p:sp>
+      <p:pic>
+        <p:nvPicPr>
+          <p:cNvPr id="5" name="Picture 4">
+            <a:extLst>
+              <a:ext uri="{FF2B5EF4-FFF2-40B4-BE49-F238E27FC236}">
+                <a16:creationId xmlns:a16="http://schemas.microsoft.com/office/drawing/2014/main" id="{9CB33994-9355-4B6E-B67B-BBC36E3A39F2}"/>
+              </a:ext>
+            </a:extLst>
+          </p:cNvPr>
+          <p:cNvPicPr>
+            <a:picLocks noChangeAspect="1"/>
+          </p:cNvPicPr>
+          <p:nvPr/>
+        </p:nvPicPr>
+        <p:blipFill>
+          <a:blip r:embed="rId2"/>
+          <a:stretch>
+            <a:fillRect/>
+          </a:stretch>
+        </p:blipFill>
+        <p:spPr>
+          <a:xfrm>
+            <a:off x="1259632" y="1844824"/>
+            <a:ext cx="6374284" cy="4058594"/>
+          </a:xfrm>
+          <a:prstGeom prst="rect">
+            <a:avLst/>
+          </a:prstGeom>
+        </p:spPr>
+      </p:pic>
+      <p:sp>
+        <p:nvSpPr>
+          <p:cNvPr id="8" name="TextBox 7">
+            <a:extLst>
+              <a:ext uri="{FF2B5EF4-FFF2-40B4-BE49-F238E27FC236}">
+                <a16:creationId xmlns:a16="http://schemas.microsoft.com/office/drawing/2014/main" id="{E5E78E8D-9A97-4BFA-840C-2C21D9AD90FD}"/>
+              </a:ext>
+            </a:extLst>
+          </p:cNvPr>
+          <p:cNvSpPr txBox="1"/>
+          <p:nvPr/>
+        </p:nvSpPr>
+        <p:spPr>
+          <a:xfrm>
+            <a:off x="5580112" y="1192410"/>
+            <a:ext cx="947054" cy="369332"/>
+          </a:xfrm>
+          <a:prstGeom prst="rect">
+            <a:avLst/>
+          </a:prstGeom>
+          <a:noFill/>
+        </p:spPr>
+        <p:txBody>
+          <a:bodyPr wrap="none" rtlCol="0">
+            <a:spAutoFit/>
+          </a:bodyPr>
+          <a:lstStyle/>
+          <a:p>
+            <a:r>
+              <a:rPr lang="es-PE" dirty="0"/>
+              <a:t>Discretas</a:t>
+            </a:r>
+          </a:p>
+        </p:txBody>
+      </p:sp>
+      <p:sp>
+        <p:nvSpPr>
+          <p:cNvPr id="9" name="TextBox 8">
+            <a:extLst>
+              <a:ext uri="{FF2B5EF4-FFF2-40B4-BE49-F238E27FC236}">
+                <a16:creationId xmlns:a16="http://schemas.microsoft.com/office/drawing/2014/main" id="{7C62D17B-39C2-4880-9835-263446DA2D3C}"/>
+              </a:ext>
+            </a:extLst>
+          </p:cNvPr>
+          <p:cNvSpPr txBox="1"/>
+          <p:nvPr/>
+        </p:nvSpPr>
+        <p:spPr>
+          <a:xfrm>
+            <a:off x="5173611" y="1426736"/>
+            <a:ext cx="1774653" cy="369332"/>
+          </a:xfrm>
+          <a:prstGeom prst="rect">
+            <a:avLst/>
+          </a:prstGeom>
+          <a:noFill/>
+        </p:spPr>
+        <p:txBody>
+          <a:bodyPr wrap="none" rtlCol="0">
+            <a:spAutoFit/>
+          </a:bodyPr>
+          <a:lstStyle/>
+          <a:p>
+            <a:r>
+              <a:rPr lang="es-PE" dirty="0"/>
+              <a:t>(binarias o enteras)</a:t>
+            </a:r>
+          </a:p>
+        </p:txBody>
+      </p:sp>
+    </p:spTree>
+    <p:extLst>
+      <p:ext uri="{BB962C8B-B14F-4D97-AF65-F5344CB8AC3E}">
+        <p14:creationId xmlns:p14="http://schemas.microsoft.com/office/powerpoint/2010/main" val="1298106768"/>
+      </p:ext>
+    </p:extLst>
+  </p:cSld>
+  <p:clrMapOvr>
+    <a:masterClrMapping/>
+  </p:clrMapOvr>
+  <p:transition spd="slow">
+    <p:fade/>
+  </p:transition>
+</p:sld>
+</file>
+
+<file path=ppt/slides/slide28.xml><?xml version="1.0" encoding="utf-8"?>
+<p:sld xmlns:a="http://schemas.openxmlformats.org/drawingml/2006/main" xmlns:r="http://schemas.openxmlformats.org/officeDocument/2006/relationships" xmlns:p="http://schemas.openxmlformats.org/presentationml/2006/main">
+  <p:cSld>
+    <p:spTree>
+      <p:nvGrpSpPr>
+        <p:cNvPr id="1" name=""/>
+        <p:cNvGrpSpPr/>
+        <p:nvPr/>
+      </p:nvGrpSpPr>
+      <p:grpSpPr>
+        <a:xfrm>
+          <a:off x="0" y="0"/>
+          <a:ext cx="0" cy="0"/>
+          <a:chOff x="0" y="0"/>
+          <a:chExt cx="0" cy="0"/>
+        </a:xfrm>
+      </p:grpSpPr>
+      <p:sp>
+        <p:nvSpPr>
+          <p:cNvPr id="2" name="Marcador de número de diapositiva 1"/>
+          <p:cNvSpPr>
+            <a:spLocks noGrp="1"/>
+          </p:cNvSpPr>
+          <p:nvPr>
+            <p:ph type="sldNum" sz="quarter" idx="12"/>
+          </p:nvPr>
+        </p:nvSpPr>
+        <p:spPr/>
+        <p:txBody>
+          <a:bodyPr/>
+          <a:lstStyle/>
+          <a:p>
+            <a:fld id="{64BD7E74-CBD2-4D88-9109-2EA8081AE675}" type="slidenum">
+              <a:rPr lang="es-ES" smtClean="0"/>
+              <a:pPr/>
+              <a:t>28</a:t>
+            </a:fld>
+            <a:endParaRPr lang="es-ES"/>
+          </a:p>
+        </p:txBody>
+      </p:sp>
+      <p:sp>
+        <p:nvSpPr>
+          <p:cNvPr id="3" name="4 Título"/>
+          <p:cNvSpPr txBox="1">
+            <a:spLocks/>
+          </p:cNvSpPr>
+          <p:nvPr/>
+        </p:nvSpPr>
+        <p:spPr>
+          <a:xfrm>
+            <a:off x="611560" y="188640"/>
+            <a:ext cx="8784976" cy="457120"/>
+          </a:xfrm>
+          <a:prstGeom prst="rect">
+            <a:avLst/>
+          </a:prstGeom>
+        </p:spPr>
+        <p:txBody>
+          <a:bodyPr bIns="91440" anchor="b" anchorCtr="0">
+            <a:noAutofit/>
+          </a:bodyPr>
+          <a:lstStyle>
+            <a:lvl1pPr>
+              <a:spcBef>
+                <a:spcPct val="0"/>
+              </a:spcBef>
+              <a:buNone/>
+              <a:defRPr kumimoji="0" sz="2400">
+                <a:ln w="0"/>
+                <a:solidFill>
+                  <a:schemeClr val="tx2"/>
+                </a:solidFill>
+                <a:effectLst>
+                  <a:outerShdw blurRad="38100" dist="19050" dir="2700000" algn="tl" rotWithShape="0">
+                    <a:schemeClr val="dk1">
+                      <a:alpha val="40000"/>
+                    </a:schemeClr>
+                  </a:outerShdw>
+                </a:effectLst>
+                <a:latin typeface="+mj-lt"/>
+                <a:ea typeface="+mj-ea"/>
+                <a:cs typeface="+mj-cs"/>
+              </a:defRPr>
+            </a:lvl1pPr>
+          </a:lstStyle>
+          <a:p>
+            <a:r>
+              <a:rPr lang="es-PE" altLang="en-US" dirty="0"/>
+              <a:t>Tipos de problemas de optimización</a:t>
+            </a:r>
+          </a:p>
+        </p:txBody>
+      </p:sp>
+      <p:sp>
+        <p:nvSpPr>
+          <p:cNvPr id="10" name="CuadroTexto 4">
+            <a:extLst>
+              <a:ext uri="{FF2B5EF4-FFF2-40B4-BE49-F238E27FC236}">
+                <a16:creationId xmlns:a16="http://schemas.microsoft.com/office/drawing/2014/main" id="{0EE2E59A-EFC5-4F7D-8B1B-CDE02E4D869C}"/>
+              </a:ext>
+            </a:extLst>
+          </p:cNvPr>
+          <p:cNvSpPr txBox="1"/>
+          <p:nvPr/>
+        </p:nvSpPr>
+        <p:spPr>
+          <a:xfrm>
+            <a:off x="602191" y="836712"/>
+            <a:ext cx="8002257" cy="5016758"/>
+          </a:xfrm>
+          <a:prstGeom prst="rect">
+            <a:avLst/>
+          </a:prstGeom>
+          <a:noFill/>
+        </p:spPr>
+        <p:txBody>
+          <a:bodyPr wrap="square" rtlCol="0">
+            <a:spAutoFit/>
+          </a:bodyPr>
+          <a:lstStyle/>
+          <a:p>
+            <a:pPr marL="285750" indent="-285750">
+              <a:buFont typeface="Arial" panose="020B0604020202020204" pitchFamily="34" charset="0"/>
+              <a:buChar char="•"/>
+            </a:pPr>
+            <a:r>
+              <a:rPr lang="es-MX" sz="2000" dirty="0"/>
+              <a:t>Programación lineal (LP) (PL)</a:t>
+            </a:r>
+          </a:p>
+          <a:p>
+            <a:pPr marL="800100" lvl="1" indent="-342900">
+              <a:buFont typeface="Perpetua" panose="02020502060401020303" pitchFamily="18" charset="0"/>
+              <a:buChar char="−"/>
+            </a:pPr>
+            <a:r>
+              <a:rPr lang="es-MX" sz="2000" dirty="0"/>
+              <a:t>Estudia el caso donde la función objetivo es lineal, las variables son continuas y el conjunto de restricciones son lineales</a:t>
+            </a:r>
+          </a:p>
+          <a:p>
+            <a:pPr marL="285750" indent="-285750">
+              <a:buFont typeface="Arial" panose="020B0604020202020204" pitchFamily="34" charset="0"/>
+              <a:buChar char="•"/>
+            </a:pPr>
+            <a:r>
+              <a:rPr lang="es-MX" sz="2000" dirty="0"/>
+              <a:t>Programación cuadrática (QP) (PQ)</a:t>
+            </a:r>
+          </a:p>
+          <a:p>
+            <a:pPr marL="800100" lvl="1" indent="-342900">
+              <a:buFont typeface="Perpetua" panose="02020502060401020303" pitchFamily="18" charset="0"/>
+              <a:buChar char="−"/>
+            </a:pPr>
+            <a:r>
+              <a:rPr lang="es-MX" sz="2000" dirty="0"/>
+              <a:t>Estudia el caso en que la función objetivo tiene términos cuadráticos, las variables son continuas y el conjunto de restricciones son lineales.</a:t>
+            </a:r>
+          </a:p>
+          <a:p>
+            <a:pPr marL="285750" indent="-285750">
+              <a:buFont typeface="Arial" panose="020B0604020202020204" pitchFamily="34" charset="0"/>
+              <a:buChar char="•"/>
+            </a:pPr>
+            <a:r>
+              <a:rPr lang="es-MX" sz="2000" dirty="0"/>
+              <a:t>Programación cuadrática con restricciones cuadráticas (QCQP) (PQRQ)</a:t>
+            </a:r>
+          </a:p>
+          <a:p>
+            <a:pPr marL="800100" lvl="1" indent="-342900">
+              <a:buFont typeface="Perpetua" panose="02020502060401020303" pitchFamily="18" charset="0"/>
+              <a:buChar char="−"/>
+            </a:pPr>
+            <a:r>
+              <a:rPr lang="es-MX" sz="2000" dirty="0"/>
+              <a:t>Estudia el caso en que la función objetivo tiene términos cuadráticos, las variables son continuas y el conjunto de restricciones son lineales y cuadráticas.</a:t>
+            </a:r>
+          </a:p>
+          <a:p>
+            <a:pPr marL="285750" indent="-285750">
+              <a:buFont typeface="Arial" panose="020B0604020202020204" pitchFamily="34" charset="0"/>
+              <a:buChar char="•"/>
+            </a:pPr>
+            <a:r>
+              <a:rPr lang="es-MX" sz="2000" dirty="0"/>
+              <a:t>Programación cónica de segundo orden (SOCP)  (PCSO)</a:t>
+            </a:r>
+          </a:p>
+          <a:p>
+            <a:pPr marL="800100" lvl="1" indent="-342900">
+              <a:buFont typeface="Perpetua" panose="02020502060401020303" pitchFamily="18" charset="0"/>
+              <a:buChar char="−"/>
+            </a:pPr>
+            <a:r>
+              <a:rPr lang="es-MX" sz="2000" dirty="0"/>
+              <a:t>Estudia el caso en que la función objetivo tiene términos lineales, las variables son continuas y el conjunto de restricciones son lineales y cónicas de segundo orden.</a:t>
+            </a:r>
+          </a:p>
+          <a:p>
+            <a:pPr marL="285750" indent="-285750">
+              <a:buFont typeface="Arial" panose="020B0604020202020204" pitchFamily="34" charset="0"/>
+              <a:buChar char="•"/>
+            </a:pPr>
+            <a:endParaRPr lang="es-MX" sz="2000" dirty="0"/>
+          </a:p>
+          <a:p>
+            <a:pPr marL="285750" indent="-285750">
+              <a:buFont typeface="Arial" panose="020B0604020202020204" pitchFamily="34" charset="0"/>
+              <a:buChar char="•"/>
+            </a:pPr>
+            <a:endParaRPr lang="es-MX" sz="2000" dirty="0"/>
+          </a:p>
+        </p:txBody>
+      </p:sp>
+    </p:spTree>
+    <p:extLst>
+      <p:ext uri="{BB962C8B-B14F-4D97-AF65-F5344CB8AC3E}">
+        <p14:creationId xmlns:p14="http://schemas.microsoft.com/office/powerpoint/2010/main" val="1540215111"/>
+      </p:ext>
+    </p:extLst>
+  </p:cSld>
+  <p:clrMapOvr>
+    <a:masterClrMapping/>
+  </p:clrMapOvr>
+  <p:transition spd="slow">
+    <p:fade/>
+  </p:transition>
+</p:sld>
+</file>
+
+<file path=ppt/slides/slide29.xml><?xml version="1.0" encoding="utf-8"?>
+<p:sld xmlns:a="http://schemas.openxmlformats.org/drawingml/2006/main" xmlns:r="http://schemas.openxmlformats.org/officeDocument/2006/relationships" xmlns:p="http://schemas.openxmlformats.org/presentationml/2006/main">
+  <p:cSld>
+    <p:spTree>
+      <p:nvGrpSpPr>
+        <p:cNvPr id="1" name=""/>
+        <p:cNvGrpSpPr/>
+        <p:nvPr/>
+      </p:nvGrpSpPr>
+      <p:grpSpPr>
+        <a:xfrm>
+          <a:off x="0" y="0"/>
+          <a:ext cx="0" cy="0"/>
+          <a:chOff x="0" y="0"/>
+          <a:chExt cx="0" cy="0"/>
+        </a:xfrm>
+      </p:grpSpPr>
+      <p:sp>
+        <p:nvSpPr>
+          <p:cNvPr id="2" name="Marcador de número de diapositiva 1"/>
+          <p:cNvSpPr>
+            <a:spLocks noGrp="1"/>
+          </p:cNvSpPr>
+          <p:nvPr>
+            <p:ph type="sldNum" sz="quarter" idx="12"/>
+          </p:nvPr>
+        </p:nvSpPr>
+        <p:spPr/>
+        <p:txBody>
+          <a:bodyPr/>
+          <a:lstStyle/>
+          <a:p>
+            <a:fld id="{64BD7E74-CBD2-4D88-9109-2EA8081AE675}" type="slidenum">
+              <a:rPr lang="es-ES" smtClean="0"/>
+              <a:pPr/>
+              <a:t>29</a:t>
+            </a:fld>
+            <a:endParaRPr lang="es-ES"/>
+          </a:p>
+        </p:txBody>
+      </p:sp>
+      <p:sp>
+        <p:nvSpPr>
+          <p:cNvPr id="3" name="4 Título"/>
+          <p:cNvSpPr txBox="1">
+            <a:spLocks/>
+          </p:cNvSpPr>
+          <p:nvPr/>
+        </p:nvSpPr>
+        <p:spPr>
+          <a:xfrm>
+            <a:off x="611560" y="188640"/>
+            <a:ext cx="8784976" cy="457120"/>
+          </a:xfrm>
+          <a:prstGeom prst="rect">
+            <a:avLst/>
+          </a:prstGeom>
+        </p:spPr>
+        <p:txBody>
+          <a:bodyPr bIns="91440" anchor="b" anchorCtr="0">
+            <a:noAutofit/>
+          </a:bodyPr>
+          <a:lstStyle>
+            <a:lvl1pPr>
+              <a:spcBef>
+                <a:spcPct val="0"/>
+              </a:spcBef>
+              <a:buNone/>
+              <a:defRPr kumimoji="0" sz="2400">
+                <a:ln w="0"/>
+                <a:solidFill>
+                  <a:schemeClr val="tx2"/>
+                </a:solidFill>
+                <a:effectLst>
+                  <a:outerShdw blurRad="38100" dist="19050" dir="2700000" algn="tl" rotWithShape="0">
+                    <a:schemeClr val="dk1">
+                      <a:alpha val="40000"/>
+                    </a:schemeClr>
+                  </a:outerShdw>
+                </a:effectLst>
+                <a:latin typeface="+mj-lt"/>
+                <a:ea typeface="+mj-ea"/>
+                <a:cs typeface="+mj-cs"/>
+              </a:defRPr>
+            </a:lvl1pPr>
+          </a:lstStyle>
+          <a:p>
+            <a:r>
+              <a:rPr lang="es-PE" altLang="en-US" dirty="0"/>
+              <a:t>Tipos de problemas de optimización</a:t>
+            </a:r>
+          </a:p>
+        </p:txBody>
+      </p:sp>
+      <p:sp>
+        <p:nvSpPr>
+          <p:cNvPr id="10" name="CuadroTexto 4">
+            <a:extLst>
+              <a:ext uri="{FF2B5EF4-FFF2-40B4-BE49-F238E27FC236}">
+                <a16:creationId xmlns:a16="http://schemas.microsoft.com/office/drawing/2014/main" id="{0EE2E59A-EFC5-4F7D-8B1B-CDE02E4D869C}"/>
+              </a:ext>
+            </a:extLst>
+          </p:cNvPr>
+          <p:cNvSpPr txBox="1"/>
+          <p:nvPr/>
+        </p:nvSpPr>
+        <p:spPr>
+          <a:xfrm>
+            <a:off x="602191" y="836712"/>
+            <a:ext cx="8002257" cy="3170099"/>
+          </a:xfrm>
+          <a:prstGeom prst="rect">
+            <a:avLst/>
+          </a:prstGeom>
+          <a:noFill/>
+        </p:spPr>
+        <p:txBody>
+          <a:bodyPr wrap="square" rtlCol="0">
+            <a:spAutoFit/>
+          </a:bodyPr>
+          <a:lstStyle/>
+          <a:p>
+            <a:pPr marL="285750" indent="-285750">
+              <a:buFont typeface="Arial" panose="020B0604020202020204" pitchFamily="34" charset="0"/>
+              <a:buChar char="•"/>
+            </a:pPr>
+            <a:r>
+              <a:rPr lang="es-MX" sz="2000" dirty="0"/>
+              <a:t>Programación </a:t>
+            </a:r>
+            <a:r>
+              <a:rPr lang="es-MX" sz="2000" dirty="0" err="1"/>
+              <a:t>semidefinida</a:t>
+            </a:r>
+            <a:r>
+              <a:rPr lang="es-MX" sz="2000" dirty="0"/>
+              <a:t> (SDP) (PSD)</a:t>
+            </a:r>
+          </a:p>
+          <a:p>
+            <a:pPr marL="800100" lvl="1" indent="-342900">
+              <a:buFont typeface="Perpetua" panose="02020502060401020303" pitchFamily="18" charset="0"/>
+              <a:buChar char="−"/>
+            </a:pPr>
+            <a:r>
+              <a:rPr lang="es-MX" sz="2000" dirty="0"/>
+              <a:t>Estudia el caso donde la función objetivo es una función lineal de una matriz simétrica X, la cual es optimizada sujeto a un conjunto de restricciones lineales de los elementos de la matriz X. La restricción adicional es que la solución tiene que ser </a:t>
+            </a:r>
+            <a:r>
+              <a:rPr lang="es-MX" sz="2000" dirty="0" err="1"/>
+              <a:t>semidefinida</a:t>
+            </a:r>
+            <a:r>
+              <a:rPr lang="es-MX" sz="2000" dirty="0"/>
+              <a:t> positiva</a:t>
+            </a:r>
+          </a:p>
+          <a:p>
+            <a:pPr marL="285750" indent="-285750">
+              <a:buFont typeface="Arial" panose="020B0604020202020204" pitchFamily="34" charset="0"/>
+              <a:buChar char="•"/>
+            </a:pPr>
+            <a:r>
+              <a:rPr lang="es-MX" sz="2000" dirty="0"/>
+              <a:t>Programación no lineal (NLP) (PNL)</a:t>
+            </a:r>
+          </a:p>
+          <a:p>
+            <a:pPr marL="800100" lvl="1" indent="-342900">
+              <a:buFont typeface="Perpetua" panose="02020502060401020303" pitchFamily="18" charset="0"/>
+              <a:buChar char="−"/>
+            </a:pPr>
+            <a:r>
+              <a:rPr lang="es-MX" sz="2000" dirty="0"/>
+              <a:t>Estudia el caso en que la función objetivo o las restricciones, o ambos, contienen términos no lineales y las variables son continuas.</a:t>
+            </a:r>
+          </a:p>
+          <a:p>
+            <a:pPr marL="285750" indent="-285750">
+              <a:buFont typeface="Arial" panose="020B0604020202020204" pitchFamily="34" charset="0"/>
+              <a:buChar char="•"/>
+            </a:pPr>
+            <a:endParaRPr lang="es-MX" sz="2000" dirty="0"/>
+          </a:p>
+          <a:p>
+            <a:pPr marL="285750" indent="-285750">
+              <a:buFont typeface="Arial" panose="020B0604020202020204" pitchFamily="34" charset="0"/>
+              <a:buChar char="•"/>
+            </a:pPr>
+            <a:endParaRPr lang="es-MX" sz="2000" dirty="0"/>
+          </a:p>
+        </p:txBody>
+      </p:sp>
+    </p:spTree>
+    <p:extLst>
+      <p:ext uri="{BB962C8B-B14F-4D97-AF65-F5344CB8AC3E}">
+        <p14:creationId xmlns:p14="http://schemas.microsoft.com/office/powerpoint/2010/main" val="162563666"/>
+      </p:ext>
+    </p:extLst>
+  </p:cSld>
+  <p:clrMapOvr>
+    <a:masterClrMapping/>
+  </p:clrMapOvr>
+  <p:transition spd="slow">
+    <p:fade/>
+  </p:transition>
+</p:sld>
+</file>
+
+<file path=ppt/slides/slide3.xml><?xml version="1.0" encoding="utf-8"?>
+<p:sld xmlns:a="http://schemas.openxmlformats.org/drawingml/2006/main" xmlns:r="http://schemas.openxmlformats.org/officeDocument/2006/relationships" xmlns:p="http://schemas.openxmlformats.org/presentationml/2006/main">
+  <p:cSld>
+    <p:spTree>
+      <p:nvGrpSpPr>
+        <p:cNvPr id="1" name=""/>
+        <p:cNvGrpSpPr/>
+        <p:nvPr/>
+      </p:nvGrpSpPr>
+      <p:grpSpPr>
+        <a:xfrm>
+          <a:off x="0" y="0"/>
+          <a:ext cx="0" cy="0"/>
+          <a:chOff x="0" y="0"/>
+          <a:chExt cx="0" cy="0"/>
+        </a:xfrm>
+      </p:grpSpPr>
+      <p:sp>
+        <p:nvSpPr>
+          <p:cNvPr id="2" name="Marcador de número de diapositiva 1"/>
+          <p:cNvSpPr>
+            <a:spLocks noGrp="1"/>
+          </p:cNvSpPr>
+          <p:nvPr>
+            <p:ph type="sldNum" sz="quarter" idx="12"/>
+          </p:nvPr>
+        </p:nvSpPr>
+        <p:spPr/>
+        <p:txBody>
+          <a:bodyPr/>
+          <a:lstStyle/>
+          <a:p>
+            <a:fld id="{64BD7E74-CBD2-4D88-9109-2EA8081AE675}" type="slidenum">
+              <a:rPr lang="es-ES" smtClean="0"/>
+              <a:pPr/>
+              <a:t>3</a:t>
+            </a:fld>
+            <a:endParaRPr lang="es-ES"/>
+          </a:p>
+        </p:txBody>
+      </p:sp>
+      <p:sp>
+        <p:nvSpPr>
+          <p:cNvPr id="3" name="4 Título"/>
+          <p:cNvSpPr txBox="1">
+            <a:spLocks/>
+          </p:cNvSpPr>
+          <p:nvPr/>
+        </p:nvSpPr>
+        <p:spPr>
+          <a:xfrm>
+            <a:off x="611560" y="188640"/>
+            <a:ext cx="8784976" cy="457120"/>
+          </a:xfrm>
+          <a:prstGeom prst="rect">
+            <a:avLst/>
+          </a:prstGeom>
+        </p:spPr>
+        <p:txBody>
+          <a:bodyPr bIns="91440" anchor="b" anchorCtr="0">
+            <a:noAutofit/>
+          </a:bodyPr>
+          <a:lstStyle>
+            <a:lvl1pPr>
+              <a:spcBef>
+                <a:spcPct val="0"/>
+              </a:spcBef>
+              <a:buNone/>
+              <a:defRPr kumimoji="0" sz="2400">
+                <a:ln w="0"/>
+                <a:solidFill>
+                  <a:schemeClr val="tx2"/>
+                </a:solidFill>
+                <a:effectLst>
+                  <a:outerShdw blurRad="38100" dist="19050" dir="2700000" algn="tl" rotWithShape="0">
+                    <a:schemeClr val="dk1">
+                      <a:alpha val="40000"/>
+                    </a:schemeClr>
+                  </a:outerShdw>
+                </a:effectLst>
+                <a:latin typeface="+mj-lt"/>
+                <a:ea typeface="+mj-ea"/>
+                <a:cs typeface="+mj-cs"/>
+              </a:defRPr>
+            </a:lvl1pPr>
+          </a:lstStyle>
+          <a:p>
+            <a:r>
+              <a:rPr lang="es-PE" altLang="en-US" dirty="0"/>
+              <a:t>Ejemplo 2 : Modelo para fabricación</a:t>
+            </a:r>
+          </a:p>
+        </p:txBody>
+      </p:sp>
+      <p:sp>
+        <p:nvSpPr>
+          <p:cNvPr id="5" name="CuadroTexto 4"/>
+          <p:cNvSpPr txBox="1"/>
+          <p:nvPr/>
+        </p:nvSpPr>
+        <p:spPr>
+          <a:xfrm>
+            <a:off x="602191" y="836712"/>
+            <a:ext cx="8002257" cy="3170099"/>
+          </a:xfrm>
+          <a:prstGeom prst="rect">
+            <a:avLst/>
+          </a:prstGeom>
+          <a:noFill/>
+        </p:spPr>
+        <p:txBody>
+          <a:bodyPr wrap="square" rtlCol="0">
+            <a:spAutoFit/>
+          </a:bodyPr>
+          <a:lstStyle/>
+          <a:p>
+            <a:pPr marL="285750" indent="-285750">
+              <a:buFont typeface="Arial" panose="020B0604020202020204" pitchFamily="34" charset="0"/>
+              <a:buChar char="•"/>
+            </a:pPr>
+            <a:r>
+              <a:rPr lang="es-MX" sz="2000" dirty="0"/>
+              <a:t>Se desean construir mesas y sillas. </a:t>
+            </a:r>
+          </a:p>
+          <a:p>
+            <a:pPr marL="285750" indent="-285750">
+              <a:buFont typeface="Arial" panose="020B0604020202020204" pitchFamily="34" charset="0"/>
+              <a:buChar char="•"/>
+            </a:pPr>
+            <a:r>
+              <a:rPr lang="es-MX" sz="2000" dirty="0"/>
+              <a:t>El recurso disponible es 30 m</a:t>
+            </a:r>
+            <a:r>
+              <a:rPr lang="es-MX" sz="2000" baseline="30000" dirty="0"/>
+              <a:t>2</a:t>
+            </a:r>
+            <a:r>
+              <a:rPr lang="es-MX" sz="2000" dirty="0"/>
+              <a:t> de madera por semana, 48 horas por semana.</a:t>
+            </a:r>
+          </a:p>
+          <a:p>
+            <a:pPr marL="285750" indent="-285750">
+              <a:buFont typeface="Arial" panose="020B0604020202020204" pitchFamily="34" charset="0"/>
+              <a:buChar char="•"/>
+            </a:pPr>
+            <a:r>
+              <a:rPr lang="es-MX" sz="2000" dirty="0"/>
+              <a:t>La demanda de las sillas es de 5 unidades y la de mesas de 10 unidades.</a:t>
+            </a:r>
+          </a:p>
+          <a:p>
+            <a:pPr marL="285750" indent="-285750">
+              <a:buFont typeface="Arial" panose="020B0604020202020204" pitchFamily="34" charset="0"/>
+              <a:buChar char="•"/>
+            </a:pPr>
+            <a:r>
+              <a:rPr lang="es-MX" sz="2000" dirty="0"/>
+              <a:t>La utilidad que se obtiene por las mesas es de $10 y por las sillas de $8, además para construir la mesa utiliza lo siguiente: 4.5 m</a:t>
+            </a:r>
+            <a:r>
+              <a:rPr lang="es-MX" sz="2000" baseline="30000" dirty="0"/>
+              <a:t>2</a:t>
+            </a:r>
+            <a:r>
+              <a:rPr lang="es-MX" sz="2000" dirty="0"/>
+              <a:t> de madera por unidad, 6 horas por unidad.</a:t>
+            </a:r>
+          </a:p>
+          <a:p>
+            <a:pPr marL="285750" indent="-285750">
+              <a:buFont typeface="Arial" panose="020B0604020202020204" pitchFamily="34" charset="0"/>
+              <a:buChar char="•"/>
+            </a:pPr>
+            <a:r>
+              <a:rPr lang="es-MX" sz="2000" dirty="0"/>
+              <a:t>Para la silla se ocupan: 1.5 m</a:t>
+            </a:r>
+            <a:r>
+              <a:rPr lang="es-MX" sz="2000" baseline="30000" dirty="0"/>
+              <a:t>2</a:t>
+            </a:r>
+            <a:r>
+              <a:rPr lang="es-MX" sz="2000" dirty="0"/>
+              <a:t> de madera por unidad y 3 horas por cada unidad fabricada.</a:t>
+            </a:r>
+          </a:p>
+          <a:p>
+            <a:pPr marL="285750" indent="-285750">
+              <a:buFont typeface="Arial" panose="020B0604020202020204" pitchFamily="34" charset="0"/>
+              <a:buChar char="•"/>
+            </a:pPr>
             <a:r>
               <a:rPr lang="es-MX" sz="2000" dirty="0"/>
               <a:t>¿Cuántas sillas y mesas construyo con el fin de obtener la máxima utilidad por semana?  </a:t>
@@ -7929,6 +13405,1909 @@
     <p:extLst>
       <p:ext uri="{BB962C8B-B14F-4D97-AF65-F5344CB8AC3E}">
         <p14:creationId xmlns:p14="http://schemas.microsoft.com/office/powerpoint/2010/main" val="978993721"/>
+      </p:ext>
+    </p:extLst>
+  </p:cSld>
+  <p:clrMapOvr>
+    <a:masterClrMapping/>
+  </p:clrMapOvr>
+  <p:transition spd="slow">
+    <p:fade/>
+  </p:transition>
+</p:sld>
+</file>
+
+<file path=ppt/slides/slide30.xml><?xml version="1.0" encoding="utf-8"?>
+<p:sld xmlns:a="http://schemas.openxmlformats.org/drawingml/2006/main" xmlns:r="http://schemas.openxmlformats.org/officeDocument/2006/relationships" xmlns:p="http://schemas.openxmlformats.org/presentationml/2006/main">
+  <p:cSld>
+    <p:spTree>
+      <p:nvGrpSpPr>
+        <p:cNvPr id="1" name=""/>
+        <p:cNvGrpSpPr/>
+        <p:nvPr/>
+      </p:nvGrpSpPr>
+      <p:grpSpPr>
+        <a:xfrm>
+          <a:off x="0" y="0"/>
+          <a:ext cx="0" cy="0"/>
+          <a:chOff x="0" y="0"/>
+          <a:chExt cx="0" cy="0"/>
+        </a:xfrm>
+      </p:grpSpPr>
+      <p:sp>
+        <p:nvSpPr>
+          <p:cNvPr id="2" name="Marcador de número de diapositiva 1"/>
+          <p:cNvSpPr>
+            <a:spLocks noGrp="1"/>
+          </p:cNvSpPr>
+          <p:nvPr>
+            <p:ph type="sldNum" sz="quarter" idx="12"/>
+          </p:nvPr>
+        </p:nvSpPr>
+        <p:spPr/>
+        <p:txBody>
+          <a:bodyPr/>
+          <a:lstStyle/>
+          <a:p>
+            <a:fld id="{64BD7E74-CBD2-4D88-9109-2EA8081AE675}" type="slidenum">
+              <a:rPr lang="es-ES" smtClean="0"/>
+              <a:pPr/>
+              <a:t>30</a:t>
+            </a:fld>
+            <a:endParaRPr lang="es-ES"/>
+          </a:p>
+        </p:txBody>
+      </p:sp>
+      <p:sp>
+        <p:nvSpPr>
+          <p:cNvPr id="3" name="4 Título"/>
+          <p:cNvSpPr txBox="1">
+            <a:spLocks/>
+          </p:cNvSpPr>
+          <p:nvPr/>
+        </p:nvSpPr>
+        <p:spPr>
+          <a:xfrm>
+            <a:off x="611560" y="188640"/>
+            <a:ext cx="8784976" cy="457120"/>
+          </a:xfrm>
+          <a:prstGeom prst="rect">
+            <a:avLst/>
+          </a:prstGeom>
+        </p:spPr>
+        <p:txBody>
+          <a:bodyPr bIns="91440" anchor="b" anchorCtr="0">
+            <a:noAutofit/>
+          </a:bodyPr>
+          <a:lstStyle>
+            <a:lvl1pPr>
+              <a:spcBef>
+                <a:spcPct val="0"/>
+              </a:spcBef>
+              <a:buNone/>
+              <a:defRPr kumimoji="0" sz="2400">
+                <a:ln w="0"/>
+                <a:solidFill>
+                  <a:schemeClr val="tx2"/>
+                </a:solidFill>
+                <a:effectLst>
+                  <a:outerShdw blurRad="38100" dist="19050" dir="2700000" algn="tl" rotWithShape="0">
+                    <a:schemeClr val="dk1">
+                      <a:alpha val="40000"/>
+                    </a:schemeClr>
+                  </a:outerShdw>
+                </a:effectLst>
+                <a:latin typeface="+mj-lt"/>
+                <a:ea typeface="+mj-ea"/>
+                <a:cs typeface="+mj-cs"/>
+              </a:defRPr>
+            </a:lvl1pPr>
+          </a:lstStyle>
+          <a:p>
+            <a:r>
+              <a:rPr lang="es-PE" altLang="en-US" dirty="0"/>
+              <a:t>Tipos de problemas de optimización</a:t>
+            </a:r>
+          </a:p>
+        </p:txBody>
+      </p:sp>
+      <p:sp>
+        <p:nvSpPr>
+          <p:cNvPr id="5" name="CuadroTexto 3">
+            <a:extLst>
+              <a:ext uri="{FF2B5EF4-FFF2-40B4-BE49-F238E27FC236}">
+                <a16:creationId xmlns:a16="http://schemas.microsoft.com/office/drawing/2014/main" id="{463B9059-283C-4A3C-B70E-30AE175F1BCD}"/>
+              </a:ext>
+            </a:extLst>
+          </p:cNvPr>
+          <p:cNvSpPr txBox="1"/>
+          <p:nvPr/>
+        </p:nvSpPr>
+        <p:spPr>
+          <a:xfrm>
+            <a:off x="251520" y="836712"/>
+            <a:ext cx="4055485" cy="2339102"/>
+          </a:xfrm>
+          <a:prstGeom prst="rect">
+            <a:avLst/>
+          </a:prstGeom>
+          <a:noFill/>
+        </p:spPr>
+        <p:txBody>
+          <a:bodyPr wrap="square" rtlCol="0">
+            <a:spAutoFit/>
+          </a:bodyPr>
+          <a:lstStyle/>
+          <a:p>
+            <a:pPr marL="285750" indent="-285750">
+              <a:buFont typeface="Arial" panose="020B0604020202020204" pitchFamily="34" charset="0"/>
+              <a:buChar char="•"/>
+            </a:pPr>
+            <a:r>
+              <a:rPr lang="en-US" dirty="0"/>
+              <a:t>Linear Programming (LP)</a:t>
+            </a:r>
+          </a:p>
+          <a:p>
+            <a:pPr marL="285750" indent="-285750">
+              <a:buFont typeface="Arial" panose="020B0604020202020204" pitchFamily="34" charset="0"/>
+              <a:buChar char="•"/>
+            </a:pPr>
+            <a:r>
+              <a:rPr lang="en-US" dirty="0"/>
+              <a:t>Quadratic Programming (QP)</a:t>
+            </a:r>
+          </a:p>
+          <a:p>
+            <a:pPr marL="285750" indent="-285750">
+              <a:buFont typeface="Arial" panose="020B0604020202020204" pitchFamily="34" charset="0"/>
+              <a:buChar char="•"/>
+            </a:pPr>
+            <a:r>
+              <a:rPr lang="en-US" dirty="0" err="1"/>
+              <a:t>Quadratically</a:t>
+            </a:r>
+            <a:r>
+              <a:rPr lang="en-US" dirty="0"/>
+              <a:t> Constrained Quadratic Programming (QCQP) </a:t>
+            </a:r>
+          </a:p>
+          <a:p>
+            <a:pPr marL="285750" indent="-285750">
+              <a:buFont typeface="Arial" panose="020B0604020202020204" pitchFamily="34" charset="0"/>
+              <a:buChar char="•"/>
+            </a:pPr>
+            <a:r>
+              <a:rPr lang="en-US" dirty="0"/>
+              <a:t>Second-Order Cone Programming (SOCP)</a:t>
+            </a:r>
+          </a:p>
+          <a:p>
+            <a:pPr marL="285750" indent="-285750">
+              <a:buFont typeface="Arial" panose="020B0604020202020204" pitchFamily="34" charset="0"/>
+              <a:buChar char="•"/>
+            </a:pPr>
+            <a:r>
+              <a:rPr lang="en-US" sz="2000" dirty="0">
+                <a:solidFill>
+                  <a:schemeClr val="accent2"/>
+                </a:solidFill>
+                <a:effectLst>
+                  <a:outerShdw blurRad="38100" dist="38100" dir="2700000" algn="tl">
+                    <a:srgbClr val="000000">
+                      <a:alpha val="43137"/>
+                    </a:srgbClr>
+                  </a:outerShdw>
+                </a:effectLst>
+              </a:rPr>
+              <a:t>Semidefinite Programming (SDP)</a:t>
+            </a:r>
+          </a:p>
+          <a:p>
+            <a:pPr marL="285750" indent="-285750">
+              <a:buFont typeface="Arial" panose="020B0604020202020204" pitchFamily="34" charset="0"/>
+              <a:buChar char="•"/>
+            </a:pPr>
+            <a:r>
+              <a:rPr lang="en-US" dirty="0"/>
+              <a:t>Non-Linear Programming (NLP)</a:t>
+            </a:r>
+          </a:p>
+          <a:p>
+            <a:pPr marL="285750" indent="-285750">
+              <a:buFont typeface="Arial" panose="020B0604020202020204" pitchFamily="34" charset="0"/>
+              <a:buChar char="•"/>
+            </a:pPr>
+            <a:endParaRPr lang="en-US" dirty="0"/>
+          </a:p>
+        </p:txBody>
+      </p:sp>
+      <p:grpSp>
+        <p:nvGrpSpPr>
+          <p:cNvPr id="6" name="Grupo 8">
+            <a:extLst>
+              <a:ext uri="{FF2B5EF4-FFF2-40B4-BE49-F238E27FC236}">
+                <a16:creationId xmlns:a16="http://schemas.microsoft.com/office/drawing/2014/main" id="{449E41BC-BE99-4325-81DC-345C1D6F751D}"/>
+              </a:ext>
+            </a:extLst>
+          </p:cNvPr>
+          <p:cNvGrpSpPr/>
+          <p:nvPr/>
+        </p:nvGrpSpPr>
+        <p:grpSpPr>
+          <a:xfrm>
+            <a:off x="251520" y="4160052"/>
+            <a:ext cx="8496944" cy="2005252"/>
+            <a:chOff x="251520" y="3903706"/>
+            <a:chExt cx="8496944" cy="2005252"/>
+          </a:xfrm>
+        </p:grpSpPr>
+        <p:pic>
+          <p:nvPicPr>
+            <p:cNvPr id="7" name="Imagen 4">
+              <a:extLst>
+                <a:ext uri="{FF2B5EF4-FFF2-40B4-BE49-F238E27FC236}">
+                  <a16:creationId xmlns:a16="http://schemas.microsoft.com/office/drawing/2014/main" id="{5A80C31B-479D-4C8B-B53D-1341BC46DFE7}"/>
+                </a:ext>
+              </a:extLst>
+            </p:cNvPr>
+            <p:cNvPicPr>
+              <a:picLocks noChangeAspect="1"/>
+            </p:cNvPicPr>
+            <p:nvPr/>
+          </p:nvPicPr>
+          <p:blipFill rotWithShape="1">
+            <a:blip r:embed="rId2" cstate="print">
+              <a:extLst>
+                <a:ext uri="{28A0092B-C50C-407E-A947-70E740481C1C}">
+                  <a14:useLocalDpi xmlns:a14="http://schemas.microsoft.com/office/drawing/2010/main" val="0"/>
+                </a:ext>
+              </a:extLst>
+            </a:blip>
+            <a:srcRect t="10190"/>
+            <a:stretch/>
+          </p:blipFill>
+          <p:spPr>
+            <a:xfrm>
+              <a:off x="251520" y="4005064"/>
+              <a:ext cx="4485022" cy="1903894"/>
+            </a:xfrm>
+            <a:prstGeom prst="rect">
+              <a:avLst/>
+            </a:prstGeom>
+          </p:spPr>
+        </p:pic>
+        <p:pic>
+          <p:nvPicPr>
+            <p:cNvPr id="8" name="Imagen 5">
+              <a:extLst>
+                <a:ext uri="{FF2B5EF4-FFF2-40B4-BE49-F238E27FC236}">
+                  <a16:creationId xmlns:a16="http://schemas.microsoft.com/office/drawing/2014/main" id="{03CE92A1-5CA5-4E7D-A4FF-AB23D5556B25}"/>
+                </a:ext>
+              </a:extLst>
+            </p:cNvPr>
+            <p:cNvPicPr>
+              <a:picLocks noChangeAspect="1"/>
+            </p:cNvPicPr>
+            <p:nvPr/>
+          </p:nvPicPr>
+          <p:blipFill>
+            <a:blip r:embed="rId3" cstate="print">
+              <a:extLst>
+                <a:ext uri="{28A0092B-C50C-407E-A947-70E740481C1C}">
+                  <a14:useLocalDpi xmlns:a14="http://schemas.microsoft.com/office/drawing/2010/main" val="0"/>
+                </a:ext>
+              </a:extLst>
+            </a:blip>
+            <a:stretch>
+              <a:fillRect/>
+            </a:stretch>
+          </p:blipFill>
+          <p:spPr>
+            <a:xfrm>
+              <a:off x="4736542" y="3903706"/>
+              <a:ext cx="2172916" cy="1904400"/>
+            </a:xfrm>
+            <a:prstGeom prst="rect">
+              <a:avLst/>
+            </a:prstGeom>
+          </p:spPr>
+        </p:pic>
+        <p:pic>
+          <p:nvPicPr>
+            <p:cNvPr id="9" name="Imagen 7">
+              <a:extLst>
+                <a:ext uri="{FF2B5EF4-FFF2-40B4-BE49-F238E27FC236}">
+                  <a16:creationId xmlns:a16="http://schemas.microsoft.com/office/drawing/2014/main" id="{AE37BC48-AACF-4782-AC33-8AB278104CFB}"/>
+                </a:ext>
+              </a:extLst>
+            </p:cNvPr>
+            <p:cNvPicPr>
+              <a:picLocks noChangeAspect="1"/>
+            </p:cNvPicPr>
+            <p:nvPr/>
+          </p:nvPicPr>
+          <p:blipFill rotWithShape="1">
+            <a:blip r:embed="rId4">
+              <a:extLst>
+                <a:ext uri="{28A0092B-C50C-407E-A947-70E740481C1C}">
+                  <a14:useLocalDpi xmlns:a14="http://schemas.microsoft.com/office/drawing/2010/main" val="0"/>
+                </a:ext>
+              </a:extLst>
+            </a:blip>
+            <a:srcRect r="45408"/>
+            <a:stretch/>
+          </p:blipFill>
+          <p:spPr>
+            <a:xfrm>
+              <a:off x="6909458" y="4000140"/>
+              <a:ext cx="1839006" cy="1904400"/>
+            </a:xfrm>
+            <a:prstGeom prst="rect">
+              <a:avLst/>
+            </a:prstGeom>
+          </p:spPr>
+        </p:pic>
+      </p:grpSp>
+      <p:sp>
+        <p:nvSpPr>
+          <p:cNvPr id="10" name="CuadroTexto 9">
+            <a:extLst>
+              <a:ext uri="{FF2B5EF4-FFF2-40B4-BE49-F238E27FC236}">
+                <a16:creationId xmlns:a16="http://schemas.microsoft.com/office/drawing/2014/main" id="{70337560-A50F-49C5-BC25-2F95EE1B437F}"/>
+              </a:ext>
+            </a:extLst>
+          </p:cNvPr>
+          <p:cNvSpPr txBox="1"/>
+          <p:nvPr/>
+        </p:nvSpPr>
+        <p:spPr>
+          <a:xfrm>
+            <a:off x="855690" y="3995772"/>
+            <a:ext cx="370614" cy="369332"/>
+          </a:xfrm>
+          <a:prstGeom prst="rect">
+            <a:avLst/>
+          </a:prstGeom>
+          <a:noFill/>
+        </p:spPr>
+        <p:txBody>
+          <a:bodyPr wrap="none" rtlCol="0">
+            <a:spAutoFit/>
+          </a:bodyPr>
+          <a:lstStyle/>
+          <a:p>
+            <a:r>
+              <a:rPr lang="en-US" i="1" dirty="0"/>
+              <a:t>LP</a:t>
+            </a:r>
+          </a:p>
+        </p:txBody>
+      </p:sp>
+      <p:sp>
+        <p:nvSpPr>
+          <p:cNvPr id="11" name="CuadroTexto 10">
+            <a:extLst>
+              <a:ext uri="{FF2B5EF4-FFF2-40B4-BE49-F238E27FC236}">
+                <a16:creationId xmlns:a16="http://schemas.microsoft.com/office/drawing/2014/main" id="{9CF5C34B-A555-4E96-A5F8-438B50261ACA}"/>
+              </a:ext>
+            </a:extLst>
+          </p:cNvPr>
+          <p:cNvSpPr txBox="1"/>
+          <p:nvPr/>
+        </p:nvSpPr>
+        <p:spPr>
+          <a:xfrm>
+            <a:off x="1994148" y="3995772"/>
+            <a:ext cx="989373" cy="369332"/>
+          </a:xfrm>
+          <a:prstGeom prst="rect">
+            <a:avLst/>
+          </a:prstGeom>
+          <a:noFill/>
+        </p:spPr>
+        <p:txBody>
+          <a:bodyPr wrap="none" rtlCol="0">
+            <a:spAutoFit/>
+          </a:bodyPr>
+          <a:lstStyle/>
+          <a:p>
+            <a:r>
+              <a:rPr lang="en-US" i="1" dirty="0"/>
+              <a:t>QP/QCQP</a:t>
+            </a:r>
+          </a:p>
+        </p:txBody>
+      </p:sp>
+      <p:sp>
+        <p:nvSpPr>
+          <p:cNvPr id="12" name="CuadroTexto 11">
+            <a:extLst>
+              <a:ext uri="{FF2B5EF4-FFF2-40B4-BE49-F238E27FC236}">
+                <a16:creationId xmlns:a16="http://schemas.microsoft.com/office/drawing/2014/main" id="{B9782BD4-7D3E-44B8-BF22-31613440061D}"/>
+              </a:ext>
+            </a:extLst>
+          </p:cNvPr>
+          <p:cNvSpPr txBox="1"/>
+          <p:nvPr/>
+        </p:nvSpPr>
+        <p:spPr>
+          <a:xfrm>
+            <a:off x="5515864" y="3951006"/>
+            <a:ext cx="614271" cy="369332"/>
+          </a:xfrm>
+          <a:prstGeom prst="rect">
+            <a:avLst/>
+          </a:prstGeom>
+          <a:noFill/>
+        </p:spPr>
+        <p:txBody>
+          <a:bodyPr wrap="none" rtlCol="0">
+            <a:spAutoFit/>
+          </a:bodyPr>
+          <a:lstStyle/>
+          <a:p>
+            <a:r>
+              <a:rPr lang="en-US" i="1" dirty="0"/>
+              <a:t>SOCP</a:t>
+            </a:r>
+          </a:p>
+        </p:txBody>
+      </p:sp>
+      <p:sp>
+        <p:nvSpPr>
+          <p:cNvPr id="13" name="CuadroTexto 12">
+            <a:extLst>
+              <a:ext uri="{FF2B5EF4-FFF2-40B4-BE49-F238E27FC236}">
+                <a16:creationId xmlns:a16="http://schemas.microsoft.com/office/drawing/2014/main" id="{40634BE7-51C8-4190-83AF-B1DE0013F309}"/>
+              </a:ext>
+            </a:extLst>
+          </p:cNvPr>
+          <p:cNvSpPr txBox="1"/>
+          <p:nvPr/>
+        </p:nvSpPr>
+        <p:spPr>
+          <a:xfrm>
+            <a:off x="3836805" y="3990974"/>
+            <a:ext cx="510076" cy="369332"/>
+          </a:xfrm>
+          <a:prstGeom prst="rect">
+            <a:avLst/>
+          </a:prstGeom>
+          <a:noFill/>
+        </p:spPr>
+        <p:txBody>
+          <a:bodyPr wrap="none" rtlCol="0">
+            <a:spAutoFit/>
+          </a:bodyPr>
+          <a:lstStyle/>
+          <a:p>
+            <a:r>
+              <a:rPr lang="en-US" i="1" dirty="0"/>
+              <a:t>NLP</a:t>
+            </a:r>
+          </a:p>
+        </p:txBody>
+      </p:sp>
+      <p:sp>
+        <p:nvSpPr>
+          <p:cNvPr id="14" name="CuadroTexto 13">
+            <a:extLst>
+              <a:ext uri="{FF2B5EF4-FFF2-40B4-BE49-F238E27FC236}">
+                <a16:creationId xmlns:a16="http://schemas.microsoft.com/office/drawing/2014/main" id="{D57B0AAA-3000-4BFC-A42C-4F04BA85E8C7}"/>
+              </a:ext>
+            </a:extLst>
+          </p:cNvPr>
+          <p:cNvSpPr txBox="1"/>
+          <p:nvPr/>
+        </p:nvSpPr>
+        <p:spPr>
+          <a:xfrm>
+            <a:off x="7576327" y="3995772"/>
+            <a:ext cx="505267" cy="369332"/>
+          </a:xfrm>
+          <a:prstGeom prst="rect">
+            <a:avLst/>
+          </a:prstGeom>
+          <a:noFill/>
+        </p:spPr>
+        <p:txBody>
+          <a:bodyPr wrap="none" rtlCol="0">
+            <a:spAutoFit/>
+          </a:bodyPr>
+          <a:lstStyle/>
+          <a:p>
+            <a:r>
+              <a:rPr lang="en-US" i="1" dirty="0"/>
+              <a:t>SDP</a:t>
+            </a:r>
+          </a:p>
+        </p:txBody>
+      </p:sp>
+      <p:grpSp>
+        <p:nvGrpSpPr>
+          <p:cNvPr id="15" name="Grupo 15">
+            <a:extLst>
+              <a:ext uri="{FF2B5EF4-FFF2-40B4-BE49-F238E27FC236}">
+                <a16:creationId xmlns:a16="http://schemas.microsoft.com/office/drawing/2014/main" id="{335759F2-336C-46AB-9232-12F9791A6E73}"/>
+              </a:ext>
+            </a:extLst>
+          </p:cNvPr>
+          <p:cNvGrpSpPr/>
+          <p:nvPr/>
+        </p:nvGrpSpPr>
+        <p:grpSpPr>
+          <a:xfrm>
+            <a:off x="4572000" y="499953"/>
+            <a:ext cx="3810137" cy="3001055"/>
+            <a:chOff x="4932040" y="499953"/>
+            <a:chExt cx="3810137" cy="3001055"/>
+          </a:xfrm>
+        </p:grpSpPr>
+        <p:grpSp>
+          <p:nvGrpSpPr>
+            <p:cNvPr id="16" name="Grupo 31">
+              <a:extLst>
+                <a:ext uri="{FF2B5EF4-FFF2-40B4-BE49-F238E27FC236}">
+                  <a16:creationId xmlns:a16="http://schemas.microsoft.com/office/drawing/2014/main" id="{CECBE2D3-677A-4EB4-B9F5-DB167A09A7AC}"/>
+                </a:ext>
+              </a:extLst>
+            </p:cNvPr>
+            <p:cNvGrpSpPr/>
+            <p:nvPr/>
+          </p:nvGrpSpPr>
+          <p:grpSpPr>
+            <a:xfrm>
+              <a:off x="4932040" y="499953"/>
+              <a:ext cx="3810137" cy="3001055"/>
+              <a:chOff x="4463892" y="848700"/>
+              <a:chExt cx="3810137" cy="3001055"/>
+            </a:xfrm>
+          </p:grpSpPr>
+          <p:sp>
+            <p:nvSpPr>
+              <p:cNvPr id="19" name="Rectángulo redondeado 14">
+                <a:extLst>
+                  <a:ext uri="{FF2B5EF4-FFF2-40B4-BE49-F238E27FC236}">
+                    <a16:creationId xmlns:a16="http://schemas.microsoft.com/office/drawing/2014/main" id="{294BFBA6-98E1-4065-BEF6-504109386B7A}"/>
+                  </a:ext>
+                </a:extLst>
+              </p:cNvPr>
+              <p:cNvSpPr/>
+              <p:nvPr/>
+            </p:nvSpPr>
+            <p:spPr>
+              <a:xfrm>
+                <a:off x="4463892" y="848700"/>
+                <a:ext cx="3810137" cy="3001055"/>
+              </a:xfrm>
+              <a:prstGeom prst="roundRect">
+                <a:avLst/>
+              </a:prstGeom>
+            </p:spPr>
+            <p:style>
+              <a:lnRef idx="2">
+                <a:schemeClr val="dk1"/>
+              </a:lnRef>
+              <a:fillRef idx="1">
+                <a:schemeClr val="lt1"/>
+              </a:fillRef>
+              <a:effectRef idx="0">
+                <a:schemeClr val="dk1"/>
+              </a:effectRef>
+              <a:fontRef idx="minor">
+                <a:schemeClr val="dk1"/>
+              </a:fontRef>
+            </p:style>
+            <p:txBody>
+              <a:bodyPr rtlCol="0" anchor="ctr"/>
+              <a:lstStyle/>
+              <a:p>
+                <a:pPr algn="ctr"/>
+                <a:endParaRPr lang="en-US"/>
+              </a:p>
+            </p:txBody>
+          </p:sp>
+          <p:sp>
+            <p:nvSpPr>
+              <p:cNvPr id="20" name="Elipse 19">
+                <a:extLst>
+                  <a:ext uri="{FF2B5EF4-FFF2-40B4-BE49-F238E27FC236}">
+                    <a16:creationId xmlns:a16="http://schemas.microsoft.com/office/drawing/2014/main" id="{CB3B8E87-BB9C-45BC-920F-52C8B90D1772}"/>
+                  </a:ext>
+                </a:extLst>
+              </p:cNvPr>
+              <p:cNvSpPr/>
+              <p:nvPr/>
+            </p:nvSpPr>
+            <p:spPr>
+              <a:xfrm>
+                <a:off x="4788024" y="1261888"/>
+                <a:ext cx="2443851" cy="2443851"/>
+              </a:xfrm>
+              <a:prstGeom prst="ellipse">
+                <a:avLst/>
+              </a:prstGeom>
+            </p:spPr>
+            <p:style>
+              <a:lnRef idx="1">
+                <a:schemeClr val="accent1"/>
+              </a:lnRef>
+              <a:fillRef idx="2">
+                <a:schemeClr val="accent1"/>
+              </a:fillRef>
+              <a:effectRef idx="1">
+                <a:schemeClr val="accent1"/>
+              </a:effectRef>
+              <a:fontRef idx="minor">
+                <a:schemeClr val="dk1"/>
+              </a:fontRef>
+            </p:style>
+            <p:txBody>
+              <a:bodyPr rtlCol="0" anchor="ctr"/>
+              <a:lstStyle/>
+              <a:p>
+                <a:pPr algn="ctr"/>
+                <a:endParaRPr lang="en-US"/>
+              </a:p>
+            </p:txBody>
+          </p:sp>
+          <p:sp>
+            <p:nvSpPr>
+              <p:cNvPr id="21" name="CuadroTexto 17">
+                <a:extLst>
+                  <a:ext uri="{FF2B5EF4-FFF2-40B4-BE49-F238E27FC236}">
+                    <a16:creationId xmlns:a16="http://schemas.microsoft.com/office/drawing/2014/main" id="{E15BA990-0583-4C6C-8090-077C0107EDF0}"/>
+                  </a:ext>
+                </a:extLst>
+              </p:cNvPr>
+              <p:cNvSpPr txBox="1"/>
+              <p:nvPr/>
+            </p:nvSpPr>
+            <p:spPr>
+              <a:xfrm>
+                <a:off x="7522658" y="991944"/>
+                <a:ext cx="510076" cy="369332"/>
+              </a:xfrm>
+              <a:prstGeom prst="rect">
+                <a:avLst/>
+              </a:prstGeom>
+              <a:noFill/>
+            </p:spPr>
+            <p:txBody>
+              <a:bodyPr wrap="none" rtlCol="0">
+                <a:spAutoFit/>
+              </a:bodyPr>
+              <a:lstStyle/>
+              <a:p>
+                <a:r>
+                  <a:rPr lang="en-US" i="1" dirty="0"/>
+                  <a:t>NLP</a:t>
+                </a:r>
+              </a:p>
+            </p:txBody>
+          </p:sp>
+          <p:sp>
+            <p:nvSpPr>
+              <p:cNvPr id="22" name="CuadroTexto 18">
+                <a:extLst>
+                  <a:ext uri="{FF2B5EF4-FFF2-40B4-BE49-F238E27FC236}">
+                    <a16:creationId xmlns:a16="http://schemas.microsoft.com/office/drawing/2014/main" id="{E8A90066-C4F6-40B0-BD9E-B1664CD288BB}"/>
+                  </a:ext>
+                </a:extLst>
+              </p:cNvPr>
+              <p:cNvSpPr txBox="1"/>
+              <p:nvPr/>
+            </p:nvSpPr>
+            <p:spPr>
+              <a:xfrm>
+                <a:off x="6497492" y="1845831"/>
+                <a:ext cx="505267" cy="369332"/>
+              </a:xfrm>
+              <a:prstGeom prst="rect">
+                <a:avLst/>
+              </a:prstGeom>
+              <a:noFill/>
+            </p:spPr>
+            <p:txBody>
+              <a:bodyPr wrap="none" rtlCol="0">
+                <a:spAutoFit/>
+              </a:bodyPr>
+              <a:lstStyle/>
+              <a:p>
+                <a:r>
+                  <a:rPr lang="en-US" i="1" dirty="0"/>
+                  <a:t>SDP</a:t>
+                </a:r>
+              </a:p>
+            </p:txBody>
+          </p:sp>
+          <p:sp>
+            <p:nvSpPr>
+              <p:cNvPr id="23" name="Rectángulo 21">
+                <a:extLst>
+                  <a:ext uri="{FF2B5EF4-FFF2-40B4-BE49-F238E27FC236}">
+                    <a16:creationId xmlns:a16="http://schemas.microsoft.com/office/drawing/2014/main" id="{86A9EDDA-5597-46F6-A144-AEBDABD2E245}"/>
+                  </a:ext>
+                </a:extLst>
+              </p:cNvPr>
+              <p:cNvSpPr/>
+              <p:nvPr/>
+            </p:nvSpPr>
+            <p:spPr>
+              <a:xfrm>
+                <a:off x="5148064" y="1638106"/>
+                <a:ext cx="1224136" cy="1131529"/>
+              </a:xfrm>
+              <a:prstGeom prst="rect">
+                <a:avLst/>
+              </a:prstGeom>
+            </p:spPr>
+            <p:style>
+              <a:lnRef idx="1">
+                <a:schemeClr val="accent3"/>
+              </a:lnRef>
+              <a:fillRef idx="2">
+                <a:schemeClr val="accent3"/>
+              </a:fillRef>
+              <a:effectRef idx="1">
+                <a:schemeClr val="accent3"/>
+              </a:effectRef>
+              <a:fontRef idx="minor">
+                <a:schemeClr val="dk1"/>
+              </a:fontRef>
+            </p:style>
+            <p:txBody>
+              <a:bodyPr rtlCol="0" anchor="ctr"/>
+              <a:lstStyle/>
+              <a:p>
+                <a:pPr algn="ctr"/>
+                <a:endParaRPr lang="en-US"/>
+              </a:p>
+            </p:txBody>
+          </p:sp>
+          <p:sp>
+            <p:nvSpPr>
+              <p:cNvPr id="24" name="Rectángulo 22">
+                <a:extLst>
+                  <a:ext uri="{FF2B5EF4-FFF2-40B4-BE49-F238E27FC236}">
+                    <a16:creationId xmlns:a16="http://schemas.microsoft.com/office/drawing/2014/main" id="{0B962FA5-0D9E-4133-8808-72E7DE14EF97}"/>
+                  </a:ext>
+                </a:extLst>
+              </p:cNvPr>
+              <p:cNvSpPr/>
+              <p:nvPr/>
+            </p:nvSpPr>
+            <p:spPr>
+              <a:xfrm>
+                <a:off x="5555365" y="2060848"/>
+                <a:ext cx="816835" cy="720080"/>
+              </a:xfrm>
+              <a:prstGeom prst="rect">
+                <a:avLst/>
+              </a:prstGeom>
+            </p:spPr>
+            <p:style>
+              <a:lnRef idx="1">
+                <a:schemeClr val="accent6"/>
+              </a:lnRef>
+              <a:fillRef idx="2">
+                <a:schemeClr val="accent6"/>
+              </a:fillRef>
+              <a:effectRef idx="1">
+                <a:schemeClr val="accent6"/>
+              </a:effectRef>
+              <a:fontRef idx="minor">
+                <a:schemeClr val="dk1"/>
+              </a:fontRef>
+            </p:style>
+            <p:txBody>
+              <a:bodyPr rtlCol="0" anchor="ctr"/>
+              <a:lstStyle/>
+              <a:p>
+                <a:pPr algn="ctr"/>
+                <a:endParaRPr lang="en-US"/>
+              </a:p>
+            </p:txBody>
+          </p:sp>
+          <p:sp>
+            <p:nvSpPr>
+              <p:cNvPr id="25" name="Elipse 24">
+                <a:extLst>
+                  <a:ext uri="{FF2B5EF4-FFF2-40B4-BE49-F238E27FC236}">
+                    <a16:creationId xmlns:a16="http://schemas.microsoft.com/office/drawing/2014/main" id="{D3D30C4C-2AC7-4071-93D3-43072743A3D9}"/>
+                  </a:ext>
+                </a:extLst>
+              </p:cNvPr>
+              <p:cNvSpPr/>
+              <p:nvPr/>
+            </p:nvSpPr>
+            <p:spPr>
+              <a:xfrm rot="2273630">
+                <a:off x="5703077" y="2391663"/>
+                <a:ext cx="1320988" cy="792088"/>
+              </a:xfrm>
+              <a:prstGeom prst="ellipse">
+                <a:avLst/>
+              </a:prstGeom>
+            </p:spPr>
+            <p:style>
+              <a:lnRef idx="1">
+                <a:schemeClr val="accent4"/>
+              </a:lnRef>
+              <a:fillRef idx="2">
+                <a:schemeClr val="accent4"/>
+              </a:fillRef>
+              <a:effectRef idx="1">
+                <a:schemeClr val="accent4"/>
+              </a:effectRef>
+              <a:fontRef idx="minor">
+                <a:schemeClr val="dk1"/>
+              </a:fontRef>
+            </p:style>
+            <p:txBody>
+              <a:bodyPr rtlCol="0" anchor="ctr"/>
+              <a:lstStyle/>
+              <a:p>
+                <a:pPr algn="ctr"/>
+                <a:endParaRPr lang="en-US"/>
+              </a:p>
+            </p:txBody>
+          </p:sp>
+          <p:sp>
+            <p:nvSpPr>
+              <p:cNvPr id="26" name="Forma libre 26">
+                <a:extLst>
+                  <a:ext uri="{FF2B5EF4-FFF2-40B4-BE49-F238E27FC236}">
+                    <a16:creationId xmlns:a16="http://schemas.microsoft.com/office/drawing/2014/main" id="{F0456359-80A1-4E57-8E08-FF97563F78AE}"/>
+                  </a:ext>
+                </a:extLst>
+              </p:cNvPr>
+              <p:cNvSpPr/>
+              <p:nvPr/>
+            </p:nvSpPr>
+            <p:spPr>
+              <a:xfrm>
+                <a:off x="5788238" y="2275575"/>
+                <a:ext cx="583962" cy="505353"/>
+              </a:xfrm>
+              <a:custGeom>
+                <a:avLst/>
+                <a:gdLst>
+                  <a:gd name="connsiteX0" fmla="*/ 279126 w 583962"/>
+                  <a:gd name="connsiteY0" fmla="*/ 996 h 505353"/>
+                  <a:gd name="connsiteX1" fmla="*/ 485616 w 583962"/>
+                  <a:gd name="connsiteY1" fmla="*/ 26153 h 505353"/>
+                  <a:gd name="connsiteX2" fmla="*/ 583962 w 583962"/>
+                  <a:gd name="connsiteY2" fmla="*/ 61688 h 505353"/>
+                  <a:gd name="connsiteX3" fmla="*/ 583962 w 583962"/>
+                  <a:gd name="connsiteY3" fmla="*/ 505353 h 505353"/>
+                  <a:gd name="connsiteX4" fmla="*/ 63303 w 583962"/>
+                  <a:gd name="connsiteY4" fmla="*/ 505353 h 505353"/>
+                  <a:gd name="connsiteX5" fmla="*/ 34765 w 583962"/>
+                  <a:gd name="connsiteY5" fmla="*/ 446274 h 505353"/>
+                  <a:gd name="connsiteX6" fmla="*/ 54104 w 583962"/>
+                  <a:gd name="connsiteY6" fmla="*/ 106457 h 505353"/>
+                  <a:gd name="connsiteX7" fmla="*/ 279126 w 583962"/>
+                  <a:gd name="connsiteY7" fmla="*/ 996 h 505353"/>
+                </a:gdLst>
+                <a:ahLst/>
+                <a:cxnLst>
+                  <a:cxn ang="0">
+                    <a:pos x="connsiteX0" y="connsiteY0"/>
+                  </a:cxn>
+                  <a:cxn ang="0">
+                    <a:pos x="connsiteX1" y="connsiteY1"/>
+                  </a:cxn>
+                  <a:cxn ang="0">
+                    <a:pos x="connsiteX2" y="connsiteY2"/>
+                  </a:cxn>
+                  <a:cxn ang="0">
+                    <a:pos x="connsiteX3" y="connsiteY3"/>
+                  </a:cxn>
+                  <a:cxn ang="0">
+                    <a:pos x="connsiteX4" y="connsiteY4"/>
+                  </a:cxn>
+                  <a:cxn ang="0">
+                    <a:pos x="connsiteX5" y="connsiteY5"/>
+                  </a:cxn>
+                  <a:cxn ang="0">
+                    <a:pos x="connsiteX6" y="connsiteY6"/>
+                  </a:cxn>
+                  <a:cxn ang="0">
+                    <a:pos x="connsiteX7" y="connsiteY7"/>
+                  </a:cxn>
+                </a:cxnLst>
+                <a:rect l="l" t="t" r="r" b="b"/>
+                <a:pathLst>
+                  <a:path w="583962" h="505353">
+                    <a:moveTo>
+                      <a:pt x="279126" y="996"/>
+                    </a:moveTo>
+                    <a:cubicBezTo>
+                      <a:pt x="342475" y="-3097"/>
+                      <a:pt x="412672" y="5455"/>
+                      <a:pt x="485616" y="26153"/>
+                    </a:cubicBezTo>
+                    <a:lnTo>
+                      <a:pt x="583962" y="61688"/>
+                    </a:lnTo>
+                    <a:lnTo>
+                      <a:pt x="583962" y="505353"/>
+                    </a:lnTo>
+                    <a:lnTo>
+                      <a:pt x="63303" y="505353"/>
+                    </a:lnTo>
+                    <a:lnTo>
+                      <a:pt x="34765" y="446274"/>
+                    </a:lnTo>
+                    <a:cubicBezTo>
+                      <a:pt x="-15540" y="316303"/>
+                      <a:pt x="-13067" y="192762"/>
+                      <a:pt x="54104" y="106457"/>
+                    </a:cubicBezTo>
+                    <a:cubicBezTo>
+                      <a:pt x="104483" y="41728"/>
+                      <a:pt x="184101" y="7136"/>
+                      <a:pt x="279126" y="996"/>
+                    </a:cubicBezTo>
+                    <a:close/>
+                  </a:path>
+                </a:pathLst>
+              </a:custGeom>
+            </p:spPr>
+            <p:style>
+              <a:lnRef idx="1">
+                <a:schemeClr val="dk1"/>
+              </a:lnRef>
+              <a:fillRef idx="2">
+                <a:schemeClr val="dk1"/>
+              </a:fillRef>
+              <a:effectRef idx="1">
+                <a:schemeClr val="dk1"/>
+              </a:effectRef>
+              <a:fontRef idx="minor">
+                <a:schemeClr val="dk1"/>
+              </a:fontRef>
+            </p:style>
+            <p:txBody>
+              <a:bodyPr rtlCol="0" anchor="ctr"/>
+              <a:lstStyle/>
+              <a:p>
+                <a:pPr algn="ctr"/>
+                <a:endParaRPr lang="en-US"/>
+              </a:p>
+            </p:txBody>
+          </p:sp>
+          <p:sp>
+            <p:nvSpPr>
+              <p:cNvPr id="27" name="CuadroTexto 27">
+                <a:extLst>
+                  <a:ext uri="{FF2B5EF4-FFF2-40B4-BE49-F238E27FC236}">
+                    <a16:creationId xmlns:a16="http://schemas.microsoft.com/office/drawing/2014/main" id="{52CD3A8E-F075-4724-BEDB-B1BD954770B9}"/>
+                  </a:ext>
+                </a:extLst>
+              </p:cNvPr>
+              <p:cNvSpPr txBox="1"/>
+              <p:nvPr/>
+            </p:nvSpPr>
+            <p:spPr>
+              <a:xfrm>
+                <a:off x="5508580" y="2030497"/>
+                <a:ext cx="407484" cy="369332"/>
+              </a:xfrm>
+              <a:prstGeom prst="rect">
+                <a:avLst/>
+              </a:prstGeom>
+              <a:noFill/>
+            </p:spPr>
+            <p:txBody>
+              <a:bodyPr wrap="none" rtlCol="0">
+                <a:spAutoFit/>
+              </a:bodyPr>
+              <a:lstStyle/>
+              <a:p>
+                <a:r>
+                  <a:rPr lang="en-US" i="1" dirty="0"/>
+                  <a:t>QP</a:t>
+                </a:r>
+              </a:p>
+            </p:txBody>
+          </p:sp>
+          <p:sp>
+            <p:nvSpPr>
+              <p:cNvPr id="28" name="CuadroTexto 28">
+                <a:extLst>
+                  <a:ext uri="{FF2B5EF4-FFF2-40B4-BE49-F238E27FC236}">
+                    <a16:creationId xmlns:a16="http://schemas.microsoft.com/office/drawing/2014/main" id="{315E9ACD-13D7-4D03-962D-BCF8408125DE}"/>
+                  </a:ext>
+                </a:extLst>
+              </p:cNvPr>
+              <p:cNvSpPr txBox="1"/>
+              <p:nvPr/>
+            </p:nvSpPr>
+            <p:spPr>
+              <a:xfrm>
+                <a:off x="5148064" y="1649398"/>
+                <a:ext cx="651140" cy="369332"/>
+              </a:xfrm>
+              <a:prstGeom prst="rect">
+                <a:avLst/>
+              </a:prstGeom>
+              <a:noFill/>
+            </p:spPr>
+            <p:txBody>
+              <a:bodyPr wrap="none" rtlCol="0">
+                <a:spAutoFit/>
+              </a:bodyPr>
+              <a:lstStyle/>
+              <a:p>
+                <a:r>
+                  <a:rPr lang="en-US" i="1" dirty="0"/>
+                  <a:t>QCQP</a:t>
+                </a:r>
+              </a:p>
+            </p:txBody>
+          </p:sp>
+          <p:sp>
+            <p:nvSpPr>
+              <p:cNvPr id="29" name="CuadroTexto 29">
+                <a:extLst>
+                  <a:ext uri="{FF2B5EF4-FFF2-40B4-BE49-F238E27FC236}">
+                    <a16:creationId xmlns:a16="http://schemas.microsoft.com/office/drawing/2014/main" id="{EDE5BDA4-337C-4257-8E54-B681DB7C8666}"/>
+                  </a:ext>
+                </a:extLst>
+              </p:cNvPr>
+              <p:cNvSpPr txBox="1"/>
+              <p:nvPr/>
+            </p:nvSpPr>
+            <p:spPr>
+              <a:xfrm>
+                <a:off x="5925815" y="2367481"/>
+                <a:ext cx="370614" cy="369332"/>
+              </a:xfrm>
+              <a:prstGeom prst="rect">
+                <a:avLst/>
+              </a:prstGeom>
+              <a:noFill/>
+            </p:spPr>
+            <p:txBody>
+              <a:bodyPr wrap="none" rtlCol="0">
+                <a:spAutoFit/>
+              </a:bodyPr>
+              <a:lstStyle/>
+              <a:p>
+                <a:r>
+                  <a:rPr lang="en-US" i="1" dirty="0"/>
+                  <a:t>LP</a:t>
+                </a:r>
+              </a:p>
+            </p:txBody>
+          </p:sp>
+          <p:sp>
+            <p:nvSpPr>
+              <p:cNvPr id="30" name="CuadroTexto 30">
+                <a:extLst>
+                  <a:ext uri="{FF2B5EF4-FFF2-40B4-BE49-F238E27FC236}">
+                    <a16:creationId xmlns:a16="http://schemas.microsoft.com/office/drawing/2014/main" id="{095C9F53-57A3-40B6-8B7A-4D447D65C850}"/>
+                  </a:ext>
+                </a:extLst>
+              </p:cNvPr>
+              <p:cNvSpPr txBox="1"/>
+              <p:nvPr/>
+            </p:nvSpPr>
+            <p:spPr>
+              <a:xfrm>
+                <a:off x="6146807" y="2802344"/>
+                <a:ext cx="614271" cy="369332"/>
+              </a:xfrm>
+              <a:prstGeom prst="rect">
+                <a:avLst/>
+              </a:prstGeom>
+              <a:noFill/>
+            </p:spPr>
+            <p:txBody>
+              <a:bodyPr wrap="none" rtlCol="0">
+                <a:spAutoFit/>
+              </a:bodyPr>
+              <a:lstStyle/>
+              <a:p>
+                <a:r>
+                  <a:rPr lang="en-US" i="1" dirty="0"/>
+                  <a:t>SOCP</a:t>
+                </a:r>
+              </a:p>
+            </p:txBody>
+          </p:sp>
+        </p:grpSp>
+        <p:sp>
+          <p:nvSpPr>
+            <p:cNvPr id="17" name="Rectángulo redondeado 1">
+              <a:extLst>
+                <a:ext uri="{FF2B5EF4-FFF2-40B4-BE49-F238E27FC236}">
+                  <a16:creationId xmlns:a16="http://schemas.microsoft.com/office/drawing/2014/main" id="{2C9FD4D8-8E25-410F-B067-A3D28D4C7382}"/>
+                </a:ext>
+              </a:extLst>
+            </p:cNvPr>
+            <p:cNvSpPr/>
+            <p:nvPr/>
+          </p:nvSpPr>
+          <p:spPr>
+            <a:xfrm>
+              <a:off x="5004048" y="670187"/>
+              <a:ext cx="2989672" cy="2758813"/>
+            </a:xfrm>
+            <a:prstGeom prst="roundRect">
+              <a:avLst/>
+            </a:prstGeom>
+            <a:noFill/>
+          </p:spPr>
+          <p:style>
+            <a:lnRef idx="2">
+              <a:schemeClr val="accent2"/>
+            </a:lnRef>
+            <a:fillRef idx="1">
+              <a:schemeClr val="lt1"/>
+            </a:fillRef>
+            <a:effectRef idx="0">
+              <a:schemeClr val="accent2"/>
+            </a:effectRef>
+            <a:fontRef idx="minor">
+              <a:schemeClr val="dk1"/>
+            </a:fontRef>
+          </p:style>
+          <p:txBody>
+            <a:bodyPr rtlCol="0" anchor="ctr"/>
+            <a:lstStyle/>
+            <a:p>
+              <a:pPr algn="ctr"/>
+              <a:endParaRPr lang="en-US"/>
+            </a:p>
+          </p:txBody>
+        </p:sp>
+        <p:sp>
+          <p:nvSpPr>
+            <p:cNvPr id="18" name="CuadroTexto 33">
+              <a:extLst>
+                <a:ext uri="{FF2B5EF4-FFF2-40B4-BE49-F238E27FC236}">
+                  <a16:creationId xmlns:a16="http://schemas.microsoft.com/office/drawing/2014/main" id="{DD2F662F-87F2-4749-9E16-6ED69C6AFBD0}"/>
+                </a:ext>
+              </a:extLst>
+            </p:cNvPr>
+            <p:cNvSpPr txBox="1"/>
+            <p:nvPr/>
+          </p:nvSpPr>
+          <p:spPr>
+            <a:xfrm>
+              <a:off x="5556658" y="620456"/>
+              <a:ext cx="1750544" cy="369332"/>
+            </a:xfrm>
+            <a:prstGeom prst="rect">
+              <a:avLst/>
+            </a:prstGeom>
+            <a:noFill/>
+          </p:spPr>
+          <p:txBody>
+            <a:bodyPr wrap="none" rtlCol="0">
+              <a:spAutoFit/>
+            </a:bodyPr>
+            <a:lstStyle/>
+            <a:p>
+              <a:r>
+                <a:rPr lang="en-US" i="1" dirty="0"/>
+                <a:t>Convex Optimization</a:t>
+              </a:r>
+            </a:p>
+          </p:txBody>
+        </p:sp>
+      </p:grpSp>
+    </p:spTree>
+    <p:extLst>
+      <p:ext uri="{BB962C8B-B14F-4D97-AF65-F5344CB8AC3E}">
+        <p14:creationId xmlns:p14="http://schemas.microsoft.com/office/powerpoint/2010/main" val="1471694031"/>
+      </p:ext>
+    </p:extLst>
+  </p:cSld>
+  <p:clrMapOvr>
+    <a:masterClrMapping/>
+  </p:clrMapOvr>
+  <p:transition spd="slow">
+    <p:fade/>
+  </p:transition>
+</p:sld>
+</file>
+
+<file path=ppt/slides/slide31.xml><?xml version="1.0" encoding="utf-8"?>
+<p:sld xmlns:a="http://schemas.openxmlformats.org/drawingml/2006/main" xmlns:r="http://schemas.openxmlformats.org/officeDocument/2006/relationships" xmlns:p="http://schemas.openxmlformats.org/presentationml/2006/main">
+  <p:cSld>
+    <p:spTree>
+      <p:nvGrpSpPr>
+        <p:cNvPr id="1" name=""/>
+        <p:cNvGrpSpPr/>
+        <p:nvPr/>
+      </p:nvGrpSpPr>
+      <p:grpSpPr>
+        <a:xfrm>
+          <a:off x="0" y="0"/>
+          <a:ext cx="0" cy="0"/>
+          <a:chOff x="0" y="0"/>
+          <a:chExt cx="0" cy="0"/>
+        </a:xfrm>
+      </p:grpSpPr>
+      <p:sp>
+        <p:nvSpPr>
+          <p:cNvPr id="2" name="Marcador de número de diapositiva 1"/>
+          <p:cNvSpPr>
+            <a:spLocks noGrp="1"/>
+          </p:cNvSpPr>
+          <p:nvPr>
+            <p:ph type="sldNum" sz="quarter" idx="12"/>
+          </p:nvPr>
+        </p:nvSpPr>
+        <p:spPr/>
+        <p:txBody>
+          <a:bodyPr/>
+          <a:lstStyle/>
+          <a:p>
+            <a:fld id="{64BD7E74-CBD2-4D88-9109-2EA8081AE675}" type="slidenum">
+              <a:rPr lang="es-ES" smtClean="0"/>
+              <a:pPr/>
+              <a:t>31</a:t>
+            </a:fld>
+            <a:endParaRPr lang="es-ES"/>
+          </a:p>
+        </p:txBody>
+      </p:sp>
+      <p:sp>
+        <p:nvSpPr>
+          <p:cNvPr id="3" name="4 Título"/>
+          <p:cNvSpPr txBox="1">
+            <a:spLocks/>
+          </p:cNvSpPr>
+          <p:nvPr/>
+        </p:nvSpPr>
+        <p:spPr>
+          <a:xfrm>
+            <a:off x="611560" y="188640"/>
+            <a:ext cx="8784976" cy="457120"/>
+          </a:xfrm>
+          <a:prstGeom prst="rect">
+            <a:avLst/>
+          </a:prstGeom>
+        </p:spPr>
+        <p:txBody>
+          <a:bodyPr bIns="91440" anchor="b" anchorCtr="0">
+            <a:noAutofit/>
+          </a:bodyPr>
+          <a:lstStyle>
+            <a:lvl1pPr>
+              <a:spcBef>
+                <a:spcPct val="0"/>
+              </a:spcBef>
+              <a:buNone/>
+              <a:defRPr kumimoji="0" sz="2400">
+                <a:ln w="0"/>
+                <a:solidFill>
+                  <a:schemeClr val="tx2"/>
+                </a:solidFill>
+                <a:effectLst>
+                  <a:outerShdw blurRad="38100" dist="19050" dir="2700000" algn="tl" rotWithShape="0">
+                    <a:schemeClr val="dk1">
+                      <a:alpha val="40000"/>
+                    </a:schemeClr>
+                  </a:outerShdw>
+                </a:effectLst>
+                <a:latin typeface="+mj-lt"/>
+                <a:ea typeface="+mj-ea"/>
+                <a:cs typeface="+mj-cs"/>
+              </a:defRPr>
+            </a:lvl1pPr>
+          </a:lstStyle>
+          <a:p>
+            <a:r>
+              <a:rPr lang="es-PE" altLang="en-US" dirty="0"/>
+              <a:t>Óptimo global vs óptimo local</a:t>
+            </a:r>
+          </a:p>
+        </p:txBody>
+      </p:sp>
+      <p:pic>
+        <p:nvPicPr>
+          <p:cNvPr id="5" name="Imagen 4"/>
+          <p:cNvPicPr>
+            <a:picLocks noChangeAspect="1"/>
+          </p:cNvPicPr>
+          <p:nvPr/>
+        </p:nvPicPr>
+        <p:blipFill rotWithShape="1">
+          <a:blip r:embed="rId2"/>
+          <a:srcRect t="-1" b="-293"/>
+          <a:stretch/>
+        </p:blipFill>
+        <p:spPr>
+          <a:xfrm>
+            <a:off x="1590488" y="2982430"/>
+            <a:ext cx="5195790" cy="2246769"/>
+          </a:xfrm>
+          <a:prstGeom prst="rect">
+            <a:avLst/>
+          </a:prstGeom>
+        </p:spPr>
+      </p:pic>
+      <mc:AlternateContent xmlns:mc="http://schemas.openxmlformats.org/markup-compatibility/2006" xmlns:a14="http://schemas.microsoft.com/office/drawing/2010/main">
+        <mc:Choice Requires="a14">
+          <p:sp>
+            <p:nvSpPr>
+              <p:cNvPr id="6" name="CuadroTexto 4">
+                <a:extLst>
+                  <a:ext uri="{FF2B5EF4-FFF2-40B4-BE49-F238E27FC236}">
+                    <a16:creationId xmlns:a16="http://schemas.microsoft.com/office/drawing/2014/main" id="{0EE2E59A-EFC5-4F7D-8B1B-CDE02E4D869C}"/>
+                  </a:ext>
+                </a:extLst>
+              </p:cNvPr>
+              <p:cNvSpPr txBox="1"/>
+              <p:nvPr/>
+            </p:nvSpPr>
+            <p:spPr>
+              <a:xfrm>
+                <a:off x="602191" y="836712"/>
+                <a:ext cx="8002257" cy="2246769"/>
+              </a:xfrm>
+              <a:prstGeom prst="rect">
+                <a:avLst/>
+              </a:prstGeom>
+              <a:noFill/>
+            </p:spPr>
+            <p:txBody>
+              <a:bodyPr wrap="square" rtlCol="0">
+                <a:spAutoFit/>
+              </a:bodyPr>
+              <a:lstStyle/>
+              <a:p>
+                <a:pPr marL="285750" indent="-285750">
+                  <a:buFont typeface="Arial" panose="020B0604020202020204" pitchFamily="34" charset="0"/>
+                  <a:buChar char="•"/>
+                </a:pPr>
+                <a:r>
+                  <a:rPr lang="es-MX" sz="2000" dirty="0"/>
+                  <a:t>Las solución x será un máximo local si </a:t>
+                </a:r>
+                <a14:m>
+                  <m:oMath xmlns:m="http://schemas.openxmlformats.org/officeDocument/2006/math">
+                    <m:r>
+                      <a:rPr lang="es-MX" sz="2000" i="1" dirty="0" smtClean="0">
+                        <a:latin typeface="Cambria Math" panose="02040503050406030204" pitchFamily="18" charset="0"/>
+                      </a:rPr>
+                      <m:t>𝑓</m:t>
+                    </m:r>
+                    <m:r>
+                      <a:rPr lang="es-MX" sz="2000" i="1" dirty="0" smtClean="0">
+                        <a:latin typeface="Cambria Math" panose="02040503050406030204" pitchFamily="18" charset="0"/>
+                      </a:rPr>
+                      <m:t>(</m:t>
+                    </m:r>
+                    <m:r>
+                      <a:rPr lang="es-MX" sz="2000" i="1" dirty="0" smtClean="0">
+                        <a:latin typeface="Cambria Math" panose="02040503050406030204" pitchFamily="18" charset="0"/>
+                      </a:rPr>
+                      <m:t>𝑥</m:t>
+                    </m:r>
+                    <m:r>
+                      <a:rPr lang="es-MX" sz="2000" i="1" dirty="0" smtClean="0">
+                        <a:latin typeface="Cambria Math" panose="02040503050406030204" pitchFamily="18" charset="0"/>
+                      </a:rPr>
+                      <m:t>)≥</m:t>
+                    </m:r>
+                    <m:r>
+                      <a:rPr lang="es-MX" sz="2000" i="1" dirty="0">
+                        <a:latin typeface="Cambria Math" panose="02040503050406030204" pitchFamily="18" charset="0"/>
+                      </a:rPr>
+                      <m:t>𝑓</m:t>
+                    </m:r>
+                    <m:r>
+                      <a:rPr lang="es-MX" sz="2000" i="1" dirty="0">
+                        <a:latin typeface="Cambria Math" panose="02040503050406030204" pitchFamily="18" charset="0"/>
+                      </a:rPr>
+                      <m:t>(</m:t>
+                    </m:r>
+                    <m:acc>
+                      <m:accPr>
+                        <m:chr m:val="̇"/>
+                        <m:ctrlPr>
+                          <a:rPr lang="es-MX" sz="2000" i="1" dirty="0" smtClean="0">
+                            <a:latin typeface="Cambria Math" panose="02040503050406030204" pitchFamily="18" charset="0"/>
+                          </a:rPr>
+                        </m:ctrlPr>
+                      </m:accPr>
+                      <m:e>
+                        <m:r>
+                          <a:rPr lang="es-PE" sz="2000" b="0" i="1" dirty="0" smtClean="0">
+                            <a:latin typeface="Cambria Math" panose="02040503050406030204" pitchFamily="18" charset="0"/>
+                          </a:rPr>
+                          <m:t>𝑥</m:t>
+                        </m:r>
+                      </m:e>
+                    </m:acc>
+                    <m:r>
+                      <a:rPr lang="es-MX" sz="2000" i="1" dirty="0">
+                        <a:latin typeface="Cambria Math" panose="02040503050406030204" pitchFamily="18" charset="0"/>
+                      </a:rPr>
+                      <m:t>)</m:t>
+                    </m:r>
+                  </m:oMath>
+                </a14:m>
+                <a:r>
+                  <a:rPr lang="es-MX" sz="2000" dirty="0"/>
+                  <a:t>, para todo </a:t>
+                </a:r>
+                <a14:m>
+                  <m:oMath xmlns:m="http://schemas.openxmlformats.org/officeDocument/2006/math">
+                    <m:acc>
+                      <m:accPr>
+                        <m:chr m:val="̇"/>
+                        <m:ctrlPr>
+                          <a:rPr lang="es-PE" sz="2000" i="1" dirty="0" smtClean="0">
+                            <a:latin typeface="Cambria Math" panose="02040503050406030204" pitchFamily="18" charset="0"/>
+                          </a:rPr>
+                        </m:ctrlPr>
+                      </m:accPr>
+                      <m:e>
+                        <m:r>
+                          <a:rPr lang="es-PE" sz="2000" b="0" i="1" dirty="0" smtClean="0">
+                            <a:latin typeface="Cambria Math" panose="02040503050406030204" pitchFamily="18" charset="0"/>
+                          </a:rPr>
+                          <m:t>𝑥</m:t>
+                        </m:r>
+                      </m:e>
+                    </m:acc>
+                  </m:oMath>
+                </a14:m>
+                <a:r>
+                  <a:rPr lang="es-MX" sz="2000" dirty="0"/>
+                  <a:t> alrededor a </a:t>
+                </a:r>
+                <a14:m>
+                  <m:oMath xmlns:m="http://schemas.openxmlformats.org/officeDocument/2006/math">
+                    <m:r>
+                      <a:rPr lang="es-PE" sz="2000" i="1" dirty="0">
+                        <a:latin typeface="Cambria Math" panose="02040503050406030204" pitchFamily="18" charset="0"/>
+                      </a:rPr>
+                      <m:t>𝑥</m:t>
+                    </m:r>
+                  </m:oMath>
+                </a14:m>
+                <a:r>
+                  <a:rPr lang="es-MX" sz="2000" dirty="0"/>
+                  <a:t>.</a:t>
+                </a:r>
+              </a:p>
+              <a:p>
+                <a:pPr marL="285750" indent="-285750">
+                  <a:buFont typeface="Arial" panose="020B0604020202020204" pitchFamily="34" charset="0"/>
+                  <a:buChar char="•"/>
+                </a:pPr>
+                <a:r>
+                  <a:rPr lang="es-MX" sz="2000" dirty="0"/>
+                  <a:t>Las solución x será un mínimo local si </a:t>
+                </a:r>
+                <a14:m>
+                  <m:oMath xmlns:m="http://schemas.openxmlformats.org/officeDocument/2006/math">
+                    <m:r>
+                      <a:rPr lang="es-MX" sz="2000" i="1" dirty="0">
+                        <a:latin typeface="Cambria Math" panose="02040503050406030204" pitchFamily="18" charset="0"/>
+                      </a:rPr>
+                      <m:t>𝑓</m:t>
+                    </m:r>
+                    <m:r>
+                      <a:rPr lang="es-MX" sz="2000" i="1" dirty="0">
+                        <a:latin typeface="Cambria Math" panose="02040503050406030204" pitchFamily="18" charset="0"/>
+                      </a:rPr>
+                      <m:t>(</m:t>
+                    </m:r>
+                    <m:r>
+                      <a:rPr lang="es-MX" sz="2000" i="1" dirty="0">
+                        <a:latin typeface="Cambria Math" panose="02040503050406030204" pitchFamily="18" charset="0"/>
+                      </a:rPr>
+                      <m:t>𝑥</m:t>
+                    </m:r>
+                    <m:r>
+                      <a:rPr lang="es-MX" sz="2000" i="1" dirty="0">
+                        <a:latin typeface="Cambria Math" panose="02040503050406030204" pitchFamily="18" charset="0"/>
+                      </a:rPr>
+                      <m:t>)≤</m:t>
+                    </m:r>
+                    <m:r>
+                      <a:rPr lang="es-MX" sz="2000" i="1" dirty="0">
+                        <a:latin typeface="Cambria Math" panose="02040503050406030204" pitchFamily="18" charset="0"/>
+                      </a:rPr>
+                      <m:t>𝑓</m:t>
+                    </m:r>
+                    <m:r>
+                      <a:rPr lang="es-MX" sz="2000" i="1" dirty="0">
+                        <a:latin typeface="Cambria Math" panose="02040503050406030204" pitchFamily="18" charset="0"/>
+                      </a:rPr>
+                      <m:t>(</m:t>
+                    </m:r>
+                    <m:acc>
+                      <m:accPr>
+                        <m:chr m:val="̇"/>
+                        <m:ctrlPr>
+                          <a:rPr lang="es-MX" sz="2000" i="1" dirty="0">
+                            <a:latin typeface="Cambria Math" panose="02040503050406030204" pitchFamily="18" charset="0"/>
+                          </a:rPr>
+                        </m:ctrlPr>
+                      </m:accPr>
+                      <m:e>
+                        <m:r>
+                          <a:rPr lang="es-PE" sz="2000" i="1" dirty="0">
+                            <a:latin typeface="Cambria Math" panose="02040503050406030204" pitchFamily="18" charset="0"/>
+                          </a:rPr>
+                          <m:t>𝑥</m:t>
+                        </m:r>
+                      </m:e>
+                    </m:acc>
+                    <m:r>
+                      <a:rPr lang="es-MX" sz="2000" i="1" dirty="0">
+                        <a:latin typeface="Cambria Math" panose="02040503050406030204" pitchFamily="18" charset="0"/>
+                      </a:rPr>
+                      <m:t>)</m:t>
+                    </m:r>
+                  </m:oMath>
+                </a14:m>
+                <a:r>
+                  <a:rPr lang="es-MX" sz="2000" dirty="0"/>
+                  <a:t>, para todo </a:t>
+                </a:r>
+                <a14:m>
+                  <m:oMath xmlns:m="http://schemas.openxmlformats.org/officeDocument/2006/math">
+                    <m:acc>
+                      <m:accPr>
+                        <m:chr m:val="̇"/>
+                        <m:ctrlPr>
+                          <a:rPr lang="es-PE" sz="2000" i="1" dirty="0">
+                            <a:latin typeface="Cambria Math" panose="02040503050406030204" pitchFamily="18" charset="0"/>
+                          </a:rPr>
+                        </m:ctrlPr>
+                      </m:accPr>
+                      <m:e>
+                        <m:r>
+                          <a:rPr lang="es-PE" sz="2000" i="1" dirty="0">
+                            <a:latin typeface="Cambria Math" panose="02040503050406030204" pitchFamily="18" charset="0"/>
+                          </a:rPr>
+                          <m:t>𝑥</m:t>
+                        </m:r>
+                      </m:e>
+                    </m:acc>
+                  </m:oMath>
+                </a14:m>
+                <a:r>
+                  <a:rPr lang="es-MX" sz="2000" dirty="0"/>
+                  <a:t> alrededor a </a:t>
+                </a:r>
+                <a14:m>
+                  <m:oMath xmlns:m="http://schemas.openxmlformats.org/officeDocument/2006/math">
+                    <m:r>
+                      <a:rPr lang="es-PE" sz="2000" i="1" dirty="0">
+                        <a:latin typeface="Cambria Math" panose="02040503050406030204" pitchFamily="18" charset="0"/>
+                      </a:rPr>
+                      <m:t>𝑥</m:t>
+                    </m:r>
+                  </m:oMath>
+                </a14:m>
+                <a:r>
+                  <a:rPr lang="es-MX" sz="2000" dirty="0"/>
+                  <a:t>.</a:t>
+                </a:r>
+              </a:p>
+              <a:p>
+                <a:pPr marL="285750" indent="-285750">
+                  <a:buFont typeface="Arial" panose="020B0604020202020204" pitchFamily="34" charset="0"/>
+                  <a:buChar char="•"/>
+                </a:pPr>
+                <a:r>
+                  <a:rPr lang="es-MX" sz="2000" dirty="0"/>
+                  <a:t>Las solución x será un máximo global si </a:t>
+                </a:r>
+                <a14:m>
+                  <m:oMath xmlns:m="http://schemas.openxmlformats.org/officeDocument/2006/math">
+                    <m:r>
+                      <a:rPr lang="es-MX" sz="2000" i="1" dirty="0">
+                        <a:latin typeface="Cambria Math" panose="02040503050406030204" pitchFamily="18" charset="0"/>
+                      </a:rPr>
+                      <m:t>𝑓</m:t>
+                    </m:r>
+                    <m:r>
+                      <a:rPr lang="es-MX" sz="2000" i="1" dirty="0">
+                        <a:latin typeface="Cambria Math" panose="02040503050406030204" pitchFamily="18" charset="0"/>
+                      </a:rPr>
+                      <m:t>(</m:t>
+                    </m:r>
+                    <m:r>
+                      <a:rPr lang="es-MX" sz="2000" i="1" dirty="0">
+                        <a:latin typeface="Cambria Math" panose="02040503050406030204" pitchFamily="18" charset="0"/>
+                      </a:rPr>
+                      <m:t>𝑥</m:t>
+                    </m:r>
+                    <m:r>
+                      <a:rPr lang="es-MX" sz="2000" i="1" dirty="0">
+                        <a:latin typeface="Cambria Math" panose="02040503050406030204" pitchFamily="18" charset="0"/>
+                      </a:rPr>
+                      <m:t>)≥</m:t>
+                    </m:r>
+                    <m:r>
+                      <a:rPr lang="es-MX" sz="2000" i="1" dirty="0">
+                        <a:latin typeface="Cambria Math" panose="02040503050406030204" pitchFamily="18" charset="0"/>
+                      </a:rPr>
+                      <m:t>𝑓</m:t>
+                    </m:r>
+                    <m:r>
+                      <a:rPr lang="es-MX" sz="2000" i="1" dirty="0">
+                        <a:latin typeface="Cambria Math" panose="02040503050406030204" pitchFamily="18" charset="0"/>
+                      </a:rPr>
+                      <m:t>(</m:t>
+                    </m:r>
+                    <m:acc>
+                      <m:accPr>
+                        <m:chr m:val="̇"/>
+                        <m:ctrlPr>
+                          <a:rPr lang="es-MX" sz="2000" i="1" dirty="0">
+                            <a:latin typeface="Cambria Math" panose="02040503050406030204" pitchFamily="18" charset="0"/>
+                          </a:rPr>
+                        </m:ctrlPr>
+                      </m:accPr>
+                      <m:e>
+                        <m:r>
+                          <a:rPr lang="es-PE" sz="2000" i="1" dirty="0">
+                            <a:latin typeface="Cambria Math" panose="02040503050406030204" pitchFamily="18" charset="0"/>
+                          </a:rPr>
+                          <m:t>𝑥</m:t>
+                        </m:r>
+                      </m:e>
+                    </m:acc>
+                    <m:r>
+                      <a:rPr lang="es-MX" sz="2000" i="1" dirty="0">
+                        <a:latin typeface="Cambria Math" panose="02040503050406030204" pitchFamily="18" charset="0"/>
+                      </a:rPr>
+                      <m:t>)</m:t>
+                    </m:r>
+                  </m:oMath>
+                </a14:m>
+                <a:r>
+                  <a:rPr lang="es-MX" sz="2000" dirty="0"/>
+                  <a:t>, para todo </a:t>
+                </a:r>
+                <a14:m>
+                  <m:oMath xmlns:m="http://schemas.openxmlformats.org/officeDocument/2006/math">
+                    <m:acc>
+                      <m:accPr>
+                        <m:chr m:val="̇"/>
+                        <m:ctrlPr>
+                          <a:rPr lang="es-PE" sz="2000" i="1" dirty="0">
+                            <a:latin typeface="Cambria Math" panose="02040503050406030204" pitchFamily="18" charset="0"/>
+                          </a:rPr>
+                        </m:ctrlPr>
+                      </m:accPr>
+                      <m:e>
+                        <m:r>
+                          <a:rPr lang="es-PE" sz="2000" i="1" dirty="0">
+                            <a:latin typeface="Cambria Math" panose="02040503050406030204" pitchFamily="18" charset="0"/>
+                          </a:rPr>
+                          <m:t>𝑥</m:t>
+                        </m:r>
+                      </m:e>
+                    </m:acc>
+                  </m:oMath>
+                </a14:m>
+                <a:r>
+                  <a:rPr lang="es-MX" sz="2000" dirty="0"/>
+                  <a:t> de </a:t>
+                </a:r>
+                <a14:m>
+                  <m:oMath xmlns:m="http://schemas.openxmlformats.org/officeDocument/2006/math">
+                    <m:r>
+                      <a:rPr lang="es-PE" sz="2000" i="1" dirty="0">
+                        <a:latin typeface="Cambria Math" panose="02040503050406030204" pitchFamily="18" charset="0"/>
+                      </a:rPr>
+                      <m:t>𝑥</m:t>
+                    </m:r>
+                  </m:oMath>
+                </a14:m>
+                <a:r>
+                  <a:rPr lang="es-MX" sz="2000" dirty="0"/>
+                  <a:t>.</a:t>
+                </a:r>
+              </a:p>
+              <a:p>
+                <a:pPr marL="285750" indent="-285750">
+                  <a:buFont typeface="Arial" panose="020B0604020202020204" pitchFamily="34" charset="0"/>
+                  <a:buChar char="•"/>
+                </a:pPr>
+                <a:r>
+                  <a:rPr lang="es-MX" sz="2000" dirty="0"/>
+                  <a:t>Las solución x será un mínimo global si </a:t>
+                </a:r>
+                <a14:m>
+                  <m:oMath xmlns:m="http://schemas.openxmlformats.org/officeDocument/2006/math">
+                    <m:r>
+                      <a:rPr lang="es-MX" sz="2000" i="1" dirty="0">
+                        <a:latin typeface="Cambria Math" panose="02040503050406030204" pitchFamily="18" charset="0"/>
+                      </a:rPr>
+                      <m:t>𝑓</m:t>
+                    </m:r>
+                    <m:r>
+                      <a:rPr lang="es-MX" sz="2000" i="1" dirty="0">
+                        <a:latin typeface="Cambria Math" panose="02040503050406030204" pitchFamily="18" charset="0"/>
+                      </a:rPr>
+                      <m:t>(</m:t>
+                    </m:r>
+                    <m:r>
+                      <a:rPr lang="es-MX" sz="2000" i="1" dirty="0">
+                        <a:latin typeface="Cambria Math" panose="02040503050406030204" pitchFamily="18" charset="0"/>
+                      </a:rPr>
+                      <m:t>𝑥</m:t>
+                    </m:r>
+                    <m:r>
+                      <a:rPr lang="es-MX" sz="2000" i="1" dirty="0">
+                        <a:latin typeface="Cambria Math" panose="02040503050406030204" pitchFamily="18" charset="0"/>
+                      </a:rPr>
+                      <m:t>)≤</m:t>
+                    </m:r>
+                    <m:r>
+                      <a:rPr lang="es-MX" sz="2000" i="1" dirty="0">
+                        <a:latin typeface="Cambria Math" panose="02040503050406030204" pitchFamily="18" charset="0"/>
+                      </a:rPr>
+                      <m:t>𝑓</m:t>
+                    </m:r>
+                    <m:r>
+                      <a:rPr lang="es-MX" sz="2000" i="1" dirty="0">
+                        <a:latin typeface="Cambria Math" panose="02040503050406030204" pitchFamily="18" charset="0"/>
+                      </a:rPr>
+                      <m:t>(</m:t>
+                    </m:r>
+                    <m:acc>
+                      <m:accPr>
+                        <m:chr m:val="̇"/>
+                        <m:ctrlPr>
+                          <a:rPr lang="es-MX" sz="2000" i="1" dirty="0">
+                            <a:latin typeface="Cambria Math" panose="02040503050406030204" pitchFamily="18" charset="0"/>
+                          </a:rPr>
+                        </m:ctrlPr>
+                      </m:accPr>
+                      <m:e>
+                        <m:r>
+                          <a:rPr lang="es-PE" sz="2000" i="1" dirty="0">
+                            <a:latin typeface="Cambria Math" panose="02040503050406030204" pitchFamily="18" charset="0"/>
+                          </a:rPr>
+                          <m:t>𝑥</m:t>
+                        </m:r>
+                      </m:e>
+                    </m:acc>
+                    <m:r>
+                      <a:rPr lang="es-MX" sz="2000" i="1" dirty="0">
+                        <a:latin typeface="Cambria Math" panose="02040503050406030204" pitchFamily="18" charset="0"/>
+                      </a:rPr>
+                      <m:t>)</m:t>
+                    </m:r>
+                  </m:oMath>
+                </a14:m>
+                <a:r>
+                  <a:rPr lang="es-MX" sz="2000" dirty="0"/>
+                  <a:t>, para todo </a:t>
+                </a:r>
+                <a14:m>
+                  <m:oMath xmlns:m="http://schemas.openxmlformats.org/officeDocument/2006/math">
+                    <m:acc>
+                      <m:accPr>
+                        <m:chr m:val="̇"/>
+                        <m:ctrlPr>
+                          <a:rPr lang="es-PE" sz="2000" i="1" dirty="0">
+                            <a:latin typeface="Cambria Math" panose="02040503050406030204" pitchFamily="18" charset="0"/>
+                          </a:rPr>
+                        </m:ctrlPr>
+                      </m:accPr>
+                      <m:e>
+                        <m:r>
+                          <a:rPr lang="es-PE" sz="2000" i="1" dirty="0">
+                            <a:latin typeface="Cambria Math" panose="02040503050406030204" pitchFamily="18" charset="0"/>
+                          </a:rPr>
+                          <m:t>𝑥</m:t>
+                        </m:r>
+                      </m:e>
+                    </m:acc>
+                  </m:oMath>
+                </a14:m>
+                <a:r>
+                  <a:rPr lang="es-MX" sz="2000" dirty="0"/>
+                  <a:t> de </a:t>
+                </a:r>
+                <a14:m>
+                  <m:oMath xmlns:m="http://schemas.openxmlformats.org/officeDocument/2006/math">
+                    <m:r>
+                      <a:rPr lang="es-PE" sz="2000" i="1" dirty="0">
+                        <a:latin typeface="Cambria Math" panose="02040503050406030204" pitchFamily="18" charset="0"/>
+                      </a:rPr>
+                      <m:t>𝑥</m:t>
+                    </m:r>
+                  </m:oMath>
+                </a14:m>
+                <a:r>
+                  <a:rPr lang="es-MX" sz="2000" dirty="0"/>
+                  <a:t>.</a:t>
+                </a:r>
+              </a:p>
+              <a:p>
+                <a:pPr marL="285750" indent="-285750">
+                  <a:buFont typeface="Arial" panose="020B0604020202020204" pitchFamily="34" charset="0"/>
+                  <a:buChar char="•"/>
+                </a:pPr>
+                <a:endParaRPr lang="es-MX" sz="2000" dirty="0"/>
+              </a:p>
+              <a:p>
+                <a:pPr marL="285750" indent="-285750">
+                  <a:buFont typeface="Arial" panose="020B0604020202020204" pitchFamily="34" charset="0"/>
+                  <a:buChar char="•"/>
+                </a:pPr>
+                <a:endParaRPr lang="es-MX" sz="2000" dirty="0"/>
+              </a:p>
+              <a:p>
+                <a:pPr marL="285750" indent="-285750">
+                  <a:buFont typeface="Arial" panose="020B0604020202020204" pitchFamily="34" charset="0"/>
+                  <a:buChar char="•"/>
+                </a:pPr>
+                <a:endParaRPr lang="es-MX" sz="2000" dirty="0"/>
+              </a:p>
+            </p:txBody>
+          </p:sp>
+        </mc:Choice>
+        <mc:Fallback xmlns="">
+          <p:sp>
+            <p:nvSpPr>
+              <p:cNvPr id="6" name="CuadroTexto 4">
+                <a:extLst>
+                  <a:ext uri="{FF2B5EF4-FFF2-40B4-BE49-F238E27FC236}">
+                    <a16:creationId xmlns:a16="http://schemas.microsoft.com/office/drawing/2014/main" xmlns="" id="{0EE2E59A-EFC5-4F7D-8B1B-CDE02E4D869C}"/>
+                  </a:ext>
+                </a:extLst>
+              </p:cNvPr>
+              <p:cNvSpPr txBox="1">
+                <a:spLocks noRot="1" noChangeAspect="1" noMove="1" noResize="1" noEditPoints="1" noAdjustHandles="1" noChangeArrowheads="1" noChangeShapeType="1" noTextEdit="1"/>
+              </p:cNvSpPr>
+              <p:nvPr/>
+            </p:nvSpPr>
+            <p:spPr>
+              <a:xfrm>
+                <a:off x="602191" y="836712"/>
+                <a:ext cx="8002257" cy="2246769"/>
+              </a:xfrm>
+              <a:prstGeom prst="rect">
+                <a:avLst/>
+              </a:prstGeom>
+              <a:blipFill rotWithShape="0">
+                <a:blip r:embed="rId3"/>
+                <a:stretch>
+                  <a:fillRect l="-686" t="-1355"/>
+                </a:stretch>
+              </a:blipFill>
+            </p:spPr>
+            <p:txBody>
+              <a:bodyPr/>
+              <a:lstStyle/>
+              <a:p>
+                <a:r>
+                  <a:rPr lang="es-PE">
+                    <a:noFill/>
+                  </a:rPr>
+                  <a:t> </a:t>
+                </a:r>
+              </a:p>
+            </p:txBody>
+          </p:sp>
+        </mc:Fallback>
+      </mc:AlternateContent>
+    </p:spTree>
+    <p:extLst>
+      <p:ext uri="{BB962C8B-B14F-4D97-AF65-F5344CB8AC3E}">
+        <p14:creationId xmlns:p14="http://schemas.microsoft.com/office/powerpoint/2010/main" val="103054465"/>
       </p:ext>
     </p:extLst>
   </p:cSld>
@@ -8035,8 +15414,8 @@
           </a:p>
         </p:txBody>
       </p:sp>
-      <mc:AlternateContent xmlns:mc="http://schemas.openxmlformats.org/markup-compatibility/2006" xmlns:a14="http://schemas.microsoft.com/office/drawing/2010/main">
-        <mc:Choice Requires="a14">
+      <mc:AlternateContent xmlns:mc="http://schemas.openxmlformats.org/markup-compatibility/2006">
+        <mc:Choice xmlns:a14="http://schemas.microsoft.com/office/drawing/2010/main" Requires="a14">
           <p:sp>
             <p:nvSpPr>
               <p:cNvPr id="5" name="CuadroTexto 4"/>
@@ -8096,7 +15475,7 @@
                 </a:pPr>
                 <a:r>
                   <a:rPr lang="es-MX" sz="2000" dirty="0"/>
-                  <a:t>2 generadores termoeléctricos</a:t>
+                  <a:t>2 generadores termoeléctricos.</a:t>
                 </a:r>
               </a:p>
               <a:p>
@@ -8106,7 +15485,7 @@
                 </a:pPr>
                 <a:r>
                   <a:rPr lang="es-MX" sz="2000" dirty="0"/>
-                  <a:t>1 generador eólico</a:t>
+                  <a:t>1 generador eólico.</a:t>
                 </a:r>
               </a:p>
               <a:p>
@@ -8123,7 +15502,7 @@
             </p:txBody>
           </p:sp>
         </mc:Choice>
-        <mc:Fallback xmlns="">
+        <mc:Fallback>
           <p:sp>
             <p:nvSpPr>
               <p:cNvPr id="5" name="CuadroTexto 4"/>
@@ -8152,7 +15531,7 @@
               <a:lstStyle/>
               <a:p>
                 <a:r>
-                  <a:rPr lang="es-PE">
+                  <a:rPr lang="en-US">
                     <a:noFill/>
                   </a:rPr>
                   <a:t> </a:t>
@@ -9332,7 +16711,7 @@
         <p:spPr>
           <a:xfrm>
             <a:off x="602191" y="620688"/>
-            <a:ext cx="8002257" cy="3724096"/>
+            <a:ext cx="8002257" cy="4524315"/>
           </a:xfrm>
           <a:prstGeom prst="rect">
             <a:avLst/>
@@ -9357,7 +16736,7 @@
           <a:p>
             <a:pPr lvl="1" algn="just"/>
             <a:r>
-              <a:rPr lang="es-MX" sz="2000" dirty="0"/>
+              <a:rPr lang="es-MX" sz="2400" dirty="0"/>
               <a:t>Proceso de abstracción de la realidad hacia formas matemáticas para representar partes de ella (como ejemplo, se tiene: la planificación de la política económica de un país). Este proceso es llevado a cabo para facilitar la comprensión y/o estudio de las características de dicha realidad.</a:t>
             </a:r>
           </a:p>
@@ -9377,7 +16756,7 @@
               <a:buChar char="•"/>
             </a:pPr>
             <a:r>
-              <a:rPr lang="es-MX" sz="2000" dirty="0"/>
+              <a:rPr lang="es-MX" sz="2400" dirty="0"/>
               <a:t>Representación simplificada de una realidad</a:t>
             </a:r>
           </a:p>
@@ -9387,7 +16766,7 @@
               <a:buChar char="•"/>
             </a:pPr>
             <a:r>
-              <a:rPr lang="es-MX" sz="2000" dirty="0"/>
+              <a:rPr lang="es-MX" sz="2400" dirty="0"/>
               <a:t>Herramienta ayuda para la toma de decisiones</a:t>
             </a:r>
           </a:p>
@@ -9397,7 +16776,7 @@
               <a:buChar char="•"/>
             </a:pPr>
             <a:r>
-              <a:rPr lang="es-MX" sz="2000" dirty="0"/>
+              <a:rPr lang="es-MX" sz="2400" dirty="0"/>
               <a:t>Puede necesitar un equipo interdisciplinario</a:t>
             </a:r>
           </a:p>
@@ -9426,7 +16805,7 @@
             </a:r>
             <a:r>
               <a:rPr lang="es-MX" sz="2400" dirty="0"/>
-              <a:t> conocimiento de la realidad del problema</a:t>
+              <a:t> conocimiento de la realidad del problema.</a:t>
             </a:r>
           </a:p>
         </p:txBody>
@@ -9569,7 +16948,7 @@
             </a:pPr>
             <a:r>
               <a:rPr lang="es-MX" sz="2000" dirty="0"/>
-              <a:t>Equilibrio entre una representación detallada y capacidad de obtener una solución</a:t>
+              <a:t>Equilibrio entre una representación detallada y capacidad de obtener una solución.</a:t>
             </a:r>
           </a:p>
           <a:p>
@@ -9609,7 +16988,7 @@
             </a:pPr>
             <a:r>
               <a:rPr lang="es-MX" sz="2000" dirty="0"/>
-              <a:t>Rudimentario, muchos métodos por el que se puede ser resuelto. Sin embargo, es posible obtener una solución que no se adecue a la realidad</a:t>
+              <a:t>Rudimentario, muchos métodos por el que se puede ser resuelto. Sin embargo, es posible obtener una solución que no se adecue a la realidad.</a:t>
             </a:r>
           </a:p>
         </p:txBody>
@@ -9652,7 +17031,7 @@
             </a:pPr>
             <a:r>
               <a:rPr lang="es-MX" sz="2000" dirty="0"/>
-              <a:t>Definición defectuosa del problema</a:t>
+              <a:t>Definición defectuosa del problema.</a:t>
             </a:r>
           </a:p>
           <a:p>
@@ -9662,7 +17041,7 @@
             </a:pPr>
             <a:r>
               <a:rPr lang="es-PE" sz="2000" dirty="0"/>
-              <a:t>Falta de experiencia y capacitación del modelador</a:t>
+              <a:t>Falta de experiencia y capacitación del modelador.</a:t>
             </a:r>
           </a:p>
           <a:p>
@@ -9827,7 +17206,7 @@
           <a:p>
             <a:r>
               <a:rPr lang="es-PE" altLang="en-US" dirty="0"/>
-              <a:t>Modelamiento matemático: Clasificación &amp; Etapas</a:t>
+              <a:t>Modelamiento matemático: Clasificación &amp; Composición</a:t>
             </a:r>
           </a:p>
         </p:txBody>
@@ -10801,7 +18180,7 @@
             </a:r>
             <a:r>
               <a:rPr lang="es-PE" sz="2400" dirty="0"/>
-              <a:t> del problema</a:t>
+              <a:t> del problema.</a:t>
             </a:r>
           </a:p>
           <a:p>
@@ -10819,7 +18198,7 @@
             </a:r>
             <a:r>
               <a:rPr lang="es-PE" sz="2400" dirty="0"/>
-              <a:t> del problema</a:t>
+              <a:t> del problema.</a:t>
             </a:r>
           </a:p>
           <a:p>
@@ -10837,7 +18216,7 @@
             </a:r>
             <a:r>
               <a:rPr lang="es-PE" sz="2400" dirty="0"/>
-              <a:t> de la información a términos precisos para identificar las características del problema</a:t>
+              <a:t> de la información a términos precisos para identificar las características del problema.</a:t>
             </a:r>
           </a:p>
           <a:p>
@@ -10855,7 +18234,7 @@
             </a:r>
             <a:r>
               <a:rPr lang="es-PE" sz="2400" dirty="0"/>
-              <a:t>es vital, pueden ser un problema</a:t>
+              <a:t>es vital, pueden ser un problema.</a:t>
             </a:r>
           </a:p>
           <a:p>
@@ -10865,7 +18244,7 @@
             </a:pPr>
             <a:r>
               <a:rPr lang="es-PE" sz="2400" dirty="0"/>
-              <a:t>Podemos tener el mejor modelo pero no va a servir si no tenemos información de calidad (refinados)</a:t>
+              <a:t>Podemos tener el mejor modelo pero no va a servir si no tenemos información de calidad (refinados).</a:t>
             </a:r>
           </a:p>
           <a:p>
@@ -10883,7 +18262,7 @@
             </a:r>
             <a:r>
               <a:rPr lang="es-PE" sz="2400" dirty="0"/>
-              <a:t> del modelo acorde a los recursos computacionales disponibles</a:t>
+              <a:t> del modelo acorde a los recursos computacionales disponibles.</a:t>
             </a:r>
           </a:p>
         </p:txBody>
@@ -11026,7 +18405,15 @@
             </a:pPr>
             <a:r>
               <a:rPr lang="es-PE" sz="2400" dirty="0"/>
-              <a:t>Definición de:</a:t>
+              <a:t>Se definen cual </a:t>
+            </a:r>
+            <a:r>
+              <a:rPr lang="es-PE" sz="2400" dirty="0" err="1"/>
+              <a:t>és</a:t>
+            </a:r>
+            <a:r>
+              <a:rPr lang="es-PE" sz="2400" dirty="0"/>
+              <a:t>:</a:t>
             </a:r>
           </a:p>
           <a:p>
@@ -11084,7 +18471,7 @@
             </a:r>
             <a:r>
               <a:rPr lang="es-PE" sz="2400" dirty="0"/>
-              <a:t> en orden de mantener la complejidad del problema</a:t>
+              <a:t> en orden de mantener la complejidad del problema.</a:t>
             </a:r>
           </a:p>
           <a:p>

--- a/1. Lectures/Introducción a la Optimización aplicada a Sistemas de Energía Eléctrica/Dia 1/2. Modelamiento & Optimización.pptx
+++ b/1. Lectures/Introducción a la Optimización aplicada a Sistemas de Energía Eléctrica/Dia 1/2. Modelamiento & Optimización.pptx
@@ -351,7 +351,7 @@
             <a:fld id="{27A565BD-2940-4473-877F-C1308FF5E531}" type="slidenum">
               <a:rPr lang="es-ES" smtClean="0"/>
               <a:pPr/>
-              <a:t>‹nº›</a:t>
+              <a:t>‹Nº›</a:t>
             </a:fld>
             <a:endParaRPr lang="es-ES"/>
           </a:p>
@@ -614,7 +614,7 @@
             <a:fld id="{8AD6E850-6E96-4E89-86F1-2DE46BB95531}" type="slidenum">
               <a:rPr lang="es-ES" smtClean="0"/>
               <a:pPr/>
-              <a:t>‹nº›</a:t>
+              <a:t>‹Nº›</a:t>
             </a:fld>
             <a:endParaRPr lang="es-ES"/>
           </a:p>
@@ -1036,7 +1036,7 @@
             <a:fld id="{64BD7E74-CBD2-4D88-9109-2EA8081AE675}" type="slidenum">
               <a:rPr lang="es-ES" smtClean="0"/>
               <a:pPr/>
-              <a:t>‹nº›</a:t>
+              <a:t>‹Nº›</a:t>
             </a:fld>
             <a:endParaRPr lang="es-ES"/>
           </a:p>
@@ -1466,7 +1466,7 @@
             <a:fld id="{64BD7E74-CBD2-4D88-9109-2EA8081AE675}" type="slidenum">
               <a:rPr lang="es-ES" smtClean="0"/>
               <a:pPr/>
-              <a:t>‹nº›</a:t>
+              <a:t>‹Nº›</a:t>
             </a:fld>
             <a:endParaRPr lang="es-ES"/>
           </a:p>
@@ -1657,7 +1657,7 @@
             <a:fld id="{64BD7E74-CBD2-4D88-9109-2EA8081AE675}" type="slidenum">
               <a:rPr lang="es-ES" smtClean="0"/>
               <a:pPr/>
-              <a:t>‹nº›</a:t>
+              <a:t>‹Nº›</a:t>
             </a:fld>
             <a:endParaRPr lang="es-ES"/>
           </a:p>
@@ -1795,7 +1795,7 @@
             <a:fld id="{64BD7E74-CBD2-4D88-9109-2EA8081AE675}" type="slidenum">
               <a:rPr lang="es-ES" smtClean="0"/>
               <a:pPr/>
-              <a:t>‹nº›</a:t>
+              <a:t>‹Nº›</a:t>
             </a:fld>
             <a:endParaRPr lang="es-ES"/>
           </a:p>
@@ -2316,7 +2316,7 @@
             <a:fld id="{64BD7E74-CBD2-4D88-9109-2EA8081AE675}" type="slidenum">
               <a:rPr lang="es-ES" smtClean="0"/>
               <a:pPr/>
-              <a:t>‹nº›</a:t>
+              <a:t>‹Nº›</a:t>
             </a:fld>
             <a:endParaRPr lang="es-ES"/>
           </a:p>
@@ -2445,7 +2445,7 @@
             <a:fld id="{64BD7E74-CBD2-4D88-9109-2EA8081AE675}" type="slidenum">
               <a:rPr lang="es-ES" smtClean="0"/>
               <a:pPr/>
-              <a:t>‹nº›</a:t>
+              <a:t>‹Nº›</a:t>
             </a:fld>
             <a:endParaRPr lang="es-ES"/>
           </a:p>
@@ -2823,7 +2823,7 @@
             <a:fld id="{64BD7E74-CBD2-4D88-9109-2EA8081AE675}" type="slidenum">
               <a:rPr lang="es-ES" smtClean="0"/>
               <a:pPr/>
-              <a:t>‹nº›</a:t>
+              <a:t>‹Nº›</a:t>
             </a:fld>
             <a:endParaRPr lang="es-ES"/>
           </a:p>
@@ -3076,7 +3076,7 @@
             <a:fld id="{64BD7E74-CBD2-4D88-9109-2EA8081AE675}" type="slidenum">
               <a:rPr lang="es-ES" smtClean="0"/>
               <a:pPr/>
-              <a:t>‹nº›</a:t>
+              <a:t>‹Nº›</a:t>
             </a:fld>
             <a:endParaRPr lang="es-ES"/>
           </a:p>
@@ -3212,7 +3212,7 @@
             <a:fld id="{64BD7E74-CBD2-4D88-9109-2EA8081AE675}" type="slidenum">
               <a:rPr lang="es-ES" smtClean="0"/>
               <a:pPr/>
-              <a:t>‹nº›</a:t>
+              <a:t>‹Nº›</a:t>
             </a:fld>
             <a:endParaRPr lang="es-ES"/>
           </a:p>
@@ -3495,7 +3495,7 @@
             <a:fld id="{64BD7E74-CBD2-4D88-9109-2EA8081AE675}" type="slidenum">
               <a:rPr lang="es-ES" smtClean="0"/>
               <a:pPr/>
-              <a:t>‹nº›</a:t>
+              <a:t>‹Nº›</a:t>
             </a:fld>
             <a:endParaRPr lang="es-ES"/>
           </a:p>
@@ -3744,7 +3744,7 @@
             <a:fld id="{64BD7E74-CBD2-4D88-9109-2EA8081AE675}" type="slidenum">
               <a:rPr lang="es-ES" smtClean="0"/>
               <a:pPr/>
-              <a:t>‹nº›</a:t>
+              <a:t>‹Nº›</a:t>
             </a:fld>
             <a:endParaRPr lang="es-ES"/>
           </a:p>
@@ -4216,7 +4216,7 @@
             <a:fld id="{64BD7E74-CBD2-4D88-9109-2EA8081AE675}" type="slidenum">
               <a:rPr lang="es-ES" smtClean="0"/>
               <a:pPr/>
-              <a:t>‹nº›</a:t>
+              <a:t>‹Nº›</a:t>
             </a:fld>
             <a:endParaRPr lang="es-ES" dirty="0"/>
           </a:p>
@@ -7982,8 +7982,8 @@
           </a:p>
         </p:txBody>
       </p:sp>
-      <mc:AlternateContent xmlns:mc="http://schemas.openxmlformats.org/markup-compatibility/2006">
-        <mc:Choice xmlns:a14="http://schemas.microsoft.com/office/drawing/2010/main" Requires="a14">
+      <mc:AlternateContent xmlns:mc="http://schemas.openxmlformats.org/markup-compatibility/2006" xmlns:a14="http://schemas.microsoft.com/office/drawing/2010/main">
+        <mc:Choice Requires="a14">
           <p:sp>
             <p:nvSpPr>
               <p:cNvPr id="18" name="CaixaDeTexto 17">
@@ -8012,6 +8012,7 @@
               </a:bodyPr>
               <a:lstStyle/>
               <a:p>
+                <a:pPr/>
                 <a14:m>
                   <m:oMathPara xmlns:m="http://schemas.openxmlformats.org/officeDocument/2006/math">
                     <m:oMathParaPr>
@@ -8055,7 +8056,6 @@
                 </a:endParaRPr>
               </a:p>
               <a:p>
-                <a:pPr/>
                 <a:r>
                   <a:rPr lang="pt-BR" b="0" dirty="0" err="1"/>
                   <a:t>Sujeto</a:t>
@@ -8214,7 +8214,7 @@
             </p:txBody>
           </p:sp>
         </mc:Choice>
-        <mc:Fallback>
+        <mc:Fallback xmlns="">
           <p:sp>
             <p:nvSpPr>
               <p:cNvPr id="18" name="CaixaDeTexto 17">
@@ -8461,8 +8461,8 @@
           </a:p>
         </p:txBody>
       </p:sp>
-      <mc:AlternateContent xmlns:mc="http://schemas.openxmlformats.org/markup-compatibility/2006">
-        <mc:Choice xmlns:a14="http://schemas.microsoft.com/office/drawing/2010/main" Requires="a14">
+      <mc:AlternateContent xmlns:mc="http://schemas.openxmlformats.org/markup-compatibility/2006" xmlns:a14="http://schemas.microsoft.com/office/drawing/2010/main">
+        <mc:Choice Requires="a14">
           <p:sp>
             <p:nvSpPr>
               <p:cNvPr id="6" name="CaixaDeTexto 5">
@@ -8504,6 +8504,7 @@
               </a:bodyPr>
               <a:lstStyle/>
               <a:p>
+                <a:pPr/>
                 <a14:m>
                   <m:oMathPara xmlns:m="http://schemas.openxmlformats.org/officeDocument/2006/math">
                     <m:oMathParaPr>
@@ -8541,7 +8542,7 @@
             </p:txBody>
           </p:sp>
         </mc:Choice>
-        <mc:Fallback>
+        <mc:Fallback xmlns="">
           <p:sp>
             <p:nvSpPr>
               <p:cNvPr id="6" name="CaixaDeTexto 5">
@@ -8586,8 +8587,8 @@
           </p:sp>
         </mc:Fallback>
       </mc:AlternateContent>
-      <mc:AlternateContent xmlns:mc="http://schemas.openxmlformats.org/markup-compatibility/2006">
-        <mc:Choice xmlns:a14="http://schemas.microsoft.com/office/drawing/2010/main" Requires="a14">
+      <mc:AlternateContent xmlns:mc="http://schemas.openxmlformats.org/markup-compatibility/2006" xmlns:a14="http://schemas.microsoft.com/office/drawing/2010/main">
+        <mc:Choice Requires="a14">
           <p:sp>
             <p:nvSpPr>
               <p:cNvPr id="7" name="CaixaDeTexto 6">
@@ -8629,6 +8630,7 @@
               </a:bodyPr>
               <a:lstStyle/>
               <a:p>
+                <a:pPr/>
                 <a14:m>
                   <m:oMathPara xmlns:m="http://schemas.openxmlformats.org/officeDocument/2006/math">
                     <m:oMathParaPr>
@@ -8772,7 +8774,7 @@
             </p:txBody>
           </p:sp>
         </mc:Choice>
-        <mc:Fallback>
+        <mc:Fallback xmlns="">
           <p:sp>
             <p:nvSpPr>
               <p:cNvPr id="7" name="CaixaDeTexto 6">
@@ -8817,8 +8819,8 @@
           </p:sp>
         </mc:Fallback>
       </mc:AlternateContent>
-      <mc:AlternateContent xmlns:mc="http://schemas.openxmlformats.org/markup-compatibility/2006">
-        <mc:Choice xmlns:a14="http://schemas.microsoft.com/office/drawing/2010/main" Requires="a14">
+      <mc:AlternateContent xmlns:mc="http://schemas.openxmlformats.org/markup-compatibility/2006" xmlns:a14="http://schemas.microsoft.com/office/drawing/2010/main">
+        <mc:Choice Requires="a14">
           <p:sp>
             <p:nvSpPr>
               <p:cNvPr id="8" name="CaixaDeTexto 7">
@@ -8989,7 +8991,7 @@
             </p:txBody>
           </p:sp>
         </mc:Choice>
-        <mc:Fallback>
+        <mc:Fallback xmlns="">
           <p:sp>
             <p:nvSpPr>
               <p:cNvPr id="8" name="CaixaDeTexto 7">
@@ -9414,8 +9416,8 @@
           </a:p>
         </p:txBody>
       </p:sp>
-      <mc:AlternateContent xmlns:mc="http://schemas.openxmlformats.org/markup-compatibility/2006">
-        <mc:Choice xmlns:a14="http://schemas.microsoft.com/office/drawing/2010/main" Requires="a14">
+      <mc:AlternateContent xmlns:mc="http://schemas.openxmlformats.org/markup-compatibility/2006" xmlns:a14="http://schemas.microsoft.com/office/drawing/2010/main">
+        <mc:Choice Requires="a14">
           <p:sp>
             <p:nvSpPr>
               <p:cNvPr id="5" name="CuadroTexto 4">
@@ -10199,7 +10201,7 @@
             </p:txBody>
           </p:sp>
         </mc:Choice>
-        <mc:Fallback>
+        <mc:Fallback xmlns="">
           <p:sp>
             <p:nvSpPr>
               <p:cNvPr id="5" name="CuadroTexto 4">
@@ -14719,23 +14721,30 @@
           </p:cNvPicPr>
           <p:nvPr/>
         </p:nvPicPr>
-        <p:blipFill rotWithShape="1">
-          <a:blip r:embed="rId2"/>
-          <a:srcRect t="-1" b="-293"/>
-          <a:stretch/>
+        <p:blipFill>
+          <a:blip r:embed="rId2" cstate="print">
+            <a:extLst>
+              <a:ext uri="{28A0092B-C50C-407E-A947-70E740481C1C}">
+                <a14:useLocalDpi xmlns:a14="http://schemas.microsoft.com/office/drawing/2010/main" val="0"/>
+              </a:ext>
+            </a:extLst>
+          </a:blip>
+          <a:stretch>
+            <a:fillRect/>
+          </a:stretch>
         </p:blipFill>
         <p:spPr>
           <a:xfrm>
-            <a:off x="1590488" y="2982430"/>
-            <a:ext cx="5195790" cy="2246769"/>
+            <a:off x="2550914" y="2447846"/>
+            <a:ext cx="4906268" cy="3678549"/>
           </a:xfrm>
           <a:prstGeom prst="rect">
             <a:avLst/>
           </a:prstGeom>
         </p:spPr>
       </p:pic>
-      <mc:AlternateContent xmlns:mc="http://schemas.openxmlformats.org/markup-compatibility/2006" xmlns:a14="http://schemas.microsoft.com/office/drawing/2010/main">
-        <mc:Choice Requires="a14">
+      <mc:AlternateContent xmlns:mc="http://schemas.openxmlformats.org/markup-compatibility/2006">
+        <mc:Choice xmlns:a14="http://schemas.microsoft.com/office/drawing/2010/main" Requires="a14">
           <p:sp>
             <p:nvSpPr>
               <p:cNvPr id="6" name="CuadroTexto 4">
@@ -14751,7 +14760,7 @@
             <p:spPr>
               <a:xfrm>
                 <a:off x="602191" y="836712"/>
-                <a:ext cx="8002257" cy="2246769"/>
+                <a:ext cx="8002257" cy="1323439"/>
               </a:xfrm>
               <a:prstGeom prst="rect">
                 <a:avLst/>
@@ -15235,37 +15244,16 @@
                   <a:t>.</a:t>
                 </a:r>
               </a:p>
-              <a:p>
-                <a:pPr marL="285750" indent="-285750">
-                  <a:buFont typeface="Arial" panose="020B0604020202020204" pitchFamily="34" charset="0"/>
-                  <a:buChar char="•"/>
-                </a:pPr>
-                <a:endParaRPr lang="es-MX" sz="2000" dirty="0"/>
-              </a:p>
-              <a:p>
-                <a:pPr marL="285750" indent="-285750">
-                  <a:buFont typeface="Arial" panose="020B0604020202020204" pitchFamily="34" charset="0"/>
-                  <a:buChar char="•"/>
-                </a:pPr>
-                <a:endParaRPr lang="es-MX" sz="2000" dirty="0"/>
-              </a:p>
-              <a:p>
-                <a:pPr marL="285750" indent="-285750">
-                  <a:buFont typeface="Arial" panose="020B0604020202020204" pitchFamily="34" charset="0"/>
-                  <a:buChar char="•"/>
-                </a:pPr>
-                <a:endParaRPr lang="es-MX" sz="2000" dirty="0"/>
-              </a:p>
             </p:txBody>
           </p:sp>
         </mc:Choice>
-        <mc:Fallback xmlns="">
+        <mc:Fallback>
           <p:sp>
             <p:nvSpPr>
               <p:cNvPr id="6" name="CuadroTexto 4">
                 <a:extLst>
                   <a:ext uri="{FF2B5EF4-FFF2-40B4-BE49-F238E27FC236}">
-                    <a16:creationId xmlns:a16="http://schemas.microsoft.com/office/drawing/2014/main" xmlns="" id="{0EE2E59A-EFC5-4F7D-8B1B-CDE02E4D869C}"/>
+                    <a16:creationId xmlns:a16="http://schemas.microsoft.com/office/drawing/2014/main" id="{0EE2E59A-EFC5-4F7D-8B1B-CDE02E4D869C}"/>
                   </a:ext>
                 </a:extLst>
               </p:cNvPr>
@@ -15277,15 +15265,15 @@
             <p:spPr>
               <a:xfrm>
                 <a:off x="602191" y="836712"/>
-                <a:ext cx="8002257" cy="2246769"/>
+                <a:ext cx="8002257" cy="1323439"/>
               </a:xfrm>
               <a:prstGeom prst="rect">
                 <a:avLst/>
               </a:prstGeom>
-              <a:blipFill rotWithShape="0">
+              <a:blipFill>
                 <a:blip r:embed="rId3"/>
                 <a:stretch>
-                  <a:fillRect l="-686" t="-1355"/>
+                  <a:fillRect l="-686" t="-2304" b="-8295"/>
                 </a:stretch>
               </a:blipFill>
             </p:spPr>
@@ -15414,8 +15402,8 @@
           </a:p>
         </p:txBody>
       </p:sp>
-      <mc:AlternateContent xmlns:mc="http://schemas.openxmlformats.org/markup-compatibility/2006">
-        <mc:Choice xmlns:a14="http://schemas.microsoft.com/office/drawing/2010/main" Requires="a14">
+      <mc:AlternateContent xmlns:mc="http://schemas.openxmlformats.org/markup-compatibility/2006" xmlns:a14="http://schemas.microsoft.com/office/drawing/2010/main">
+        <mc:Choice Requires="a14">
           <p:sp>
             <p:nvSpPr>
               <p:cNvPr id="5" name="CuadroTexto 4"/>
@@ -15502,7 +15490,7 @@
             </p:txBody>
           </p:sp>
         </mc:Choice>
-        <mc:Fallback>
+        <mc:Fallback xmlns="">
           <p:sp>
             <p:nvSpPr>
               <p:cNvPr id="5" name="CuadroTexto 4"/>

--- a/1. Lectures/Introducción a la Optimización aplicada a Sistemas de Energía Eléctrica/Dia 1/2. Modelamiento & Optimización.pptx
+++ b/1. Lectures/Introducción a la Optimización aplicada a Sistemas de Energía Eléctrica/Dia 1/2. Modelamiento & Optimización.pptx
@@ -4757,7 +4757,7 @@
                 </a:solidFill>
                 <a:latin typeface="Bookman Old Style" panose="02050604050505020204" pitchFamily="18" charset="0"/>
               </a:rPr>
-              <a:t>Modelamiento e Optimización</a:t>
+              <a:t>Modelamiento &amp; Optimización</a:t>
             </a:r>
             <a:endParaRPr lang="es-PE" sz="2400" cap="small" dirty="0">
               <a:solidFill>
@@ -14743,8 +14743,8 @@
           </a:prstGeom>
         </p:spPr>
       </p:pic>
-      <mc:AlternateContent xmlns:mc="http://schemas.openxmlformats.org/markup-compatibility/2006">
-        <mc:Choice xmlns:a14="http://schemas.microsoft.com/office/drawing/2010/main" Requires="a14">
+      <mc:AlternateContent xmlns:mc="http://schemas.openxmlformats.org/markup-compatibility/2006" xmlns:a14="http://schemas.microsoft.com/office/drawing/2010/main">
+        <mc:Choice Requires="a14">
           <p:sp>
             <p:nvSpPr>
               <p:cNvPr id="6" name="CuadroTexto 4">
@@ -15247,7 +15247,7 @@
             </p:txBody>
           </p:sp>
         </mc:Choice>
-        <mc:Fallback>
+        <mc:Fallback xmlns="">
           <p:sp>
             <p:nvSpPr>
               <p:cNvPr id="6" name="CuadroTexto 4">
@@ -18393,15 +18393,7 @@
             </a:pPr>
             <a:r>
               <a:rPr lang="es-PE" sz="2400" dirty="0"/>
-              <a:t>Se definen cual </a:t>
-            </a:r>
-            <a:r>
-              <a:rPr lang="es-PE" sz="2400" dirty="0" err="1"/>
-              <a:t>és</a:t>
-            </a:r>
-            <a:r>
-              <a:rPr lang="es-PE" sz="2400" dirty="0"/>
-              <a:t>:</a:t>
+              <a:t>Se definen cual es:</a:t>
             </a:r>
           </a:p>
           <a:p>
